--- a/Work/present_iWing v2.pptx
+++ b/Work/present_iWing v2.pptx
@@ -4,19 +4,27 @@
   <p:sldMasterIdLst>
     <p:sldMasterId id="2147483737" r:id="rId1"/>
   </p:sldMasterIdLst>
+  <p:notesMasterIdLst>
+    <p:notesMasterId r:id="rId16"/>
+  </p:notesMasterIdLst>
+  <p:handoutMasterIdLst>
+    <p:handoutMasterId r:id="rId17"/>
+  </p:handoutMasterIdLst>
   <p:sldIdLst>
     <p:sldId id="256" r:id="rId2"/>
-    <p:sldId id="257" r:id="rId3"/>
-    <p:sldId id="265" r:id="rId4"/>
-    <p:sldId id="258" r:id="rId5"/>
-    <p:sldId id="263" r:id="rId6"/>
-    <p:sldId id="266" r:id="rId7"/>
-    <p:sldId id="259" r:id="rId8"/>
-    <p:sldId id="267" r:id="rId9"/>
-    <p:sldId id="268" r:id="rId10"/>
-    <p:sldId id="262" r:id="rId11"/>
-    <p:sldId id="269" r:id="rId12"/>
-    <p:sldId id="261" r:id="rId13"/>
+    <p:sldId id="270" r:id="rId3"/>
+    <p:sldId id="257" r:id="rId4"/>
+    <p:sldId id="265" r:id="rId5"/>
+    <p:sldId id="258" r:id="rId6"/>
+    <p:sldId id="263" r:id="rId7"/>
+    <p:sldId id="266" r:id="rId8"/>
+    <p:sldId id="259" r:id="rId9"/>
+    <p:sldId id="267" r:id="rId10"/>
+    <p:sldId id="268" r:id="rId11"/>
+    <p:sldId id="262" r:id="rId12"/>
+    <p:sldId id="269" r:id="rId13"/>
+    <p:sldId id="261" r:id="rId14"/>
+    <p:sldId id="271" r:id="rId15"/>
   </p:sldIdLst>
   <p:sldSz cx="12192000" cy="6858000"/>
   <p:notesSz cx="6858000" cy="9144000"/>
@@ -127,6 +135,546 @@
 <p1510:revInfo xmlns:a="http://schemas.openxmlformats.org/drawingml/2006/main" xmlns:r="http://schemas.openxmlformats.org/officeDocument/2006/relationships" xmlns:p1510="http://schemas.microsoft.com/office/powerpoint/2015/10/main"/>
 </file>
 
+<file path=ppt/handoutMasters/handoutMaster1.xml><?xml version="1.0" encoding="utf-8"?>
+<p:handoutMaster xmlns:a="http://schemas.openxmlformats.org/drawingml/2006/main" xmlns:r="http://schemas.openxmlformats.org/officeDocument/2006/relationships" xmlns:p="http://schemas.openxmlformats.org/presentationml/2006/main">
+  <p:cSld>
+    <p:bg>
+      <p:bgRef idx="1001">
+        <a:schemeClr val="bg1"/>
+      </p:bgRef>
+    </p:bg>
+    <p:spTree>
+      <p:nvGrpSpPr>
+        <p:cNvPr id="1" name=""/>
+        <p:cNvGrpSpPr/>
+        <p:nvPr/>
+      </p:nvGrpSpPr>
+      <p:grpSpPr>
+        <a:xfrm>
+          <a:off x="0" y="0"/>
+          <a:ext cx="0" cy="0"/>
+          <a:chOff x="0" y="0"/>
+          <a:chExt cx="0" cy="0"/>
+        </a:xfrm>
+      </p:grpSpPr>
+      <p:sp>
+        <p:nvSpPr>
+          <p:cNvPr id="2" name="Header Placeholder 1">
+            <a:extLst>
+              <a:ext uri="{FF2B5EF4-FFF2-40B4-BE49-F238E27FC236}">
+                <a16:creationId xmlns:a16="http://schemas.microsoft.com/office/drawing/2014/main" id="{6778BC82-D7C3-455B-9E3C-3B7844C2524A}"/>
+              </a:ext>
+            </a:extLst>
+          </p:cNvPr>
+          <p:cNvSpPr>
+            <a:spLocks noGrp="1"/>
+          </p:cNvSpPr>
+          <p:nvPr>
+            <p:ph type="hdr" sz="quarter"/>
+          </p:nvPr>
+        </p:nvSpPr>
+        <p:spPr>
+          <a:xfrm>
+            <a:off x="0" y="0"/>
+            <a:ext cx="2971800" cy="458788"/>
+          </a:xfrm>
+          <a:prstGeom prst="rect">
+            <a:avLst/>
+          </a:prstGeom>
+        </p:spPr>
+        <p:txBody>
+          <a:bodyPr vert="horz" lIns="91440" tIns="45720" rIns="91440" bIns="45720" rtlCol="0"/>
+          <a:lstStyle>
+            <a:lvl1pPr algn="l">
+              <a:defRPr sz="1200"/>
+            </a:lvl1pPr>
+          </a:lstStyle>
+          <a:p>
+            <a:endParaRPr lang="en-US"/>
+          </a:p>
+        </p:txBody>
+      </p:sp>
+      <p:sp>
+        <p:nvSpPr>
+          <p:cNvPr id="3" name="Date Placeholder 2">
+            <a:extLst>
+              <a:ext uri="{FF2B5EF4-FFF2-40B4-BE49-F238E27FC236}">
+                <a16:creationId xmlns:a16="http://schemas.microsoft.com/office/drawing/2014/main" id="{BEDC2826-FAA7-4568-A4CA-6D6B1F5F4181}"/>
+              </a:ext>
+            </a:extLst>
+          </p:cNvPr>
+          <p:cNvSpPr>
+            <a:spLocks noGrp="1"/>
+          </p:cNvSpPr>
+          <p:nvPr>
+            <p:ph type="dt" sz="quarter" idx="1"/>
+          </p:nvPr>
+        </p:nvSpPr>
+        <p:spPr>
+          <a:xfrm>
+            <a:off x="3884613" y="0"/>
+            <a:ext cx="2971800" cy="458788"/>
+          </a:xfrm>
+          <a:prstGeom prst="rect">
+            <a:avLst/>
+          </a:prstGeom>
+        </p:spPr>
+        <p:txBody>
+          <a:bodyPr vert="horz" lIns="91440" tIns="45720" rIns="91440" bIns="45720" rtlCol="0"/>
+          <a:lstStyle>
+            <a:lvl1pPr algn="r">
+              <a:defRPr sz="1200"/>
+            </a:lvl1pPr>
+          </a:lstStyle>
+          <a:p>
+            <a:fld id="{3A1FDFB7-73A7-4081-9982-7A73056C7A80}" type="datetimeFigureOut">
+              <a:rPr lang="en-US" smtClean="0"/>
+              <a:t>9/6/2017</a:t>
+            </a:fld>
+            <a:endParaRPr lang="en-US"/>
+          </a:p>
+        </p:txBody>
+      </p:sp>
+      <p:sp>
+        <p:nvSpPr>
+          <p:cNvPr id="4" name="Footer Placeholder 3">
+            <a:extLst>
+              <a:ext uri="{FF2B5EF4-FFF2-40B4-BE49-F238E27FC236}">
+                <a16:creationId xmlns:a16="http://schemas.microsoft.com/office/drawing/2014/main" id="{B9B40AFA-F7B9-4542-893E-4F1DA1851D68}"/>
+              </a:ext>
+            </a:extLst>
+          </p:cNvPr>
+          <p:cNvSpPr>
+            <a:spLocks noGrp="1"/>
+          </p:cNvSpPr>
+          <p:nvPr>
+            <p:ph type="ftr" sz="quarter" idx="2"/>
+          </p:nvPr>
+        </p:nvSpPr>
+        <p:spPr>
+          <a:xfrm>
+            <a:off x="0" y="8685213"/>
+            <a:ext cx="2971800" cy="458787"/>
+          </a:xfrm>
+          <a:prstGeom prst="rect">
+            <a:avLst/>
+          </a:prstGeom>
+        </p:spPr>
+        <p:txBody>
+          <a:bodyPr vert="horz" lIns="91440" tIns="45720" rIns="91440" bIns="45720" rtlCol="0" anchor="b"/>
+          <a:lstStyle>
+            <a:lvl1pPr algn="l">
+              <a:defRPr sz="1200"/>
+            </a:lvl1pPr>
+          </a:lstStyle>
+          <a:p>
+            <a:endParaRPr lang="en-US"/>
+          </a:p>
+        </p:txBody>
+      </p:sp>
+      <p:sp>
+        <p:nvSpPr>
+          <p:cNvPr id="5" name="Slide Number Placeholder 4">
+            <a:extLst>
+              <a:ext uri="{FF2B5EF4-FFF2-40B4-BE49-F238E27FC236}">
+                <a16:creationId xmlns:a16="http://schemas.microsoft.com/office/drawing/2014/main" id="{26633C47-3B0D-4C70-AEBA-59EBDCC06C1E}"/>
+              </a:ext>
+            </a:extLst>
+          </p:cNvPr>
+          <p:cNvSpPr>
+            <a:spLocks noGrp="1"/>
+          </p:cNvSpPr>
+          <p:nvPr>
+            <p:ph type="sldNum" sz="quarter" idx="3"/>
+          </p:nvPr>
+        </p:nvSpPr>
+        <p:spPr>
+          <a:xfrm>
+            <a:off x="3884613" y="8685213"/>
+            <a:ext cx="2971800" cy="458787"/>
+          </a:xfrm>
+          <a:prstGeom prst="rect">
+            <a:avLst/>
+          </a:prstGeom>
+        </p:spPr>
+        <p:txBody>
+          <a:bodyPr vert="horz" lIns="91440" tIns="45720" rIns="91440" bIns="45720" rtlCol="0" anchor="b"/>
+          <a:lstStyle>
+            <a:lvl1pPr algn="r">
+              <a:defRPr sz="1200"/>
+            </a:lvl1pPr>
+          </a:lstStyle>
+          <a:p>
+            <a:fld id="{923A7468-FAA7-4931-9632-E33B5D97BD04}" type="slidenum">
+              <a:rPr lang="en-US" smtClean="0"/>
+              <a:t>‹#›</a:t>
+            </a:fld>
+            <a:endParaRPr lang="en-US"/>
+          </a:p>
+        </p:txBody>
+      </p:sp>
+    </p:spTree>
+    <p:extLst>
+      <p:ext uri="{BB962C8B-B14F-4D97-AF65-F5344CB8AC3E}">
+        <p14:creationId xmlns:p14="http://schemas.microsoft.com/office/powerpoint/2010/main" val="639617828"/>
+      </p:ext>
+    </p:extLst>
+  </p:cSld>
+  <p:clrMap bg1="lt1" tx1="dk1" bg2="lt2" tx2="dk2" accent1="accent1" accent2="accent2" accent3="accent3" accent4="accent4" accent5="accent5" accent6="accent6" hlink="hlink" folHlink="folHlink"/>
+  <p:hf hdr="0" ftr="0" dt="0"/>
+</p:handoutMaster>
+</file>
+
+<file path=ppt/notesMasters/notesMaster1.xml><?xml version="1.0" encoding="utf-8"?>
+<p:notesMaster xmlns:a="http://schemas.openxmlformats.org/drawingml/2006/main" xmlns:r="http://schemas.openxmlformats.org/officeDocument/2006/relationships" xmlns:p="http://schemas.openxmlformats.org/presentationml/2006/main">
+  <p:cSld>
+    <p:bg>
+      <p:bgRef idx="1001">
+        <a:schemeClr val="bg1"/>
+      </p:bgRef>
+    </p:bg>
+    <p:spTree>
+      <p:nvGrpSpPr>
+        <p:cNvPr id="1" name=""/>
+        <p:cNvGrpSpPr/>
+        <p:nvPr/>
+      </p:nvGrpSpPr>
+      <p:grpSpPr>
+        <a:xfrm>
+          <a:off x="0" y="0"/>
+          <a:ext cx="0" cy="0"/>
+          <a:chOff x="0" y="0"/>
+          <a:chExt cx="0" cy="0"/>
+        </a:xfrm>
+      </p:grpSpPr>
+      <p:sp>
+        <p:nvSpPr>
+          <p:cNvPr id="2" name="Header Placeholder 1"/>
+          <p:cNvSpPr>
+            <a:spLocks noGrp="1"/>
+          </p:cNvSpPr>
+          <p:nvPr>
+            <p:ph type="hdr" sz="quarter"/>
+          </p:nvPr>
+        </p:nvSpPr>
+        <p:spPr>
+          <a:xfrm>
+            <a:off x="0" y="0"/>
+            <a:ext cx="2971800" cy="458788"/>
+          </a:xfrm>
+          <a:prstGeom prst="rect">
+            <a:avLst/>
+          </a:prstGeom>
+        </p:spPr>
+        <p:txBody>
+          <a:bodyPr vert="horz" lIns="91440" tIns="45720" rIns="91440" bIns="45720" rtlCol="0"/>
+          <a:lstStyle>
+            <a:lvl1pPr algn="l">
+              <a:defRPr sz="1200"/>
+            </a:lvl1pPr>
+          </a:lstStyle>
+          <a:p>
+            <a:endParaRPr lang="en-US"/>
+          </a:p>
+        </p:txBody>
+      </p:sp>
+      <p:sp>
+        <p:nvSpPr>
+          <p:cNvPr id="3" name="Date Placeholder 2"/>
+          <p:cNvSpPr>
+            <a:spLocks noGrp="1"/>
+          </p:cNvSpPr>
+          <p:nvPr>
+            <p:ph type="dt" idx="1"/>
+          </p:nvPr>
+        </p:nvSpPr>
+        <p:spPr>
+          <a:xfrm>
+            <a:off x="3884613" y="0"/>
+            <a:ext cx="2971800" cy="458788"/>
+          </a:xfrm>
+          <a:prstGeom prst="rect">
+            <a:avLst/>
+          </a:prstGeom>
+        </p:spPr>
+        <p:txBody>
+          <a:bodyPr vert="horz" lIns="91440" tIns="45720" rIns="91440" bIns="45720" rtlCol="0"/>
+          <a:lstStyle>
+            <a:lvl1pPr algn="r">
+              <a:defRPr sz="1200"/>
+            </a:lvl1pPr>
+          </a:lstStyle>
+          <a:p>
+            <a:fld id="{E4336AD3-0C36-421E-BB54-E59DABCB5F40}" type="datetimeFigureOut">
+              <a:rPr lang="en-US" smtClean="0"/>
+              <a:t>9/6/2017</a:t>
+            </a:fld>
+            <a:endParaRPr lang="en-US"/>
+          </a:p>
+        </p:txBody>
+      </p:sp>
+      <p:sp>
+        <p:nvSpPr>
+          <p:cNvPr id="4" name="Slide Image Placeholder 3"/>
+          <p:cNvSpPr>
+            <a:spLocks noGrp="1" noRot="1" noChangeAspect="1"/>
+          </p:cNvSpPr>
+          <p:nvPr>
+            <p:ph type="sldImg" idx="2"/>
+          </p:nvPr>
+        </p:nvSpPr>
+        <p:spPr>
+          <a:xfrm>
+            <a:off x="685800" y="1143000"/>
+            <a:ext cx="5486400" cy="3086100"/>
+          </a:xfrm>
+          <a:prstGeom prst="rect">
+            <a:avLst/>
+          </a:prstGeom>
+          <a:noFill/>
+          <a:ln w="12700">
+            <a:solidFill>
+              <a:prstClr val="black"/>
+            </a:solidFill>
+          </a:ln>
+        </p:spPr>
+        <p:txBody>
+          <a:bodyPr vert="horz" lIns="91440" tIns="45720" rIns="91440" bIns="45720" rtlCol="0" anchor="ctr"/>
+          <a:lstStyle/>
+          <a:p>
+            <a:endParaRPr lang="en-US"/>
+          </a:p>
+        </p:txBody>
+      </p:sp>
+      <p:sp>
+        <p:nvSpPr>
+          <p:cNvPr id="5" name="Notes Placeholder 4"/>
+          <p:cNvSpPr>
+            <a:spLocks noGrp="1"/>
+          </p:cNvSpPr>
+          <p:nvPr>
+            <p:ph type="body" sz="quarter" idx="3"/>
+          </p:nvPr>
+        </p:nvSpPr>
+        <p:spPr>
+          <a:xfrm>
+            <a:off x="685800" y="4400550"/>
+            <a:ext cx="5486400" cy="3600450"/>
+          </a:xfrm>
+          <a:prstGeom prst="rect">
+            <a:avLst/>
+          </a:prstGeom>
+        </p:spPr>
+        <p:txBody>
+          <a:bodyPr vert="horz" lIns="91440" tIns="45720" rIns="91440" bIns="45720" rtlCol="0"/>
+          <a:lstStyle/>
+          <a:p>
+            <a:pPr lvl="0"/>
+            <a:r>
+              <a:rPr lang="en-US"/>
+              <a:t>Edit Master text styles</a:t>
+            </a:r>
+          </a:p>
+          <a:p>
+            <a:pPr lvl="1"/>
+            <a:r>
+              <a:rPr lang="en-US"/>
+              <a:t>Second level</a:t>
+            </a:r>
+          </a:p>
+          <a:p>
+            <a:pPr lvl="2"/>
+            <a:r>
+              <a:rPr lang="en-US"/>
+              <a:t>Third level</a:t>
+            </a:r>
+          </a:p>
+          <a:p>
+            <a:pPr lvl="3"/>
+            <a:r>
+              <a:rPr lang="en-US"/>
+              <a:t>Fourth level</a:t>
+            </a:r>
+          </a:p>
+          <a:p>
+            <a:pPr lvl="4"/>
+            <a:r>
+              <a:rPr lang="en-US"/>
+              <a:t>Fifth level</a:t>
+            </a:r>
+          </a:p>
+        </p:txBody>
+      </p:sp>
+      <p:sp>
+        <p:nvSpPr>
+          <p:cNvPr id="6" name="Footer Placeholder 5"/>
+          <p:cNvSpPr>
+            <a:spLocks noGrp="1"/>
+          </p:cNvSpPr>
+          <p:nvPr>
+            <p:ph type="ftr" sz="quarter" idx="4"/>
+          </p:nvPr>
+        </p:nvSpPr>
+        <p:spPr>
+          <a:xfrm>
+            <a:off x="0" y="8685213"/>
+            <a:ext cx="2971800" cy="458787"/>
+          </a:xfrm>
+          <a:prstGeom prst="rect">
+            <a:avLst/>
+          </a:prstGeom>
+        </p:spPr>
+        <p:txBody>
+          <a:bodyPr vert="horz" lIns="91440" tIns="45720" rIns="91440" bIns="45720" rtlCol="0" anchor="b"/>
+          <a:lstStyle>
+            <a:lvl1pPr algn="l">
+              <a:defRPr sz="1200"/>
+            </a:lvl1pPr>
+          </a:lstStyle>
+          <a:p>
+            <a:endParaRPr lang="en-US"/>
+          </a:p>
+        </p:txBody>
+      </p:sp>
+      <p:sp>
+        <p:nvSpPr>
+          <p:cNvPr id="7" name="Slide Number Placeholder 6"/>
+          <p:cNvSpPr>
+            <a:spLocks noGrp="1"/>
+          </p:cNvSpPr>
+          <p:nvPr>
+            <p:ph type="sldNum" sz="quarter" idx="5"/>
+          </p:nvPr>
+        </p:nvSpPr>
+        <p:spPr>
+          <a:xfrm>
+            <a:off x="3884613" y="8685213"/>
+            <a:ext cx="2971800" cy="458787"/>
+          </a:xfrm>
+          <a:prstGeom prst="rect">
+            <a:avLst/>
+          </a:prstGeom>
+        </p:spPr>
+        <p:txBody>
+          <a:bodyPr vert="horz" lIns="91440" tIns="45720" rIns="91440" bIns="45720" rtlCol="0" anchor="b"/>
+          <a:lstStyle>
+            <a:lvl1pPr algn="r">
+              <a:defRPr sz="1200"/>
+            </a:lvl1pPr>
+          </a:lstStyle>
+          <a:p>
+            <a:fld id="{C961E869-8645-4B58-A993-4CDAF1CF84E4}" type="slidenum">
+              <a:rPr lang="en-US" smtClean="0"/>
+              <a:t>‹#›</a:t>
+            </a:fld>
+            <a:endParaRPr lang="en-US"/>
+          </a:p>
+        </p:txBody>
+      </p:sp>
+    </p:spTree>
+    <p:extLst>
+      <p:ext uri="{BB962C8B-B14F-4D97-AF65-F5344CB8AC3E}">
+        <p14:creationId xmlns:p14="http://schemas.microsoft.com/office/powerpoint/2010/main" val="579891708"/>
+      </p:ext>
+    </p:extLst>
+  </p:cSld>
+  <p:clrMap bg1="lt1" tx1="dk1" bg2="lt2" tx2="dk2" accent1="accent1" accent2="accent2" accent3="accent3" accent4="accent4" accent5="accent5" accent6="accent6" hlink="hlink" folHlink="folHlink"/>
+  <p:hf hdr="0" ftr="0" dt="0"/>
+  <p:notesStyle>
+    <a:lvl1pPr marL="0" algn="l" defTabSz="914400" rtl="0" eaLnBrk="1" latinLnBrk="0" hangingPunct="1">
+      <a:defRPr sz="1200" kern="1200">
+        <a:solidFill>
+          <a:schemeClr val="tx1"/>
+        </a:solidFill>
+        <a:latin typeface="+mn-lt"/>
+        <a:ea typeface="+mn-ea"/>
+        <a:cs typeface="+mn-cs"/>
+      </a:defRPr>
+    </a:lvl1pPr>
+    <a:lvl2pPr marL="457200" algn="l" defTabSz="914400" rtl="0" eaLnBrk="1" latinLnBrk="0" hangingPunct="1">
+      <a:defRPr sz="1200" kern="1200">
+        <a:solidFill>
+          <a:schemeClr val="tx1"/>
+        </a:solidFill>
+        <a:latin typeface="+mn-lt"/>
+        <a:ea typeface="+mn-ea"/>
+        <a:cs typeface="+mn-cs"/>
+      </a:defRPr>
+    </a:lvl2pPr>
+    <a:lvl3pPr marL="914400" algn="l" defTabSz="914400" rtl="0" eaLnBrk="1" latinLnBrk="0" hangingPunct="1">
+      <a:defRPr sz="1200" kern="1200">
+        <a:solidFill>
+          <a:schemeClr val="tx1"/>
+        </a:solidFill>
+        <a:latin typeface="+mn-lt"/>
+        <a:ea typeface="+mn-ea"/>
+        <a:cs typeface="+mn-cs"/>
+      </a:defRPr>
+    </a:lvl3pPr>
+    <a:lvl4pPr marL="1371600" algn="l" defTabSz="914400" rtl="0" eaLnBrk="1" latinLnBrk="0" hangingPunct="1">
+      <a:defRPr sz="1200" kern="1200">
+        <a:solidFill>
+          <a:schemeClr val="tx1"/>
+        </a:solidFill>
+        <a:latin typeface="+mn-lt"/>
+        <a:ea typeface="+mn-ea"/>
+        <a:cs typeface="+mn-cs"/>
+      </a:defRPr>
+    </a:lvl4pPr>
+    <a:lvl5pPr marL="1828800" algn="l" defTabSz="914400" rtl="0" eaLnBrk="1" latinLnBrk="0" hangingPunct="1">
+      <a:defRPr sz="1200" kern="1200">
+        <a:solidFill>
+          <a:schemeClr val="tx1"/>
+        </a:solidFill>
+        <a:latin typeface="+mn-lt"/>
+        <a:ea typeface="+mn-ea"/>
+        <a:cs typeface="+mn-cs"/>
+      </a:defRPr>
+    </a:lvl5pPr>
+    <a:lvl6pPr marL="2286000" algn="l" defTabSz="914400" rtl="0" eaLnBrk="1" latinLnBrk="0" hangingPunct="1">
+      <a:defRPr sz="1200" kern="1200">
+        <a:solidFill>
+          <a:schemeClr val="tx1"/>
+        </a:solidFill>
+        <a:latin typeface="+mn-lt"/>
+        <a:ea typeface="+mn-ea"/>
+        <a:cs typeface="+mn-cs"/>
+      </a:defRPr>
+    </a:lvl6pPr>
+    <a:lvl7pPr marL="2743200" algn="l" defTabSz="914400" rtl="0" eaLnBrk="1" latinLnBrk="0" hangingPunct="1">
+      <a:defRPr sz="1200" kern="1200">
+        <a:solidFill>
+          <a:schemeClr val="tx1"/>
+        </a:solidFill>
+        <a:latin typeface="+mn-lt"/>
+        <a:ea typeface="+mn-ea"/>
+        <a:cs typeface="+mn-cs"/>
+      </a:defRPr>
+    </a:lvl7pPr>
+    <a:lvl8pPr marL="3200400" algn="l" defTabSz="914400" rtl="0" eaLnBrk="1" latinLnBrk="0" hangingPunct="1">
+      <a:defRPr sz="1200" kern="1200">
+        <a:solidFill>
+          <a:schemeClr val="tx1"/>
+        </a:solidFill>
+        <a:latin typeface="+mn-lt"/>
+        <a:ea typeface="+mn-ea"/>
+        <a:cs typeface="+mn-cs"/>
+      </a:defRPr>
+    </a:lvl8pPr>
+    <a:lvl9pPr marL="3657600" algn="l" defTabSz="914400" rtl="0" eaLnBrk="1" latinLnBrk="0" hangingPunct="1">
+      <a:defRPr sz="1200" kern="1200">
+        <a:solidFill>
+          <a:schemeClr val="tx1"/>
+        </a:solidFill>
+        <a:latin typeface="+mn-lt"/>
+        <a:ea typeface="+mn-ea"/>
+        <a:cs typeface="+mn-cs"/>
+      </a:defRPr>
+    </a:lvl9pPr>
+  </p:notesStyle>
+</p:notesMaster>
+</file>
+
 <file path=ppt/slideLayouts/slideLayout1.xml><?xml version="1.0" encoding="utf-8"?>
 <p:sldLayout xmlns:a="http://schemas.openxmlformats.org/drawingml/2006/main" xmlns:r="http://schemas.openxmlformats.org/officeDocument/2006/relationships" xmlns:p="http://schemas.openxmlformats.org/presentationml/2006/main" type="title" preserve="1">
   <p:cSld name="Title Slide">
@@ -264,9 +812,9 @@
           <a:bodyPr/>
           <a:lstStyle/>
           <a:p>
-            <a:fld id="{F32F5DCA-6F41-44EC-B59D-76BC493C00FA}" type="datetimeFigureOut">
+            <a:fld id="{A83017DD-976E-4DE7-8B52-FF913967DAC6}" type="datetime1">
               <a:rPr lang="en-US" smtClean="0"/>
-              <a:t>9/3/2017</a:t>
+              <a:t>9/6/2017</a:t>
             </a:fld>
             <a:endParaRPr lang="en-US"/>
           </a:p>
@@ -444,9 +992,9 @@
           <a:bodyPr/>
           <a:lstStyle/>
           <a:p>
-            <a:fld id="{F32F5DCA-6F41-44EC-B59D-76BC493C00FA}" type="datetimeFigureOut">
+            <a:fld id="{B47AB2E8-122B-4A97-B6BF-B2AD33BF01BC}" type="datetime1">
               <a:rPr lang="en-US" smtClean="0"/>
-              <a:t>9/3/2017</a:t>
+              <a:t>9/6/2017</a:t>
             </a:fld>
             <a:endParaRPr lang="en-US"/>
           </a:p>
@@ -628,9 +1176,9 @@
           <a:bodyPr/>
           <a:lstStyle/>
           <a:p>
-            <a:fld id="{F32F5DCA-6F41-44EC-B59D-76BC493C00FA}" type="datetimeFigureOut">
+            <a:fld id="{79CF141F-AF28-4182-86F5-EA20A05209EF}" type="datetime1">
               <a:rPr lang="en-US" smtClean="0"/>
-              <a:t>9/3/2017</a:t>
+              <a:t>9/6/2017</a:t>
             </a:fld>
             <a:endParaRPr lang="en-US"/>
           </a:p>
@@ -798,9 +1346,9 @@
           <a:bodyPr/>
           <a:lstStyle/>
           <a:p>
-            <a:fld id="{F32F5DCA-6F41-44EC-B59D-76BC493C00FA}" type="datetimeFigureOut">
+            <a:fld id="{0F5B08ED-0F94-47ED-8D9D-E5D7F8D5254B}" type="datetime1">
               <a:rPr lang="en-US" smtClean="0"/>
-              <a:t>9/3/2017</a:t>
+              <a:t>9/6/2017</a:t>
             </a:fld>
             <a:endParaRPr lang="en-US"/>
           </a:p>
@@ -1046,9 +1594,9 @@
           <a:bodyPr/>
           <a:lstStyle/>
           <a:p>
-            <a:fld id="{F32F5DCA-6F41-44EC-B59D-76BC493C00FA}" type="datetimeFigureOut">
+            <a:fld id="{E9FA9901-5AE6-4AF1-9D60-21047F85F91B}" type="datetime1">
               <a:rPr lang="en-US" smtClean="0"/>
-              <a:t>9/3/2017</a:t>
+              <a:t>9/6/2017</a:t>
             </a:fld>
             <a:endParaRPr lang="en-US"/>
           </a:p>
@@ -1283,9 +1831,9 @@
           <a:bodyPr/>
           <a:lstStyle/>
           <a:p>
-            <a:fld id="{F32F5DCA-6F41-44EC-B59D-76BC493C00FA}" type="datetimeFigureOut">
+            <a:fld id="{A8BD8501-4A48-41EF-B46D-C7A02A4734FA}" type="datetime1">
               <a:rPr lang="en-US" smtClean="0"/>
-              <a:t>9/3/2017</a:t>
+              <a:t>9/6/2017</a:t>
             </a:fld>
             <a:endParaRPr lang="en-US"/>
           </a:p>
@@ -1668,9 +2216,9 @@
           <a:bodyPr/>
           <a:lstStyle/>
           <a:p>
-            <a:fld id="{F32F5DCA-6F41-44EC-B59D-76BC493C00FA}" type="datetimeFigureOut">
+            <a:fld id="{ED22162E-DFE0-4C70-920E-F8D80426CB09}" type="datetime1">
               <a:rPr lang="en-US" smtClean="0"/>
-              <a:t>9/3/2017</a:t>
+              <a:t>9/6/2017</a:t>
             </a:fld>
             <a:endParaRPr lang="en-US"/>
           </a:p>
@@ -1786,9 +2334,9 @@
           <a:bodyPr/>
           <a:lstStyle/>
           <a:p>
-            <a:fld id="{F32F5DCA-6F41-44EC-B59D-76BC493C00FA}" type="datetimeFigureOut">
+            <a:fld id="{7119AD04-15F3-42F3-80DB-7FAD20673849}" type="datetime1">
               <a:rPr lang="en-US" smtClean="0"/>
-              <a:t>9/3/2017</a:t>
+              <a:t>9/6/2017</a:t>
             </a:fld>
             <a:endParaRPr lang="en-US"/>
           </a:p>
@@ -1881,9 +2429,9 @@
           <a:bodyPr/>
           <a:lstStyle/>
           <a:p>
-            <a:fld id="{F32F5DCA-6F41-44EC-B59D-76BC493C00FA}" type="datetimeFigureOut">
+            <a:fld id="{4D577943-6044-437C-9210-97727ABC4D08}" type="datetime1">
               <a:rPr lang="en-US" smtClean="0"/>
-              <a:t>9/3/2017</a:t>
+              <a:t>9/6/2017</a:t>
             </a:fld>
             <a:endParaRPr lang="en-US"/>
           </a:p>
@@ -2132,9 +2680,9 @@
           <a:bodyPr/>
           <a:lstStyle/>
           <a:p>
-            <a:fld id="{F32F5DCA-6F41-44EC-B59D-76BC493C00FA}" type="datetimeFigureOut">
+            <a:fld id="{67552C3B-845F-45CE-9455-DB0B3AC79479}" type="datetime1">
               <a:rPr lang="en-US" smtClean="0"/>
-              <a:t>9/3/2017</a:t>
+              <a:t>9/6/2017</a:t>
             </a:fld>
             <a:endParaRPr lang="en-US"/>
           </a:p>
@@ -2523,9 +3071,9 @@
             </a:lvl1pPr>
           </a:lstStyle>
           <a:p>
-            <a:fld id="{F32F5DCA-6F41-44EC-B59D-76BC493C00FA}" type="datetimeFigureOut">
+            <a:fld id="{6BDB7479-2CB3-4520-8F8B-376CC0925E06}" type="datetime1">
               <a:rPr lang="en-US" smtClean="0"/>
-              <a:t>9/3/2017</a:t>
+              <a:t>9/6/2017</a:t>
             </a:fld>
             <a:endParaRPr lang="en-US"/>
           </a:p>
@@ -2740,9 +3288,9 @@
             </a:lvl1pPr>
           </a:lstStyle>
           <a:p>
-            <a:fld id="{F32F5DCA-6F41-44EC-B59D-76BC493C00FA}" type="datetimeFigureOut">
+            <a:fld id="{A8C6F660-3145-4D27-825A-7445325BA3AC}" type="datetime1">
               <a:rPr lang="en-US" smtClean="0"/>
-              <a:t>9/3/2017</a:t>
+              <a:t>9/6/2017</a:t>
             </a:fld>
             <a:endParaRPr lang="en-US"/>
           </a:p>
@@ -2962,6 +3510,7 @@
     <p:sldLayoutId id="2147483747" r:id="rId10"/>
     <p:sldLayoutId id="2147483748" r:id="rId11"/>
   </p:sldLayoutIdLst>
+  <p:hf hdr="0" ftr="0" dt="0"/>
   <p:txStyles>
     <p:titleStyle>
       <a:lvl1pPr algn="ctr" defTabSz="914400" rtl="0" eaLnBrk="1" latinLnBrk="0" hangingPunct="1">
@@ -3384,6 +3933,40 @@
           </a:p>
         </p:txBody>
       </p:sp>
+      <p:sp>
+        <p:nvSpPr>
+          <p:cNvPr id="8" name="Slide Number Placeholder 7">
+            <a:extLst>
+              <a:ext uri="{FF2B5EF4-FFF2-40B4-BE49-F238E27FC236}">
+                <a16:creationId xmlns:a16="http://schemas.microsoft.com/office/drawing/2014/main" id="{5DBC1A14-1CFF-42C4-86D0-C761EC8E7442}"/>
+              </a:ext>
+            </a:extLst>
+          </p:cNvPr>
+          <p:cNvSpPr>
+            <a:spLocks noGrp="1"/>
+          </p:cNvSpPr>
+          <p:nvPr>
+            <p:ph type="sldNum" sz="quarter" idx="12"/>
+          </p:nvPr>
+        </p:nvSpPr>
+        <p:spPr>
+          <a:xfrm>
+            <a:off x="11171339" y="6255556"/>
+            <a:ext cx="811019" cy="503578"/>
+          </a:xfrm>
+        </p:spPr>
+        <p:txBody>
+          <a:bodyPr/>
+          <a:lstStyle/>
+          <a:p>
+            <a:fld id="{1B89DD3E-DF22-4EA1-BEAF-D8BFA9CB354D}" type="slidenum">
+              <a:rPr lang="en-US" smtClean="0"/>
+              <a:t>1</a:t>
+            </a:fld>
+            <a:endParaRPr lang="en-US" dirty="0"/>
+          </a:p>
+        </p:txBody>
+      </p:sp>
     </p:spTree>
     <p:extLst>
       <p:ext uri="{BB962C8B-B14F-4D97-AF65-F5344CB8AC3E}">
@@ -3416,10 +3999,10 @@
       </p:grpSpPr>
       <p:sp>
         <p:nvSpPr>
-          <p:cNvPr id="2" name="Title 1">
+          <p:cNvPr id="3" name="Content Placeholder 2">
             <a:extLst>
               <a:ext uri="{FF2B5EF4-FFF2-40B4-BE49-F238E27FC236}">
-                <a16:creationId xmlns:a16="http://schemas.microsoft.com/office/drawing/2014/main" id="{209BC085-5EAD-4930-84BE-9DB76C51FBA6}"/>
+                <a16:creationId xmlns:a16="http://schemas.microsoft.com/office/drawing/2014/main" id="{E0E1A40D-ACFC-44D7-B6E7-8D0892BB5B5C}"/>
               </a:ext>
             </a:extLst>
           </p:cNvPr>
@@ -3427,195 +4010,295 @@
             <a:spLocks noGrp="1"/>
           </p:cNvSpPr>
           <p:nvPr>
-            <p:ph type="title"/>
-          </p:nvPr>
-        </p:nvSpPr>
-        <p:spPr>
-          <a:xfrm>
-            <a:off x="531515" y="173426"/>
-            <a:ext cx="9291215" cy="1049235"/>
-          </a:xfrm>
-        </p:spPr>
-        <p:txBody>
-          <a:bodyPr/>
-          <a:lstStyle/>
-          <a:p>
-            <a:pPr algn="l"/>
-            <a:r>
-              <a:rPr lang="en-US" dirty="0"/>
-              <a:t>Equipment</a:t>
-            </a:r>
-          </a:p>
-        </p:txBody>
-      </p:sp>
-      <p:sp>
-        <p:nvSpPr>
-          <p:cNvPr id="4" name="TextBox 3">
-            <a:extLst>
-              <a:ext uri="{FF2B5EF4-FFF2-40B4-BE49-F238E27FC236}">
-                <a16:creationId xmlns:a16="http://schemas.microsoft.com/office/drawing/2014/main" id="{C99CC86C-F1DD-4A41-8B89-221A8D967738}"/>
-              </a:ext>
-            </a:extLst>
-          </p:cNvPr>
-          <p:cNvSpPr txBox="1"/>
-          <p:nvPr/>
-        </p:nvSpPr>
-        <p:spPr>
-          <a:xfrm>
-            <a:off x="3836710" y="1930400"/>
-            <a:ext cx="5986020" cy="1077218"/>
-          </a:xfrm>
-          <a:prstGeom prst="rect">
-            <a:avLst/>
-          </a:prstGeom>
-          <a:noFill/>
-        </p:spPr>
-        <p:txBody>
-          <a:bodyPr wrap="square" rtlCol="0">
-            <a:spAutoFit/>
+            <p:ph idx="1"/>
+          </p:nvPr>
+        </p:nvSpPr>
+        <p:spPr>
+          <a:xfrm>
+            <a:off x="425860" y="168965"/>
+            <a:ext cx="9291215" cy="3832308"/>
+          </a:xfrm>
+        </p:spPr>
+        <p:txBody>
+          <a:bodyPr>
+            <a:normAutofit fontScale="92500" lnSpcReduction="20000"/>
           </a:bodyPr>
           <a:lstStyle/>
           <a:p>
-            <a:r>
-              <a:rPr lang="en-US" sz="3200" dirty="0"/>
-              <a:t>Weight Sensor (Load Cell) 0-100 kg</a:t>
-            </a:r>
+            <a:pPr marL="457200" indent="-457200">
+              <a:buFont typeface="+mj-lt"/>
+              <a:buAutoNum type="arabicPeriod"/>
+            </a:pPr>
+            <a:endParaRPr lang="en-US" sz="2800" dirty="0"/>
+          </a:p>
+          <a:p>
+            <a:pPr marL="0" indent="0">
+              <a:buNone/>
+            </a:pPr>
+            <a:r>
+              <a:rPr lang="en-US" sz="2800" dirty="0"/>
+              <a:t>3. First player must repeat it and add his/hers. </a:t>
+            </a:r>
+          </a:p>
+          <a:p>
+            <a:pPr marL="0" indent="0">
+              <a:buNone/>
+            </a:pPr>
+            <a:endParaRPr lang="en-US" sz="2800" dirty="0"/>
+          </a:p>
+          <a:p>
+            <a:pPr marL="0" indent="0">
+              <a:buNone/>
+            </a:pPr>
+            <a:endParaRPr lang="en-US" sz="2800" dirty="0"/>
+          </a:p>
+          <a:p>
+            <a:pPr marL="0" indent="0">
+              <a:buNone/>
+            </a:pPr>
+            <a:endParaRPr lang="en-US" sz="2800" dirty="0"/>
+          </a:p>
+          <a:p>
+            <a:pPr marL="0" indent="0">
+              <a:buNone/>
+            </a:pPr>
+            <a:endParaRPr lang="en-US" sz="2800" dirty="0"/>
+          </a:p>
+          <a:p>
+            <a:pPr marL="0" indent="0">
+              <a:buNone/>
+            </a:pPr>
+            <a:r>
+              <a:rPr lang="en-US" sz="2800" dirty="0"/>
+              <a:t>4.Repeat until someone fail</a:t>
+            </a:r>
+          </a:p>
+          <a:p>
+            <a:pPr marL="0" indent="0">
+              <a:buNone/>
+            </a:pPr>
+            <a:endParaRPr lang="en-US" sz="2800" dirty="0"/>
           </a:p>
         </p:txBody>
       </p:sp>
       <p:pic>
         <p:nvPicPr>
-          <p:cNvPr id="1030" name="Picture 6" descr="Raspberry Pi Zero">
+          <p:cNvPr id="4" name="Picture 3">
             <a:extLst>
               <a:ext uri="{FF2B5EF4-FFF2-40B4-BE49-F238E27FC236}">
-                <a16:creationId xmlns:a16="http://schemas.microsoft.com/office/drawing/2014/main" id="{3C6C1736-AF90-44CD-9F61-EB4B3C09A383}"/>
+                <a16:creationId xmlns:a16="http://schemas.microsoft.com/office/drawing/2014/main" id="{D407ED83-46EE-4B70-B739-085F18245288}"/>
               </a:ext>
             </a:extLst>
           </p:cNvPr>
           <p:cNvPicPr>
-            <a:picLocks noChangeAspect="1" noChangeArrowheads="1"/>
+            <a:picLocks noChangeAspect="1"/>
           </p:cNvPicPr>
           <p:nvPr/>
         </p:nvPicPr>
         <p:blipFill>
-          <a:blip r:embed="rId2">
-            <a:extLst>
-              <a:ext uri="{28A0092B-C50C-407E-A947-70E740481C1C}">
-                <a14:useLocalDpi xmlns:a14="http://schemas.microsoft.com/office/drawing/2010/main" val="0"/>
-              </a:ext>
-            </a:extLst>
-          </a:blip>
-          <a:srcRect/>
+          <a:blip r:embed="rId2"/>
           <a:stretch>
             <a:fillRect/>
           </a:stretch>
         </p:blipFill>
-        <p:spPr bwMode="auto">
-          <a:xfrm>
-            <a:off x="1185862" y="3522421"/>
-            <a:ext cx="2045970" cy="2045970"/>
+        <p:spPr>
+          <a:xfrm>
+            <a:off x="690520" y="1334044"/>
+            <a:ext cx="2472397" cy="1657032"/>
           </a:xfrm>
           <a:prstGeom prst="rect">
             <a:avLst/>
           </a:prstGeom>
-          <a:noFill/>
-          <a:extLst>
-            <a:ext uri="{909E8E84-426E-40DD-AFC4-6F175D3DCCD1}">
-              <a14:hiddenFill xmlns:a14="http://schemas.microsoft.com/office/drawing/2010/main">
-                <a:solidFill>
-                  <a:srgbClr val="FFFFFF"/>
-                </a:solidFill>
-              </a14:hiddenFill>
-            </a:ext>
-          </a:extLst>
         </p:spPr>
       </p:pic>
-      <p:sp>
-        <p:nvSpPr>
-          <p:cNvPr id="9" name="TextBox 8">
-            <a:extLst>
-              <a:ext uri="{FF2B5EF4-FFF2-40B4-BE49-F238E27FC236}">
-                <a16:creationId xmlns:a16="http://schemas.microsoft.com/office/drawing/2014/main" id="{3880B3EA-CAD7-46F9-AA95-B56D00F8218E}"/>
-              </a:ext>
-            </a:extLst>
-          </p:cNvPr>
-          <p:cNvSpPr txBox="1"/>
-          <p:nvPr/>
-        </p:nvSpPr>
-        <p:spPr>
-          <a:xfrm>
-            <a:off x="4081805" y="4176074"/>
-            <a:ext cx="7111712" cy="584775"/>
-          </a:xfrm>
-          <a:prstGeom prst="rect">
-            <a:avLst/>
-          </a:prstGeom>
-          <a:noFill/>
-        </p:spPr>
-        <p:txBody>
-          <a:bodyPr wrap="square" rtlCol="0">
-            <a:spAutoFit/>
-          </a:bodyPr>
-          <a:lstStyle/>
-          <a:p>
-            <a:r>
-              <a:rPr lang="en-US" sz="3200" dirty="0"/>
-              <a:t>Raspberry Pi, Arduino</a:t>
-            </a:r>
-          </a:p>
-        </p:txBody>
-      </p:sp>
       <p:pic>
         <p:nvPicPr>
-          <p:cNvPr id="5124" name="Picture 4" descr="ผลการค้นหารูปภาพสำหรับ weight sensor 0 - 100">
+          <p:cNvPr id="5" name="Picture 4">
             <a:extLst>
               <a:ext uri="{FF2B5EF4-FFF2-40B4-BE49-F238E27FC236}">
-                <a16:creationId xmlns:a16="http://schemas.microsoft.com/office/drawing/2014/main" id="{4DA7CDB2-B5BD-4ADA-BEF3-598F263C94A6}"/>
+                <a16:creationId xmlns:a16="http://schemas.microsoft.com/office/drawing/2014/main" id="{BA9F8043-C4C0-448F-8055-98DD3F1FD0BD}"/>
               </a:ext>
             </a:extLst>
           </p:cNvPr>
           <p:cNvPicPr>
-            <a:picLocks noChangeAspect="1" noChangeArrowheads="1"/>
+            <a:picLocks noChangeAspect="1"/>
           </p:cNvPicPr>
           <p:nvPr/>
         </p:nvPicPr>
         <p:blipFill>
-          <a:blip r:embed="rId3">
-            <a:extLst>
-              <a:ext uri="{28A0092B-C50C-407E-A947-70E740481C1C}">
-                <a14:useLocalDpi xmlns:a14="http://schemas.microsoft.com/office/drawing/2010/main" val="0"/>
-              </a:ext>
-            </a:extLst>
-          </a:blip>
-          <a:srcRect/>
+          <a:blip r:embed="rId3"/>
           <a:stretch>
             <a:fillRect/>
           </a:stretch>
         </p:blipFill>
-        <p:spPr bwMode="auto">
-          <a:xfrm>
-            <a:off x="1081087" y="1039693"/>
-            <a:ext cx="2150745" cy="2150745"/>
+        <p:spPr>
+          <a:xfrm>
+            <a:off x="3690540" y="1276735"/>
+            <a:ext cx="2667000" cy="1771650"/>
           </a:xfrm>
           <a:prstGeom prst="rect">
             <a:avLst/>
           </a:prstGeom>
-          <a:noFill/>
-          <a:extLst>
-            <a:ext uri="{909E8E84-426E-40DD-AFC4-6F175D3DCCD1}">
-              <a14:hiddenFill xmlns:a14="http://schemas.microsoft.com/office/drawing/2010/main">
-                <a:solidFill>
-                  <a:srgbClr val="FFFFFF"/>
-                </a:solidFill>
-              </a14:hiddenFill>
-            </a:ext>
-          </a:extLst>
         </p:spPr>
       </p:pic>
+      <p:pic>
+        <p:nvPicPr>
+          <p:cNvPr id="7" name="Picture 6">
+            <a:extLst>
+              <a:ext uri="{FF2B5EF4-FFF2-40B4-BE49-F238E27FC236}">
+                <a16:creationId xmlns:a16="http://schemas.microsoft.com/office/drawing/2014/main" id="{38AA59FA-272A-4E6A-8650-DBB5426D0D04}"/>
+              </a:ext>
+            </a:extLst>
+          </p:cNvPr>
+          <p:cNvPicPr>
+            <a:picLocks noChangeAspect="1"/>
+          </p:cNvPicPr>
+          <p:nvPr/>
+        </p:nvPicPr>
+        <p:blipFill>
+          <a:blip r:embed="rId4"/>
+          <a:stretch>
+            <a:fillRect/>
+          </a:stretch>
+        </p:blipFill>
+        <p:spPr>
+          <a:xfrm>
+            <a:off x="6882543" y="1276735"/>
+            <a:ext cx="2647950" cy="1771650"/>
+          </a:xfrm>
+          <a:prstGeom prst="rect">
+            <a:avLst/>
+          </a:prstGeom>
+        </p:spPr>
+      </p:pic>
+      <p:pic>
+        <p:nvPicPr>
+          <p:cNvPr id="8" name="Picture 7">
+            <a:extLst>
+              <a:ext uri="{FF2B5EF4-FFF2-40B4-BE49-F238E27FC236}">
+                <a16:creationId xmlns:a16="http://schemas.microsoft.com/office/drawing/2014/main" id="{01634BDF-1288-48C6-B35F-525E953D75A7}"/>
+              </a:ext>
+            </a:extLst>
+          </p:cNvPr>
+          <p:cNvPicPr>
+            <a:picLocks noChangeAspect="1"/>
+          </p:cNvPicPr>
+          <p:nvPr/>
+        </p:nvPicPr>
+        <p:blipFill>
+          <a:blip r:embed="rId5"/>
+          <a:stretch>
+            <a:fillRect/>
+          </a:stretch>
+        </p:blipFill>
+        <p:spPr>
+          <a:xfrm>
+            <a:off x="6882543" y="3792046"/>
+            <a:ext cx="2657475" cy="1781175"/>
+          </a:xfrm>
+          <a:prstGeom prst="rect">
+            <a:avLst/>
+          </a:prstGeom>
+        </p:spPr>
+      </p:pic>
+      <p:pic>
+        <p:nvPicPr>
+          <p:cNvPr id="12" name="Picture 11">
+            <a:extLst>
+              <a:ext uri="{FF2B5EF4-FFF2-40B4-BE49-F238E27FC236}">
+                <a16:creationId xmlns:a16="http://schemas.microsoft.com/office/drawing/2014/main" id="{B040262F-6A6B-42FF-B816-22205AA18D18}"/>
+              </a:ext>
+            </a:extLst>
+          </p:cNvPr>
+          <p:cNvPicPr>
+            <a:picLocks noChangeAspect="1"/>
+          </p:cNvPicPr>
+          <p:nvPr/>
+        </p:nvPicPr>
+        <p:blipFill>
+          <a:blip r:embed="rId2"/>
+          <a:stretch>
+            <a:fillRect/>
+          </a:stretch>
+        </p:blipFill>
+        <p:spPr>
+          <a:xfrm>
+            <a:off x="558440" y="3858880"/>
+            <a:ext cx="2472397" cy="1657032"/>
+          </a:xfrm>
+          <a:prstGeom prst="rect">
+            <a:avLst/>
+          </a:prstGeom>
+        </p:spPr>
+      </p:pic>
+      <p:pic>
+        <p:nvPicPr>
+          <p:cNvPr id="13" name="Picture 12">
+            <a:extLst>
+              <a:ext uri="{FF2B5EF4-FFF2-40B4-BE49-F238E27FC236}">
+                <a16:creationId xmlns:a16="http://schemas.microsoft.com/office/drawing/2014/main" id="{E10F6B51-1079-4A9C-8A35-3588B9ED064F}"/>
+              </a:ext>
+            </a:extLst>
+          </p:cNvPr>
+          <p:cNvPicPr>
+            <a:picLocks noChangeAspect="1"/>
+          </p:cNvPicPr>
+          <p:nvPr/>
+        </p:nvPicPr>
+        <p:blipFill>
+          <a:blip r:embed="rId3"/>
+          <a:stretch>
+            <a:fillRect/>
+          </a:stretch>
+        </p:blipFill>
+        <p:spPr>
+          <a:xfrm>
+            <a:off x="3558460" y="3801571"/>
+            <a:ext cx="2667000" cy="1771650"/>
+          </a:xfrm>
+          <a:prstGeom prst="rect">
+            <a:avLst/>
+          </a:prstGeom>
+        </p:spPr>
+      </p:pic>
+      <p:sp>
+        <p:nvSpPr>
+          <p:cNvPr id="9" name="Slide Number Placeholder 8">
+            <a:extLst>
+              <a:ext uri="{FF2B5EF4-FFF2-40B4-BE49-F238E27FC236}">
+                <a16:creationId xmlns:a16="http://schemas.microsoft.com/office/drawing/2014/main" id="{8CBCA95E-F714-48CB-93FC-B203FDA29B60}"/>
+              </a:ext>
+            </a:extLst>
+          </p:cNvPr>
+          <p:cNvSpPr>
+            <a:spLocks noGrp="1"/>
+          </p:cNvSpPr>
+          <p:nvPr>
+            <p:ph type="sldNum" sz="quarter" idx="12"/>
+          </p:nvPr>
+        </p:nvSpPr>
+        <p:spPr>
+          <a:xfrm>
+            <a:off x="11085112" y="6265495"/>
+            <a:ext cx="811019" cy="503578"/>
+          </a:xfrm>
+        </p:spPr>
+        <p:txBody>
+          <a:bodyPr/>
+          <a:lstStyle/>
+          <a:p>
+            <a:fld id="{1B89DD3E-DF22-4EA1-BEAF-D8BFA9CB354D}" type="slidenum">
+              <a:rPr lang="en-US" smtClean="0"/>
+              <a:t>10</a:t>
+            </a:fld>
+            <a:endParaRPr lang="en-US" dirty="0"/>
+          </a:p>
+        </p:txBody>
+      </p:sp>
     </p:spTree>
     <p:extLst>
       <p:ext uri="{BB962C8B-B14F-4D97-AF65-F5344CB8AC3E}">
-        <p14:creationId xmlns:p14="http://schemas.microsoft.com/office/powerpoint/2010/main" val="1464393841"/>
+        <p14:creationId xmlns:p14="http://schemas.microsoft.com/office/powerpoint/2010/main" val="556646487"/>
       </p:ext>
     </p:extLst>
   </p:cSld>
@@ -3644,10 +4327,10 @@
       </p:grpSpPr>
       <p:sp>
         <p:nvSpPr>
-          <p:cNvPr id="3" name="Content Placeholder 2">
+          <p:cNvPr id="2" name="Title 1">
             <a:extLst>
               <a:ext uri="{FF2B5EF4-FFF2-40B4-BE49-F238E27FC236}">
-                <a16:creationId xmlns:a16="http://schemas.microsoft.com/office/drawing/2014/main" id="{4D8AC605-E274-4419-83C9-689389971576}"/>
+                <a16:creationId xmlns:a16="http://schemas.microsoft.com/office/drawing/2014/main" id="{209BC085-5EAD-4930-84BE-9DB76C51FBA6}"/>
               </a:ext>
             </a:extLst>
           </p:cNvPr>
@@ -3655,38 +4338,68 @@
             <a:spLocks noGrp="1"/>
           </p:cNvSpPr>
           <p:nvPr>
-            <p:ph idx="1"/>
-          </p:nvPr>
-        </p:nvSpPr>
-        <p:spPr>
-          <a:xfrm>
-            <a:off x="4907280" y="776977"/>
-            <a:ext cx="7430814" cy="920443"/>
-          </a:xfrm>
-        </p:spPr>
-        <p:txBody>
-          <a:bodyPr>
-            <a:noAutofit/>
+            <p:ph type="title"/>
+          </p:nvPr>
+        </p:nvSpPr>
+        <p:spPr>
+          <a:xfrm>
+            <a:off x="531515" y="173426"/>
+            <a:ext cx="9291215" cy="1049235"/>
+          </a:xfrm>
+        </p:spPr>
+        <p:txBody>
+          <a:bodyPr/>
+          <a:lstStyle/>
+          <a:p>
+            <a:pPr algn="l"/>
+            <a:r>
+              <a:rPr lang="en-US" dirty="0"/>
+              <a:t>Equipment</a:t>
+            </a:r>
+          </a:p>
+        </p:txBody>
+      </p:sp>
+      <p:sp>
+        <p:nvSpPr>
+          <p:cNvPr id="4" name="TextBox 3">
+            <a:extLst>
+              <a:ext uri="{FF2B5EF4-FFF2-40B4-BE49-F238E27FC236}">
+                <a16:creationId xmlns:a16="http://schemas.microsoft.com/office/drawing/2014/main" id="{C99CC86C-F1DD-4A41-8B89-221A8D967738}"/>
+              </a:ext>
+            </a:extLst>
+          </p:cNvPr>
+          <p:cNvSpPr txBox="1"/>
+          <p:nvPr/>
+        </p:nvSpPr>
+        <p:spPr>
+          <a:xfrm>
+            <a:off x="3836710" y="1930400"/>
+            <a:ext cx="5986020" cy="1077218"/>
+          </a:xfrm>
+          <a:prstGeom prst="rect">
+            <a:avLst/>
+          </a:prstGeom>
+          <a:noFill/>
+        </p:spPr>
+        <p:txBody>
+          <a:bodyPr wrap="square" rtlCol="0">
+            <a:spAutoFit/>
           </a:bodyPr>
           <a:lstStyle/>
           <a:p>
-            <a:pPr marL="0" indent="0">
-              <a:buNone/>
-            </a:pPr>
-            <a:r>
-              <a:rPr lang="en-US" sz="3200" dirty="0" err="1"/>
-              <a:t>NodeMcu</a:t>
-            </a:r>
-            <a:endParaRPr lang="en-US" sz="3200" dirty="0"/>
+            <a:r>
+              <a:rPr lang="en-US" sz="3200" dirty="0"/>
+              <a:t>Weight Sensor (Load Cell) 0-100 kg</a:t>
+            </a:r>
           </a:p>
         </p:txBody>
       </p:sp>
       <p:pic>
         <p:nvPicPr>
-          <p:cNvPr id="6146" name="Picture 2" descr="ผลการค้นหารูปภาพสำหรับ nodemcu">
+          <p:cNvPr id="1030" name="Picture 6" descr="Raspberry Pi Zero">
             <a:extLst>
               <a:ext uri="{FF2B5EF4-FFF2-40B4-BE49-F238E27FC236}">
-                <a16:creationId xmlns:a16="http://schemas.microsoft.com/office/drawing/2014/main" id="{67ACA8DD-979E-4463-BDE6-7CC71880C5F1}"/>
+                <a16:creationId xmlns:a16="http://schemas.microsoft.com/office/drawing/2014/main" id="{3C6C1736-AF90-44CD-9F61-EB4B3C09A383}"/>
               </a:ext>
             </a:extLst>
           </p:cNvPr>
@@ -3710,8 +4423,8 @@
         </p:blipFill>
         <p:spPr bwMode="auto">
           <a:xfrm>
-            <a:off x="618490" y="485140"/>
-            <a:ext cx="3545840" cy="2659381"/>
+            <a:off x="1185862" y="3522421"/>
+            <a:ext cx="2045970" cy="2045970"/>
           </a:xfrm>
           <a:prstGeom prst="rect">
             <a:avLst/>
@@ -3728,12 +4441,47 @@
           </a:extLst>
         </p:spPr>
       </p:pic>
+      <p:sp>
+        <p:nvSpPr>
+          <p:cNvPr id="9" name="TextBox 8">
+            <a:extLst>
+              <a:ext uri="{FF2B5EF4-FFF2-40B4-BE49-F238E27FC236}">
+                <a16:creationId xmlns:a16="http://schemas.microsoft.com/office/drawing/2014/main" id="{3880B3EA-CAD7-46F9-AA95-B56D00F8218E}"/>
+              </a:ext>
+            </a:extLst>
+          </p:cNvPr>
+          <p:cNvSpPr txBox="1"/>
+          <p:nvPr/>
+        </p:nvSpPr>
+        <p:spPr>
+          <a:xfrm>
+            <a:off x="4081805" y="4176074"/>
+            <a:ext cx="7111712" cy="584775"/>
+          </a:xfrm>
+          <a:prstGeom prst="rect">
+            <a:avLst/>
+          </a:prstGeom>
+          <a:noFill/>
+        </p:spPr>
+        <p:txBody>
+          <a:bodyPr wrap="square" rtlCol="0">
+            <a:spAutoFit/>
+          </a:bodyPr>
+          <a:lstStyle/>
+          <a:p>
+            <a:r>
+              <a:rPr lang="en-US" sz="3200" dirty="0"/>
+              <a:t>Raspberry Pi, Arduino</a:t>
+            </a:r>
+          </a:p>
+        </p:txBody>
+      </p:sp>
       <p:pic>
         <p:nvPicPr>
-          <p:cNvPr id="6152" name="Picture 8" descr="ผลการค้นหารูปภาพสำหรับ แผ่นกระดาน 9 ช่อง">
+          <p:cNvPr id="5124" name="Picture 4" descr="ผลการค้นหารูปภาพสำหรับ weight sensor 0 - 100">
             <a:extLst>
               <a:ext uri="{FF2B5EF4-FFF2-40B4-BE49-F238E27FC236}">
-                <a16:creationId xmlns:a16="http://schemas.microsoft.com/office/drawing/2014/main" id="{419980AB-4155-4056-A3E4-80D6F301D310}"/>
+                <a16:creationId xmlns:a16="http://schemas.microsoft.com/office/drawing/2014/main" id="{4DA7CDB2-B5BD-4ADA-BEF3-598F263C94A6}"/>
               </a:ext>
             </a:extLst>
           </p:cNvPr>
@@ -3757,8 +4505,8 @@
         </p:blipFill>
         <p:spPr bwMode="auto">
           <a:xfrm>
-            <a:off x="618490" y="3441064"/>
-            <a:ext cx="3545840" cy="1994535"/>
+            <a:off x="1081087" y="1039693"/>
+            <a:ext cx="2150745" cy="2150745"/>
           </a:xfrm>
           <a:prstGeom prst="rect">
             <a:avLst/>
@@ -3777,43 +4525,42 @@
       </p:pic>
       <p:sp>
         <p:nvSpPr>
-          <p:cNvPr id="4" name="TextBox 3">
+          <p:cNvPr id="6" name="Slide Number Placeholder 5">
             <a:extLst>
               <a:ext uri="{FF2B5EF4-FFF2-40B4-BE49-F238E27FC236}">
-                <a16:creationId xmlns:a16="http://schemas.microsoft.com/office/drawing/2014/main" id="{D47C9AD7-9188-493F-BFF4-3415FF48BBC1}"/>
+                <a16:creationId xmlns:a16="http://schemas.microsoft.com/office/drawing/2014/main" id="{57F4482A-5935-4153-A757-EF3661531DDD}"/>
               </a:ext>
             </a:extLst>
           </p:cNvPr>
-          <p:cNvSpPr txBox="1"/>
-          <p:nvPr/>
-        </p:nvSpPr>
-        <p:spPr>
-          <a:xfrm>
-            <a:off x="4907280" y="3627120"/>
-            <a:ext cx="3413760" cy="584775"/>
-          </a:xfrm>
-          <a:prstGeom prst="rect">
-            <a:avLst/>
-          </a:prstGeom>
-          <a:noFill/>
-        </p:spPr>
-        <p:txBody>
-          <a:bodyPr wrap="square" rtlCol="0">
-            <a:spAutoFit/>
-          </a:bodyPr>
-          <a:lstStyle/>
-          <a:p>
-            <a:r>
-              <a:rPr lang="en-US" sz="3200" dirty="0"/>
-              <a:t>9 Square board</a:t>
-            </a:r>
+          <p:cNvSpPr>
+            <a:spLocks noGrp="1"/>
+          </p:cNvSpPr>
+          <p:nvPr>
+            <p:ph type="sldNum" sz="quarter" idx="12"/>
+          </p:nvPr>
+        </p:nvSpPr>
+        <p:spPr>
+          <a:xfrm>
+            <a:off x="11035416" y="6185981"/>
+            <a:ext cx="811019" cy="503578"/>
+          </a:xfrm>
+        </p:spPr>
+        <p:txBody>
+          <a:bodyPr/>
+          <a:lstStyle/>
+          <a:p>
+            <a:fld id="{1B89DD3E-DF22-4EA1-BEAF-D8BFA9CB354D}" type="slidenum">
+              <a:rPr lang="en-US" smtClean="0"/>
+              <a:t>11</a:t>
+            </a:fld>
+            <a:endParaRPr lang="en-US"/>
           </a:p>
         </p:txBody>
       </p:sp>
     </p:spTree>
     <p:extLst>
       <p:ext uri="{BB962C8B-B14F-4D97-AF65-F5344CB8AC3E}">
-        <p14:creationId xmlns:p14="http://schemas.microsoft.com/office/powerpoint/2010/main" val="1024356162"/>
+        <p14:creationId xmlns:p14="http://schemas.microsoft.com/office/powerpoint/2010/main" val="1464393841"/>
       </p:ext>
     </p:extLst>
   </p:cSld>
@@ -3842,10 +4589,10 @@
       </p:grpSpPr>
       <p:sp>
         <p:nvSpPr>
-          <p:cNvPr id="2" name="Title 1">
+          <p:cNvPr id="3" name="Content Placeholder 2">
             <a:extLst>
               <a:ext uri="{FF2B5EF4-FFF2-40B4-BE49-F238E27FC236}">
-                <a16:creationId xmlns:a16="http://schemas.microsoft.com/office/drawing/2014/main" id="{4DAE66D9-77E5-4047-86EC-54E6712E7920}"/>
+                <a16:creationId xmlns:a16="http://schemas.microsoft.com/office/drawing/2014/main" id="{4D8AC605-E274-4419-83C9-689389971576}"/>
               </a:ext>
             </a:extLst>
           </p:cNvPr>
@@ -3853,50 +4600,282 @@
             <a:spLocks noGrp="1"/>
           </p:cNvSpPr>
           <p:nvPr>
-            <p:ph type="title"/>
-          </p:nvPr>
-        </p:nvSpPr>
-        <p:spPr>
-          <a:xfrm>
-            <a:off x="885742" y="488288"/>
-            <a:ext cx="5405727" cy="662781"/>
+            <p:ph idx="1"/>
+          </p:nvPr>
+        </p:nvSpPr>
+        <p:spPr>
+          <a:xfrm>
+            <a:off x="4907280" y="776977"/>
+            <a:ext cx="7430814" cy="920443"/>
           </a:xfrm>
         </p:spPr>
         <p:txBody>
           <a:bodyPr>
-            <a:normAutofit/>
+            <a:noAutofit/>
           </a:bodyPr>
           <a:lstStyle/>
           <a:p>
-            <a:pPr algn="l"/>
-            <a:r>
-              <a:rPr lang="en-US" dirty="0"/>
-              <a:t>References</a:t>
-            </a:r>
-          </a:p>
-        </p:txBody>
-      </p:sp>
-      <p:sp>
-        <p:nvSpPr>
-          <p:cNvPr id="3" name="TextBox 2">
+            <a:pPr marL="0" indent="0">
+              <a:buNone/>
+            </a:pPr>
+            <a:r>
+              <a:rPr lang="en-US" sz="3200" dirty="0" err="1"/>
+              <a:t>NodeMcu</a:t>
+            </a:r>
+            <a:endParaRPr lang="en-US" sz="3200" dirty="0"/>
+          </a:p>
+        </p:txBody>
+      </p:sp>
+      <p:pic>
+        <p:nvPicPr>
+          <p:cNvPr id="6146" name="Picture 2" descr="ผลการค้นหารูปภาพสำหรับ nodemcu">
             <a:extLst>
               <a:ext uri="{FF2B5EF4-FFF2-40B4-BE49-F238E27FC236}">
-                <a16:creationId xmlns:a16="http://schemas.microsoft.com/office/drawing/2014/main" id="{E2B8F02E-248A-4449-9377-6F0CA3A3ED06}"/>
+                <a16:creationId xmlns:a16="http://schemas.microsoft.com/office/drawing/2014/main" id="{67ACA8DD-979E-4463-BDE6-7CC71880C5F1}"/>
               </a:ext>
             </a:extLst>
           </p:cNvPr>
-          <p:cNvSpPr txBox="1"/>
+          <p:cNvPicPr>
+            <a:picLocks noChangeAspect="1" noChangeArrowheads="1"/>
+          </p:cNvPicPr>
           <p:nvPr/>
-        </p:nvSpPr>
-        <p:spPr>
-          <a:xfrm>
-            <a:off x="885742" y="1918031"/>
-            <a:ext cx="11186160" cy="3108543"/>
+        </p:nvPicPr>
+        <p:blipFill>
+          <a:blip r:embed="rId2">
+            <a:extLst>
+              <a:ext uri="{28A0092B-C50C-407E-A947-70E740481C1C}">
+                <a14:useLocalDpi xmlns:a14="http://schemas.microsoft.com/office/drawing/2010/main" val="0"/>
+              </a:ext>
+            </a:extLst>
+          </a:blip>
+          <a:srcRect/>
+          <a:stretch>
+            <a:fillRect/>
+          </a:stretch>
+        </p:blipFill>
+        <p:spPr bwMode="auto">
+          <a:xfrm>
+            <a:off x="618490" y="485140"/>
+            <a:ext cx="3545840" cy="2659381"/>
           </a:xfrm>
           <a:prstGeom prst="rect">
             <a:avLst/>
           </a:prstGeom>
           <a:noFill/>
+          <a:extLst>
+            <a:ext uri="{909E8E84-426E-40DD-AFC4-6F175D3DCCD1}">
+              <a14:hiddenFill xmlns:a14="http://schemas.microsoft.com/office/drawing/2010/main">
+                <a:solidFill>
+                  <a:srgbClr val="FFFFFF"/>
+                </a:solidFill>
+              </a14:hiddenFill>
+            </a:ext>
+          </a:extLst>
+        </p:spPr>
+      </p:pic>
+      <p:pic>
+        <p:nvPicPr>
+          <p:cNvPr id="6152" name="Picture 8" descr="ผลการค้นหารูปภาพสำหรับ แผ่นกระดาน 9 ช่อง">
+            <a:extLst>
+              <a:ext uri="{FF2B5EF4-FFF2-40B4-BE49-F238E27FC236}">
+                <a16:creationId xmlns:a16="http://schemas.microsoft.com/office/drawing/2014/main" id="{419980AB-4155-4056-A3E4-80D6F301D310}"/>
+              </a:ext>
+            </a:extLst>
+          </p:cNvPr>
+          <p:cNvPicPr>
+            <a:picLocks noChangeAspect="1" noChangeArrowheads="1"/>
+          </p:cNvPicPr>
+          <p:nvPr/>
+        </p:nvPicPr>
+        <p:blipFill>
+          <a:blip r:embed="rId3">
+            <a:extLst>
+              <a:ext uri="{28A0092B-C50C-407E-A947-70E740481C1C}">
+                <a14:useLocalDpi xmlns:a14="http://schemas.microsoft.com/office/drawing/2010/main" val="0"/>
+              </a:ext>
+            </a:extLst>
+          </a:blip>
+          <a:srcRect/>
+          <a:stretch>
+            <a:fillRect/>
+          </a:stretch>
+        </p:blipFill>
+        <p:spPr bwMode="auto">
+          <a:xfrm>
+            <a:off x="618490" y="3441064"/>
+            <a:ext cx="3545840" cy="1994535"/>
+          </a:xfrm>
+          <a:prstGeom prst="rect">
+            <a:avLst/>
+          </a:prstGeom>
+          <a:noFill/>
+          <a:extLst>
+            <a:ext uri="{909E8E84-426E-40DD-AFC4-6F175D3DCCD1}">
+              <a14:hiddenFill xmlns:a14="http://schemas.microsoft.com/office/drawing/2010/main">
+                <a:solidFill>
+                  <a:srgbClr val="FFFFFF"/>
+                </a:solidFill>
+              </a14:hiddenFill>
+            </a:ext>
+          </a:extLst>
+        </p:spPr>
+      </p:pic>
+      <p:sp>
+        <p:nvSpPr>
+          <p:cNvPr id="4" name="TextBox 3">
+            <a:extLst>
+              <a:ext uri="{FF2B5EF4-FFF2-40B4-BE49-F238E27FC236}">
+                <a16:creationId xmlns:a16="http://schemas.microsoft.com/office/drawing/2014/main" id="{D47C9AD7-9188-493F-BFF4-3415FF48BBC1}"/>
+              </a:ext>
+            </a:extLst>
+          </p:cNvPr>
+          <p:cNvSpPr txBox="1"/>
+          <p:nvPr/>
+        </p:nvSpPr>
+        <p:spPr>
+          <a:xfrm>
+            <a:off x="4907280" y="3627120"/>
+            <a:ext cx="3413760" cy="584775"/>
+          </a:xfrm>
+          <a:prstGeom prst="rect">
+            <a:avLst/>
+          </a:prstGeom>
+          <a:noFill/>
+        </p:spPr>
+        <p:txBody>
+          <a:bodyPr wrap="square" rtlCol="0">
+            <a:spAutoFit/>
+          </a:bodyPr>
+          <a:lstStyle/>
+          <a:p>
+            <a:r>
+              <a:rPr lang="en-US" sz="3200" dirty="0"/>
+              <a:t>9 Square board</a:t>
+            </a:r>
+          </a:p>
+        </p:txBody>
+      </p:sp>
+      <p:sp>
+        <p:nvSpPr>
+          <p:cNvPr id="6" name="Slide Number Placeholder 5">
+            <a:extLst>
+              <a:ext uri="{FF2B5EF4-FFF2-40B4-BE49-F238E27FC236}">
+                <a16:creationId xmlns:a16="http://schemas.microsoft.com/office/drawing/2014/main" id="{BFD11A69-A68A-4231-BDE7-91BD0E52797E}"/>
+              </a:ext>
+            </a:extLst>
+          </p:cNvPr>
+          <p:cNvSpPr>
+            <a:spLocks noGrp="1"/>
+          </p:cNvSpPr>
+          <p:nvPr>
+            <p:ph type="sldNum" sz="quarter" idx="12"/>
+          </p:nvPr>
+        </p:nvSpPr>
+        <p:spPr>
+          <a:xfrm>
+            <a:off x="11035417" y="6215799"/>
+            <a:ext cx="811019" cy="503578"/>
+          </a:xfrm>
+        </p:spPr>
+        <p:txBody>
+          <a:bodyPr/>
+          <a:lstStyle/>
+          <a:p>
+            <a:fld id="{1B89DD3E-DF22-4EA1-BEAF-D8BFA9CB354D}" type="slidenum">
+              <a:rPr lang="en-US" smtClean="0"/>
+              <a:t>12</a:t>
+            </a:fld>
+            <a:endParaRPr lang="en-US" dirty="0"/>
+          </a:p>
+        </p:txBody>
+      </p:sp>
+    </p:spTree>
+    <p:extLst>
+      <p:ext uri="{BB962C8B-B14F-4D97-AF65-F5344CB8AC3E}">
+        <p14:creationId xmlns:p14="http://schemas.microsoft.com/office/powerpoint/2010/main" val="1024356162"/>
+      </p:ext>
+    </p:extLst>
+  </p:cSld>
+  <p:clrMapOvr>
+    <a:masterClrMapping/>
+  </p:clrMapOvr>
+</p:sld>
+</file>
+
+<file path=ppt/slides/slide13.xml><?xml version="1.0" encoding="utf-8"?>
+<p:sld xmlns:a="http://schemas.openxmlformats.org/drawingml/2006/main" xmlns:r="http://schemas.openxmlformats.org/officeDocument/2006/relationships" xmlns:p="http://schemas.openxmlformats.org/presentationml/2006/main">
+  <p:cSld>
+    <p:spTree>
+      <p:nvGrpSpPr>
+        <p:cNvPr id="1" name=""/>
+        <p:cNvGrpSpPr/>
+        <p:nvPr/>
+      </p:nvGrpSpPr>
+      <p:grpSpPr>
+        <a:xfrm>
+          <a:off x="0" y="0"/>
+          <a:ext cx="0" cy="0"/>
+          <a:chOff x="0" y="0"/>
+          <a:chExt cx="0" cy="0"/>
+        </a:xfrm>
+      </p:grpSpPr>
+      <p:sp>
+        <p:nvSpPr>
+          <p:cNvPr id="2" name="Title 1">
+            <a:extLst>
+              <a:ext uri="{FF2B5EF4-FFF2-40B4-BE49-F238E27FC236}">
+                <a16:creationId xmlns:a16="http://schemas.microsoft.com/office/drawing/2014/main" id="{4DAE66D9-77E5-4047-86EC-54E6712E7920}"/>
+              </a:ext>
+            </a:extLst>
+          </p:cNvPr>
+          <p:cNvSpPr>
+            <a:spLocks noGrp="1"/>
+          </p:cNvSpPr>
+          <p:nvPr>
+            <p:ph type="title"/>
+          </p:nvPr>
+        </p:nvSpPr>
+        <p:spPr>
+          <a:xfrm>
+            <a:off x="885742" y="488288"/>
+            <a:ext cx="5405727" cy="662781"/>
+          </a:xfrm>
+        </p:spPr>
+        <p:txBody>
+          <a:bodyPr>
+            <a:normAutofit/>
+          </a:bodyPr>
+          <a:lstStyle/>
+          <a:p>
+            <a:pPr algn="l"/>
+            <a:r>
+              <a:rPr lang="en-US" dirty="0"/>
+              <a:t>References</a:t>
+            </a:r>
+          </a:p>
+        </p:txBody>
+      </p:sp>
+      <p:sp>
+        <p:nvSpPr>
+          <p:cNvPr id="3" name="TextBox 2">
+            <a:extLst>
+              <a:ext uri="{FF2B5EF4-FFF2-40B4-BE49-F238E27FC236}">
+                <a16:creationId xmlns:a16="http://schemas.microsoft.com/office/drawing/2014/main" id="{E2B8F02E-248A-4449-9377-6F0CA3A3ED06}"/>
+              </a:ext>
+            </a:extLst>
+          </p:cNvPr>
+          <p:cNvSpPr txBox="1"/>
+          <p:nvPr/>
+        </p:nvSpPr>
+        <p:spPr>
+          <a:xfrm>
+            <a:off x="885742" y="1918031"/>
+            <a:ext cx="11186160" cy="3108543"/>
+          </a:xfrm>
+          <a:prstGeom prst="rect">
+            <a:avLst/>
+          </a:prstGeom>
+          <a:noFill/>
         </p:spPr>
         <p:txBody>
           <a:bodyPr wrap="square" rtlCol="0">
@@ -3944,10 +4923,143 @@
           </a:p>
         </p:txBody>
       </p:sp>
+      <p:sp>
+        <p:nvSpPr>
+          <p:cNvPr id="6" name="Slide Number Placeholder 5">
+            <a:extLst>
+              <a:ext uri="{FF2B5EF4-FFF2-40B4-BE49-F238E27FC236}">
+                <a16:creationId xmlns:a16="http://schemas.microsoft.com/office/drawing/2014/main" id="{051EF2C4-9EF8-466F-A03C-C7939E413EBB}"/>
+              </a:ext>
+            </a:extLst>
+          </p:cNvPr>
+          <p:cNvSpPr>
+            <a:spLocks noGrp="1"/>
+          </p:cNvSpPr>
+          <p:nvPr>
+            <p:ph type="sldNum" sz="quarter" idx="12"/>
+          </p:nvPr>
+        </p:nvSpPr>
+        <p:spPr>
+          <a:xfrm>
+            <a:off x="11104991" y="6215799"/>
+            <a:ext cx="811019" cy="503578"/>
+          </a:xfrm>
+        </p:spPr>
+        <p:txBody>
+          <a:bodyPr/>
+          <a:lstStyle/>
+          <a:p>
+            <a:fld id="{1B89DD3E-DF22-4EA1-BEAF-D8BFA9CB354D}" type="slidenum">
+              <a:rPr lang="en-US" smtClean="0"/>
+              <a:t>13</a:t>
+            </a:fld>
+            <a:endParaRPr lang="en-US" dirty="0"/>
+          </a:p>
+        </p:txBody>
+      </p:sp>
     </p:spTree>
     <p:extLst>
       <p:ext uri="{BB962C8B-B14F-4D97-AF65-F5344CB8AC3E}">
         <p14:creationId xmlns:p14="http://schemas.microsoft.com/office/powerpoint/2010/main" val="3682509920"/>
+      </p:ext>
+    </p:extLst>
+  </p:cSld>
+  <p:clrMapOvr>
+    <a:masterClrMapping/>
+  </p:clrMapOvr>
+</p:sld>
+</file>
+
+<file path=ppt/slides/slide14.xml><?xml version="1.0" encoding="utf-8"?>
+<p:sld xmlns:a="http://schemas.openxmlformats.org/drawingml/2006/main" xmlns:r="http://schemas.openxmlformats.org/officeDocument/2006/relationships" xmlns:p="http://schemas.openxmlformats.org/presentationml/2006/main">
+  <p:cSld>
+    <p:spTree>
+      <p:nvGrpSpPr>
+        <p:cNvPr id="1" name=""/>
+        <p:cNvGrpSpPr/>
+        <p:nvPr/>
+      </p:nvGrpSpPr>
+      <p:grpSpPr>
+        <a:xfrm>
+          <a:off x="0" y="0"/>
+          <a:ext cx="0" cy="0"/>
+          <a:chOff x="0" y="0"/>
+          <a:chExt cx="0" cy="0"/>
+        </a:xfrm>
+      </p:grpSpPr>
+      <p:sp>
+        <p:nvSpPr>
+          <p:cNvPr id="2" name="Title 1">
+            <a:extLst>
+              <a:ext uri="{FF2B5EF4-FFF2-40B4-BE49-F238E27FC236}">
+                <a16:creationId xmlns:a16="http://schemas.microsoft.com/office/drawing/2014/main" id="{CE4E6F24-B60D-406E-892C-59F53930C481}"/>
+              </a:ext>
+            </a:extLst>
+          </p:cNvPr>
+          <p:cNvSpPr>
+            <a:spLocks noGrp="1"/>
+          </p:cNvSpPr>
+          <p:nvPr>
+            <p:ph type="title"/>
+          </p:nvPr>
+        </p:nvSpPr>
+        <p:spPr>
+          <a:xfrm>
+            <a:off x="1739813" y="2553806"/>
+            <a:ext cx="9291215" cy="1049235"/>
+          </a:xfrm>
+        </p:spPr>
+        <p:txBody>
+          <a:bodyPr>
+            <a:normAutofit/>
+          </a:bodyPr>
+          <a:lstStyle/>
+          <a:p>
+            <a:r>
+              <a:rPr lang="en-US" sz="6000" dirty="0"/>
+              <a:t>ANY QUESTION?</a:t>
+            </a:r>
+          </a:p>
+        </p:txBody>
+      </p:sp>
+      <p:sp>
+        <p:nvSpPr>
+          <p:cNvPr id="4" name="Slide Number Placeholder 3">
+            <a:extLst>
+              <a:ext uri="{FF2B5EF4-FFF2-40B4-BE49-F238E27FC236}">
+                <a16:creationId xmlns:a16="http://schemas.microsoft.com/office/drawing/2014/main" id="{E11992BB-5917-4832-AFBD-89297FA799CB}"/>
+              </a:ext>
+            </a:extLst>
+          </p:cNvPr>
+          <p:cNvSpPr>
+            <a:spLocks noGrp="1"/>
+          </p:cNvSpPr>
+          <p:nvPr>
+            <p:ph type="sldNum" sz="quarter" idx="12"/>
+          </p:nvPr>
+        </p:nvSpPr>
+        <p:spPr>
+          <a:xfrm>
+            <a:off x="11184504" y="6354422"/>
+            <a:ext cx="811019" cy="503578"/>
+          </a:xfrm>
+        </p:spPr>
+        <p:txBody>
+          <a:bodyPr/>
+          <a:lstStyle/>
+          <a:p>
+            <a:fld id="{1B89DD3E-DF22-4EA1-BEAF-D8BFA9CB354D}" type="slidenum">
+              <a:rPr lang="en-US" smtClean="0"/>
+              <a:t>14</a:t>
+            </a:fld>
+            <a:endParaRPr lang="en-US" dirty="0"/>
+          </a:p>
+        </p:txBody>
+      </p:sp>
+    </p:spTree>
+    <p:extLst>
+      <p:ext uri="{BB962C8B-B14F-4D97-AF65-F5344CB8AC3E}">
+        <p14:creationId xmlns:p14="http://schemas.microsoft.com/office/powerpoint/2010/main" val="227965783"/>
       </p:ext>
     </p:extLst>
   </p:cSld>
@@ -3976,10 +5088,10 @@
       </p:grpSpPr>
       <p:sp>
         <p:nvSpPr>
-          <p:cNvPr id="8" name="Title 7">
+          <p:cNvPr id="2" name="Title 1">
             <a:extLst>
               <a:ext uri="{FF2B5EF4-FFF2-40B4-BE49-F238E27FC236}">
-                <a16:creationId xmlns:a16="http://schemas.microsoft.com/office/drawing/2014/main" id="{239A2106-580A-4945-AD10-F32C2A509AC4}"/>
+                <a16:creationId xmlns:a16="http://schemas.microsoft.com/office/drawing/2014/main" id="{5E5F9815-875B-4DF0-83C6-59254293A44C}"/>
               </a:ext>
             </a:extLst>
           </p:cNvPr>
@@ -3992,8 +5104,43 @@
         </p:nvSpPr>
         <p:spPr>
           <a:xfrm>
-            <a:off x="489633" y="565978"/>
-            <a:ext cx="3617377" cy="885133"/>
+            <a:off x="427848" y="257867"/>
+            <a:ext cx="9291215" cy="1049235"/>
+          </a:xfrm>
+        </p:spPr>
+        <p:txBody>
+          <a:bodyPr/>
+          <a:lstStyle/>
+          <a:p>
+            <a:pPr algn="l"/>
+            <a:r>
+              <a:rPr lang="en-US" dirty="0" err="1"/>
+              <a:t>MotiVation</a:t>
+            </a:r>
+            <a:endParaRPr lang="en-US" dirty="0"/>
+          </a:p>
+        </p:txBody>
+      </p:sp>
+      <p:sp>
+        <p:nvSpPr>
+          <p:cNvPr id="3" name="Content Placeholder 2">
+            <a:extLst>
+              <a:ext uri="{FF2B5EF4-FFF2-40B4-BE49-F238E27FC236}">
+                <a16:creationId xmlns:a16="http://schemas.microsoft.com/office/drawing/2014/main" id="{50594D56-E7B7-452E-BC61-F33A72A9D2A4}"/>
+              </a:ext>
+            </a:extLst>
+          </p:cNvPr>
+          <p:cNvSpPr>
+            <a:spLocks noGrp="1"/>
+          </p:cNvSpPr>
+          <p:nvPr>
+            <p:ph idx="1"/>
+          </p:nvPr>
+        </p:nvSpPr>
+        <p:spPr>
+          <a:xfrm>
+            <a:off x="1319499" y="1238720"/>
+            <a:ext cx="10339101" cy="3450613"/>
           </a:xfrm>
         </p:spPr>
         <p:txBody>
@@ -4003,72 +5150,58 @@
           <a:lstStyle/>
           <a:p>
             <a:r>
-              <a:rPr lang="en-US" dirty="0"/>
-              <a:t>9-Square-table</a:t>
-            </a:r>
-          </a:p>
-        </p:txBody>
-      </p:sp>
-      <p:sp>
-        <p:nvSpPr>
-          <p:cNvPr id="13" name="TextBox 12">
+              <a:rPr lang="en-US" sz="4000" dirty="0"/>
+              <a:t>To improve the athlete’s performance</a:t>
+            </a:r>
+          </a:p>
+          <a:p>
+            <a:r>
+              <a:rPr lang="en-US" sz="4000" dirty="0"/>
+              <a:t>To improve the reaction skill of the testers</a:t>
+            </a:r>
+          </a:p>
+        </p:txBody>
+      </p:sp>
+      <p:sp>
+        <p:nvSpPr>
+          <p:cNvPr id="4" name="Slide Number Placeholder 3">
             <a:extLst>
               <a:ext uri="{FF2B5EF4-FFF2-40B4-BE49-F238E27FC236}">
-                <a16:creationId xmlns:a16="http://schemas.microsoft.com/office/drawing/2014/main" id="{8605603A-FF6C-44A1-BCA8-5EBE38C41204}"/>
+                <a16:creationId xmlns:a16="http://schemas.microsoft.com/office/drawing/2014/main" id="{3A129861-0419-4DB3-B1B0-CAB06965CDD9}"/>
               </a:ext>
             </a:extLst>
           </p:cNvPr>
-          <p:cNvSpPr txBox="1"/>
-          <p:nvPr/>
-        </p:nvSpPr>
-        <p:spPr>
-          <a:xfrm>
-            <a:off x="989717" y="2001737"/>
-            <a:ext cx="9187512" cy="1015663"/>
-          </a:xfrm>
-          <a:prstGeom prst="rect">
-            <a:avLst/>
-          </a:prstGeom>
-          <a:noFill/>
-        </p:spPr>
-        <p:txBody>
-          <a:bodyPr wrap="square" rtlCol="0">
-            <a:spAutoFit/>
-          </a:bodyPr>
-          <a:lstStyle/>
-          <a:p>
-            <a:r>
-              <a:rPr lang="en-US" sz="3000" dirty="0"/>
-              <a:t>Inventor 	: </a:t>
-            </a:r>
-            <a:r>
-              <a:rPr lang="en-US" sz="3000" dirty="0" err="1"/>
-              <a:t>Assoc.Charoen</a:t>
-            </a:r>
-            <a:r>
-              <a:rPr lang="en-US" sz="3000" dirty="0"/>
-              <a:t> </a:t>
-            </a:r>
-            <a:r>
-              <a:rPr lang="en-US" sz="3000" dirty="0" err="1"/>
-              <a:t>Krabuanrat</a:t>
-            </a:r>
-            <a:endParaRPr lang="en-US" sz="3000" dirty="0"/>
-          </a:p>
-          <a:p>
-            <a:r>
-              <a:rPr lang="en-US" sz="3000" dirty="0"/>
-              <a:t>Goal 		: Practice brain and body skills</a:t>
-            </a:r>
+          <p:cNvSpPr>
+            <a:spLocks noGrp="1"/>
+          </p:cNvSpPr>
+          <p:nvPr>
+            <p:ph type="sldNum" sz="quarter" idx="12"/>
+          </p:nvPr>
+        </p:nvSpPr>
+        <p:spPr>
+          <a:xfrm>
+            <a:off x="11134808" y="6245616"/>
+            <a:ext cx="811019" cy="503578"/>
+          </a:xfrm>
+        </p:spPr>
+        <p:txBody>
+          <a:bodyPr/>
+          <a:lstStyle/>
+          <a:p>
+            <a:fld id="{1B89DD3E-DF22-4EA1-BEAF-D8BFA9CB354D}" type="slidenum">
+              <a:rPr lang="en-US" smtClean="0"/>
+              <a:t>2</a:t>
+            </a:fld>
+            <a:endParaRPr lang="en-US" dirty="0"/>
           </a:p>
         </p:txBody>
       </p:sp>
       <p:pic>
         <p:nvPicPr>
-          <p:cNvPr id="1039" name="Picture 15" descr="ผลการค้นหารูปภาพสำหรับ ตาราง 9 ช่อง วิจัย">
+          <p:cNvPr id="1028" name="Picture 4" descr="รูปภาพที่เกี่ยวข้อง">
             <a:extLst>
               <a:ext uri="{FF2B5EF4-FFF2-40B4-BE49-F238E27FC236}">
-                <a16:creationId xmlns:a16="http://schemas.microsoft.com/office/drawing/2014/main" id="{2BDEB979-D052-4B1C-AE73-3FB4841CAE62}"/>
+                <a16:creationId xmlns:a16="http://schemas.microsoft.com/office/drawing/2014/main" id="{8D3C7201-8526-468C-ABEC-CE8CF24DFF0F}"/>
               </a:ext>
             </a:extLst>
           </p:cNvPr>
@@ -4092,8 +5225,8 @@
         </p:blipFill>
         <p:spPr bwMode="auto">
           <a:xfrm>
-            <a:off x="9229408" y="1370247"/>
-            <a:ext cx="2038031" cy="3558466"/>
+            <a:off x="3739415" y="3101710"/>
+            <a:ext cx="4451381" cy="2829807"/>
           </a:xfrm>
           <a:prstGeom prst="rect">
             <a:avLst/>
@@ -4113,7 +5246,7 @@
     </p:spTree>
     <p:extLst>
       <p:ext uri="{BB962C8B-B14F-4D97-AF65-F5344CB8AC3E}">
-        <p14:creationId xmlns:p14="http://schemas.microsoft.com/office/powerpoint/2010/main" val="3134887599"/>
+        <p14:creationId xmlns:p14="http://schemas.microsoft.com/office/powerpoint/2010/main" val="1180618022"/>
       </p:ext>
     </p:extLst>
   </p:cSld>
@@ -4142,10 +5275,10 @@
       </p:grpSpPr>
       <p:sp>
         <p:nvSpPr>
-          <p:cNvPr id="2" name="Title 1">
+          <p:cNvPr id="8" name="Title 7">
             <a:extLst>
               <a:ext uri="{FF2B5EF4-FFF2-40B4-BE49-F238E27FC236}">
-                <a16:creationId xmlns:a16="http://schemas.microsoft.com/office/drawing/2014/main" id="{90C72B99-F632-4943-8947-50F4AC07CD1A}"/>
+                <a16:creationId xmlns:a16="http://schemas.microsoft.com/office/drawing/2014/main" id="{239A2106-580A-4945-AD10-F32C2A509AC4}"/>
               </a:ext>
             </a:extLst>
           </p:cNvPr>
@@ -4158,540 +5291,154 @@
         </p:nvSpPr>
         <p:spPr>
           <a:xfrm>
-            <a:off x="626631" y="257867"/>
-            <a:ext cx="9291215" cy="1049235"/>
-          </a:xfrm>
-        </p:spPr>
-        <p:txBody>
-          <a:bodyPr/>
-          <a:lstStyle/>
-          <a:p>
-            <a:pPr algn="l"/>
+            <a:off x="489633" y="565978"/>
+            <a:ext cx="3617377" cy="885133"/>
+          </a:xfrm>
+        </p:spPr>
+        <p:txBody>
+          <a:bodyPr>
+            <a:normAutofit/>
+          </a:bodyPr>
+          <a:lstStyle/>
+          <a:p>
             <a:r>
               <a:rPr lang="en-US" dirty="0"/>
-              <a:t>How to play</a:t>
+              <a:t>9-Square-table</a:t>
+            </a:r>
+          </a:p>
+        </p:txBody>
+      </p:sp>
+      <p:sp>
+        <p:nvSpPr>
+          <p:cNvPr id="13" name="TextBox 12">
+            <a:extLst>
+              <a:ext uri="{FF2B5EF4-FFF2-40B4-BE49-F238E27FC236}">
+                <a16:creationId xmlns:a16="http://schemas.microsoft.com/office/drawing/2014/main" id="{8605603A-FF6C-44A1-BCA8-5EBE38C41204}"/>
+              </a:ext>
+            </a:extLst>
+          </p:cNvPr>
+          <p:cNvSpPr txBox="1"/>
+          <p:nvPr/>
+        </p:nvSpPr>
+        <p:spPr>
+          <a:xfrm>
+            <a:off x="989717" y="2001737"/>
+            <a:ext cx="9187512" cy="1015663"/>
+          </a:xfrm>
+          <a:prstGeom prst="rect">
+            <a:avLst/>
+          </a:prstGeom>
+          <a:noFill/>
+        </p:spPr>
+        <p:txBody>
+          <a:bodyPr wrap="square" rtlCol="0">
+            <a:spAutoFit/>
+          </a:bodyPr>
+          <a:lstStyle/>
+          <a:p>
+            <a:r>
+              <a:rPr lang="en-US" sz="3000" dirty="0"/>
+              <a:t>Inventor 	: Assoc. Prof. Charoen </a:t>
+            </a:r>
+            <a:r>
+              <a:rPr lang="en-US" sz="3000" dirty="0" err="1"/>
+              <a:t>Krabuanrat</a:t>
+            </a:r>
+            <a:endParaRPr lang="en-US" sz="3000" dirty="0"/>
+          </a:p>
+          <a:p>
+            <a:r>
+              <a:rPr lang="en-US" sz="3000" dirty="0"/>
+              <a:t>Goal 		:  Practice brain and body skills</a:t>
             </a:r>
           </a:p>
         </p:txBody>
       </p:sp>
       <p:pic>
         <p:nvPicPr>
-          <p:cNvPr id="4" name="Picture 3">
+          <p:cNvPr id="1039" name="Picture 15" descr="ผลการค้นหารูปภาพสำหรับ ตาราง 9 ช่อง วิจัย">
             <a:extLst>
               <a:ext uri="{FF2B5EF4-FFF2-40B4-BE49-F238E27FC236}">
-                <a16:creationId xmlns:a16="http://schemas.microsoft.com/office/drawing/2014/main" id="{20F1D594-B393-468D-9F6B-A9B41AE576E4}"/>
+                <a16:creationId xmlns:a16="http://schemas.microsoft.com/office/drawing/2014/main" id="{2BDEB979-D052-4B1C-AE73-3FB4841CAE62}"/>
               </a:ext>
             </a:extLst>
           </p:cNvPr>
           <p:cNvPicPr>
-            <a:picLocks noChangeAspect="1"/>
+            <a:picLocks noChangeAspect="1" noChangeArrowheads="1"/>
           </p:cNvPicPr>
           <p:nvPr/>
         </p:nvPicPr>
         <p:blipFill>
-          <a:blip r:embed="rId2"/>
+          <a:blip r:embed="rId2">
+            <a:extLst>
+              <a:ext uri="{28A0092B-C50C-407E-A947-70E740481C1C}">
+                <a14:useLocalDpi xmlns:a14="http://schemas.microsoft.com/office/drawing/2010/main" val="0"/>
+              </a:ext>
+            </a:extLst>
+          </a:blip>
+          <a:srcRect/>
           <a:stretch>
             <a:fillRect/>
           </a:stretch>
         </p:blipFill>
-        <p:spPr>
-          <a:xfrm>
-            <a:off x="1173797" y="1307102"/>
-            <a:ext cx="2646363" cy="1762277"/>
-          </a:xfrm>
-          <a:prstGeom prst="rect">
-            <a:avLst/>
-          </a:prstGeom>
-        </p:spPr>
-      </p:pic>
-      <p:pic>
-        <p:nvPicPr>
-          <p:cNvPr id="5" name="Picture 4">
-            <a:extLst>
-              <a:ext uri="{FF2B5EF4-FFF2-40B4-BE49-F238E27FC236}">
-                <a16:creationId xmlns:a16="http://schemas.microsoft.com/office/drawing/2014/main" id="{3A0365E0-E9B9-440A-BEC7-F1DE40837D34}"/>
-              </a:ext>
-            </a:extLst>
-          </p:cNvPr>
-          <p:cNvPicPr>
-            <a:picLocks noChangeAspect="1"/>
-          </p:cNvPicPr>
-          <p:nvPr/>
-        </p:nvPicPr>
-        <p:blipFill>
-          <a:blip r:embed="rId3"/>
-          <a:stretch>
-            <a:fillRect/>
-          </a:stretch>
-        </p:blipFill>
-        <p:spPr>
-          <a:xfrm>
-            <a:off x="4664323" y="1288354"/>
-            <a:ext cx="2696667" cy="1799771"/>
-          </a:xfrm>
-          <a:prstGeom prst="rect">
-            <a:avLst/>
-          </a:prstGeom>
-        </p:spPr>
-      </p:pic>
-      <p:pic>
-        <p:nvPicPr>
-          <p:cNvPr id="6" name="Picture 5">
-            <a:extLst>
-              <a:ext uri="{FF2B5EF4-FFF2-40B4-BE49-F238E27FC236}">
-                <a16:creationId xmlns:a16="http://schemas.microsoft.com/office/drawing/2014/main" id="{A634D327-EB31-47EB-9E15-5FF61F40D961}"/>
-              </a:ext>
-            </a:extLst>
-          </p:cNvPr>
-          <p:cNvPicPr>
-            <a:picLocks noChangeAspect="1"/>
-          </p:cNvPicPr>
-          <p:nvPr/>
-        </p:nvPicPr>
-        <p:blipFill>
-          <a:blip r:embed="rId4"/>
-          <a:stretch>
-            <a:fillRect/>
-          </a:stretch>
-        </p:blipFill>
-        <p:spPr>
-          <a:xfrm>
-            <a:off x="8205153" y="1277872"/>
-            <a:ext cx="2737168" cy="1820733"/>
-          </a:xfrm>
-          <a:prstGeom prst="rect">
-            <a:avLst/>
-          </a:prstGeom>
-        </p:spPr>
-      </p:pic>
-      <p:sp>
-        <p:nvSpPr>
-          <p:cNvPr id="7" name="Arrow: Right 6">
-            <a:extLst>
-              <a:ext uri="{FF2B5EF4-FFF2-40B4-BE49-F238E27FC236}">
-                <a16:creationId xmlns:a16="http://schemas.microsoft.com/office/drawing/2014/main" id="{8A09C89B-DC5B-4226-8D6D-1C4745B7945C}"/>
-              </a:ext>
-            </a:extLst>
-          </p:cNvPr>
-          <p:cNvSpPr/>
-          <p:nvPr/>
-        </p:nvSpPr>
-        <p:spPr>
-          <a:xfrm>
-            <a:off x="4033520" y="1971040"/>
-            <a:ext cx="447040" cy="294640"/>
-          </a:xfrm>
-          <a:prstGeom prst="rightArrow">
-            <a:avLst/>
-          </a:prstGeom>
-        </p:spPr>
-        <p:style>
-          <a:lnRef idx="2">
-            <a:schemeClr val="accent1">
-              <a:shade val="50000"/>
-            </a:schemeClr>
-          </a:lnRef>
-          <a:fillRef idx="1">
-            <a:schemeClr val="accent1"/>
-          </a:fillRef>
-          <a:effectRef idx="0">
-            <a:schemeClr val="accent1"/>
-          </a:effectRef>
-          <a:fontRef idx="minor">
-            <a:schemeClr val="lt1"/>
-          </a:fontRef>
-        </p:style>
-        <p:txBody>
-          <a:bodyPr rtlCol="0" anchor="ctr"/>
-          <a:lstStyle/>
-          <a:p>
-            <a:pPr algn="ctr"/>
-            <a:endParaRPr lang="en-US"/>
-          </a:p>
-        </p:txBody>
-      </p:sp>
-      <p:sp>
-        <p:nvSpPr>
-          <p:cNvPr id="8" name="Arrow: Right 7">
-            <a:extLst>
-              <a:ext uri="{FF2B5EF4-FFF2-40B4-BE49-F238E27FC236}">
-                <a16:creationId xmlns:a16="http://schemas.microsoft.com/office/drawing/2014/main" id="{06E0ED2F-F286-4EE9-97F4-956D864DCF5F}"/>
-              </a:ext>
-            </a:extLst>
-          </p:cNvPr>
-          <p:cNvSpPr/>
-          <p:nvPr/>
-        </p:nvSpPr>
-        <p:spPr>
-          <a:xfrm>
-            <a:off x="7513983" y="2047461"/>
-            <a:ext cx="457200" cy="218219"/>
-          </a:xfrm>
-          <a:prstGeom prst="rightArrow">
-            <a:avLst/>
-          </a:prstGeom>
-        </p:spPr>
-        <p:style>
-          <a:lnRef idx="2">
-            <a:schemeClr val="accent1">
-              <a:shade val="50000"/>
-            </a:schemeClr>
-          </a:lnRef>
-          <a:fillRef idx="1">
-            <a:schemeClr val="accent1"/>
-          </a:fillRef>
-          <a:effectRef idx="0">
-            <a:schemeClr val="accent1"/>
-          </a:effectRef>
-          <a:fontRef idx="minor">
-            <a:schemeClr val="lt1"/>
-          </a:fontRef>
-        </p:style>
-        <p:txBody>
-          <a:bodyPr rtlCol="0" anchor="ctr"/>
-          <a:lstStyle/>
-          <a:p>
-            <a:pPr algn="ctr"/>
-            <a:endParaRPr lang="en-US"/>
-          </a:p>
-        </p:txBody>
-      </p:sp>
-      <p:cxnSp>
-        <p:nvCxnSpPr>
-          <p:cNvPr id="10" name="Connector: Elbow 9">
-            <a:extLst>
-              <a:ext uri="{FF2B5EF4-FFF2-40B4-BE49-F238E27FC236}">
-                <a16:creationId xmlns:a16="http://schemas.microsoft.com/office/drawing/2014/main" id="{A6800057-5681-440D-811E-D6F9B66A56AE}"/>
-              </a:ext>
-            </a:extLst>
-          </p:cNvPr>
-          <p:cNvCxnSpPr>
-            <a:cxnSpLocks/>
-          </p:cNvCxnSpPr>
-          <p:nvPr/>
-        </p:nvCxnSpPr>
-        <p:spPr>
-          <a:xfrm rot="10800000" flipV="1">
-            <a:off x="1173798" y="3289851"/>
-            <a:ext cx="8039777" cy="839239"/>
-          </a:xfrm>
-          <a:prstGeom prst="bentConnector3">
-            <a:avLst>
-              <a:gd name="adj1" fmla="val 104024"/>
-            </a:avLst>
-          </a:prstGeom>
-          <a:ln>
-            <a:tailEnd type="triangle"/>
-          </a:ln>
-        </p:spPr>
-        <p:style>
-          <a:lnRef idx="1">
-            <a:schemeClr val="accent1"/>
-          </a:lnRef>
-          <a:fillRef idx="0">
-            <a:schemeClr val="accent1"/>
-          </a:fillRef>
-          <a:effectRef idx="0">
-            <a:schemeClr val="accent1"/>
-          </a:effectRef>
-          <a:fontRef idx="minor">
-            <a:schemeClr val="tx1"/>
-          </a:fontRef>
-        </p:style>
-      </p:cxnSp>
-      <p:pic>
-        <p:nvPicPr>
-          <p:cNvPr id="18" name="Picture 17">
-            <a:extLst>
-              <a:ext uri="{FF2B5EF4-FFF2-40B4-BE49-F238E27FC236}">
-                <a16:creationId xmlns:a16="http://schemas.microsoft.com/office/drawing/2014/main" id="{C87FF722-8217-4FAC-968E-93C9369B1312}"/>
-              </a:ext>
-            </a:extLst>
-          </p:cNvPr>
-          <p:cNvPicPr>
-            <a:picLocks noChangeAspect="1"/>
-          </p:cNvPicPr>
-          <p:nvPr/>
-        </p:nvPicPr>
-        <p:blipFill>
-          <a:blip r:embed="rId5"/>
-          <a:stretch>
-            <a:fillRect/>
-          </a:stretch>
-        </p:blipFill>
-        <p:spPr>
-          <a:xfrm>
-            <a:off x="1387157" y="3579962"/>
-            <a:ext cx="2646363" cy="1772066"/>
-          </a:xfrm>
-          <a:prstGeom prst="rect">
-            <a:avLst/>
-          </a:prstGeom>
-        </p:spPr>
-      </p:pic>
-      <p:pic>
-        <p:nvPicPr>
-          <p:cNvPr id="19" name="Picture 18">
-            <a:extLst>
-              <a:ext uri="{FF2B5EF4-FFF2-40B4-BE49-F238E27FC236}">
-                <a16:creationId xmlns:a16="http://schemas.microsoft.com/office/drawing/2014/main" id="{453A283F-B679-4D33-ACC1-1F3B30AD8705}"/>
-              </a:ext>
-            </a:extLst>
-          </p:cNvPr>
-          <p:cNvPicPr>
-            <a:picLocks noChangeAspect="1"/>
-          </p:cNvPicPr>
-          <p:nvPr/>
-        </p:nvPicPr>
-        <p:blipFill>
-          <a:blip r:embed="rId6"/>
-          <a:stretch>
-            <a:fillRect/>
-          </a:stretch>
-        </p:blipFill>
-        <p:spPr>
-          <a:xfrm>
-            <a:off x="4885446" y="3579962"/>
-            <a:ext cx="2628537" cy="1760129"/>
-          </a:xfrm>
-          <a:prstGeom prst="rect">
-            <a:avLst/>
-          </a:prstGeom>
-        </p:spPr>
-      </p:pic>
-      <p:sp>
-        <p:nvSpPr>
-          <p:cNvPr id="20" name="Rectangle 19">
-            <a:extLst>
-              <a:ext uri="{FF2B5EF4-FFF2-40B4-BE49-F238E27FC236}">
-                <a16:creationId xmlns:a16="http://schemas.microsoft.com/office/drawing/2014/main" id="{32250C37-62F9-4567-86D9-78CDB1AFA41A}"/>
-              </a:ext>
-            </a:extLst>
-          </p:cNvPr>
-          <p:cNvSpPr/>
-          <p:nvPr/>
-        </p:nvSpPr>
-        <p:spPr>
-          <a:xfrm>
-            <a:off x="8062340" y="3527476"/>
-            <a:ext cx="2494175" cy="2554545"/>
+        <p:spPr bwMode="auto">
+          <a:xfrm>
+            <a:off x="9229408" y="1370247"/>
+            <a:ext cx="2038031" cy="3558466"/>
           </a:xfrm>
           <a:prstGeom prst="rect">
             <a:avLst/>
           </a:prstGeom>
           <a:noFill/>
-        </p:spPr>
-        <p:txBody>
-          <a:bodyPr wrap="square" lIns="91440" tIns="45720" rIns="91440" bIns="45720">
-            <a:spAutoFit/>
-          </a:bodyPr>
-          <a:lstStyle/>
-          <a:p>
-            <a:pPr algn="ctr"/>
-            <a:r>
-              <a:rPr lang="en-US" sz="4000" b="1" cap="none" spc="0" dirty="0">
-                <a:ln w="13462">
-                  <a:solidFill>
-                    <a:schemeClr val="bg1"/>
-                  </a:solidFill>
-                  <a:prstDash val="solid"/>
-                </a:ln>
+          <a:extLst>
+            <a:ext uri="{909E8E84-426E-40DD-AFC4-6F175D3DCCD1}">
+              <a14:hiddenFill xmlns:a14="http://schemas.microsoft.com/office/drawing/2010/main">
                 <a:solidFill>
-                  <a:schemeClr val="tx1">
-                    <a:lumMod val="85000"/>
-                    <a:lumOff val="15000"/>
-                  </a:schemeClr>
+                  <a:srgbClr val="FFFFFF"/>
                 </a:solidFill>
-                <a:effectLst>
-                  <a:outerShdw dist="38100" dir="2700000" algn="bl" rotWithShape="0">
-                    <a:schemeClr val="accent5"/>
-                  </a:outerShdw>
-                </a:effectLst>
-              </a:rPr>
-              <a:t>AS FAST </a:t>
-            </a:r>
-            <a:br>
-              <a:rPr lang="en-US" sz="4000" b="1" cap="none" spc="0" dirty="0">
-                <a:ln w="13462">
-                  <a:solidFill>
-                    <a:schemeClr val="bg1"/>
-                  </a:solidFill>
-                  <a:prstDash val="solid"/>
-                </a:ln>
-                <a:solidFill>
-                  <a:schemeClr val="tx1">
-                    <a:lumMod val="85000"/>
-                    <a:lumOff val="15000"/>
-                  </a:schemeClr>
-                </a:solidFill>
-                <a:effectLst>
-                  <a:outerShdw dist="38100" dir="2700000" algn="bl" rotWithShape="0">
-                    <a:schemeClr val="accent5"/>
-                  </a:outerShdw>
-                </a:effectLst>
-              </a:rPr>
-            </a:br>
-            <a:r>
-              <a:rPr lang="en-US" sz="4000" b="1" cap="none" spc="0" dirty="0">
-                <a:ln w="13462">
-                  <a:solidFill>
-                    <a:schemeClr val="bg1"/>
-                  </a:solidFill>
-                  <a:prstDash val="solid"/>
-                </a:ln>
-                <a:solidFill>
-                  <a:schemeClr val="tx1">
-                    <a:lumMod val="85000"/>
-                    <a:lumOff val="15000"/>
-                  </a:schemeClr>
-                </a:solidFill>
-                <a:effectLst>
-                  <a:outerShdw dist="38100" dir="2700000" algn="bl" rotWithShape="0">
-                    <a:schemeClr val="accent5"/>
-                  </a:outerShdw>
-                </a:effectLst>
-              </a:rPr>
-              <a:t>AS</a:t>
-            </a:r>
-            <a:br>
-              <a:rPr lang="en-US" sz="4000" b="1" cap="none" spc="0" dirty="0">
-                <a:ln w="13462">
-                  <a:solidFill>
-                    <a:schemeClr val="bg1"/>
-                  </a:solidFill>
-                  <a:prstDash val="solid"/>
-                </a:ln>
-                <a:solidFill>
-                  <a:schemeClr val="tx1">
-                    <a:lumMod val="85000"/>
-                    <a:lumOff val="15000"/>
-                  </a:schemeClr>
-                </a:solidFill>
-                <a:effectLst>
-                  <a:outerShdw dist="38100" dir="2700000" algn="bl" rotWithShape="0">
-                    <a:schemeClr val="accent5"/>
-                  </a:outerShdw>
-                </a:effectLst>
-              </a:rPr>
-            </a:br>
-            <a:r>
-              <a:rPr lang="en-US" sz="4000" b="1" cap="none" spc="0" dirty="0">
-                <a:ln w="13462">
-                  <a:solidFill>
-                    <a:schemeClr val="bg1"/>
-                  </a:solidFill>
-                  <a:prstDash val="solid"/>
-                </a:ln>
-                <a:solidFill>
-                  <a:schemeClr val="tx1">
-                    <a:lumMod val="85000"/>
-                    <a:lumOff val="15000"/>
-                  </a:schemeClr>
-                </a:solidFill>
-                <a:effectLst>
-                  <a:outerShdw dist="38100" dir="2700000" algn="bl" rotWithShape="0">
-                    <a:schemeClr val="accent5"/>
-                  </a:outerShdw>
-                </a:effectLst>
-              </a:rPr>
-              <a:t>YOU </a:t>
-            </a:r>
-            <a:br>
-              <a:rPr lang="en-US" sz="4000" b="1" cap="none" spc="0" dirty="0">
-                <a:ln w="13462">
-                  <a:solidFill>
-                    <a:schemeClr val="bg1"/>
-                  </a:solidFill>
-                  <a:prstDash val="solid"/>
-                </a:ln>
-                <a:solidFill>
-                  <a:schemeClr val="tx1">
-                    <a:lumMod val="85000"/>
-                    <a:lumOff val="15000"/>
-                  </a:schemeClr>
-                </a:solidFill>
-                <a:effectLst>
-                  <a:outerShdw dist="38100" dir="2700000" algn="bl" rotWithShape="0">
-                    <a:schemeClr val="accent5"/>
-                  </a:outerShdw>
-                </a:effectLst>
-              </a:rPr>
-            </a:br>
-            <a:r>
-              <a:rPr lang="en-US" sz="4000" b="1" cap="none" spc="0" dirty="0">
-                <a:ln w="13462">
-                  <a:solidFill>
-                    <a:schemeClr val="bg1"/>
-                  </a:solidFill>
-                  <a:prstDash val="solid"/>
-                </a:ln>
-                <a:solidFill>
-                  <a:schemeClr val="tx1">
-                    <a:lumMod val="85000"/>
-                    <a:lumOff val="15000"/>
-                  </a:schemeClr>
-                </a:solidFill>
-                <a:effectLst>
-                  <a:outerShdw dist="38100" dir="2700000" algn="bl" rotWithShape="0">
-                    <a:schemeClr val="accent5"/>
-                  </a:outerShdw>
-                </a:effectLst>
-              </a:rPr>
-              <a:t>CAN!</a:t>
-            </a:r>
-          </a:p>
-        </p:txBody>
-      </p:sp>
-      <p:sp>
-        <p:nvSpPr>
-          <p:cNvPr id="21" name="Arrow: Right 20">
+              </a14:hiddenFill>
+            </a:ext>
+          </a:extLst>
+        </p:spPr>
+      </p:pic>
+      <p:sp>
+        <p:nvSpPr>
+          <p:cNvPr id="4" name="Slide Number Placeholder 3">
             <a:extLst>
               <a:ext uri="{FF2B5EF4-FFF2-40B4-BE49-F238E27FC236}">
-                <a16:creationId xmlns:a16="http://schemas.microsoft.com/office/drawing/2014/main" id="{28753C22-5DA2-4F44-9E97-9DECDC5245F2}"/>
+                <a16:creationId xmlns:a16="http://schemas.microsoft.com/office/drawing/2014/main" id="{9E43C41B-6AFD-4DBC-86B2-73E9BD4F10D3}"/>
               </a:ext>
             </a:extLst>
           </p:cNvPr>
-          <p:cNvSpPr/>
-          <p:nvPr/>
-        </p:nvSpPr>
-        <p:spPr>
-          <a:xfrm>
-            <a:off x="4177541" y="4151885"/>
-            <a:ext cx="486782" cy="336904"/>
-          </a:xfrm>
-          <a:prstGeom prst="rightArrow">
-            <a:avLst/>
-          </a:prstGeom>
-        </p:spPr>
-        <p:style>
-          <a:lnRef idx="2">
-            <a:schemeClr val="accent1">
-              <a:shade val="50000"/>
-            </a:schemeClr>
-          </a:lnRef>
-          <a:fillRef idx="1">
-            <a:schemeClr val="accent1"/>
-          </a:fillRef>
-          <a:effectRef idx="0">
-            <a:schemeClr val="accent1"/>
-          </a:effectRef>
-          <a:fontRef idx="minor">
-            <a:schemeClr val="lt1"/>
-          </a:fontRef>
-        </p:style>
-        <p:txBody>
-          <a:bodyPr rtlCol="0" anchor="ctr"/>
-          <a:lstStyle/>
-          <a:p>
-            <a:pPr algn="ctr"/>
-            <a:endParaRPr lang="en-US"/>
+          <p:cNvSpPr>
+            <a:spLocks noGrp="1"/>
+          </p:cNvSpPr>
+          <p:nvPr>
+            <p:ph type="sldNum" sz="quarter" idx="12"/>
+          </p:nvPr>
+        </p:nvSpPr>
+        <p:spPr>
+          <a:xfrm>
+            <a:off x="11187926" y="6205860"/>
+            <a:ext cx="811019" cy="503578"/>
+          </a:xfrm>
+        </p:spPr>
+        <p:txBody>
+          <a:bodyPr/>
+          <a:lstStyle/>
+          <a:p>
+            <a:fld id="{1B89DD3E-DF22-4EA1-BEAF-D8BFA9CB354D}" type="slidenum">
+              <a:rPr lang="en-US" smtClean="0"/>
+              <a:t>3</a:t>
+            </a:fld>
+            <a:endParaRPr lang="en-US" dirty="0"/>
           </a:p>
         </p:txBody>
       </p:sp>
     </p:spTree>
     <p:extLst>
       <p:ext uri="{BB962C8B-B14F-4D97-AF65-F5344CB8AC3E}">
-        <p14:creationId xmlns:p14="http://schemas.microsoft.com/office/powerpoint/2010/main" val="583463493"/>
+        <p14:creationId xmlns:p14="http://schemas.microsoft.com/office/powerpoint/2010/main" val="3134887599"/>
       </p:ext>
     </p:extLst>
   </p:cSld>
@@ -4720,55 +5467,10 @@
       </p:grpSpPr>
       <p:sp>
         <p:nvSpPr>
-          <p:cNvPr id="6" name="AutoShape 6" descr="ผลการค้นหารูปภาพสำหรับ iot devices sport">
+          <p:cNvPr id="2" name="Title 1">
             <a:extLst>
               <a:ext uri="{FF2B5EF4-FFF2-40B4-BE49-F238E27FC236}">
-                <a16:creationId xmlns:a16="http://schemas.microsoft.com/office/drawing/2014/main" id="{BAFA31CE-C4AB-4B37-99AC-EE6905FA2028}"/>
-              </a:ext>
-            </a:extLst>
-          </p:cNvPr>
-          <p:cNvSpPr>
-            <a:spLocks noChangeAspect="1" noChangeArrowheads="1"/>
-          </p:cNvSpPr>
-          <p:nvPr/>
-        </p:nvSpPr>
-        <p:spPr bwMode="auto">
-          <a:xfrm>
-            <a:off x="5943600" y="3276600"/>
-            <a:ext cx="304800" cy="304800"/>
-          </a:xfrm>
-          <a:prstGeom prst="rect">
-            <a:avLst/>
-          </a:prstGeom>
-          <a:noFill/>
-          <a:extLst>
-            <a:ext uri="{909E8E84-426E-40DD-AFC4-6F175D3DCCD1}">
-              <a14:hiddenFill xmlns:a14="http://schemas.microsoft.com/office/drawing/2010/main">
-                <a:solidFill>
-                  <a:srgbClr val="FFFFFF"/>
-                </a:solidFill>
-              </a14:hiddenFill>
-            </a:ext>
-          </a:extLst>
-        </p:spPr>
-        <p:txBody>
-          <a:bodyPr vert="horz" wrap="square" lIns="91440" tIns="45720" rIns="91440" bIns="45720" numCol="1" anchor="t" anchorCtr="0" compatLnSpc="1">
-            <a:prstTxWarp prst="textNoShape">
-              <a:avLst/>
-            </a:prstTxWarp>
-          </a:bodyPr>
-          <a:lstStyle/>
-          <a:p>
-            <a:endParaRPr lang="en-US"/>
-          </a:p>
-        </p:txBody>
-      </p:sp>
-      <p:sp>
-        <p:nvSpPr>
-          <p:cNvPr id="17" name="Title 1">
-            <a:extLst>
-              <a:ext uri="{FF2B5EF4-FFF2-40B4-BE49-F238E27FC236}">
-                <a16:creationId xmlns:a16="http://schemas.microsoft.com/office/drawing/2014/main" id="{70155A05-A3B7-4555-9908-3E1D6A8379CD}"/>
+                <a16:creationId xmlns:a16="http://schemas.microsoft.com/office/drawing/2014/main" id="{90C72B99-F632-4943-8947-50F4AC07CD1A}"/>
               </a:ext>
             </a:extLst>
           </p:cNvPr>
@@ -4792,83 +5494,17 @@
             <a:pPr algn="l"/>
             <a:r>
               <a:rPr lang="en-US" dirty="0"/>
-              <a:t>Psychomotor Skill Management</a:t>
-            </a:r>
-          </a:p>
-        </p:txBody>
-      </p:sp>
-      <p:sp>
-        <p:nvSpPr>
-          <p:cNvPr id="13" name="TextBox 12">
-            <a:extLst>
-              <a:ext uri="{FF2B5EF4-FFF2-40B4-BE49-F238E27FC236}">
-                <a16:creationId xmlns:a16="http://schemas.microsoft.com/office/drawing/2014/main" id="{FA14DD01-4985-4A4A-8008-F1D1519AE7A9}"/>
-              </a:ext>
-            </a:extLst>
-          </p:cNvPr>
-          <p:cNvSpPr txBox="1"/>
-          <p:nvPr/>
-        </p:nvSpPr>
-        <p:spPr>
-          <a:xfrm>
-            <a:off x="1046922" y="1573714"/>
-            <a:ext cx="10606598" cy="3046988"/>
-          </a:xfrm>
-          <a:prstGeom prst="rect">
-            <a:avLst/>
-          </a:prstGeom>
-          <a:noFill/>
-        </p:spPr>
-        <p:txBody>
-          <a:bodyPr wrap="square" rtlCol="0">
-            <a:spAutoFit/>
-          </a:bodyPr>
-          <a:lstStyle/>
-          <a:p>
-            <a:pPr marL="457200" indent="-457200">
-              <a:buFont typeface="Arial" panose="020B0604020202020204" pitchFamily="34" charset="0"/>
-              <a:buChar char="•"/>
-            </a:pPr>
-            <a:r>
-              <a:rPr lang="en-US" sz="3200" dirty="0"/>
-              <a:t>Get data from tester and analysis</a:t>
-            </a:r>
-          </a:p>
-          <a:p>
-            <a:pPr marL="457200" indent="-457200">
-              <a:buFont typeface="Arial" panose="020B0604020202020204" pitchFamily="34" charset="0"/>
-              <a:buChar char="•"/>
-            </a:pPr>
-            <a:r>
-              <a:rPr lang="en-US" sz="3200" dirty="0"/>
-              <a:t>Examiner can change form of input to his/her own idea or create his/her new form</a:t>
-            </a:r>
-          </a:p>
-          <a:p>
-            <a:pPr marL="457200" indent="-457200">
-              <a:buFont typeface="Arial" panose="020B0604020202020204" pitchFamily="34" charset="0"/>
-              <a:buChar char="•"/>
-            </a:pPr>
-            <a:r>
-              <a:rPr lang="en-US" sz="3200" dirty="0"/>
-              <a:t>Monitoring the output in form of graph 					   and statistic detail</a:t>
-            </a:r>
-          </a:p>
-          <a:p>
-            <a:pPr marL="457200" indent="-457200">
-              <a:buFont typeface="Arial" panose="020B0604020202020204" pitchFamily="34" charset="0"/>
-              <a:buChar char="•"/>
-            </a:pPr>
-            <a:endParaRPr lang="en-US" sz="3200" dirty="0"/>
+              <a:t>How to play</a:t>
+            </a:r>
           </a:p>
         </p:txBody>
       </p:sp>
       <p:pic>
         <p:nvPicPr>
-          <p:cNvPr id="15" name="Picture 14">
+          <p:cNvPr id="4" name="Picture 3">
             <a:extLst>
               <a:ext uri="{FF2B5EF4-FFF2-40B4-BE49-F238E27FC236}">
-                <a16:creationId xmlns:a16="http://schemas.microsoft.com/office/drawing/2014/main" id="{A79F416A-6FC7-4F56-A59B-4F331C920B21}"/>
+                <a16:creationId xmlns:a16="http://schemas.microsoft.com/office/drawing/2014/main" id="{20F1D594-B393-468D-9F6B-A9B41AE576E4}"/>
               </a:ext>
             </a:extLst>
           </p:cNvPr>
@@ -4885,18 +5521,655 @@
         </p:blipFill>
         <p:spPr>
           <a:xfrm>
-            <a:off x="7346950" y="3874516"/>
-            <a:ext cx="3128010" cy="2360903"/>
+            <a:off x="1173797" y="1307102"/>
+            <a:ext cx="2646363" cy="1762277"/>
           </a:xfrm>
           <a:prstGeom prst="rect">
             <a:avLst/>
           </a:prstGeom>
         </p:spPr>
       </p:pic>
+      <p:pic>
+        <p:nvPicPr>
+          <p:cNvPr id="5" name="Picture 4">
+            <a:extLst>
+              <a:ext uri="{FF2B5EF4-FFF2-40B4-BE49-F238E27FC236}">
+                <a16:creationId xmlns:a16="http://schemas.microsoft.com/office/drawing/2014/main" id="{3A0365E0-E9B9-440A-BEC7-F1DE40837D34}"/>
+              </a:ext>
+            </a:extLst>
+          </p:cNvPr>
+          <p:cNvPicPr>
+            <a:picLocks noChangeAspect="1"/>
+          </p:cNvPicPr>
+          <p:nvPr/>
+        </p:nvPicPr>
+        <p:blipFill>
+          <a:blip r:embed="rId3"/>
+          <a:stretch>
+            <a:fillRect/>
+          </a:stretch>
+        </p:blipFill>
+        <p:spPr>
+          <a:xfrm>
+            <a:off x="4664323" y="1288354"/>
+            <a:ext cx="2696667" cy="1799771"/>
+          </a:xfrm>
+          <a:prstGeom prst="rect">
+            <a:avLst/>
+          </a:prstGeom>
+        </p:spPr>
+      </p:pic>
+      <p:pic>
+        <p:nvPicPr>
+          <p:cNvPr id="6" name="Picture 5">
+            <a:extLst>
+              <a:ext uri="{FF2B5EF4-FFF2-40B4-BE49-F238E27FC236}">
+                <a16:creationId xmlns:a16="http://schemas.microsoft.com/office/drawing/2014/main" id="{A634D327-EB31-47EB-9E15-5FF61F40D961}"/>
+              </a:ext>
+            </a:extLst>
+          </p:cNvPr>
+          <p:cNvPicPr>
+            <a:picLocks noChangeAspect="1"/>
+          </p:cNvPicPr>
+          <p:nvPr/>
+        </p:nvPicPr>
+        <p:blipFill>
+          <a:blip r:embed="rId4"/>
+          <a:stretch>
+            <a:fillRect/>
+          </a:stretch>
+        </p:blipFill>
+        <p:spPr>
+          <a:xfrm>
+            <a:off x="8205153" y="1277872"/>
+            <a:ext cx="2737168" cy="1820733"/>
+          </a:xfrm>
+          <a:prstGeom prst="rect">
+            <a:avLst/>
+          </a:prstGeom>
+        </p:spPr>
+      </p:pic>
+      <p:sp>
+        <p:nvSpPr>
+          <p:cNvPr id="7" name="Arrow: Right 6">
+            <a:extLst>
+              <a:ext uri="{FF2B5EF4-FFF2-40B4-BE49-F238E27FC236}">
+                <a16:creationId xmlns:a16="http://schemas.microsoft.com/office/drawing/2014/main" id="{8A09C89B-DC5B-4226-8D6D-1C4745B7945C}"/>
+              </a:ext>
+            </a:extLst>
+          </p:cNvPr>
+          <p:cNvSpPr/>
+          <p:nvPr/>
+        </p:nvSpPr>
+        <p:spPr>
+          <a:xfrm>
+            <a:off x="4033520" y="1971040"/>
+            <a:ext cx="447040" cy="294640"/>
+          </a:xfrm>
+          <a:prstGeom prst="rightArrow">
+            <a:avLst/>
+          </a:prstGeom>
+        </p:spPr>
+        <p:style>
+          <a:lnRef idx="2">
+            <a:schemeClr val="accent1">
+              <a:shade val="50000"/>
+            </a:schemeClr>
+          </a:lnRef>
+          <a:fillRef idx="1">
+            <a:schemeClr val="accent1"/>
+          </a:fillRef>
+          <a:effectRef idx="0">
+            <a:schemeClr val="accent1"/>
+          </a:effectRef>
+          <a:fontRef idx="minor">
+            <a:schemeClr val="lt1"/>
+          </a:fontRef>
+        </p:style>
+        <p:txBody>
+          <a:bodyPr rtlCol="0" anchor="ctr"/>
+          <a:lstStyle/>
+          <a:p>
+            <a:pPr algn="ctr"/>
+            <a:endParaRPr lang="en-US"/>
+          </a:p>
+        </p:txBody>
+      </p:sp>
+      <p:sp>
+        <p:nvSpPr>
+          <p:cNvPr id="8" name="Arrow: Right 7">
+            <a:extLst>
+              <a:ext uri="{FF2B5EF4-FFF2-40B4-BE49-F238E27FC236}">
+                <a16:creationId xmlns:a16="http://schemas.microsoft.com/office/drawing/2014/main" id="{06E0ED2F-F286-4EE9-97F4-956D864DCF5F}"/>
+              </a:ext>
+            </a:extLst>
+          </p:cNvPr>
+          <p:cNvSpPr/>
+          <p:nvPr/>
+        </p:nvSpPr>
+        <p:spPr>
+          <a:xfrm>
+            <a:off x="7513983" y="2047461"/>
+            <a:ext cx="457200" cy="218219"/>
+          </a:xfrm>
+          <a:prstGeom prst="rightArrow">
+            <a:avLst/>
+          </a:prstGeom>
+        </p:spPr>
+        <p:style>
+          <a:lnRef idx="2">
+            <a:schemeClr val="accent1">
+              <a:shade val="50000"/>
+            </a:schemeClr>
+          </a:lnRef>
+          <a:fillRef idx="1">
+            <a:schemeClr val="accent1"/>
+          </a:fillRef>
+          <a:effectRef idx="0">
+            <a:schemeClr val="accent1"/>
+          </a:effectRef>
+          <a:fontRef idx="minor">
+            <a:schemeClr val="lt1"/>
+          </a:fontRef>
+        </p:style>
+        <p:txBody>
+          <a:bodyPr rtlCol="0" anchor="ctr"/>
+          <a:lstStyle/>
+          <a:p>
+            <a:pPr algn="ctr"/>
+            <a:endParaRPr lang="en-US"/>
+          </a:p>
+        </p:txBody>
+      </p:sp>
+      <p:cxnSp>
+        <p:nvCxnSpPr>
+          <p:cNvPr id="10" name="Connector: Elbow 9">
+            <a:extLst>
+              <a:ext uri="{FF2B5EF4-FFF2-40B4-BE49-F238E27FC236}">
+                <a16:creationId xmlns:a16="http://schemas.microsoft.com/office/drawing/2014/main" id="{A6800057-5681-440D-811E-D6F9B66A56AE}"/>
+              </a:ext>
+            </a:extLst>
+          </p:cNvPr>
+          <p:cNvCxnSpPr>
+            <a:cxnSpLocks/>
+          </p:cNvCxnSpPr>
+          <p:nvPr/>
+        </p:nvCxnSpPr>
+        <p:spPr>
+          <a:xfrm rot="10800000" flipV="1">
+            <a:off x="1173798" y="3289851"/>
+            <a:ext cx="8039777" cy="839239"/>
+          </a:xfrm>
+          <a:prstGeom prst="bentConnector3">
+            <a:avLst>
+              <a:gd name="adj1" fmla="val 104024"/>
+            </a:avLst>
+          </a:prstGeom>
+          <a:ln>
+            <a:tailEnd type="triangle"/>
+          </a:ln>
+        </p:spPr>
+        <p:style>
+          <a:lnRef idx="1">
+            <a:schemeClr val="accent1"/>
+          </a:lnRef>
+          <a:fillRef idx="0">
+            <a:schemeClr val="accent1"/>
+          </a:fillRef>
+          <a:effectRef idx="0">
+            <a:schemeClr val="accent1"/>
+          </a:effectRef>
+          <a:fontRef idx="minor">
+            <a:schemeClr val="tx1"/>
+          </a:fontRef>
+        </p:style>
+      </p:cxnSp>
+      <p:pic>
+        <p:nvPicPr>
+          <p:cNvPr id="18" name="Picture 17">
+            <a:extLst>
+              <a:ext uri="{FF2B5EF4-FFF2-40B4-BE49-F238E27FC236}">
+                <a16:creationId xmlns:a16="http://schemas.microsoft.com/office/drawing/2014/main" id="{C87FF722-8217-4FAC-968E-93C9369B1312}"/>
+              </a:ext>
+            </a:extLst>
+          </p:cNvPr>
+          <p:cNvPicPr>
+            <a:picLocks noChangeAspect="1"/>
+          </p:cNvPicPr>
+          <p:nvPr/>
+        </p:nvPicPr>
+        <p:blipFill>
+          <a:blip r:embed="rId5"/>
+          <a:stretch>
+            <a:fillRect/>
+          </a:stretch>
+        </p:blipFill>
+        <p:spPr>
+          <a:xfrm>
+            <a:off x="1387157" y="3579962"/>
+            <a:ext cx="2646363" cy="1772066"/>
+          </a:xfrm>
+          <a:prstGeom prst="rect">
+            <a:avLst/>
+          </a:prstGeom>
+        </p:spPr>
+      </p:pic>
+      <p:pic>
+        <p:nvPicPr>
+          <p:cNvPr id="19" name="Picture 18">
+            <a:extLst>
+              <a:ext uri="{FF2B5EF4-FFF2-40B4-BE49-F238E27FC236}">
+                <a16:creationId xmlns:a16="http://schemas.microsoft.com/office/drawing/2014/main" id="{453A283F-B679-4D33-ACC1-1F3B30AD8705}"/>
+              </a:ext>
+            </a:extLst>
+          </p:cNvPr>
+          <p:cNvPicPr>
+            <a:picLocks noChangeAspect="1"/>
+          </p:cNvPicPr>
+          <p:nvPr/>
+        </p:nvPicPr>
+        <p:blipFill>
+          <a:blip r:embed="rId6"/>
+          <a:stretch>
+            <a:fillRect/>
+          </a:stretch>
+        </p:blipFill>
+        <p:spPr>
+          <a:xfrm>
+            <a:off x="4885446" y="3579962"/>
+            <a:ext cx="2628537" cy="1760129"/>
+          </a:xfrm>
+          <a:prstGeom prst="rect">
+            <a:avLst/>
+          </a:prstGeom>
+        </p:spPr>
+      </p:pic>
+      <p:sp>
+        <p:nvSpPr>
+          <p:cNvPr id="20" name="Rectangle 19">
+            <a:extLst>
+              <a:ext uri="{FF2B5EF4-FFF2-40B4-BE49-F238E27FC236}">
+                <a16:creationId xmlns:a16="http://schemas.microsoft.com/office/drawing/2014/main" id="{32250C37-62F9-4567-86D9-78CDB1AFA41A}"/>
+              </a:ext>
+            </a:extLst>
+          </p:cNvPr>
+          <p:cNvSpPr/>
+          <p:nvPr/>
+        </p:nvSpPr>
+        <p:spPr>
+          <a:xfrm>
+            <a:off x="8062340" y="3527476"/>
+            <a:ext cx="2494175" cy="2554545"/>
+          </a:xfrm>
+          <a:prstGeom prst="rect">
+            <a:avLst/>
+          </a:prstGeom>
+          <a:noFill/>
+        </p:spPr>
+        <p:txBody>
+          <a:bodyPr wrap="square" lIns="91440" tIns="45720" rIns="91440" bIns="45720">
+            <a:spAutoFit/>
+          </a:bodyPr>
+          <a:lstStyle/>
+          <a:p>
+            <a:pPr algn="ctr"/>
+            <a:r>
+              <a:rPr lang="en-US" sz="4000" b="1" cap="none" spc="0" dirty="0">
+                <a:ln w="13462">
+                  <a:solidFill>
+                    <a:schemeClr val="bg1"/>
+                  </a:solidFill>
+                  <a:prstDash val="solid"/>
+                </a:ln>
+                <a:solidFill>
+                  <a:schemeClr val="tx1">
+                    <a:lumMod val="85000"/>
+                    <a:lumOff val="15000"/>
+                  </a:schemeClr>
+                </a:solidFill>
+                <a:effectLst>
+                  <a:outerShdw dist="38100" dir="2700000" algn="bl" rotWithShape="0">
+                    <a:schemeClr val="accent5"/>
+                  </a:outerShdw>
+                </a:effectLst>
+              </a:rPr>
+              <a:t>AS FAST </a:t>
+            </a:r>
+            <a:br>
+              <a:rPr lang="en-US" sz="4000" b="1" cap="none" spc="0" dirty="0">
+                <a:ln w="13462">
+                  <a:solidFill>
+                    <a:schemeClr val="bg1"/>
+                  </a:solidFill>
+                  <a:prstDash val="solid"/>
+                </a:ln>
+                <a:solidFill>
+                  <a:schemeClr val="tx1">
+                    <a:lumMod val="85000"/>
+                    <a:lumOff val="15000"/>
+                  </a:schemeClr>
+                </a:solidFill>
+                <a:effectLst>
+                  <a:outerShdw dist="38100" dir="2700000" algn="bl" rotWithShape="0">
+                    <a:schemeClr val="accent5"/>
+                  </a:outerShdw>
+                </a:effectLst>
+              </a:rPr>
+            </a:br>
+            <a:r>
+              <a:rPr lang="en-US" sz="4000" b="1" cap="none" spc="0" dirty="0">
+                <a:ln w="13462">
+                  <a:solidFill>
+                    <a:schemeClr val="bg1"/>
+                  </a:solidFill>
+                  <a:prstDash val="solid"/>
+                </a:ln>
+                <a:solidFill>
+                  <a:schemeClr val="tx1">
+                    <a:lumMod val="85000"/>
+                    <a:lumOff val="15000"/>
+                  </a:schemeClr>
+                </a:solidFill>
+                <a:effectLst>
+                  <a:outerShdw dist="38100" dir="2700000" algn="bl" rotWithShape="0">
+                    <a:schemeClr val="accent5"/>
+                  </a:outerShdw>
+                </a:effectLst>
+              </a:rPr>
+              <a:t>AS</a:t>
+            </a:r>
+            <a:br>
+              <a:rPr lang="en-US" sz="4000" b="1" cap="none" spc="0" dirty="0">
+                <a:ln w="13462">
+                  <a:solidFill>
+                    <a:schemeClr val="bg1"/>
+                  </a:solidFill>
+                  <a:prstDash val="solid"/>
+                </a:ln>
+                <a:solidFill>
+                  <a:schemeClr val="tx1">
+                    <a:lumMod val="85000"/>
+                    <a:lumOff val="15000"/>
+                  </a:schemeClr>
+                </a:solidFill>
+                <a:effectLst>
+                  <a:outerShdw dist="38100" dir="2700000" algn="bl" rotWithShape="0">
+                    <a:schemeClr val="accent5"/>
+                  </a:outerShdw>
+                </a:effectLst>
+              </a:rPr>
+            </a:br>
+            <a:r>
+              <a:rPr lang="en-US" sz="4000" b="1" cap="none" spc="0" dirty="0">
+                <a:ln w="13462">
+                  <a:solidFill>
+                    <a:schemeClr val="bg1"/>
+                  </a:solidFill>
+                  <a:prstDash val="solid"/>
+                </a:ln>
+                <a:solidFill>
+                  <a:schemeClr val="tx1">
+                    <a:lumMod val="85000"/>
+                    <a:lumOff val="15000"/>
+                  </a:schemeClr>
+                </a:solidFill>
+                <a:effectLst>
+                  <a:outerShdw dist="38100" dir="2700000" algn="bl" rotWithShape="0">
+                    <a:schemeClr val="accent5"/>
+                  </a:outerShdw>
+                </a:effectLst>
+              </a:rPr>
+              <a:t>YOU </a:t>
+            </a:r>
+            <a:br>
+              <a:rPr lang="en-US" sz="4000" b="1" cap="none" spc="0" dirty="0">
+                <a:ln w="13462">
+                  <a:solidFill>
+                    <a:schemeClr val="bg1"/>
+                  </a:solidFill>
+                  <a:prstDash val="solid"/>
+                </a:ln>
+                <a:solidFill>
+                  <a:schemeClr val="tx1">
+                    <a:lumMod val="85000"/>
+                    <a:lumOff val="15000"/>
+                  </a:schemeClr>
+                </a:solidFill>
+                <a:effectLst>
+                  <a:outerShdw dist="38100" dir="2700000" algn="bl" rotWithShape="0">
+                    <a:schemeClr val="accent5"/>
+                  </a:outerShdw>
+                </a:effectLst>
+              </a:rPr>
+            </a:br>
+            <a:r>
+              <a:rPr lang="en-US" sz="4000" b="1" cap="none" spc="0" dirty="0">
+                <a:ln w="13462">
+                  <a:solidFill>
+                    <a:schemeClr val="bg1"/>
+                  </a:solidFill>
+                  <a:prstDash val="solid"/>
+                </a:ln>
+                <a:solidFill>
+                  <a:schemeClr val="tx1">
+                    <a:lumMod val="85000"/>
+                    <a:lumOff val="15000"/>
+                  </a:schemeClr>
+                </a:solidFill>
+                <a:effectLst>
+                  <a:outerShdw dist="38100" dir="2700000" algn="bl" rotWithShape="0">
+                    <a:schemeClr val="accent5"/>
+                  </a:outerShdw>
+                </a:effectLst>
+              </a:rPr>
+              <a:t>CAN!</a:t>
+            </a:r>
+          </a:p>
+        </p:txBody>
+      </p:sp>
+      <p:sp>
+        <p:nvSpPr>
+          <p:cNvPr id="21" name="Arrow: Right 20">
+            <a:extLst>
+              <a:ext uri="{FF2B5EF4-FFF2-40B4-BE49-F238E27FC236}">
+                <a16:creationId xmlns:a16="http://schemas.microsoft.com/office/drawing/2014/main" id="{28753C22-5DA2-4F44-9E97-9DECDC5245F2}"/>
+              </a:ext>
+            </a:extLst>
+          </p:cNvPr>
+          <p:cNvSpPr/>
+          <p:nvPr/>
+        </p:nvSpPr>
+        <p:spPr>
+          <a:xfrm>
+            <a:off x="4177541" y="4151885"/>
+            <a:ext cx="486782" cy="336904"/>
+          </a:xfrm>
+          <a:prstGeom prst="rightArrow">
+            <a:avLst/>
+          </a:prstGeom>
+        </p:spPr>
+        <p:style>
+          <a:lnRef idx="2">
+            <a:schemeClr val="accent1">
+              <a:shade val="50000"/>
+            </a:schemeClr>
+          </a:lnRef>
+          <a:fillRef idx="1">
+            <a:schemeClr val="accent1"/>
+          </a:fillRef>
+          <a:effectRef idx="0">
+            <a:schemeClr val="accent1"/>
+          </a:effectRef>
+          <a:fontRef idx="minor">
+            <a:schemeClr val="lt1"/>
+          </a:fontRef>
+        </p:style>
+        <p:txBody>
+          <a:bodyPr rtlCol="0" anchor="ctr"/>
+          <a:lstStyle/>
+          <a:p>
+            <a:pPr algn="ctr"/>
+            <a:endParaRPr lang="en-US"/>
+          </a:p>
+        </p:txBody>
+      </p:sp>
+      <p:sp>
+        <p:nvSpPr>
+          <p:cNvPr id="11" name="Slide Number Placeholder 10">
+            <a:extLst>
+              <a:ext uri="{FF2B5EF4-FFF2-40B4-BE49-F238E27FC236}">
+                <a16:creationId xmlns:a16="http://schemas.microsoft.com/office/drawing/2014/main" id="{47B21D0F-FF49-4CB6-AE00-9D0D80499B4A}"/>
+              </a:ext>
+            </a:extLst>
+          </p:cNvPr>
+          <p:cNvSpPr>
+            <a:spLocks noGrp="1"/>
+          </p:cNvSpPr>
+          <p:nvPr>
+            <p:ph type="sldNum" sz="quarter" idx="12"/>
+          </p:nvPr>
+        </p:nvSpPr>
+        <p:spPr>
+          <a:xfrm>
+            <a:off x="11234199" y="6275434"/>
+            <a:ext cx="811019" cy="503578"/>
+          </a:xfrm>
+        </p:spPr>
+        <p:txBody>
+          <a:bodyPr/>
+          <a:lstStyle/>
+          <a:p>
+            <a:fld id="{1B89DD3E-DF22-4EA1-BEAF-D8BFA9CB354D}" type="slidenum">
+              <a:rPr lang="en-US" smtClean="0"/>
+              <a:t>4</a:t>
+            </a:fld>
+            <a:endParaRPr lang="en-US" dirty="0"/>
+          </a:p>
+        </p:txBody>
+      </p:sp>
+      <p:cxnSp>
+        <p:nvCxnSpPr>
+          <p:cNvPr id="9" name="Connector: Elbow 8">
+            <a:extLst>
+              <a:ext uri="{FF2B5EF4-FFF2-40B4-BE49-F238E27FC236}">
+                <a16:creationId xmlns:a16="http://schemas.microsoft.com/office/drawing/2014/main" id="{D53D3008-DFD1-4644-9872-AA9F375A2A14}"/>
+              </a:ext>
+            </a:extLst>
+          </p:cNvPr>
+          <p:cNvCxnSpPr/>
+          <p:nvPr/>
+        </p:nvCxnSpPr>
+        <p:spPr>
+          <a:xfrm rot="10800000">
+            <a:off x="863600" y="2047462"/>
+            <a:ext cx="5151120" cy="3510059"/>
+          </a:xfrm>
+          <a:prstGeom prst="bentConnector3">
+            <a:avLst>
+              <a:gd name="adj1" fmla="val 108464"/>
+            </a:avLst>
+          </a:prstGeom>
+          <a:ln>
+            <a:tailEnd type="triangle"/>
+          </a:ln>
+        </p:spPr>
+        <p:style>
+          <a:lnRef idx="1">
+            <a:schemeClr val="accent1"/>
+          </a:lnRef>
+          <a:fillRef idx="0">
+            <a:schemeClr val="accent1"/>
+          </a:fillRef>
+          <a:effectRef idx="0">
+            <a:schemeClr val="accent1"/>
+          </a:effectRef>
+          <a:fontRef idx="minor">
+            <a:schemeClr val="tx1"/>
+          </a:fontRef>
+        </p:style>
+      </p:cxnSp>
+      <p:cxnSp>
+        <p:nvCxnSpPr>
+          <p:cNvPr id="14" name="Connector: Elbow 13">
+            <a:extLst>
+              <a:ext uri="{FF2B5EF4-FFF2-40B4-BE49-F238E27FC236}">
+                <a16:creationId xmlns:a16="http://schemas.microsoft.com/office/drawing/2014/main" id="{52E1DEE2-BA9A-44FD-A644-A8582CD8347B}"/>
+              </a:ext>
+            </a:extLst>
+          </p:cNvPr>
+          <p:cNvCxnSpPr>
+            <a:cxnSpLocks/>
+            <a:endCxn id="19" idx="2"/>
+          </p:cNvCxnSpPr>
+          <p:nvPr/>
+        </p:nvCxnSpPr>
+        <p:spPr>
+          <a:xfrm rot="5400000" flipH="1" flipV="1">
+            <a:off x="5998501" y="5356311"/>
+            <a:ext cx="217433" cy="184995"/>
+          </a:xfrm>
+          <a:prstGeom prst="bentConnector3">
+            <a:avLst/>
+          </a:prstGeom>
+        </p:spPr>
+        <p:style>
+          <a:lnRef idx="1">
+            <a:schemeClr val="accent1"/>
+          </a:lnRef>
+          <a:fillRef idx="0">
+            <a:schemeClr val="accent1"/>
+          </a:fillRef>
+          <a:effectRef idx="0">
+            <a:schemeClr val="accent1"/>
+          </a:effectRef>
+          <a:fontRef idx="minor">
+            <a:schemeClr val="tx1"/>
+          </a:fontRef>
+        </p:style>
+      </p:cxnSp>
+      <p:cxnSp>
+        <p:nvCxnSpPr>
+          <p:cNvPr id="24" name="Connector: Elbow 23">
+            <a:extLst>
+              <a:ext uri="{FF2B5EF4-FFF2-40B4-BE49-F238E27FC236}">
+                <a16:creationId xmlns:a16="http://schemas.microsoft.com/office/drawing/2014/main" id="{8C05A3FA-0596-43D0-A4CE-A3C04BD6DAF7}"/>
+              </a:ext>
+            </a:extLst>
+          </p:cNvPr>
+          <p:cNvCxnSpPr>
+            <a:cxnSpLocks/>
+            <a:endCxn id="6" idx="2"/>
+          </p:cNvCxnSpPr>
+          <p:nvPr/>
+        </p:nvCxnSpPr>
+        <p:spPr>
+          <a:xfrm flipV="1">
+            <a:off x="9213575" y="3098605"/>
+            <a:ext cx="360162" cy="191246"/>
+          </a:xfrm>
+          <a:prstGeom prst="bentConnector2">
+            <a:avLst/>
+          </a:prstGeom>
+        </p:spPr>
+        <p:style>
+          <a:lnRef idx="1">
+            <a:schemeClr val="accent1"/>
+          </a:lnRef>
+          <a:fillRef idx="0">
+            <a:schemeClr val="accent1"/>
+          </a:fillRef>
+          <a:effectRef idx="0">
+            <a:schemeClr val="accent1"/>
+          </a:effectRef>
+          <a:fontRef idx="minor">
+            <a:schemeClr val="tx1"/>
+          </a:fontRef>
+        </p:style>
+      </p:cxnSp>
     </p:spTree>
     <p:extLst>
       <p:ext uri="{BB962C8B-B14F-4D97-AF65-F5344CB8AC3E}">
-        <p14:creationId xmlns:p14="http://schemas.microsoft.com/office/powerpoint/2010/main" val="2701704856"/>
+        <p14:creationId xmlns:p14="http://schemas.microsoft.com/office/powerpoint/2010/main" val="583463493"/>
       </p:ext>
     </p:extLst>
   </p:cSld>
@@ -4925,14 +6198,59 @@
       </p:grpSpPr>
       <p:sp>
         <p:nvSpPr>
-          <p:cNvPr id="6" name="Title 5">
+          <p:cNvPr id="6" name="AutoShape 6" descr="ผลการค้นหารูปภาพสำหรับ iot devices sport">
             <a:extLst>
               <a:ext uri="{FF2B5EF4-FFF2-40B4-BE49-F238E27FC236}">
-                <a16:creationId xmlns:a16="http://schemas.microsoft.com/office/drawing/2014/main" id="{5263B5FE-4819-474C-AA04-1DAE3695671C}"/>
+                <a16:creationId xmlns:a16="http://schemas.microsoft.com/office/drawing/2014/main" id="{BAFA31CE-C4AB-4B37-99AC-EE6905FA2028}"/>
               </a:ext>
             </a:extLst>
           </p:cNvPr>
           <p:cNvSpPr>
+            <a:spLocks noChangeAspect="1" noChangeArrowheads="1"/>
+          </p:cNvSpPr>
+          <p:nvPr/>
+        </p:nvSpPr>
+        <p:spPr bwMode="auto">
+          <a:xfrm>
+            <a:off x="5943600" y="3276600"/>
+            <a:ext cx="304800" cy="304800"/>
+          </a:xfrm>
+          <a:prstGeom prst="rect">
+            <a:avLst/>
+          </a:prstGeom>
+          <a:noFill/>
+          <a:extLst>
+            <a:ext uri="{909E8E84-426E-40DD-AFC4-6F175D3DCCD1}">
+              <a14:hiddenFill xmlns:a14="http://schemas.microsoft.com/office/drawing/2010/main">
+                <a:solidFill>
+                  <a:srgbClr val="FFFFFF"/>
+                </a:solidFill>
+              </a14:hiddenFill>
+            </a:ext>
+          </a:extLst>
+        </p:spPr>
+        <p:txBody>
+          <a:bodyPr vert="horz" wrap="square" lIns="91440" tIns="45720" rIns="91440" bIns="45720" numCol="1" anchor="t" anchorCtr="0" compatLnSpc="1">
+            <a:prstTxWarp prst="textNoShape">
+              <a:avLst/>
+            </a:prstTxWarp>
+          </a:bodyPr>
+          <a:lstStyle/>
+          <a:p>
+            <a:endParaRPr lang="en-US"/>
+          </a:p>
+        </p:txBody>
+      </p:sp>
+      <p:sp>
+        <p:nvSpPr>
+          <p:cNvPr id="17" name="Title 1">
+            <a:extLst>
+              <a:ext uri="{FF2B5EF4-FFF2-40B4-BE49-F238E27FC236}">
+                <a16:creationId xmlns:a16="http://schemas.microsoft.com/office/drawing/2014/main" id="{70155A05-A3B7-4555-9908-3E1D6A8379CD}"/>
+              </a:ext>
+            </a:extLst>
+          </p:cNvPr>
+          <p:cNvSpPr>
             <a:spLocks noGrp="1"/>
           </p:cNvSpPr>
           <p:nvPr>
@@ -4941,7 +6259,7 @@
         </p:nvSpPr>
         <p:spPr>
           <a:xfrm>
-            <a:off x="487484" y="198232"/>
+            <a:off x="626631" y="257867"/>
             <a:ext cx="9291215" cy="1049235"/>
           </a:xfrm>
         </p:spPr>
@@ -4952,42 +6270,83 @@
             <a:pPr algn="l"/>
             <a:r>
               <a:rPr lang="en-US" dirty="0"/>
-              <a:t>System overview</a:t>
-            </a:r>
-          </a:p>
-        </p:txBody>
-      </p:sp>
-      <p:sp>
-        <p:nvSpPr>
-          <p:cNvPr id="10" name="Content Placeholder 9">
+              <a:t>Psychomotor Skill Management</a:t>
+            </a:r>
+          </a:p>
+        </p:txBody>
+      </p:sp>
+      <p:sp>
+        <p:nvSpPr>
+          <p:cNvPr id="13" name="TextBox 12">
             <a:extLst>
               <a:ext uri="{FF2B5EF4-FFF2-40B4-BE49-F238E27FC236}">
-                <a16:creationId xmlns:a16="http://schemas.microsoft.com/office/drawing/2014/main" id="{EDB65660-EFBF-438C-AF3A-04D69A3F83A7}"/>
+                <a16:creationId xmlns:a16="http://schemas.microsoft.com/office/drawing/2014/main" id="{FA14DD01-4985-4A4A-8008-F1D1519AE7A9}"/>
               </a:ext>
             </a:extLst>
           </p:cNvPr>
-          <p:cNvSpPr>
-            <a:spLocks noGrp="1"/>
-          </p:cNvSpPr>
-          <p:nvPr>
-            <p:ph idx="1"/>
-          </p:nvPr>
-        </p:nvSpPr>
-        <p:spPr/>
-        <p:txBody>
-          <a:bodyPr/>
-          <a:lstStyle/>
-          <a:p>
-            <a:endParaRPr lang="en-US"/>
+          <p:cNvSpPr txBox="1"/>
+          <p:nvPr/>
+        </p:nvSpPr>
+        <p:spPr>
+          <a:xfrm>
+            <a:off x="1046922" y="1573714"/>
+            <a:ext cx="10606598" cy="3046988"/>
+          </a:xfrm>
+          <a:prstGeom prst="rect">
+            <a:avLst/>
+          </a:prstGeom>
+          <a:noFill/>
+        </p:spPr>
+        <p:txBody>
+          <a:bodyPr wrap="square" rtlCol="0">
+            <a:spAutoFit/>
+          </a:bodyPr>
+          <a:lstStyle/>
+          <a:p>
+            <a:pPr marL="457200" indent="-457200">
+              <a:buFont typeface="Arial" panose="020B0604020202020204" pitchFamily="34" charset="0"/>
+              <a:buChar char="•"/>
+            </a:pPr>
+            <a:r>
+              <a:rPr lang="en-US" sz="3200" dirty="0"/>
+              <a:t>Get data from tester and analysis the results</a:t>
+            </a:r>
+          </a:p>
+          <a:p>
+            <a:pPr marL="457200" indent="-457200">
+              <a:buFont typeface="Arial" panose="020B0604020202020204" pitchFamily="34" charset="0"/>
+              <a:buChar char="•"/>
+            </a:pPr>
+            <a:r>
+              <a:rPr lang="en-US" sz="3200" dirty="0"/>
+              <a:t>Examiner can change form of input to his/her own idea or create his/her new form</a:t>
+            </a:r>
+          </a:p>
+          <a:p>
+            <a:pPr marL="457200" indent="-457200">
+              <a:buFont typeface="Arial" panose="020B0604020202020204" pitchFamily="34" charset="0"/>
+              <a:buChar char="•"/>
+            </a:pPr>
+            <a:r>
+              <a:rPr lang="en-US" sz="3200" dirty="0"/>
+              <a:t>Monitoring the output in form of graph 					   and statistic detail</a:t>
+            </a:r>
+          </a:p>
+          <a:p>
+            <a:pPr marL="457200" indent="-457200">
+              <a:buFont typeface="Arial" panose="020B0604020202020204" pitchFamily="34" charset="0"/>
+              <a:buChar char="•"/>
+            </a:pPr>
+            <a:endParaRPr lang="en-US" sz="3200" dirty="0"/>
           </a:p>
         </p:txBody>
       </p:sp>
       <p:pic>
         <p:nvPicPr>
-          <p:cNvPr id="12" name="Picture 11">
+          <p:cNvPr id="15" name="Picture 14">
             <a:extLst>
               <a:ext uri="{FF2B5EF4-FFF2-40B4-BE49-F238E27FC236}">
-                <a16:creationId xmlns:a16="http://schemas.microsoft.com/office/drawing/2014/main" id="{09F1104F-E3BB-416C-B506-48C6A4BC178A}"/>
+                <a16:creationId xmlns:a16="http://schemas.microsoft.com/office/drawing/2014/main" id="{A79F416A-6FC7-4F56-A59B-4F331C920B21}"/>
               </a:ext>
             </a:extLst>
           </p:cNvPr>
@@ -5004,18 +6363,52 @@
         </p:blipFill>
         <p:spPr>
           <a:xfrm>
-            <a:off x="0" y="1247468"/>
-            <a:ext cx="12192000" cy="4431972"/>
+            <a:off x="7875270" y="3706862"/>
+            <a:ext cx="3128010" cy="2360903"/>
           </a:xfrm>
           <a:prstGeom prst="rect">
             <a:avLst/>
           </a:prstGeom>
         </p:spPr>
       </p:pic>
+      <p:sp>
+        <p:nvSpPr>
+          <p:cNvPr id="4" name="Slide Number Placeholder 3">
+            <a:extLst>
+              <a:ext uri="{FF2B5EF4-FFF2-40B4-BE49-F238E27FC236}">
+                <a16:creationId xmlns:a16="http://schemas.microsoft.com/office/drawing/2014/main" id="{896FC0B0-BEFB-429A-BC07-30276D312C91}"/>
+              </a:ext>
+            </a:extLst>
+          </p:cNvPr>
+          <p:cNvSpPr>
+            <a:spLocks noGrp="1"/>
+          </p:cNvSpPr>
+          <p:nvPr>
+            <p:ph type="sldNum" sz="quarter" idx="12"/>
+          </p:nvPr>
+        </p:nvSpPr>
+        <p:spPr>
+          <a:xfrm>
+            <a:off x="11248010" y="6250434"/>
+            <a:ext cx="811019" cy="503578"/>
+          </a:xfrm>
+        </p:spPr>
+        <p:txBody>
+          <a:bodyPr/>
+          <a:lstStyle/>
+          <a:p>
+            <a:fld id="{1B89DD3E-DF22-4EA1-BEAF-D8BFA9CB354D}" type="slidenum">
+              <a:rPr lang="en-US" smtClean="0"/>
+              <a:t>5</a:t>
+            </a:fld>
+            <a:endParaRPr lang="en-US"/>
+          </a:p>
+        </p:txBody>
+      </p:sp>
     </p:spTree>
     <p:extLst>
       <p:ext uri="{BB962C8B-B14F-4D97-AF65-F5344CB8AC3E}">
-        <p14:creationId xmlns:p14="http://schemas.microsoft.com/office/powerpoint/2010/main" val="1592077870"/>
+        <p14:creationId xmlns:p14="http://schemas.microsoft.com/office/powerpoint/2010/main" val="2701704856"/>
       </p:ext>
     </p:extLst>
   </p:cSld>
@@ -5044,10 +6437,10 @@
       </p:grpSpPr>
       <p:sp>
         <p:nvSpPr>
-          <p:cNvPr id="2" name="Title 1">
+          <p:cNvPr id="6" name="Title 5">
             <a:extLst>
               <a:ext uri="{FF2B5EF4-FFF2-40B4-BE49-F238E27FC236}">
-                <a16:creationId xmlns:a16="http://schemas.microsoft.com/office/drawing/2014/main" id="{63975D50-1660-40D8-9D5D-29AD9519BFC9}"/>
+                <a16:creationId xmlns:a16="http://schemas.microsoft.com/office/drawing/2014/main" id="{5263B5FE-4819-474C-AA04-1DAE3695671C}"/>
               </a:ext>
             </a:extLst>
           </p:cNvPr>
@@ -5060,7 +6453,7 @@
         </p:nvSpPr>
         <p:spPr>
           <a:xfrm>
-            <a:off x="646509" y="277745"/>
+            <a:off x="487484" y="198232"/>
             <a:ext cx="9291215" cy="1049235"/>
           </a:xfrm>
         </p:spPr>
@@ -5071,17 +6464,17 @@
             <a:pPr algn="l"/>
             <a:r>
               <a:rPr lang="en-US" dirty="0"/>
-              <a:t>Target</a:t>
-            </a:r>
-          </a:p>
-        </p:txBody>
-      </p:sp>
-      <p:sp>
-        <p:nvSpPr>
-          <p:cNvPr id="3" name="Content Placeholder 2">
+              <a:t>System overview</a:t>
+            </a:r>
+          </a:p>
+        </p:txBody>
+      </p:sp>
+      <p:sp>
+        <p:nvSpPr>
+          <p:cNvPr id="10" name="Content Placeholder 9">
             <a:extLst>
               <a:ext uri="{FF2B5EF4-FFF2-40B4-BE49-F238E27FC236}">
-                <a16:creationId xmlns:a16="http://schemas.microsoft.com/office/drawing/2014/main" id="{8EE835DD-37F0-4A90-8B2C-CC0134304909}"/>
+                <a16:creationId xmlns:a16="http://schemas.microsoft.com/office/drawing/2014/main" id="{EDB65660-EFBF-438C-AF3A-04D69A3F83A7}"/>
               </a:ext>
             </a:extLst>
           </p:cNvPr>
@@ -5092,157 +6485,83 @@
             <p:ph idx="1"/>
           </p:nvPr>
         </p:nvSpPr>
-        <p:spPr>
-          <a:xfrm>
-            <a:off x="1054014" y="1498897"/>
-            <a:ext cx="9291215" cy="3450613"/>
-          </a:xfrm>
-        </p:spPr>
-        <p:txBody>
-          <a:bodyPr>
-            <a:normAutofit/>
-          </a:bodyPr>
-          <a:lstStyle/>
-          <a:p>
-            <a:r>
-              <a:rPr lang="en-US" sz="3000" dirty="0"/>
-              <a:t>Athlete of </a:t>
-            </a:r>
-            <a:r>
-              <a:rPr lang="en-US" sz="3000" dirty="0" err="1"/>
-              <a:t>Kasetsart</a:t>
-            </a:r>
-            <a:r>
-              <a:rPr lang="en-US" sz="3000" dirty="0"/>
-              <a:t> University</a:t>
-            </a:r>
-          </a:p>
-          <a:p>
-            <a:endParaRPr lang="en-US" sz="3000" dirty="0"/>
-          </a:p>
-          <a:p>
-            <a:r>
-              <a:rPr lang="en-US" sz="3000" dirty="0"/>
-              <a:t>Faculty of Education, </a:t>
-            </a:r>
-            <a:r>
-              <a:rPr lang="en-US" sz="3000" dirty="0" err="1"/>
-              <a:t>Kasetsart</a:t>
-            </a:r>
-            <a:r>
-              <a:rPr lang="en-US" sz="3000" dirty="0"/>
-              <a:t> University</a:t>
-            </a:r>
-          </a:p>
-          <a:p>
-            <a:endParaRPr lang="en-US" sz="3000" dirty="0"/>
-          </a:p>
-          <a:p>
-            <a:pPr marL="0" indent="0">
-              <a:buNone/>
-            </a:pPr>
-            <a:endParaRPr lang="en-US" sz="3000" dirty="0"/>
+        <p:spPr/>
+        <p:txBody>
+          <a:bodyPr/>
+          <a:lstStyle/>
+          <a:p>
+            <a:endParaRPr lang="en-US"/>
+          </a:p>
+        </p:txBody>
+      </p:sp>
+      <p:sp>
+        <p:nvSpPr>
+          <p:cNvPr id="4" name="Slide Number Placeholder 3">
+            <a:extLst>
+              <a:ext uri="{FF2B5EF4-FFF2-40B4-BE49-F238E27FC236}">
+                <a16:creationId xmlns:a16="http://schemas.microsoft.com/office/drawing/2014/main" id="{7B5678AD-2C33-4C0F-92D6-7AC253E8906F}"/>
+              </a:ext>
+            </a:extLst>
+          </p:cNvPr>
+          <p:cNvSpPr>
+            <a:spLocks noGrp="1"/>
+          </p:cNvSpPr>
+          <p:nvPr>
+            <p:ph type="sldNum" sz="quarter" idx="12"/>
+          </p:nvPr>
+        </p:nvSpPr>
+        <p:spPr>
+          <a:xfrm>
+            <a:off x="11075174" y="6329680"/>
+            <a:ext cx="811019" cy="503578"/>
+          </a:xfrm>
+        </p:spPr>
+        <p:txBody>
+          <a:bodyPr/>
+          <a:lstStyle/>
+          <a:p>
+            <a:fld id="{1B89DD3E-DF22-4EA1-BEAF-D8BFA9CB354D}" type="slidenum">
+              <a:rPr lang="en-US" smtClean="0"/>
+              <a:t>6</a:t>
+            </a:fld>
+            <a:endParaRPr lang="en-US" dirty="0"/>
           </a:p>
         </p:txBody>
       </p:sp>
       <p:pic>
         <p:nvPicPr>
-          <p:cNvPr id="4103" name="Picture 7" descr="ผลการค้นหารูปภาพสำหรับ Athlete">
+          <p:cNvPr id="9" name="Picture 8">
             <a:extLst>
               <a:ext uri="{FF2B5EF4-FFF2-40B4-BE49-F238E27FC236}">
-                <a16:creationId xmlns:a16="http://schemas.microsoft.com/office/drawing/2014/main" id="{1C8811E2-361C-46F7-977D-06535B12643C}"/>
+                <a16:creationId xmlns:a16="http://schemas.microsoft.com/office/drawing/2014/main" id="{7EDDEBC0-ADD5-4011-A19B-E351748AF75E}"/>
               </a:ext>
             </a:extLst>
           </p:cNvPr>
           <p:cNvPicPr>
-            <a:picLocks noChangeAspect="1" noChangeArrowheads="1"/>
+            <a:picLocks noChangeAspect="1"/>
           </p:cNvPicPr>
           <p:nvPr/>
         </p:nvPicPr>
         <p:blipFill>
-          <a:blip r:embed="rId2">
-            <a:extLst>
-              <a:ext uri="{28A0092B-C50C-407E-A947-70E740481C1C}">
-                <a14:useLocalDpi xmlns:a14="http://schemas.microsoft.com/office/drawing/2010/main" val="0"/>
-              </a:ext>
-            </a:extLst>
-          </a:blip>
-          <a:srcRect/>
+          <a:blip r:embed="rId2"/>
           <a:stretch>
             <a:fillRect/>
           </a:stretch>
         </p:blipFill>
-        <p:spPr bwMode="auto">
-          <a:xfrm>
-            <a:off x="8164791" y="3726608"/>
-            <a:ext cx="2651785" cy="2288111"/>
+        <p:spPr>
+          <a:xfrm>
+            <a:off x="0" y="1026160"/>
+            <a:ext cx="12192000" cy="4795519"/>
           </a:xfrm>
           <a:prstGeom prst="rect">
             <a:avLst/>
           </a:prstGeom>
-          <a:noFill/>
-          <a:extLst>
-            <a:ext uri="{909E8E84-426E-40DD-AFC4-6F175D3DCCD1}">
-              <a14:hiddenFill xmlns:a14="http://schemas.microsoft.com/office/drawing/2010/main">
-                <a:solidFill>
-                  <a:srgbClr val="FFFFFF"/>
-                </a:solidFill>
-              </a14:hiddenFill>
-            </a:ext>
-          </a:extLst>
-        </p:spPr>
-      </p:pic>
-      <p:pic>
-        <p:nvPicPr>
-          <p:cNvPr id="4107" name="Picture 11" descr="ผลการค้นหารูปภาพสำหรับ kasetsart university">
-            <a:extLst>
-              <a:ext uri="{FF2B5EF4-FFF2-40B4-BE49-F238E27FC236}">
-                <a16:creationId xmlns:a16="http://schemas.microsoft.com/office/drawing/2014/main" id="{A4A405B0-11F2-4094-B629-EC7AF81DAFEE}"/>
-              </a:ext>
-            </a:extLst>
-          </p:cNvPr>
-          <p:cNvPicPr>
-            <a:picLocks noChangeAspect="1" noChangeArrowheads="1"/>
-          </p:cNvPicPr>
-          <p:nvPr/>
-        </p:nvPicPr>
-        <p:blipFill>
-          <a:blip r:embed="rId3">
-            <a:extLst>
-              <a:ext uri="{28A0092B-C50C-407E-A947-70E740481C1C}">
-                <a14:useLocalDpi xmlns:a14="http://schemas.microsoft.com/office/drawing/2010/main" val="0"/>
-              </a:ext>
-            </a:extLst>
-          </a:blip>
-          <a:srcRect/>
-          <a:stretch>
-            <a:fillRect/>
-          </a:stretch>
-        </p:blipFill>
-        <p:spPr bwMode="auto">
-          <a:xfrm>
-            <a:off x="1868169" y="4169252"/>
-            <a:ext cx="4708229" cy="1236655"/>
-          </a:xfrm>
-          <a:prstGeom prst="rect">
-            <a:avLst/>
-          </a:prstGeom>
-          <a:noFill/>
-          <a:extLst>
-            <a:ext uri="{909E8E84-426E-40DD-AFC4-6F175D3DCCD1}">
-              <a14:hiddenFill xmlns:a14="http://schemas.microsoft.com/office/drawing/2010/main">
-                <a:solidFill>
-                  <a:srgbClr val="FFFFFF"/>
-                </a:solidFill>
-              </a14:hiddenFill>
-            </a:ext>
-          </a:extLst>
         </p:spPr>
       </p:pic>
     </p:spTree>
     <p:extLst>
       <p:ext uri="{BB962C8B-B14F-4D97-AF65-F5344CB8AC3E}">
-        <p14:creationId xmlns:p14="http://schemas.microsoft.com/office/powerpoint/2010/main" val="3979453104"/>
+        <p14:creationId xmlns:p14="http://schemas.microsoft.com/office/powerpoint/2010/main" val="1592077870"/>
       </p:ext>
     </p:extLst>
   </p:cSld>
@@ -5274,7 +6593,7 @@
           <p:cNvPr id="2" name="Title 1">
             <a:extLst>
               <a:ext uri="{FF2B5EF4-FFF2-40B4-BE49-F238E27FC236}">
-                <a16:creationId xmlns:a16="http://schemas.microsoft.com/office/drawing/2014/main" id="{7C16E5F1-D8FF-4C0E-B6AF-860FD22452BA}"/>
+                <a16:creationId xmlns:a16="http://schemas.microsoft.com/office/drawing/2014/main" id="{63975D50-1660-40D8-9D5D-29AD9519BFC9}"/>
               </a:ext>
             </a:extLst>
           </p:cNvPr>
@@ -5287,7 +6606,7 @@
         </p:nvSpPr>
         <p:spPr>
           <a:xfrm>
-            <a:off x="835353" y="426832"/>
+            <a:off x="646509" y="277745"/>
             <a:ext cx="9291215" cy="1049235"/>
           </a:xfrm>
         </p:spPr>
@@ -5298,7 +6617,7 @@
             <a:pPr algn="l"/>
             <a:r>
               <a:rPr lang="en-US" dirty="0"/>
-              <a:t>Requirement</a:t>
+              <a:t>Target</a:t>
             </a:r>
           </a:p>
         </p:txBody>
@@ -5308,7 +6627,7 @@
           <p:cNvPr id="3" name="Content Placeholder 2">
             <a:extLst>
               <a:ext uri="{FF2B5EF4-FFF2-40B4-BE49-F238E27FC236}">
-                <a16:creationId xmlns:a16="http://schemas.microsoft.com/office/drawing/2014/main" id="{43C3BCCE-A20A-4DA4-9844-D04562533EFC}"/>
+                <a16:creationId xmlns:a16="http://schemas.microsoft.com/office/drawing/2014/main" id="{8EE835DD-37F0-4A90-8B2C-CC0134304909}"/>
               </a:ext>
             </a:extLst>
           </p:cNvPr>
@@ -5321,54 +6640,189 @@
         </p:nvSpPr>
         <p:spPr>
           <a:xfrm>
-            <a:off x="835352" y="1476067"/>
-            <a:ext cx="10137447" cy="3880773"/>
+            <a:off x="1054014" y="1498897"/>
+            <a:ext cx="9291215" cy="3450613"/>
           </a:xfrm>
         </p:spPr>
         <p:txBody>
           <a:bodyPr>
-            <a:noAutofit/>
+            <a:normAutofit/>
           </a:bodyPr>
           <a:lstStyle/>
           <a:p>
             <a:r>
               <a:rPr lang="en-US" sz="3000" dirty="0"/>
-              <a:t>The format pattern </a:t>
-            </a:r>
-            <a:r>
-              <a:rPr lang="en-US" sz="3000" b="1" u="sng" dirty="0"/>
-              <a:t>MUST</a:t>
+              <a:t>Athlete of </a:t>
+            </a:r>
+            <a:r>
+              <a:rPr lang="en-US" sz="3000" dirty="0" err="1"/>
+              <a:t>Kasetsart</a:t>
             </a:r>
             <a:r>
               <a:rPr lang="en-US" sz="3000" dirty="0"/>
-              <a:t> be accurate. </a:t>
-            </a:r>
+              <a:t> University</a:t>
+            </a:r>
+          </a:p>
+          <a:p>
+            <a:endParaRPr lang="en-US" sz="3000" dirty="0"/>
           </a:p>
           <a:p>
             <a:r>
               <a:rPr lang="en-US" sz="3000" dirty="0"/>
-              <a:t>Can show output in form of (Step, Set) </a:t>
-            </a:r>
-            <a:endParaRPr lang="th-TH" sz="3000" dirty="0"/>
-          </a:p>
-          <a:p>
+              <a:t>Faculty of Education, </a:t>
+            </a:r>
+            <a:r>
+              <a:rPr lang="en-US" sz="3000" dirty="0" err="1"/>
+              <a:t>Kasetsart</a:t>
+            </a:r>
             <a:r>
               <a:rPr lang="en-US" sz="3000" dirty="0"/>
-              <a:t>Examiner can select form to play and can create the format pattern themselves</a:t>
-            </a:r>
-          </a:p>
-          <a:p>
-            <a:r>
-              <a:rPr lang="en-US" sz="3000" dirty="0"/>
-              <a:t>(Optional) Double Table</a:t>
-            </a:r>
+              <a:t> University</a:t>
+            </a:r>
+          </a:p>
+          <a:p>
+            <a:endParaRPr lang="en-US" sz="3000" dirty="0"/>
+          </a:p>
+          <a:p>
+            <a:pPr marL="0" indent="0">
+              <a:buNone/>
+            </a:pPr>
+            <a:endParaRPr lang="en-US" sz="3000" dirty="0"/>
+          </a:p>
+        </p:txBody>
+      </p:sp>
+      <p:pic>
+        <p:nvPicPr>
+          <p:cNvPr id="4103" name="Picture 7" descr="ผลการค้นหารูปภาพสำหรับ Athlete">
+            <a:extLst>
+              <a:ext uri="{FF2B5EF4-FFF2-40B4-BE49-F238E27FC236}">
+                <a16:creationId xmlns:a16="http://schemas.microsoft.com/office/drawing/2014/main" id="{1C8811E2-361C-46F7-977D-06535B12643C}"/>
+              </a:ext>
+            </a:extLst>
+          </p:cNvPr>
+          <p:cNvPicPr>
+            <a:picLocks noChangeAspect="1" noChangeArrowheads="1"/>
+          </p:cNvPicPr>
+          <p:nvPr/>
+        </p:nvPicPr>
+        <p:blipFill>
+          <a:blip r:embed="rId2">
+            <a:extLst>
+              <a:ext uri="{28A0092B-C50C-407E-A947-70E740481C1C}">
+                <a14:useLocalDpi xmlns:a14="http://schemas.microsoft.com/office/drawing/2010/main" val="0"/>
+              </a:ext>
+            </a:extLst>
+          </a:blip>
+          <a:srcRect/>
+          <a:stretch>
+            <a:fillRect/>
+          </a:stretch>
+        </p:blipFill>
+        <p:spPr bwMode="auto">
+          <a:xfrm>
+            <a:off x="8164791" y="3726608"/>
+            <a:ext cx="2651785" cy="2288111"/>
+          </a:xfrm>
+          <a:prstGeom prst="rect">
+            <a:avLst/>
+          </a:prstGeom>
+          <a:noFill/>
+          <a:extLst>
+            <a:ext uri="{909E8E84-426E-40DD-AFC4-6F175D3DCCD1}">
+              <a14:hiddenFill xmlns:a14="http://schemas.microsoft.com/office/drawing/2010/main">
+                <a:solidFill>
+                  <a:srgbClr val="FFFFFF"/>
+                </a:solidFill>
+              </a14:hiddenFill>
+            </a:ext>
+          </a:extLst>
+        </p:spPr>
+      </p:pic>
+      <p:pic>
+        <p:nvPicPr>
+          <p:cNvPr id="4107" name="Picture 11" descr="ผลการค้นหารูปภาพสำหรับ kasetsart university">
+            <a:extLst>
+              <a:ext uri="{FF2B5EF4-FFF2-40B4-BE49-F238E27FC236}">
+                <a16:creationId xmlns:a16="http://schemas.microsoft.com/office/drawing/2014/main" id="{A4A405B0-11F2-4094-B629-EC7AF81DAFEE}"/>
+              </a:ext>
+            </a:extLst>
+          </p:cNvPr>
+          <p:cNvPicPr>
+            <a:picLocks noChangeAspect="1" noChangeArrowheads="1"/>
+          </p:cNvPicPr>
+          <p:nvPr/>
+        </p:nvPicPr>
+        <p:blipFill>
+          <a:blip r:embed="rId3">
+            <a:extLst>
+              <a:ext uri="{28A0092B-C50C-407E-A947-70E740481C1C}">
+                <a14:useLocalDpi xmlns:a14="http://schemas.microsoft.com/office/drawing/2010/main" val="0"/>
+              </a:ext>
+            </a:extLst>
+          </a:blip>
+          <a:srcRect/>
+          <a:stretch>
+            <a:fillRect/>
+          </a:stretch>
+        </p:blipFill>
+        <p:spPr bwMode="auto">
+          <a:xfrm>
+            <a:off x="1868169" y="4169252"/>
+            <a:ext cx="4708229" cy="1236655"/>
+          </a:xfrm>
+          <a:prstGeom prst="rect">
+            <a:avLst/>
+          </a:prstGeom>
+          <a:noFill/>
+          <a:extLst>
+            <a:ext uri="{909E8E84-426E-40DD-AFC4-6F175D3DCCD1}">
+              <a14:hiddenFill xmlns:a14="http://schemas.microsoft.com/office/drawing/2010/main">
+                <a:solidFill>
+                  <a:srgbClr val="FFFFFF"/>
+                </a:solidFill>
+              </a14:hiddenFill>
+            </a:ext>
+          </a:extLst>
+        </p:spPr>
+      </p:pic>
+      <p:sp>
+        <p:nvSpPr>
+          <p:cNvPr id="6" name="Slide Number Placeholder 5">
+            <a:extLst>
+              <a:ext uri="{FF2B5EF4-FFF2-40B4-BE49-F238E27FC236}">
+                <a16:creationId xmlns:a16="http://schemas.microsoft.com/office/drawing/2014/main" id="{E8849F9F-C59C-496C-AA61-98BF6F751F4F}"/>
+              </a:ext>
+            </a:extLst>
+          </p:cNvPr>
+          <p:cNvSpPr>
+            <a:spLocks noGrp="1"/>
+          </p:cNvSpPr>
+          <p:nvPr>
+            <p:ph type="sldNum" sz="quarter" idx="12"/>
+          </p:nvPr>
+        </p:nvSpPr>
+        <p:spPr>
+          <a:xfrm>
+            <a:off x="11194443" y="6215799"/>
+            <a:ext cx="811019" cy="503578"/>
+          </a:xfrm>
+        </p:spPr>
+        <p:txBody>
+          <a:bodyPr/>
+          <a:lstStyle/>
+          <a:p>
+            <a:fld id="{1B89DD3E-DF22-4EA1-BEAF-D8BFA9CB354D}" type="slidenum">
+              <a:rPr lang="en-US" smtClean="0"/>
+              <a:t>7</a:t>
+            </a:fld>
+            <a:endParaRPr lang="en-US"/>
           </a:p>
         </p:txBody>
       </p:sp>
     </p:spTree>
     <p:extLst>
       <p:ext uri="{BB962C8B-B14F-4D97-AF65-F5344CB8AC3E}">
-        <p14:creationId xmlns:p14="http://schemas.microsoft.com/office/powerpoint/2010/main" val="4146483930"/>
+        <p14:creationId xmlns:p14="http://schemas.microsoft.com/office/powerpoint/2010/main" val="3979453104"/>
       </p:ext>
     </p:extLst>
   </p:cSld>
@@ -5400,7 +6854,7 @@
           <p:cNvPr id="2" name="Title 1">
             <a:extLst>
               <a:ext uri="{FF2B5EF4-FFF2-40B4-BE49-F238E27FC236}">
-                <a16:creationId xmlns:a16="http://schemas.microsoft.com/office/drawing/2014/main" id="{3043CBB8-5137-4AFA-A98C-5A654F8E1972}"/>
+                <a16:creationId xmlns:a16="http://schemas.microsoft.com/office/drawing/2014/main" id="{7C16E5F1-D8FF-4C0E-B6AF-860FD22452BA}"/>
               </a:ext>
             </a:extLst>
           </p:cNvPr>
@@ -5413,7 +6867,7 @@
         </p:nvSpPr>
         <p:spPr>
           <a:xfrm>
-            <a:off x="477545" y="168415"/>
+            <a:off x="835353" y="426832"/>
             <a:ext cx="9291215" cy="1049235"/>
           </a:xfrm>
         </p:spPr>
@@ -5424,188 +6878,111 @@
             <a:pPr algn="l"/>
             <a:r>
               <a:rPr lang="en-US" dirty="0"/>
-              <a:t>Double Table</a:t>
-            </a:r>
-          </a:p>
-        </p:txBody>
-      </p:sp>
-      <p:sp>
-        <p:nvSpPr>
-          <p:cNvPr id="8" name="TextBox 7">
+              <a:t>Requirement</a:t>
+            </a:r>
+          </a:p>
+        </p:txBody>
+      </p:sp>
+      <p:sp>
+        <p:nvSpPr>
+          <p:cNvPr id="3" name="Content Placeholder 2">
             <a:extLst>
               <a:ext uri="{FF2B5EF4-FFF2-40B4-BE49-F238E27FC236}">
-                <a16:creationId xmlns:a16="http://schemas.microsoft.com/office/drawing/2014/main" id="{776CA7E7-C769-4160-9CCD-91586ADDF84A}"/>
+                <a16:creationId xmlns:a16="http://schemas.microsoft.com/office/drawing/2014/main" id="{43C3BCCE-A20A-4DA4-9844-D04562533EFC}"/>
               </a:ext>
             </a:extLst>
           </p:cNvPr>
-          <p:cNvSpPr txBox="1"/>
-          <p:nvPr/>
-        </p:nvSpPr>
-        <p:spPr>
-          <a:xfrm>
-            <a:off x="1137920" y="1097280"/>
-            <a:ext cx="9215120" cy="4524315"/>
-          </a:xfrm>
-          <a:prstGeom prst="rect">
-            <a:avLst/>
-          </a:prstGeom>
-          <a:noFill/>
-        </p:spPr>
-        <p:txBody>
-          <a:bodyPr wrap="square" rtlCol="0">
-            <a:spAutoFit/>
+          <p:cNvSpPr>
+            <a:spLocks noGrp="1"/>
+          </p:cNvSpPr>
+          <p:nvPr>
+            <p:ph idx="1"/>
+          </p:nvPr>
+        </p:nvSpPr>
+        <p:spPr>
+          <a:xfrm>
+            <a:off x="835352" y="1476067"/>
+            <a:ext cx="10137447" cy="3880773"/>
+          </a:xfrm>
+        </p:spPr>
+        <p:txBody>
+          <a:bodyPr>
+            <a:noAutofit/>
           </a:bodyPr>
           <a:lstStyle/>
           <a:p>
-            <a:pPr marL="514350" indent="-514350">
-              <a:buFont typeface="+mj-lt"/>
-              <a:buAutoNum type="arabicPeriod"/>
-            </a:pPr>
-            <a:r>
-              <a:rPr lang="en-US" sz="3200" dirty="0"/>
-              <a:t>Two player alternate play by the first player add his/her first step</a:t>
-            </a:r>
-          </a:p>
-          <a:p>
-            <a:pPr marL="514350" indent="-514350">
-              <a:buFont typeface="+mj-lt"/>
-              <a:buAutoNum type="arabicPeriod"/>
-            </a:pPr>
-            <a:endParaRPr lang="en-US" sz="3200" dirty="0"/>
-          </a:p>
-          <a:p>
-            <a:pPr marL="514350" indent="-514350">
-              <a:buFont typeface="+mj-lt"/>
-              <a:buAutoNum type="arabicPeriod"/>
-            </a:pPr>
-            <a:endParaRPr lang="en-US" sz="3200" dirty="0"/>
-          </a:p>
-          <a:p>
-            <a:pPr marL="514350" indent="-514350">
-              <a:buFont typeface="+mj-lt"/>
-              <a:buAutoNum type="arabicPeriod"/>
-            </a:pPr>
-            <a:endParaRPr lang="en-US" sz="3200" dirty="0"/>
-          </a:p>
-          <a:p>
-            <a:pPr marL="514350" indent="-514350">
-              <a:buFont typeface="+mj-lt"/>
-              <a:buAutoNum type="arabicPeriod"/>
-            </a:pPr>
-            <a:r>
-              <a:rPr lang="en-US" sz="3200" dirty="0"/>
-              <a:t>The second player must repeat it and add his/her own step</a:t>
-            </a:r>
-          </a:p>
-          <a:p>
-            <a:r>
-              <a:rPr lang="en-US" sz="3200" dirty="0"/>
-              <a:t> </a:t>
-            </a:r>
-          </a:p>
-          <a:p>
-            <a:pPr marL="514350" indent="-514350">
-              <a:buFont typeface="+mj-lt"/>
-              <a:buAutoNum type="arabicPeriod"/>
-            </a:pPr>
-            <a:endParaRPr lang="en-US" sz="3200" dirty="0"/>
-          </a:p>
-        </p:txBody>
-      </p:sp>
-      <p:pic>
-        <p:nvPicPr>
-          <p:cNvPr id="9" name="Picture 8">
+            <a:r>
+              <a:rPr lang="en-US" sz="3000" dirty="0"/>
+              <a:t>The format pattern </a:t>
+            </a:r>
+            <a:r>
+              <a:rPr lang="en-US" sz="3000" b="1" u="sng" dirty="0"/>
+              <a:t>MUST</a:t>
+            </a:r>
+            <a:r>
+              <a:rPr lang="en-US" sz="3000" dirty="0"/>
+              <a:t> be accurate. </a:t>
+            </a:r>
+          </a:p>
+          <a:p>
+            <a:r>
+              <a:rPr lang="en-US" sz="3000" dirty="0"/>
+              <a:t>Can show output in form of (Step, Set) </a:t>
+            </a:r>
+            <a:endParaRPr lang="th-TH" sz="3000" dirty="0"/>
+          </a:p>
+          <a:p>
+            <a:r>
+              <a:rPr lang="en-US" sz="3000" dirty="0"/>
+              <a:t>Examiner can select form to play and can create the format pattern themselves</a:t>
+            </a:r>
+          </a:p>
+          <a:p>
+            <a:r>
+              <a:rPr lang="en-US" sz="3000" dirty="0"/>
+              <a:t>(Optional) Double Table</a:t>
+            </a:r>
+          </a:p>
+        </p:txBody>
+      </p:sp>
+      <p:sp>
+        <p:nvSpPr>
+          <p:cNvPr id="6" name="Slide Number Placeholder 5">
             <a:extLst>
               <a:ext uri="{FF2B5EF4-FFF2-40B4-BE49-F238E27FC236}">
-                <a16:creationId xmlns:a16="http://schemas.microsoft.com/office/drawing/2014/main" id="{49E048CF-4A47-4347-8E6D-B3627A9FE60D}"/>
+                <a16:creationId xmlns:a16="http://schemas.microsoft.com/office/drawing/2014/main" id="{5080EFFF-3D12-4114-B2D6-D4A51B46BAC8}"/>
               </a:ext>
             </a:extLst>
           </p:cNvPr>
-          <p:cNvPicPr>
-            <a:picLocks noChangeAspect="1"/>
-          </p:cNvPicPr>
-          <p:nvPr/>
-        </p:nvPicPr>
-        <p:blipFill>
-          <a:blip r:embed="rId2"/>
-          <a:stretch>
-            <a:fillRect/>
-          </a:stretch>
-        </p:blipFill>
-        <p:spPr>
-          <a:xfrm>
-            <a:off x="6105800" y="1859260"/>
-            <a:ext cx="2472397" cy="1657032"/>
-          </a:xfrm>
-          <a:prstGeom prst="rect">
-            <a:avLst/>
-          </a:prstGeom>
-        </p:spPr>
-      </p:pic>
-      <p:pic>
-        <p:nvPicPr>
-          <p:cNvPr id="10" name="Picture 9">
-            <a:extLst>
-              <a:ext uri="{FF2B5EF4-FFF2-40B4-BE49-F238E27FC236}">
-                <a16:creationId xmlns:a16="http://schemas.microsoft.com/office/drawing/2014/main" id="{C95D3DCF-6F75-4EC6-9E43-F27187229327}"/>
-              </a:ext>
-            </a:extLst>
-          </p:cNvPr>
-          <p:cNvPicPr>
-            <a:picLocks noChangeAspect="1"/>
-          </p:cNvPicPr>
-          <p:nvPr/>
-        </p:nvPicPr>
-        <p:blipFill>
-          <a:blip r:embed="rId2"/>
-          <a:stretch>
-            <a:fillRect/>
-          </a:stretch>
-        </p:blipFill>
-        <p:spPr>
-          <a:xfrm>
-            <a:off x="5435240" y="4209324"/>
-            <a:ext cx="2472397" cy="1657032"/>
-          </a:xfrm>
-          <a:prstGeom prst="rect">
-            <a:avLst/>
-          </a:prstGeom>
-        </p:spPr>
-      </p:pic>
-      <p:pic>
-        <p:nvPicPr>
-          <p:cNvPr id="11" name="Picture 10">
-            <a:extLst>
-              <a:ext uri="{FF2B5EF4-FFF2-40B4-BE49-F238E27FC236}">
-                <a16:creationId xmlns:a16="http://schemas.microsoft.com/office/drawing/2014/main" id="{CD17F3F9-8938-4350-9A2E-B003B2335B42}"/>
-              </a:ext>
-            </a:extLst>
-          </p:cNvPr>
-          <p:cNvPicPr>
-            <a:picLocks noChangeAspect="1"/>
-          </p:cNvPicPr>
-          <p:nvPr/>
-        </p:nvPicPr>
-        <p:blipFill>
-          <a:blip r:embed="rId3"/>
-          <a:stretch>
-            <a:fillRect/>
-          </a:stretch>
-        </p:blipFill>
-        <p:spPr>
-          <a:xfrm>
-            <a:off x="8435260" y="4152015"/>
-            <a:ext cx="2667000" cy="1771650"/>
-          </a:xfrm>
-          <a:prstGeom prst="rect">
-            <a:avLst/>
-          </a:prstGeom>
-        </p:spPr>
-      </p:pic>
+          <p:cNvSpPr>
+            <a:spLocks noGrp="1"/>
+          </p:cNvSpPr>
+          <p:nvPr>
+            <p:ph type="sldNum" sz="quarter" idx="12"/>
+          </p:nvPr>
+        </p:nvSpPr>
+        <p:spPr>
+          <a:xfrm>
+            <a:off x="11085112" y="6156164"/>
+            <a:ext cx="811019" cy="503578"/>
+          </a:xfrm>
+        </p:spPr>
+        <p:txBody>
+          <a:bodyPr/>
+          <a:lstStyle/>
+          <a:p>
+            <a:fld id="{1B89DD3E-DF22-4EA1-BEAF-D8BFA9CB354D}" type="slidenum">
+              <a:rPr lang="en-US" smtClean="0"/>
+              <a:t>8</a:t>
+            </a:fld>
+            <a:endParaRPr lang="en-US" dirty="0"/>
+          </a:p>
+        </p:txBody>
+      </p:sp>
     </p:spTree>
     <p:extLst>
       <p:ext uri="{BB962C8B-B14F-4D97-AF65-F5344CB8AC3E}">
-        <p14:creationId xmlns:p14="http://schemas.microsoft.com/office/powerpoint/2010/main" val="3034094430"/>
+        <p14:creationId xmlns:p14="http://schemas.microsoft.com/office/powerpoint/2010/main" val="4146483930"/>
       </p:ext>
     </p:extLst>
   </p:cSld>
@@ -5634,10 +7011,10 @@
       </p:grpSpPr>
       <p:sp>
         <p:nvSpPr>
-          <p:cNvPr id="3" name="Content Placeholder 2">
+          <p:cNvPr id="2" name="Title 1">
             <a:extLst>
               <a:ext uri="{FF2B5EF4-FFF2-40B4-BE49-F238E27FC236}">
-                <a16:creationId xmlns:a16="http://schemas.microsoft.com/office/drawing/2014/main" id="{E0E1A40D-ACFC-44D7-B6E7-8D0892BB5B5C}"/>
+                <a16:creationId xmlns:a16="http://schemas.microsoft.com/office/drawing/2014/main" id="{3043CBB8-5137-4AFA-A98C-5A654F8E1972}"/>
               </a:ext>
             </a:extLst>
           </p:cNvPr>
@@ -5645,83 +7022,116 @@
             <a:spLocks noGrp="1"/>
           </p:cNvSpPr>
           <p:nvPr>
-            <p:ph idx="1"/>
-          </p:nvPr>
-        </p:nvSpPr>
-        <p:spPr>
-          <a:xfrm>
-            <a:off x="425860" y="168965"/>
-            <a:ext cx="9291215" cy="3832308"/>
-          </a:xfrm>
-        </p:spPr>
-        <p:txBody>
-          <a:bodyPr>
-            <a:normAutofit fontScale="92500" lnSpcReduction="20000"/>
+            <p:ph type="title"/>
+          </p:nvPr>
+        </p:nvSpPr>
+        <p:spPr>
+          <a:xfrm>
+            <a:off x="477545" y="168415"/>
+            <a:ext cx="9291215" cy="1049235"/>
+          </a:xfrm>
+        </p:spPr>
+        <p:txBody>
+          <a:bodyPr/>
+          <a:lstStyle/>
+          <a:p>
+            <a:pPr algn="l"/>
+            <a:r>
+              <a:rPr lang="en-US" dirty="0"/>
+              <a:t>Double Table</a:t>
+            </a:r>
+          </a:p>
+        </p:txBody>
+      </p:sp>
+      <p:sp>
+        <p:nvSpPr>
+          <p:cNvPr id="8" name="TextBox 7">
+            <a:extLst>
+              <a:ext uri="{FF2B5EF4-FFF2-40B4-BE49-F238E27FC236}">
+                <a16:creationId xmlns:a16="http://schemas.microsoft.com/office/drawing/2014/main" id="{776CA7E7-C769-4160-9CCD-91586ADDF84A}"/>
+              </a:ext>
+            </a:extLst>
+          </p:cNvPr>
+          <p:cNvSpPr txBox="1"/>
+          <p:nvPr/>
+        </p:nvSpPr>
+        <p:spPr>
+          <a:xfrm>
+            <a:off x="1137920" y="1097280"/>
+            <a:ext cx="9215120" cy="4524315"/>
+          </a:xfrm>
+          <a:prstGeom prst="rect">
+            <a:avLst/>
+          </a:prstGeom>
+          <a:noFill/>
+        </p:spPr>
+        <p:txBody>
+          <a:bodyPr wrap="square" rtlCol="0">
+            <a:spAutoFit/>
           </a:bodyPr>
           <a:lstStyle/>
           <a:p>
-            <a:pPr marL="457200" indent="-457200">
+            <a:pPr marL="514350" indent="-514350">
               <a:buFont typeface="+mj-lt"/>
               <a:buAutoNum type="arabicPeriod"/>
             </a:pPr>
-            <a:endParaRPr lang="en-US" sz="2800" dirty="0"/>
-          </a:p>
-          <a:p>
-            <a:pPr marL="0" indent="0">
-              <a:buNone/>
+            <a:r>
+              <a:rPr lang="en-US" sz="3200" dirty="0"/>
+              <a:t>Two player alternate play by the first player add his/her first step</a:t>
+            </a:r>
+          </a:p>
+          <a:p>
+            <a:pPr marL="514350" indent="-514350">
+              <a:buFont typeface="+mj-lt"/>
+              <a:buAutoNum type="arabicPeriod"/>
             </a:pPr>
-            <a:r>
-              <a:rPr lang="en-US" sz="2800" dirty="0"/>
-              <a:t>3. First player must repeat it and add his/hers. </a:t>
-            </a:r>
-          </a:p>
-          <a:p>
-            <a:pPr marL="0" indent="0">
-              <a:buNone/>
+            <a:endParaRPr lang="en-US" sz="3200" dirty="0"/>
+          </a:p>
+          <a:p>
+            <a:pPr marL="514350" indent="-514350">
+              <a:buFont typeface="+mj-lt"/>
+              <a:buAutoNum type="arabicPeriod"/>
             </a:pPr>
-            <a:endParaRPr lang="en-US" sz="2800" dirty="0"/>
-          </a:p>
-          <a:p>
-            <a:pPr marL="0" indent="0">
-              <a:buNone/>
+            <a:endParaRPr lang="en-US" sz="3200" dirty="0"/>
+          </a:p>
+          <a:p>
+            <a:pPr marL="514350" indent="-514350">
+              <a:buFont typeface="+mj-lt"/>
+              <a:buAutoNum type="arabicPeriod"/>
             </a:pPr>
-            <a:endParaRPr lang="en-US" sz="2800" dirty="0"/>
-          </a:p>
-          <a:p>
-            <a:pPr marL="0" indent="0">
-              <a:buNone/>
+            <a:endParaRPr lang="en-US" sz="3200" dirty="0"/>
+          </a:p>
+          <a:p>
+            <a:pPr marL="514350" indent="-514350">
+              <a:buFont typeface="+mj-lt"/>
+              <a:buAutoNum type="arabicPeriod"/>
             </a:pPr>
-            <a:endParaRPr lang="en-US" sz="2800" dirty="0"/>
-          </a:p>
-          <a:p>
-            <a:pPr marL="0" indent="0">
-              <a:buNone/>
+            <a:r>
+              <a:rPr lang="en-US" sz="3200" dirty="0"/>
+              <a:t>The second player must repeat it and add his/her own step</a:t>
+            </a:r>
+          </a:p>
+          <a:p>
+            <a:r>
+              <a:rPr lang="en-US" sz="3200" dirty="0"/>
+              <a:t> </a:t>
+            </a:r>
+          </a:p>
+          <a:p>
+            <a:pPr marL="514350" indent="-514350">
+              <a:buFont typeface="+mj-lt"/>
+              <a:buAutoNum type="arabicPeriod"/>
             </a:pPr>
-            <a:endParaRPr lang="en-US" sz="2800" dirty="0"/>
-          </a:p>
-          <a:p>
-            <a:pPr marL="0" indent="0">
-              <a:buNone/>
-            </a:pPr>
-            <a:r>
-              <a:rPr lang="en-US" sz="2800" dirty="0"/>
-              <a:t>4.Repeat until someone fail</a:t>
-            </a:r>
-          </a:p>
-          <a:p>
-            <a:pPr marL="0" indent="0">
-              <a:buNone/>
-            </a:pPr>
-            <a:endParaRPr lang="en-US" sz="2800" dirty="0"/>
+            <a:endParaRPr lang="en-US" sz="3200" dirty="0"/>
           </a:p>
         </p:txBody>
       </p:sp>
       <p:pic>
         <p:nvPicPr>
-          <p:cNvPr id="4" name="Picture 3">
+          <p:cNvPr id="9" name="Picture 8">
             <a:extLst>
               <a:ext uri="{FF2B5EF4-FFF2-40B4-BE49-F238E27FC236}">
-                <a16:creationId xmlns:a16="http://schemas.microsoft.com/office/drawing/2014/main" id="{D407ED83-46EE-4B70-B739-085F18245288}"/>
+                <a16:creationId xmlns:a16="http://schemas.microsoft.com/office/drawing/2014/main" id="{49E048CF-4A47-4347-8E6D-B3627A9FE60D}"/>
               </a:ext>
             </a:extLst>
           </p:cNvPr>
@@ -5738,7 +7148,7 @@
         </p:blipFill>
         <p:spPr>
           <a:xfrm>
-            <a:off x="690520" y="1334044"/>
+            <a:off x="6105800" y="1859260"/>
             <a:ext cx="2472397" cy="1657032"/>
           </a:xfrm>
           <a:prstGeom prst="rect">
@@ -5748,10 +7158,40 @@
       </p:pic>
       <p:pic>
         <p:nvPicPr>
-          <p:cNvPr id="5" name="Picture 4">
+          <p:cNvPr id="10" name="Picture 9">
             <a:extLst>
               <a:ext uri="{FF2B5EF4-FFF2-40B4-BE49-F238E27FC236}">
-                <a16:creationId xmlns:a16="http://schemas.microsoft.com/office/drawing/2014/main" id="{BA9F8043-C4C0-448F-8055-98DD3F1FD0BD}"/>
+                <a16:creationId xmlns:a16="http://schemas.microsoft.com/office/drawing/2014/main" id="{C95D3DCF-6F75-4EC6-9E43-F27187229327}"/>
+              </a:ext>
+            </a:extLst>
+          </p:cNvPr>
+          <p:cNvPicPr>
+            <a:picLocks noChangeAspect="1"/>
+          </p:cNvPicPr>
+          <p:nvPr/>
+        </p:nvPicPr>
+        <p:blipFill>
+          <a:blip r:embed="rId2"/>
+          <a:stretch>
+            <a:fillRect/>
+          </a:stretch>
+        </p:blipFill>
+        <p:spPr>
+          <a:xfrm>
+            <a:off x="5435240" y="4209324"/>
+            <a:ext cx="2472397" cy="1657032"/>
+          </a:xfrm>
+          <a:prstGeom prst="rect">
+            <a:avLst/>
+          </a:prstGeom>
+        </p:spPr>
+      </p:pic>
+      <p:pic>
+        <p:nvPicPr>
+          <p:cNvPr id="11" name="Picture 10">
+            <a:extLst>
+              <a:ext uri="{FF2B5EF4-FFF2-40B4-BE49-F238E27FC236}">
+                <a16:creationId xmlns:a16="http://schemas.microsoft.com/office/drawing/2014/main" id="{CD17F3F9-8938-4350-9A2E-B003B2335B42}"/>
               </a:ext>
             </a:extLst>
           </p:cNvPr>
@@ -5768,7 +7208,7 @@
         </p:blipFill>
         <p:spPr>
           <a:xfrm>
-            <a:off x="3690540" y="1276735"/>
+            <a:off x="8435260" y="4152015"/>
             <a:ext cx="2667000" cy="1771650"/>
           </a:xfrm>
           <a:prstGeom prst="rect">
@@ -5776,130 +7216,44 @@
           </a:prstGeom>
         </p:spPr>
       </p:pic>
-      <p:pic>
-        <p:nvPicPr>
-          <p:cNvPr id="7" name="Picture 6">
+      <p:sp>
+        <p:nvSpPr>
+          <p:cNvPr id="5" name="Slide Number Placeholder 4">
             <a:extLst>
               <a:ext uri="{FF2B5EF4-FFF2-40B4-BE49-F238E27FC236}">
-                <a16:creationId xmlns:a16="http://schemas.microsoft.com/office/drawing/2014/main" id="{38AA59FA-272A-4E6A-8650-DBB5426D0D04}"/>
+                <a16:creationId xmlns:a16="http://schemas.microsoft.com/office/drawing/2014/main" id="{6850F4E6-65C6-47C6-9E66-14EB00C72D70}"/>
               </a:ext>
             </a:extLst>
           </p:cNvPr>
-          <p:cNvPicPr>
-            <a:picLocks noChangeAspect="1"/>
-          </p:cNvPicPr>
-          <p:nvPr/>
-        </p:nvPicPr>
-        <p:blipFill>
-          <a:blip r:embed="rId4"/>
-          <a:stretch>
-            <a:fillRect/>
-          </a:stretch>
-        </p:blipFill>
-        <p:spPr>
-          <a:xfrm>
-            <a:off x="6882543" y="1276735"/>
-            <a:ext cx="2647950" cy="1771650"/>
-          </a:xfrm>
-          <a:prstGeom prst="rect">
-            <a:avLst/>
-          </a:prstGeom>
-        </p:spPr>
-      </p:pic>
-      <p:pic>
-        <p:nvPicPr>
-          <p:cNvPr id="8" name="Picture 7">
-            <a:extLst>
-              <a:ext uri="{FF2B5EF4-FFF2-40B4-BE49-F238E27FC236}">
-                <a16:creationId xmlns:a16="http://schemas.microsoft.com/office/drawing/2014/main" id="{01634BDF-1288-48C6-B35F-525E953D75A7}"/>
-              </a:ext>
-            </a:extLst>
-          </p:cNvPr>
-          <p:cNvPicPr>
-            <a:picLocks noChangeAspect="1"/>
-          </p:cNvPicPr>
-          <p:nvPr/>
-        </p:nvPicPr>
-        <p:blipFill>
-          <a:blip r:embed="rId5"/>
-          <a:stretch>
-            <a:fillRect/>
-          </a:stretch>
-        </p:blipFill>
-        <p:spPr>
-          <a:xfrm>
-            <a:off x="6882543" y="3792046"/>
-            <a:ext cx="2657475" cy="1781175"/>
-          </a:xfrm>
-          <a:prstGeom prst="rect">
-            <a:avLst/>
-          </a:prstGeom>
-        </p:spPr>
-      </p:pic>
-      <p:pic>
-        <p:nvPicPr>
-          <p:cNvPr id="12" name="Picture 11">
-            <a:extLst>
-              <a:ext uri="{FF2B5EF4-FFF2-40B4-BE49-F238E27FC236}">
-                <a16:creationId xmlns:a16="http://schemas.microsoft.com/office/drawing/2014/main" id="{B040262F-6A6B-42FF-B816-22205AA18D18}"/>
-              </a:ext>
-            </a:extLst>
-          </p:cNvPr>
-          <p:cNvPicPr>
-            <a:picLocks noChangeAspect="1"/>
-          </p:cNvPicPr>
-          <p:nvPr/>
-        </p:nvPicPr>
-        <p:blipFill>
-          <a:blip r:embed="rId2"/>
-          <a:stretch>
-            <a:fillRect/>
-          </a:stretch>
-        </p:blipFill>
-        <p:spPr>
-          <a:xfrm>
-            <a:off x="558440" y="3858880"/>
-            <a:ext cx="2472397" cy="1657032"/>
-          </a:xfrm>
-          <a:prstGeom prst="rect">
-            <a:avLst/>
-          </a:prstGeom>
-        </p:spPr>
-      </p:pic>
-      <p:pic>
-        <p:nvPicPr>
-          <p:cNvPr id="13" name="Picture 12">
-            <a:extLst>
-              <a:ext uri="{FF2B5EF4-FFF2-40B4-BE49-F238E27FC236}">
-                <a16:creationId xmlns:a16="http://schemas.microsoft.com/office/drawing/2014/main" id="{E10F6B51-1079-4A9C-8A35-3588B9ED064F}"/>
-              </a:ext>
-            </a:extLst>
-          </p:cNvPr>
-          <p:cNvPicPr>
-            <a:picLocks noChangeAspect="1"/>
-          </p:cNvPicPr>
-          <p:nvPr/>
-        </p:nvPicPr>
-        <p:blipFill>
-          <a:blip r:embed="rId3"/>
-          <a:stretch>
-            <a:fillRect/>
-          </a:stretch>
-        </p:blipFill>
-        <p:spPr>
-          <a:xfrm>
-            <a:off x="3558460" y="3801571"/>
-            <a:ext cx="2667000" cy="1771650"/>
-          </a:xfrm>
-          <a:prstGeom prst="rect">
-            <a:avLst/>
-          </a:prstGeom>
-        </p:spPr>
-      </p:pic>
+          <p:cNvSpPr>
+            <a:spLocks noGrp="1"/>
+          </p:cNvSpPr>
+          <p:nvPr>
+            <p:ph type="sldNum" sz="quarter" idx="12"/>
+          </p:nvPr>
+        </p:nvSpPr>
+        <p:spPr>
+          <a:xfrm>
+            <a:off x="11174565" y="6205860"/>
+            <a:ext cx="811019" cy="503578"/>
+          </a:xfrm>
+        </p:spPr>
+        <p:txBody>
+          <a:bodyPr/>
+          <a:lstStyle/>
+          <a:p>
+            <a:fld id="{1B89DD3E-DF22-4EA1-BEAF-D8BFA9CB354D}" type="slidenum">
+              <a:rPr lang="en-US" smtClean="0"/>
+              <a:t>9</a:t>
+            </a:fld>
+            <a:endParaRPr lang="en-US"/>
+          </a:p>
+        </p:txBody>
+      </p:sp>
     </p:spTree>
     <p:extLst>
       <p:ext uri="{BB962C8B-B14F-4D97-AF65-F5344CB8AC3E}">
-        <p14:creationId xmlns:p14="http://schemas.microsoft.com/office/powerpoint/2010/main" val="556646487"/>
+        <p14:creationId xmlns:p14="http://schemas.microsoft.com/office/powerpoint/2010/main" val="3034094430"/>
       </p:ext>
     </p:extLst>
   </p:cSld>
@@ -6160,4 +7514,594 @@
     </a:ext>
   </a:extLst>
 </a:theme>
+</file>
+
+<file path=ppt/theme/theme2.xml><?xml version="1.0" encoding="utf-8"?>
+<a:theme xmlns:a="http://schemas.openxmlformats.org/drawingml/2006/main" name="Office Theme">
+  <a:themeElements>
+    <a:clrScheme name="Office">
+      <a:dk1>
+        <a:sysClr val="windowText" lastClr="000000"/>
+      </a:dk1>
+      <a:lt1>
+        <a:sysClr val="window" lastClr="FFFFFF"/>
+      </a:lt1>
+      <a:dk2>
+        <a:srgbClr val="44546A"/>
+      </a:dk2>
+      <a:lt2>
+        <a:srgbClr val="E7E6E6"/>
+      </a:lt2>
+      <a:accent1>
+        <a:srgbClr val="4472C4"/>
+      </a:accent1>
+      <a:accent2>
+        <a:srgbClr val="ED7D31"/>
+      </a:accent2>
+      <a:accent3>
+        <a:srgbClr val="A5A5A5"/>
+      </a:accent3>
+      <a:accent4>
+        <a:srgbClr val="FFC000"/>
+      </a:accent4>
+      <a:accent5>
+        <a:srgbClr val="5B9BD5"/>
+      </a:accent5>
+      <a:accent6>
+        <a:srgbClr val="70AD47"/>
+      </a:accent6>
+      <a:hlink>
+        <a:srgbClr val="0563C1"/>
+      </a:hlink>
+      <a:folHlink>
+        <a:srgbClr val="954F72"/>
+      </a:folHlink>
+    </a:clrScheme>
+    <a:fontScheme name="Office">
+      <a:majorFont>
+        <a:latin typeface="Calibri Light" panose="020F0302020204030204"/>
+        <a:ea typeface=""/>
+        <a:cs typeface=""/>
+        <a:font script="Jpan" typeface="游ゴシック Light"/>
+        <a:font script="Hang" typeface="맑은 고딕"/>
+        <a:font script="Hans" typeface="等线 Light"/>
+        <a:font script="Hant" typeface="新細明體"/>
+        <a:font script="Arab" typeface="Times New Roman"/>
+        <a:font script="Hebr" typeface="Times New Roman"/>
+        <a:font script="Thai" typeface="Angsana New"/>
+        <a:font script="Ethi" typeface="Nyala"/>
+        <a:font script="Beng" typeface="Vrinda"/>
+        <a:font script="Gujr" typeface="Shruti"/>
+        <a:font script="Khmr" typeface="MoolBoran"/>
+        <a:font script="Knda" typeface="Tunga"/>
+        <a:font script="Guru" typeface="Raavi"/>
+        <a:font script="Cans" typeface="Euphemia"/>
+        <a:font script="Cher" typeface="Plantagenet Cherokee"/>
+        <a:font script="Yiii" typeface="Microsoft Yi Baiti"/>
+        <a:font script="Tibt" typeface="Microsoft Himalaya"/>
+        <a:font script="Thaa" typeface="MV Boli"/>
+        <a:font script="Deva" typeface="Mangal"/>
+        <a:font script="Telu" typeface="Gautami"/>
+        <a:font script="Taml" typeface="Latha"/>
+        <a:font script="Syrc" typeface="Estrangelo Edessa"/>
+        <a:font script="Orya" typeface="Kalinga"/>
+        <a:font script="Mlym" typeface="Kartika"/>
+        <a:font script="Laoo" typeface="DokChampa"/>
+        <a:font script="Sinh" typeface="Iskoola Pota"/>
+        <a:font script="Mong" typeface="Mongolian Baiti"/>
+        <a:font script="Viet" typeface="Times New Roman"/>
+        <a:font script="Uigh" typeface="Microsoft Uighur"/>
+        <a:font script="Geor" typeface="Sylfaen"/>
+        <a:font script="Armn" typeface="Arial"/>
+        <a:font script="Bugi" typeface="Leelawadee UI"/>
+        <a:font script="Bopo" typeface="Microsoft JhengHei"/>
+        <a:font script="Java" typeface="Javanese Text"/>
+        <a:font script="Lisu" typeface="Segoe UI"/>
+        <a:font script="Mymr" typeface="Myanmar Text"/>
+        <a:font script="Nkoo" typeface="Ebrima"/>
+        <a:font script="Olck" typeface="Nirmala UI"/>
+        <a:font script="Osma" typeface="Ebrima"/>
+        <a:font script="Phag" typeface="Phagspa"/>
+        <a:font script="Syrn" typeface="Estrangelo Edessa"/>
+        <a:font script="Syrj" typeface="Estrangelo Edessa"/>
+        <a:font script="Syre" typeface="Estrangelo Edessa"/>
+        <a:font script="Sora" typeface="Nirmala UI"/>
+        <a:font script="Tale" typeface="Microsoft Tai Le"/>
+        <a:font script="Talu" typeface="Microsoft New Tai Lue"/>
+        <a:font script="Tfng" typeface="Ebrima"/>
+      </a:majorFont>
+      <a:minorFont>
+        <a:latin typeface="Calibri" panose="020F0502020204030204"/>
+        <a:ea typeface=""/>
+        <a:cs typeface=""/>
+        <a:font script="Jpan" typeface="游ゴシック"/>
+        <a:font script="Hang" typeface="맑은 고딕"/>
+        <a:font script="Hans" typeface="等线"/>
+        <a:font script="Hant" typeface="新細明體"/>
+        <a:font script="Arab" typeface="Arial"/>
+        <a:font script="Hebr" typeface="Arial"/>
+        <a:font script="Thai" typeface="Cordia New"/>
+        <a:font script="Ethi" typeface="Nyala"/>
+        <a:font script="Beng" typeface="Vrinda"/>
+        <a:font script="Gujr" typeface="Shruti"/>
+        <a:font script="Khmr" typeface="DaunPenh"/>
+        <a:font script="Knda" typeface="Tunga"/>
+        <a:font script="Guru" typeface="Raavi"/>
+        <a:font script="Cans" typeface="Euphemia"/>
+        <a:font script="Cher" typeface="Plantagenet Cherokee"/>
+        <a:font script="Yiii" typeface="Microsoft Yi Baiti"/>
+        <a:font script="Tibt" typeface="Microsoft Himalaya"/>
+        <a:font script="Thaa" typeface="MV Boli"/>
+        <a:font script="Deva" typeface="Mangal"/>
+        <a:font script="Telu" typeface="Gautami"/>
+        <a:font script="Taml" typeface="Latha"/>
+        <a:font script="Syrc" typeface="Estrangelo Edessa"/>
+        <a:font script="Orya" typeface="Kalinga"/>
+        <a:font script="Mlym" typeface="Kartika"/>
+        <a:font script="Laoo" typeface="DokChampa"/>
+        <a:font script="Sinh" typeface="Iskoola Pota"/>
+        <a:font script="Mong" typeface="Mongolian Baiti"/>
+        <a:font script="Viet" typeface="Arial"/>
+        <a:font script="Uigh" typeface="Microsoft Uighur"/>
+        <a:font script="Geor" typeface="Sylfaen"/>
+        <a:font script="Armn" typeface="Arial"/>
+        <a:font script="Bugi" typeface="Leelawadee UI"/>
+        <a:font script="Bopo" typeface="Microsoft JhengHei"/>
+        <a:font script="Java" typeface="Javanese Text"/>
+        <a:font script="Lisu" typeface="Segoe UI"/>
+        <a:font script="Mymr" typeface="Myanmar Text"/>
+        <a:font script="Nkoo" typeface="Ebrima"/>
+        <a:font script="Olck" typeface="Nirmala UI"/>
+        <a:font script="Osma" typeface="Ebrima"/>
+        <a:font script="Phag" typeface="Phagspa"/>
+        <a:font script="Syrn" typeface="Estrangelo Edessa"/>
+        <a:font script="Syrj" typeface="Estrangelo Edessa"/>
+        <a:font script="Syre" typeface="Estrangelo Edessa"/>
+        <a:font script="Sora" typeface="Nirmala UI"/>
+        <a:font script="Tale" typeface="Microsoft Tai Le"/>
+        <a:font script="Talu" typeface="Microsoft New Tai Lue"/>
+        <a:font script="Tfng" typeface="Ebrima"/>
+      </a:minorFont>
+    </a:fontScheme>
+    <a:fmtScheme name="Office">
+      <a:fillStyleLst>
+        <a:solidFill>
+          <a:schemeClr val="phClr"/>
+        </a:solidFill>
+        <a:gradFill rotWithShape="1">
+          <a:gsLst>
+            <a:gs pos="0">
+              <a:schemeClr val="phClr">
+                <a:lumMod val="110000"/>
+                <a:satMod val="105000"/>
+                <a:tint val="67000"/>
+              </a:schemeClr>
+            </a:gs>
+            <a:gs pos="50000">
+              <a:schemeClr val="phClr">
+                <a:lumMod val="105000"/>
+                <a:satMod val="103000"/>
+                <a:tint val="73000"/>
+              </a:schemeClr>
+            </a:gs>
+            <a:gs pos="100000">
+              <a:schemeClr val="phClr">
+                <a:lumMod val="105000"/>
+                <a:satMod val="109000"/>
+                <a:tint val="81000"/>
+              </a:schemeClr>
+            </a:gs>
+          </a:gsLst>
+          <a:lin ang="5400000" scaled="0"/>
+        </a:gradFill>
+        <a:gradFill rotWithShape="1">
+          <a:gsLst>
+            <a:gs pos="0">
+              <a:schemeClr val="phClr">
+                <a:satMod val="103000"/>
+                <a:lumMod val="102000"/>
+                <a:tint val="94000"/>
+              </a:schemeClr>
+            </a:gs>
+            <a:gs pos="50000">
+              <a:schemeClr val="phClr">
+                <a:satMod val="110000"/>
+                <a:lumMod val="100000"/>
+                <a:shade val="100000"/>
+              </a:schemeClr>
+            </a:gs>
+            <a:gs pos="100000">
+              <a:schemeClr val="phClr">
+                <a:lumMod val="99000"/>
+                <a:satMod val="120000"/>
+                <a:shade val="78000"/>
+              </a:schemeClr>
+            </a:gs>
+          </a:gsLst>
+          <a:lin ang="5400000" scaled="0"/>
+        </a:gradFill>
+      </a:fillStyleLst>
+      <a:lnStyleLst>
+        <a:ln w="6350" cap="flat" cmpd="sng" algn="ctr">
+          <a:solidFill>
+            <a:schemeClr val="phClr"/>
+          </a:solidFill>
+          <a:prstDash val="solid"/>
+          <a:miter lim="800000"/>
+        </a:ln>
+        <a:ln w="12700" cap="flat" cmpd="sng" algn="ctr">
+          <a:solidFill>
+            <a:schemeClr val="phClr"/>
+          </a:solidFill>
+          <a:prstDash val="solid"/>
+          <a:miter lim="800000"/>
+        </a:ln>
+        <a:ln w="19050" cap="flat" cmpd="sng" algn="ctr">
+          <a:solidFill>
+            <a:schemeClr val="phClr"/>
+          </a:solidFill>
+          <a:prstDash val="solid"/>
+          <a:miter lim="800000"/>
+        </a:ln>
+      </a:lnStyleLst>
+      <a:effectStyleLst>
+        <a:effectStyle>
+          <a:effectLst/>
+        </a:effectStyle>
+        <a:effectStyle>
+          <a:effectLst/>
+        </a:effectStyle>
+        <a:effectStyle>
+          <a:effectLst>
+            <a:outerShdw blurRad="57150" dist="19050" dir="5400000" algn="ctr" rotWithShape="0">
+              <a:srgbClr val="000000">
+                <a:alpha val="63000"/>
+              </a:srgbClr>
+            </a:outerShdw>
+          </a:effectLst>
+        </a:effectStyle>
+      </a:effectStyleLst>
+      <a:bgFillStyleLst>
+        <a:solidFill>
+          <a:schemeClr val="phClr"/>
+        </a:solidFill>
+        <a:solidFill>
+          <a:schemeClr val="phClr">
+            <a:tint val="95000"/>
+            <a:satMod val="170000"/>
+          </a:schemeClr>
+        </a:solidFill>
+        <a:gradFill rotWithShape="1">
+          <a:gsLst>
+            <a:gs pos="0">
+              <a:schemeClr val="phClr">
+                <a:tint val="93000"/>
+                <a:satMod val="150000"/>
+                <a:shade val="98000"/>
+                <a:lumMod val="102000"/>
+              </a:schemeClr>
+            </a:gs>
+            <a:gs pos="50000">
+              <a:schemeClr val="phClr">
+                <a:tint val="98000"/>
+                <a:satMod val="130000"/>
+                <a:shade val="90000"/>
+                <a:lumMod val="103000"/>
+              </a:schemeClr>
+            </a:gs>
+            <a:gs pos="100000">
+              <a:schemeClr val="phClr">
+                <a:shade val="63000"/>
+                <a:satMod val="120000"/>
+              </a:schemeClr>
+            </a:gs>
+          </a:gsLst>
+          <a:lin ang="5400000" scaled="0"/>
+        </a:gradFill>
+      </a:bgFillStyleLst>
+    </a:fmtScheme>
+  </a:themeElements>
+  <a:objectDefaults/>
+  <a:extraClrSchemeLst/>
+  <a:extLst>
+    <a:ext uri="{05A4C25C-085E-4340-85A3-A5531E510DB2}">
+      <thm15:themeFamily xmlns:thm15="http://schemas.microsoft.com/office/thememl/2012/main" name="Office Theme" id="{62F939B6-93AF-4DB8-9C6B-D6C7DFDC589F}" vid="{4A3C46E8-61CC-4603-A589-7422A47A8E4A}"/>
+    </a:ext>
+  </a:extLst>
+</a:theme>
+</file>
+
+<file path=ppt/theme/theme3.xml><?xml version="1.0" encoding="utf-8"?>
+<a:theme xmlns:a="http://schemas.openxmlformats.org/drawingml/2006/main" name="Office Theme">
+  <a:themeElements>
+    <a:clrScheme name="Office">
+      <a:dk1>
+        <a:sysClr val="windowText" lastClr="000000"/>
+      </a:dk1>
+      <a:lt1>
+        <a:sysClr val="window" lastClr="FFFFFF"/>
+      </a:lt1>
+      <a:dk2>
+        <a:srgbClr val="44546A"/>
+      </a:dk2>
+      <a:lt2>
+        <a:srgbClr val="E7E6E6"/>
+      </a:lt2>
+      <a:accent1>
+        <a:srgbClr val="4472C4"/>
+      </a:accent1>
+      <a:accent2>
+        <a:srgbClr val="ED7D31"/>
+      </a:accent2>
+      <a:accent3>
+        <a:srgbClr val="A5A5A5"/>
+      </a:accent3>
+      <a:accent4>
+        <a:srgbClr val="FFC000"/>
+      </a:accent4>
+      <a:accent5>
+        <a:srgbClr val="5B9BD5"/>
+      </a:accent5>
+      <a:accent6>
+        <a:srgbClr val="70AD47"/>
+      </a:accent6>
+      <a:hlink>
+        <a:srgbClr val="0563C1"/>
+      </a:hlink>
+      <a:folHlink>
+        <a:srgbClr val="954F72"/>
+      </a:folHlink>
+    </a:clrScheme>
+    <a:fontScheme name="Office">
+      <a:majorFont>
+        <a:latin typeface="Calibri Light" panose="020F0302020204030204"/>
+        <a:ea typeface=""/>
+        <a:cs typeface=""/>
+        <a:font script="Jpan" typeface="游ゴシック Light"/>
+        <a:font script="Hang" typeface="맑은 고딕"/>
+        <a:font script="Hans" typeface="等线 Light"/>
+        <a:font script="Hant" typeface="新細明體"/>
+        <a:font script="Arab" typeface="Times New Roman"/>
+        <a:font script="Hebr" typeface="Times New Roman"/>
+        <a:font script="Thai" typeface="Angsana New"/>
+        <a:font script="Ethi" typeface="Nyala"/>
+        <a:font script="Beng" typeface="Vrinda"/>
+        <a:font script="Gujr" typeface="Shruti"/>
+        <a:font script="Khmr" typeface="MoolBoran"/>
+        <a:font script="Knda" typeface="Tunga"/>
+        <a:font script="Guru" typeface="Raavi"/>
+        <a:font script="Cans" typeface="Euphemia"/>
+        <a:font script="Cher" typeface="Plantagenet Cherokee"/>
+        <a:font script="Yiii" typeface="Microsoft Yi Baiti"/>
+        <a:font script="Tibt" typeface="Microsoft Himalaya"/>
+        <a:font script="Thaa" typeface="MV Boli"/>
+        <a:font script="Deva" typeface="Mangal"/>
+        <a:font script="Telu" typeface="Gautami"/>
+        <a:font script="Taml" typeface="Latha"/>
+        <a:font script="Syrc" typeface="Estrangelo Edessa"/>
+        <a:font script="Orya" typeface="Kalinga"/>
+        <a:font script="Mlym" typeface="Kartika"/>
+        <a:font script="Laoo" typeface="DokChampa"/>
+        <a:font script="Sinh" typeface="Iskoola Pota"/>
+        <a:font script="Mong" typeface="Mongolian Baiti"/>
+        <a:font script="Viet" typeface="Times New Roman"/>
+        <a:font script="Uigh" typeface="Microsoft Uighur"/>
+        <a:font script="Geor" typeface="Sylfaen"/>
+        <a:font script="Armn" typeface="Arial"/>
+        <a:font script="Bugi" typeface="Leelawadee UI"/>
+        <a:font script="Bopo" typeface="Microsoft JhengHei"/>
+        <a:font script="Java" typeface="Javanese Text"/>
+        <a:font script="Lisu" typeface="Segoe UI"/>
+        <a:font script="Mymr" typeface="Myanmar Text"/>
+        <a:font script="Nkoo" typeface="Ebrima"/>
+        <a:font script="Olck" typeface="Nirmala UI"/>
+        <a:font script="Osma" typeface="Ebrima"/>
+        <a:font script="Phag" typeface="Phagspa"/>
+        <a:font script="Syrn" typeface="Estrangelo Edessa"/>
+        <a:font script="Syrj" typeface="Estrangelo Edessa"/>
+        <a:font script="Syre" typeface="Estrangelo Edessa"/>
+        <a:font script="Sora" typeface="Nirmala UI"/>
+        <a:font script="Tale" typeface="Microsoft Tai Le"/>
+        <a:font script="Talu" typeface="Microsoft New Tai Lue"/>
+        <a:font script="Tfng" typeface="Ebrima"/>
+      </a:majorFont>
+      <a:minorFont>
+        <a:latin typeface="Calibri" panose="020F0502020204030204"/>
+        <a:ea typeface=""/>
+        <a:cs typeface=""/>
+        <a:font script="Jpan" typeface="游ゴシック"/>
+        <a:font script="Hang" typeface="맑은 고딕"/>
+        <a:font script="Hans" typeface="等线"/>
+        <a:font script="Hant" typeface="新細明體"/>
+        <a:font script="Arab" typeface="Arial"/>
+        <a:font script="Hebr" typeface="Arial"/>
+        <a:font script="Thai" typeface="Cordia New"/>
+        <a:font script="Ethi" typeface="Nyala"/>
+        <a:font script="Beng" typeface="Vrinda"/>
+        <a:font script="Gujr" typeface="Shruti"/>
+        <a:font script="Khmr" typeface="DaunPenh"/>
+        <a:font script="Knda" typeface="Tunga"/>
+        <a:font script="Guru" typeface="Raavi"/>
+        <a:font script="Cans" typeface="Euphemia"/>
+        <a:font script="Cher" typeface="Plantagenet Cherokee"/>
+        <a:font script="Yiii" typeface="Microsoft Yi Baiti"/>
+        <a:font script="Tibt" typeface="Microsoft Himalaya"/>
+        <a:font script="Thaa" typeface="MV Boli"/>
+        <a:font script="Deva" typeface="Mangal"/>
+        <a:font script="Telu" typeface="Gautami"/>
+        <a:font script="Taml" typeface="Latha"/>
+        <a:font script="Syrc" typeface="Estrangelo Edessa"/>
+        <a:font script="Orya" typeface="Kalinga"/>
+        <a:font script="Mlym" typeface="Kartika"/>
+        <a:font script="Laoo" typeface="DokChampa"/>
+        <a:font script="Sinh" typeface="Iskoola Pota"/>
+        <a:font script="Mong" typeface="Mongolian Baiti"/>
+        <a:font script="Viet" typeface="Arial"/>
+        <a:font script="Uigh" typeface="Microsoft Uighur"/>
+        <a:font script="Geor" typeface="Sylfaen"/>
+        <a:font script="Armn" typeface="Arial"/>
+        <a:font script="Bugi" typeface="Leelawadee UI"/>
+        <a:font script="Bopo" typeface="Microsoft JhengHei"/>
+        <a:font script="Java" typeface="Javanese Text"/>
+        <a:font script="Lisu" typeface="Segoe UI"/>
+        <a:font script="Mymr" typeface="Myanmar Text"/>
+        <a:font script="Nkoo" typeface="Ebrima"/>
+        <a:font script="Olck" typeface="Nirmala UI"/>
+        <a:font script="Osma" typeface="Ebrima"/>
+        <a:font script="Phag" typeface="Phagspa"/>
+        <a:font script="Syrn" typeface="Estrangelo Edessa"/>
+        <a:font script="Syrj" typeface="Estrangelo Edessa"/>
+        <a:font script="Syre" typeface="Estrangelo Edessa"/>
+        <a:font script="Sora" typeface="Nirmala UI"/>
+        <a:font script="Tale" typeface="Microsoft Tai Le"/>
+        <a:font script="Talu" typeface="Microsoft New Tai Lue"/>
+        <a:font script="Tfng" typeface="Ebrima"/>
+      </a:minorFont>
+    </a:fontScheme>
+    <a:fmtScheme name="Office">
+      <a:fillStyleLst>
+        <a:solidFill>
+          <a:schemeClr val="phClr"/>
+        </a:solidFill>
+        <a:gradFill rotWithShape="1">
+          <a:gsLst>
+            <a:gs pos="0">
+              <a:schemeClr val="phClr">
+                <a:lumMod val="110000"/>
+                <a:satMod val="105000"/>
+                <a:tint val="67000"/>
+              </a:schemeClr>
+            </a:gs>
+            <a:gs pos="50000">
+              <a:schemeClr val="phClr">
+                <a:lumMod val="105000"/>
+                <a:satMod val="103000"/>
+                <a:tint val="73000"/>
+              </a:schemeClr>
+            </a:gs>
+            <a:gs pos="100000">
+              <a:schemeClr val="phClr">
+                <a:lumMod val="105000"/>
+                <a:satMod val="109000"/>
+                <a:tint val="81000"/>
+              </a:schemeClr>
+            </a:gs>
+          </a:gsLst>
+          <a:lin ang="5400000" scaled="0"/>
+        </a:gradFill>
+        <a:gradFill rotWithShape="1">
+          <a:gsLst>
+            <a:gs pos="0">
+              <a:schemeClr val="phClr">
+                <a:satMod val="103000"/>
+                <a:lumMod val="102000"/>
+                <a:tint val="94000"/>
+              </a:schemeClr>
+            </a:gs>
+            <a:gs pos="50000">
+              <a:schemeClr val="phClr">
+                <a:satMod val="110000"/>
+                <a:lumMod val="100000"/>
+                <a:shade val="100000"/>
+              </a:schemeClr>
+            </a:gs>
+            <a:gs pos="100000">
+              <a:schemeClr val="phClr">
+                <a:lumMod val="99000"/>
+                <a:satMod val="120000"/>
+                <a:shade val="78000"/>
+              </a:schemeClr>
+            </a:gs>
+          </a:gsLst>
+          <a:lin ang="5400000" scaled="0"/>
+        </a:gradFill>
+      </a:fillStyleLst>
+      <a:lnStyleLst>
+        <a:ln w="6350" cap="flat" cmpd="sng" algn="ctr">
+          <a:solidFill>
+            <a:schemeClr val="phClr"/>
+          </a:solidFill>
+          <a:prstDash val="solid"/>
+          <a:miter lim="800000"/>
+        </a:ln>
+        <a:ln w="12700" cap="flat" cmpd="sng" algn="ctr">
+          <a:solidFill>
+            <a:schemeClr val="phClr"/>
+          </a:solidFill>
+          <a:prstDash val="solid"/>
+          <a:miter lim="800000"/>
+        </a:ln>
+        <a:ln w="19050" cap="flat" cmpd="sng" algn="ctr">
+          <a:solidFill>
+            <a:schemeClr val="phClr"/>
+          </a:solidFill>
+          <a:prstDash val="solid"/>
+          <a:miter lim="800000"/>
+        </a:ln>
+      </a:lnStyleLst>
+      <a:effectStyleLst>
+        <a:effectStyle>
+          <a:effectLst/>
+        </a:effectStyle>
+        <a:effectStyle>
+          <a:effectLst/>
+        </a:effectStyle>
+        <a:effectStyle>
+          <a:effectLst>
+            <a:outerShdw blurRad="57150" dist="19050" dir="5400000" algn="ctr" rotWithShape="0">
+              <a:srgbClr val="000000">
+                <a:alpha val="63000"/>
+              </a:srgbClr>
+            </a:outerShdw>
+          </a:effectLst>
+        </a:effectStyle>
+      </a:effectStyleLst>
+      <a:bgFillStyleLst>
+        <a:solidFill>
+          <a:schemeClr val="phClr"/>
+        </a:solidFill>
+        <a:solidFill>
+          <a:schemeClr val="phClr">
+            <a:tint val="95000"/>
+            <a:satMod val="170000"/>
+          </a:schemeClr>
+        </a:solidFill>
+        <a:gradFill rotWithShape="1">
+          <a:gsLst>
+            <a:gs pos="0">
+              <a:schemeClr val="phClr">
+                <a:tint val="93000"/>
+                <a:satMod val="150000"/>
+                <a:shade val="98000"/>
+                <a:lumMod val="102000"/>
+              </a:schemeClr>
+            </a:gs>
+            <a:gs pos="50000">
+              <a:schemeClr val="phClr">
+                <a:tint val="98000"/>
+                <a:satMod val="130000"/>
+                <a:shade val="90000"/>
+                <a:lumMod val="103000"/>
+              </a:schemeClr>
+            </a:gs>
+            <a:gs pos="100000">
+              <a:schemeClr val="phClr">
+                <a:shade val="63000"/>
+                <a:satMod val="120000"/>
+              </a:schemeClr>
+            </a:gs>
+          </a:gsLst>
+          <a:lin ang="5400000" scaled="0"/>
+        </a:gradFill>
+      </a:bgFillStyleLst>
+    </a:fmtScheme>
+  </a:themeElements>
+  <a:objectDefaults/>
+  <a:extraClrSchemeLst/>
+  <a:extLst>
+    <a:ext uri="{05A4C25C-085E-4340-85A3-A5531E510DB2}">
+      <thm15:themeFamily xmlns:thm15="http://schemas.microsoft.com/office/thememl/2012/main" name="Office Theme" id="{62F939B6-93AF-4DB8-9C6B-D6C7DFDC589F}" vid="{4A3C46E8-61CC-4603-A589-7422A47A8E4A}"/>
+    </a:ext>
+  </a:extLst>
+</a:theme>
 </file>
--- a/Work/present_iWing v2.pptx
+++ b/Work/present_iWing v2.pptx
@@ -5,26 +5,29 @@
     <p:sldMasterId id="2147483737" r:id="rId1"/>
   </p:sldMasterIdLst>
   <p:notesMasterIdLst>
-    <p:notesMasterId r:id="rId16"/>
+    <p:notesMasterId r:id="rId19"/>
   </p:notesMasterIdLst>
   <p:handoutMasterIdLst>
-    <p:handoutMasterId r:id="rId17"/>
+    <p:handoutMasterId r:id="rId20"/>
   </p:handoutMasterIdLst>
   <p:sldIdLst>
     <p:sldId id="256" r:id="rId2"/>
-    <p:sldId id="270" r:id="rId3"/>
-    <p:sldId id="257" r:id="rId4"/>
-    <p:sldId id="265" r:id="rId5"/>
-    <p:sldId id="258" r:id="rId6"/>
-    <p:sldId id="263" r:id="rId7"/>
-    <p:sldId id="266" r:id="rId8"/>
-    <p:sldId id="259" r:id="rId9"/>
-    <p:sldId id="267" r:id="rId10"/>
-    <p:sldId id="268" r:id="rId11"/>
-    <p:sldId id="262" r:id="rId12"/>
-    <p:sldId id="269" r:id="rId13"/>
-    <p:sldId id="261" r:id="rId14"/>
-    <p:sldId id="271" r:id="rId15"/>
+    <p:sldId id="272" r:id="rId3"/>
+    <p:sldId id="270" r:id="rId4"/>
+    <p:sldId id="273" r:id="rId5"/>
+    <p:sldId id="257" r:id="rId6"/>
+    <p:sldId id="265" r:id="rId7"/>
+    <p:sldId id="258" r:id="rId8"/>
+    <p:sldId id="263" r:id="rId9"/>
+    <p:sldId id="274" r:id="rId10"/>
+    <p:sldId id="266" r:id="rId11"/>
+    <p:sldId id="259" r:id="rId12"/>
+    <p:sldId id="267" r:id="rId13"/>
+    <p:sldId id="268" r:id="rId14"/>
+    <p:sldId id="262" r:id="rId15"/>
+    <p:sldId id="269" r:id="rId16"/>
+    <p:sldId id="261" r:id="rId17"/>
+    <p:sldId id="271" r:id="rId18"/>
   </p:sldIdLst>
   <p:sldSz cx="12192000" cy="6858000"/>
   <p:notesSz cx="6858000" cy="9144000"/>
@@ -3999,10 +4002,44 @@
       </p:grpSpPr>
       <p:sp>
         <p:nvSpPr>
+          <p:cNvPr id="2" name="Title 1">
+            <a:extLst>
+              <a:ext uri="{FF2B5EF4-FFF2-40B4-BE49-F238E27FC236}">
+                <a16:creationId xmlns:a16="http://schemas.microsoft.com/office/drawing/2014/main" id="{63975D50-1660-40D8-9D5D-29AD9519BFC9}"/>
+              </a:ext>
+            </a:extLst>
+          </p:cNvPr>
+          <p:cNvSpPr>
+            <a:spLocks noGrp="1"/>
+          </p:cNvSpPr>
+          <p:nvPr>
+            <p:ph type="title"/>
+          </p:nvPr>
+        </p:nvSpPr>
+        <p:spPr>
+          <a:xfrm>
+            <a:off x="646509" y="277745"/>
+            <a:ext cx="9291215" cy="1049235"/>
+          </a:xfrm>
+        </p:spPr>
+        <p:txBody>
+          <a:bodyPr/>
+          <a:lstStyle/>
+          <a:p>
+            <a:pPr algn="l"/>
+            <a:r>
+              <a:rPr lang="en-US" dirty="0"/>
+              <a:t>Target</a:t>
+            </a:r>
+          </a:p>
+        </p:txBody>
+      </p:sp>
+      <p:sp>
+        <p:nvSpPr>
           <p:cNvPr id="3" name="Content Placeholder 2">
             <a:extLst>
               <a:ext uri="{FF2B5EF4-FFF2-40B4-BE49-F238E27FC236}">
-                <a16:creationId xmlns:a16="http://schemas.microsoft.com/office/drawing/2014/main" id="{E0E1A40D-ACFC-44D7-B6E7-8D0892BB5B5C}"/>
+                <a16:creationId xmlns:a16="http://schemas.microsoft.com/office/drawing/2014/main" id="{8EE835DD-37F0-4A90-8B2C-CC0134304909}"/>
               </a:ext>
             </a:extLst>
           </p:cNvPr>
@@ -4015,258 +4052,157 @@
         </p:nvSpPr>
         <p:spPr>
           <a:xfrm>
-            <a:off x="425860" y="168965"/>
-            <a:ext cx="9291215" cy="3832308"/>
+            <a:off x="1054014" y="1498897"/>
+            <a:ext cx="9291215" cy="3450613"/>
           </a:xfrm>
         </p:spPr>
         <p:txBody>
           <a:bodyPr>
-            <a:normAutofit fontScale="92500" lnSpcReduction="20000"/>
+            <a:normAutofit/>
           </a:bodyPr>
           <a:lstStyle/>
           <a:p>
-            <a:pPr marL="457200" indent="-457200">
-              <a:buFont typeface="+mj-lt"/>
-              <a:buAutoNum type="arabicPeriod"/>
-            </a:pPr>
-            <a:endParaRPr lang="en-US" sz="2800" dirty="0"/>
+            <a:r>
+              <a:rPr lang="en-US" sz="3000" dirty="0"/>
+              <a:t>Athlete of </a:t>
+            </a:r>
+            <a:r>
+              <a:rPr lang="en-US" sz="3000" dirty="0" err="1"/>
+              <a:t>Kasetsart</a:t>
+            </a:r>
+            <a:r>
+              <a:rPr lang="en-US" sz="3000" dirty="0"/>
+              <a:t> University</a:t>
+            </a:r>
+          </a:p>
+          <a:p>
+            <a:endParaRPr lang="en-US" sz="3000" dirty="0"/>
+          </a:p>
+          <a:p>
+            <a:r>
+              <a:rPr lang="en-US" sz="3000" dirty="0"/>
+              <a:t>Faculty of Education, </a:t>
+            </a:r>
+            <a:r>
+              <a:rPr lang="en-US" sz="3000" dirty="0" err="1"/>
+              <a:t>Kasetsart</a:t>
+            </a:r>
+            <a:r>
+              <a:rPr lang="en-US" sz="3000" dirty="0"/>
+              <a:t> University</a:t>
+            </a:r>
+          </a:p>
+          <a:p>
+            <a:endParaRPr lang="en-US" sz="3000" dirty="0"/>
           </a:p>
           <a:p>
             <a:pPr marL="0" indent="0">
               <a:buNone/>
             </a:pPr>
-            <a:r>
-              <a:rPr lang="en-US" sz="2800" dirty="0"/>
-              <a:t>3. First player must repeat it and add his/hers. </a:t>
-            </a:r>
-          </a:p>
-          <a:p>
-            <a:pPr marL="0" indent="0">
-              <a:buNone/>
-            </a:pPr>
-            <a:endParaRPr lang="en-US" sz="2800" dirty="0"/>
-          </a:p>
-          <a:p>
-            <a:pPr marL="0" indent="0">
-              <a:buNone/>
-            </a:pPr>
-            <a:endParaRPr lang="en-US" sz="2800" dirty="0"/>
-          </a:p>
-          <a:p>
-            <a:pPr marL="0" indent="0">
-              <a:buNone/>
-            </a:pPr>
-            <a:endParaRPr lang="en-US" sz="2800" dirty="0"/>
-          </a:p>
-          <a:p>
-            <a:pPr marL="0" indent="0">
-              <a:buNone/>
-            </a:pPr>
-            <a:endParaRPr lang="en-US" sz="2800" dirty="0"/>
-          </a:p>
-          <a:p>
-            <a:pPr marL="0" indent="0">
-              <a:buNone/>
-            </a:pPr>
-            <a:r>
-              <a:rPr lang="en-US" sz="2800" dirty="0"/>
-              <a:t>4.Repeat until someone fail</a:t>
-            </a:r>
-          </a:p>
-          <a:p>
-            <a:pPr marL="0" indent="0">
-              <a:buNone/>
-            </a:pPr>
-            <a:endParaRPr lang="en-US" sz="2800" dirty="0"/>
+            <a:endParaRPr lang="en-US" sz="3000" dirty="0"/>
           </a:p>
         </p:txBody>
       </p:sp>
       <p:pic>
         <p:nvPicPr>
-          <p:cNvPr id="4" name="Picture 3">
-            <a:extLst>
-              <a:ext uri="{FF2B5EF4-FFF2-40B4-BE49-F238E27FC236}">
-                <a16:creationId xmlns:a16="http://schemas.microsoft.com/office/drawing/2014/main" id="{D407ED83-46EE-4B70-B739-085F18245288}"/>
+          <p:cNvPr id="4103" name="Picture 7" descr="ผลการค้นหารูปภาพสำหรับ Athlete">
+            <a:extLst>
+              <a:ext uri="{FF2B5EF4-FFF2-40B4-BE49-F238E27FC236}">
+                <a16:creationId xmlns:a16="http://schemas.microsoft.com/office/drawing/2014/main" id="{1C8811E2-361C-46F7-977D-06535B12643C}"/>
               </a:ext>
             </a:extLst>
           </p:cNvPr>
           <p:cNvPicPr>
-            <a:picLocks noChangeAspect="1"/>
+            <a:picLocks noChangeAspect="1" noChangeArrowheads="1"/>
           </p:cNvPicPr>
           <p:nvPr/>
         </p:nvPicPr>
         <p:blipFill>
-          <a:blip r:embed="rId2"/>
+          <a:blip r:embed="rId2">
+            <a:extLst>
+              <a:ext uri="{28A0092B-C50C-407E-A947-70E740481C1C}">
+                <a14:useLocalDpi xmlns:a14="http://schemas.microsoft.com/office/drawing/2010/main" val="0"/>
+              </a:ext>
+            </a:extLst>
+          </a:blip>
+          <a:srcRect/>
           <a:stretch>
             <a:fillRect/>
           </a:stretch>
         </p:blipFill>
-        <p:spPr>
-          <a:xfrm>
-            <a:off x="690520" y="1334044"/>
-            <a:ext cx="2472397" cy="1657032"/>
+        <p:spPr bwMode="auto">
+          <a:xfrm>
+            <a:off x="8164791" y="3726608"/>
+            <a:ext cx="2651785" cy="2288111"/>
           </a:xfrm>
           <a:prstGeom prst="rect">
             <a:avLst/>
           </a:prstGeom>
+          <a:noFill/>
+          <a:extLst>
+            <a:ext uri="{909E8E84-426E-40DD-AFC4-6F175D3DCCD1}">
+              <a14:hiddenFill xmlns:a14="http://schemas.microsoft.com/office/drawing/2010/main">
+                <a:solidFill>
+                  <a:srgbClr val="FFFFFF"/>
+                </a:solidFill>
+              </a14:hiddenFill>
+            </a:ext>
+          </a:extLst>
         </p:spPr>
       </p:pic>
       <p:pic>
         <p:nvPicPr>
-          <p:cNvPr id="5" name="Picture 4">
-            <a:extLst>
-              <a:ext uri="{FF2B5EF4-FFF2-40B4-BE49-F238E27FC236}">
-                <a16:creationId xmlns:a16="http://schemas.microsoft.com/office/drawing/2014/main" id="{BA9F8043-C4C0-448F-8055-98DD3F1FD0BD}"/>
+          <p:cNvPr id="4107" name="Picture 11" descr="ผลการค้นหารูปภาพสำหรับ kasetsart university">
+            <a:extLst>
+              <a:ext uri="{FF2B5EF4-FFF2-40B4-BE49-F238E27FC236}">
+                <a16:creationId xmlns:a16="http://schemas.microsoft.com/office/drawing/2014/main" id="{A4A405B0-11F2-4094-B629-EC7AF81DAFEE}"/>
               </a:ext>
             </a:extLst>
           </p:cNvPr>
           <p:cNvPicPr>
-            <a:picLocks noChangeAspect="1"/>
+            <a:picLocks noChangeAspect="1" noChangeArrowheads="1"/>
           </p:cNvPicPr>
           <p:nvPr/>
         </p:nvPicPr>
         <p:blipFill>
-          <a:blip r:embed="rId3"/>
+          <a:blip r:embed="rId3">
+            <a:extLst>
+              <a:ext uri="{28A0092B-C50C-407E-A947-70E740481C1C}">
+                <a14:useLocalDpi xmlns:a14="http://schemas.microsoft.com/office/drawing/2010/main" val="0"/>
+              </a:ext>
+            </a:extLst>
+          </a:blip>
+          <a:srcRect/>
           <a:stretch>
             <a:fillRect/>
           </a:stretch>
         </p:blipFill>
-        <p:spPr>
-          <a:xfrm>
-            <a:off x="3690540" y="1276735"/>
-            <a:ext cx="2667000" cy="1771650"/>
+        <p:spPr bwMode="auto">
+          <a:xfrm>
+            <a:off x="1868169" y="4169252"/>
+            <a:ext cx="4708229" cy="1236655"/>
           </a:xfrm>
           <a:prstGeom prst="rect">
             <a:avLst/>
           </a:prstGeom>
+          <a:noFill/>
+          <a:extLst>
+            <a:ext uri="{909E8E84-426E-40DD-AFC4-6F175D3DCCD1}">
+              <a14:hiddenFill xmlns:a14="http://schemas.microsoft.com/office/drawing/2010/main">
+                <a:solidFill>
+                  <a:srgbClr val="FFFFFF"/>
+                </a:solidFill>
+              </a14:hiddenFill>
+            </a:ext>
+          </a:extLst>
         </p:spPr>
       </p:pic>
-      <p:pic>
-        <p:nvPicPr>
-          <p:cNvPr id="7" name="Picture 6">
-            <a:extLst>
-              <a:ext uri="{FF2B5EF4-FFF2-40B4-BE49-F238E27FC236}">
-                <a16:creationId xmlns:a16="http://schemas.microsoft.com/office/drawing/2014/main" id="{38AA59FA-272A-4E6A-8650-DBB5426D0D04}"/>
-              </a:ext>
-            </a:extLst>
-          </p:cNvPr>
-          <p:cNvPicPr>
-            <a:picLocks noChangeAspect="1"/>
-          </p:cNvPicPr>
-          <p:nvPr/>
-        </p:nvPicPr>
-        <p:blipFill>
-          <a:blip r:embed="rId4"/>
-          <a:stretch>
-            <a:fillRect/>
-          </a:stretch>
-        </p:blipFill>
-        <p:spPr>
-          <a:xfrm>
-            <a:off x="6882543" y="1276735"/>
-            <a:ext cx="2647950" cy="1771650"/>
-          </a:xfrm>
-          <a:prstGeom prst="rect">
-            <a:avLst/>
-          </a:prstGeom>
-        </p:spPr>
-      </p:pic>
-      <p:pic>
-        <p:nvPicPr>
-          <p:cNvPr id="8" name="Picture 7">
-            <a:extLst>
-              <a:ext uri="{FF2B5EF4-FFF2-40B4-BE49-F238E27FC236}">
-                <a16:creationId xmlns:a16="http://schemas.microsoft.com/office/drawing/2014/main" id="{01634BDF-1288-48C6-B35F-525E953D75A7}"/>
-              </a:ext>
-            </a:extLst>
-          </p:cNvPr>
-          <p:cNvPicPr>
-            <a:picLocks noChangeAspect="1"/>
-          </p:cNvPicPr>
-          <p:nvPr/>
-        </p:nvPicPr>
-        <p:blipFill>
-          <a:blip r:embed="rId5"/>
-          <a:stretch>
-            <a:fillRect/>
-          </a:stretch>
-        </p:blipFill>
-        <p:spPr>
-          <a:xfrm>
-            <a:off x="6882543" y="3792046"/>
-            <a:ext cx="2657475" cy="1781175"/>
-          </a:xfrm>
-          <a:prstGeom prst="rect">
-            <a:avLst/>
-          </a:prstGeom>
-        </p:spPr>
-      </p:pic>
-      <p:pic>
-        <p:nvPicPr>
-          <p:cNvPr id="12" name="Picture 11">
-            <a:extLst>
-              <a:ext uri="{FF2B5EF4-FFF2-40B4-BE49-F238E27FC236}">
-                <a16:creationId xmlns:a16="http://schemas.microsoft.com/office/drawing/2014/main" id="{B040262F-6A6B-42FF-B816-22205AA18D18}"/>
-              </a:ext>
-            </a:extLst>
-          </p:cNvPr>
-          <p:cNvPicPr>
-            <a:picLocks noChangeAspect="1"/>
-          </p:cNvPicPr>
-          <p:nvPr/>
-        </p:nvPicPr>
-        <p:blipFill>
-          <a:blip r:embed="rId2"/>
-          <a:stretch>
-            <a:fillRect/>
-          </a:stretch>
-        </p:blipFill>
-        <p:spPr>
-          <a:xfrm>
-            <a:off x="558440" y="3858880"/>
-            <a:ext cx="2472397" cy="1657032"/>
-          </a:xfrm>
-          <a:prstGeom prst="rect">
-            <a:avLst/>
-          </a:prstGeom>
-        </p:spPr>
-      </p:pic>
-      <p:pic>
-        <p:nvPicPr>
-          <p:cNvPr id="13" name="Picture 12">
-            <a:extLst>
-              <a:ext uri="{FF2B5EF4-FFF2-40B4-BE49-F238E27FC236}">
-                <a16:creationId xmlns:a16="http://schemas.microsoft.com/office/drawing/2014/main" id="{E10F6B51-1079-4A9C-8A35-3588B9ED064F}"/>
-              </a:ext>
-            </a:extLst>
-          </p:cNvPr>
-          <p:cNvPicPr>
-            <a:picLocks noChangeAspect="1"/>
-          </p:cNvPicPr>
-          <p:nvPr/>
-        </p:nvPicPr>
-        <p:blipFill>
-          <a:blip r:embed="rId3"/>
-          <a:stretch>
-            <a:fillRect/>
-          </a:stretch>
-        </p:blipFill>
-        <p:spPr>
-          <a:xfrm>
-            <a:off x="3558460" y="3801571"/>
-            <a:ext cx="2667000" cy="1771650"/>
-          </a:xfrm>
-          <a:prstGeom prst="rect">
-            <a:avLst/>
-          </a:prstGeom>
-        </p:spPr>
-      </p:pic>
-      <p:sp>
-        <p:nvSpPr>
-          <p:cNvPr id="9" name="Slide Number Placeholder 8">
-            <a:extLst>
-              <a:ext uri="{FF2B5EF4-FFF2-40B4-BE49-F238E27FC236}">
-                <a16:creationId xmlns:a16="http://schemas.microsoft.com/office/drawing/2014/main" id="{8CBCA95E-F714-48CB-93FC-B203FDA29B60}"/>
+      <p:sp>
+        <p:nvSpPr>
+          <p:cNvPr id="6" name="Slide Number Placeholder 5">
+            <a:extLst>
+              <a:ext uri="{FF2B5EF4-FFF2-40B4-BE49-F238E27FC236}">
+                <a16:creationId xmlns:a16="http://schemas.microsoft.com/office/drawing/2014/main" id="{E8849F9F-C59C-496C-AA61-98BF6F751F4F}"/>
               </a:ext>
             </a:extLst>
           </p:cNvPr>
@@ -4279,7 +4215,7 @@
         </p:nvSpPr>
         <p:spPr>
           <a:xfrm>
-            <a:off x="11085112" y="6265495"/>
+            <a:off x="11194443" y="6215799"/>
             <a:ext cx="811019" cy="503578"/>
           </a:xfrm>
         </p:spPr>
@@ -4291,14 +4227,14 @@
               <a:rPr lang="en-US" smtClean="0"/>
               <a:t>10</a:t>
             </a:fld>
-            <a:endParaRPr lang="en-US" dirty="0"/>
+            <a:endParaRPr lang="en-US"/>
           </a:p>
         </p:txBody>
       </p:sp>
     </p:spTree>
     <p:extLst>
       <p:ext uri="{BB962C8B-B14F-4D97-AF65-F5344CB8AC3E}">
-        <p14:creationId xmlns:p14="http://schemas.microsoft.com/office/powerpoint/2010/main" val="556646487"/>
+        <p14:creationId xmlns:p14="http://schemas.microsoft.com/office/powerpoint/2010/main" val="3979453104"/>
       </p:ext>
     </p:extLst>
   </p:cSld>
@@ -4330,7 +4266,7 @@
           <p:cNvPr id="2" name="Title 1">
             <a:extLst>
               <a:ext uri="{FF2B5EF4-FFF2-40B4-BE49-F238E27FC236}">
-                <a16:creationId xmlns:a16="http://schemas.microsoft.com/office/drawing/2014/main" id="{209BC085-5EAD-4930-84BE-9DB76C51FBA6}"/>
+                <a16:creationId xmlns:a16="http://schemas.microsoft.com/office/drawing/2014/main" id="{7C16E5F1-D8FF-4C0E-B6AF-860FD22452BA}"/>
               </a:ext>
             </a:extLst>
           </p:cNvPr>
@@ -4343,7 +4279,7 @@
         </p:nvSpPr>
         <p:spPr>
           <a:xfrm>
-            <a:off x="531515" y="173426"/>
+            <a:off x="835353" y="426832"/>
             <a:ext cx="9291215" cy="1049235"/>
           </a:xfrm>
         </p:spPr>
@@ -4354,181 +4290,79 @@
             <a:pPr algn="l"/>
             <a:r>
               <a:rPr lang="en-US" dirty="0"/>
-              <a:t>Equipment</a:t>
-            </a:r>
-          </a:p>
-        </p:txBody>
-      </p:sp>
-      <p:sp>
-        <p:nvSpPr>
-          <p:cNvPr id="4" name="TextBox 3">
-            <a:extLst>
-              <a:ext uri="{FF2B5EF4-FFF2-40B4-BE49-F238E27FC236}">
-                <a16:creationId xmlns:a16="http://schemas.microsoft.com/office/drawing/2014/main" id="{C99CC86C-F1DD-4A41-8B89-221A8D967738}"/>
-              </a:ext>
-            </a:extLst>
-          </p:cNvPr>
-          <p:cNvSpPr txBox="1"/>
-          <p:nvPr/>
-        </p:nvSpPr>
-        <p:spPr>
-          <a:xfrm>
-            <a:off x="3836710" y="1930400"/>
-            <a:ext cx="5986020" cy="1077218"/>
-          </a:xfrm>
-          <a:prstGeom prst="rect">
-            <a:avLst/>
-          </a:prstGeom>
-          <a:noFill/>
-        </p:spPr>
-        <p:txBody>
-          <a:bodyPr wrap="square" rtlCol="0">
-            <a:spAutoFit/>
+              <a:t>Requirement</a:t>
+            </a:r>
+          </a:p>
+        </p:txBody>
+      </p:sp>
+      <p:sp>
+        <p:nvSpPr>
+          <p:cNvPr id="3" name="Content Placeholder 2">
+            <a:extLst>
+              <a:ext uri="{FF2B5EF4-FFF2-40B4-BE49-F238E27FC236}">
+                <a16:creationId xmlns:a16="http://schemas.microsoft.com/office/drawing/2014/main" id="{43C3BCCE-A20A-4DA4-9844-D04562533EFC}"/>
+              </a:ext>
+            </a:extLst>
+          </p:cNvPr>
+          <p:cNvSpPr>
+            <a:spLocks noGrp="1"/>
+          </p:cNvSpPr>
+          <p:nvPr>
+            <p:ph idx="1"/>
+          </p:nvPr>
+        </p:nvSpPr>
+        <p:spPr>
+          <a:xfrm>
+            <a:off x="835352" y="1476067"/>
+            <a:ext cx="10137447" cy="3880773"/>
+          </a:xfrm>
+        </p:spPr>
+        <p:txBody>
+          <a:bodyPr>
+            <a:noAutofit/>
           </a:bodyPr>
           <a:lstStyle/>
           <a:p>
             <a:r>
-              <a:rPr lang="en-US" sz="3200" dirty="0"/>
-              <a:t>Weight Sensor (Load Cell) 0-100 kg</a:t>
-            </a:r>
-          </a:p>
-        </p:txBody>
-      </p:sp>
-      <p:pic>
-        <p:nvPicPr>
-          <p:cNvPr id="1030" name="Picture 6" descr="Raspberry Pi Zero">
-            <a:extLst>
-              <a:ext uri="{FF2B5EF4-FFF2-40B4-BE49-F238E27FC236}">
-                <a16:creationId xmlns:a16="http://schemas.microsoft.com/office/drawing/2014/main" id="{3C6C1736-AF90-44CD-9F61-EB4B3C09A383}"/>
-              </a:ext>
-            </a:extLst>
-          </p:cNvPr>
-          <p:cNvPicPr>
-            <a:picLocks noChangeAspect="1" noChangeArrowheads="1"/>
-          </p:cNvPicPr>
-          <p:nvPr/>
-        </p:nvPicPr>
-        <p:blipFill>
-          <a:blip r:embed="rId2">
-            <a:extLst>
-              <a:ext uri="{28A0092B-C50C-407E-A947-70E740481C1C}">
-                <a14:useLocalDpi xmlns:a14="http://schemas.microsoft.com/office/drawing/2010/main" val="0"/>
-              </a:ext>
-            </a:extLst>
-          </a:blip>
-          <a:srcRect/>
-          <a:stretch>
-            <a:fillRect/>
-          </a:stretch>
-        </p:blipFill>
-        <p:spPr bwMode="auto">
-          <a:xfrm>
-            <a:off x="1185862" y="3522421"/>
-            <a:ext cx="2045970" cy="2045970"/>
-          </a:xfrm>
-          <a:prstGeom prst="rect">
-            <a:avLst/>
-          </a:prstGeom>
-          <a:noFill/>
-          <a:extLst>
-            <a:ext uri="{909E8E84-426E-40DD-AFC4-6F175D3DCCD1}">
-              <a14:hiddenFill xmlns:a14="http://schemas.microsoft.com/office/drawing/2010/main">
-                <a:solidFill>
-                  <a:srgbClr val="FFFFFF"/>
-                </a:solidFill>
-              </a14:hiddenFill>
-            </a:ext>
-          </a:extLst>
-        </p:spPr>
-      </p:pic>
-      <p:sp>
-        <p:nvSpPr>
-          <p:cNvPr id="9" name="TextBox 8">
-            <a:extLst>
-              <a:ext uri="{FF2B5EF4-FFF2-40B4-BE49-F238E27FC236}">
-                <a16:creationId xmlns:a16="http://schemas.microsoft.com/office/drawing/2014/main" id="{3880B3EA-CAD7-46F9-AA95-B56D00F8218E}"/>
-              </a:ext>
-            </a:extLst>
-          </p:cNvPr>
-          <p:cNvSpPr txBox="1"/>
-          <p:nvPr/>
-        </p:nvSpPr>
-        <p:spPr>
-          <a:xfrm>
-            <a:off x="4081805" y="4176074"/>
-            <a:ext cx="7111712" cy="584775"/>
-          </a:xfrm>
-          <a:prstGeom prst="rect">
-            <a:avLst/>
-          </a:prstGeom>
-          <a:noFill/>
-        </p:spPr>
-        <p:txBody>
-          <a:bodyPr wrap="square" rtlCol="0">
-            <a:spAutoFit/>
-          </a:bodyPr>
-          <a:lstStyle/>
-          <a:p>
-            <a:r>
-              <a:rPr lang="en-US" sz="3200" dirty="0"/>
-              <a:t>Raspberry Pi, Arduino</a:t>
-            </a:r>
-          </a:p>
-        </p:txBody>
-      </p:sp>
-      <p:pic>
-        <p:nvPicPr>
-          <p:cNvPr id="5124" name="Picture 4" descr="ผลการค้นหารูปภาพสำหรับ weight sensor 0 - 100">
-            <a:extLst>
-              <a:ext uri="{FF2B5EF4-FFF2-40B4-BE49-F238E27FC236}">
-                <a16:creationId xmlns:a16="http://schemas.microsoft.com/office/drawing/2014/main" id="{4DA7CDB2-B5BD-4ADA-BEF3-598F263C94A6}"/>
-              </a:ext>
-            </a:extLst>
-          </p:cNvPr>
-          <p:cNvPicPr>
-            <a:picLocks noChangeAspect="1" noChangeArrowheads="1"/>
-          </p:cNvPicPr>
-          <p:nvPr/>
-        </p:nvPicPr>
-        <p:blipFill>
-          <a:blip r:embed="rId3">
-            <a:extLst>
-              <a:ext uri="{28A0092B-C50C-407E-A947-70E740481C1C}">
-                <a14:useLocalDpi xmlns:a14="http://schemas.microsoft.com/office/drawing/2010/main" val="0"/>
-              </a:ext>
-            </a:extLst>
-          </a:blip>
-          <a:srcRect/>
-          <a:stretch>
-            <a:fillRect/>
-          </a:stretch>
-        </p:blipFill>
-        <p:spPr bwMode="auto">
-          <a:xfrm>
-            <a:off x="1081087" y="1039693"/>
-            <a:ext cx="2150745" cy="2150745"/>
-          </a:xfrm>
-          <a:prstGeom prst="rect">
-            <a:avLst/>
-          </a:prstGeom>
-          <a:noFill/>
-          <a:extLst>
-            <a:ext uri="{909E8E84-426E-40DD-AFC4-6F175D3DCCD1}">
-              <a14:hiddenFill xmlns:a14="http://schemas.microsoft.com/office/drawing/2010/main">
-                <a:solidFill>
-                  <a:srgbClr val="FFFFFF"/>
-                </a:solidFill>
-              </a14:hiddenFill>
-            </a:ext>
-          </a:extLst>
-        </p:spPr>
-      </p:pic>
+              <a:rPr lang="en-US" sz="3000" dirty="0"/>
+              <a:t>The format pattern </a:t>
+            </a:r>
+            <a:r>
+              <a:rPr lang="en-US" sz="3000" b="1" u="sng" dirty="0"/>
+              <a:t>MUST</a:t>
+            </a:r>
+            <a:r>
+              <a:rPr lang="en-US" sz="3000" dirty="0"/>
+              <a:t> be accurate 100%.</a:t>
+            </a:r>
+          </a:p>
+          <a:p>
+            <a:r>
+              <a:rPr lang="en-US" sz="3000" dirty="0"/>
+              <a:t>Can show output in form of (Step, Set) </a:t>
+            </a:r>
+            <a:endParaRPr lang="th-TH" sz="3000" dirty="0"/>
+          </a:p>
+          <a:p>
+            <a:r>
+              <a:rPr lang="en-US" sz="3000" dirty="0"/>
+              <a:t>Examiner can select form to play and can create the format pattern themselves</a:t>
+            </a:r>
+          </a:p>
+          <a:p>
+            <a:r>
+              <a:rPr lang="en-US" sz="3000" dirty="0"/>
+              <a:t>(Optional) Double Table</a:t>
+            </a:r>
+          </a:p>
+        </p:txBody>
+      </p:sp>
       <p:sp>
         <p:nvSpPr>
           <p:cNvPr id="6" name="Slide Number Placeholder 5">
             <a:extLst>
               <a:ext uri="{FF2B5EF4-FFF2-40B4-BE49-F238E27FC236}">
-                <a16:creationId xmlns:a16="http://schemas.microsoft.com/office/drawing/2014/main" id="{57F4482A-5935-4153-A757-EF3661531DDD}"/>
+                <a16:creationId xmlns:a16="http://schemas.microsoft.com/office/drawing/2014/main" id="{5080EFFF-3D12-4114-B2D6-D4A51B46BAC8}"/>
               </a:ext>
             </a:extLst>
           </p:cNvPr>
@@ -4541,7 +4375,7 @@
         </p:nvSpPr>
         <p:spPr>
           <a:xfrm>
-            <a:off x="11035416" y="6185981"/>
+            <a:off x="11085112" y="6156164"/>
             <a:ext cx="811019" cy="503578"/>
           </a:xfrm>
         </p:spPr>
@@ -4553,14 +4387,14 @@
               <a:rPr lang="en-US" smtClean="0"/>
               <a:t>11</a:t>
             </a:fld>
-            <a:endParaRPr lang="en-US"/>
+            <a:endParaRPr lang="en-US" dirty="0"/>
           </a:p>
         </p:txBody>
       </p:sp>
     </p:spTree>
     <p:extLst>
       <p:ext uri="{BB962C8B-B14F-4D97-AF65-F5344CB8AC3E}">
-        <p14:creationId xmlns:p14="http://schemas.microsoft.com/office/powerpoint/2010/main" val="1464393841"/>
+        <p14:creationId xmlns:p14="http://schemas.microsoft.com/office/powerpoint/2010/main" val="4146483930"/>
       </p:ext>
     </p:extLst>
   </p:cSld>
@@ -4589,178 +4423,217 @@
       </p:grpSpPr>
       <p:sp>
         <p:nvSpPr>
-          <p:cNvPr id="3" name="Content Placeholder 2">
-            <a:extLst>
-              <a:ext uri="{FF2B5EF4-FFF2-40B4-BE49-F238E27FC236}">
-                <a16:creationId xmlns:a16="http://schemas.microsoft.com/office/drawing/2014/main" id="{4D8AC605-E274-4419-83C9-689389971576}"/>
-              </a:ext>
-            </a:extLst>
-          </p:cNvPr>
-          <p:cNvSpPr>
-            <a:spLocks noGrp="1"/>
-          </p:cNvSpPr>
-          <p:nvPr>
-            <p:ph idx="1"/>
-          </p:nvPr>
-        </p:nvSpPr>
-        <p:spPr>
-          <a:xfrm>
-            <a:off x="4907280" y="776977"/>
-            <a:ext cx="7430814" cy="920443"/>
-          </a:xfrm>
-        </p:spPr>
-        <p:txBody>
-          <a:bodyPr>
-            <a:noAutofit/>
+          <p:cNvPr id="2" name="Title 1">
+            <a:extLst>
+              <a:ext uri="{FF2B5EF4-FFF2-40B4-BE49-F238E27FC236}">
+                <a16:creationId xmlns:a16="http://schemas.microsoft.com/office/drawing/2014/main" id="{3043CBB8-5137-4AFA-A98C-5A654F8E1972}"/>
+              </a:ext>
+            </a:extLst>
+          </p:cNvPr>
+          <p:cNvSpPr>
+            <a:spLocks noGrp="1"/>
+          </p:cNvSpPr>
+          <p:nvPr>
+            <p:ph type="title"/>
+          </p:nvPr>
+        </p:nvSpPr>
+        <p:spPr>
+          <a:xfrm>
+            <a:off x="477545" y="168415"/>
+            <a:ext cx="9291215" cy="1049235"/>
+          </a:xfrm>
+        </p:spPr>
+        <p:txBody>
+          <a:bodyPr/>
+          <a:lstStyle/>
+          <a:p>
+            <a:pPr algn="l"/>
+            <a:r>
+              <a:rPr lang="en-US" dirty="0"/>
+              <a:t>Double Table</a:t>
+            </a:r>
+          </a:p>
+        </p:txBody>
+      </p:sp>
+      <p:sp>
+        <p:nvSpPr>
+          <p:cNvPr id="8" name="TextBox 7">
+            <a:extLst>
+              <a:ext uri="{FF2B5EF4-FFF2-40B4-BE49-F238E27FC236}">
+                <a16:creationId xmlns:a16="http://schemas.microsoft.com/office/drawing/2014/main" id="{776CA7E7-C769-4160-9CCD-91586ADDF84A}"/>
+              </a:ext>
+            </a:extLst>
+          </p:cNvPr>
+          <p:cNvSpPr txBox="1"/>
+          <p:nvPr/>
+        </p:nvSpPr>
+        <p:spPr>
+          <a:xfrm>
+            <a:off x="1137920" y="1097280"/>
+            <a:ext cx="9215120" cy="4524315"/>
+          </a:xfrm>
+          <a:prstGeom prst="rect">
+            <a:avLst/>
+          </a:prstGeom>
+          <a:noFill/>
+        </p:spPr>
+        <p:txBody>
+          <a:bodyPr wrap="square" rtlCol="0">
+            <a:spAutoFit/>
           </a:bodyPr>
           <a:lstStyle/>
           <a:p>
-            <a:pPr marL="0" indent="0">
-              <a:buNone/>
+            <a:pPr marL="514350" indent="-514350">
+              <a:buFont typeface="+mj-lt"/>
+              <a:buAutoNum type="arabicPeriod"/>
             </a:pPr>
             <a:r>
-              <a:rPr lang="en-US" sz="3200" dirty="0" err="1"/>
-              <a:t>NodeMcu</a:t>
-            </a:r>
+              <a:rPr lang="en-US" sz="3200" dirty="0"/>
+              <a:t>Two player alternate play by the first player add his/her first step</a:t>
+            </a:r>
+          </a:p>
+          <a:p>
+            <a:pPr marL="514350" indent="-514350">
+              <a:buFont typeface="+mj-lt"/>
+              <a:buAutoNum type="arabicPeriod"/>
+            </a:pPr>
+            <a:endParaRPr lang="en-US" sz="3200" dirty="0"/>
+          </a:p>
+          <a:p>
+            <a:pPr marL="514350" indent="-514350">
+              <a:buFont typeface="+mj-lt"/>
+              <a:buAutoNum type="arabicPeriod"/>
+            </a:pPr>
+            <a:endParaRPr lang="en-US" sz="3200" dirty="0"/>
+          </a:p>
+          <a:p>
+            <a:pPr marL="514350" indent="-514350">
+              <a:buFont typeface="+mj-lt"/>
+              <a:buAutoNum type="arabicPeriod"/>
+            </a:pPr>
+            <a:endParaRPr lang="en-US" sz="3200" dirty="0"/>
+          </a:p>
+          <a:p>
+            <a:pPr marL="514350" indent="-514350">
+              <a:buFont typeface="+mj-lt"/>
+              <a:buAutoNum type="arabicPeriod"/>
+            </a:pPr>
+            <a:r>
+              <a:rPr lang="en-US" sz="3200" dirty="0"/>
+              <a:t>The second player must repeat it and add his/her own step</a:t>
+            </a:r>
+          </a:p>
+          <a:p>
+            <a:r>
+              <a:rPr lang="en-US" sz="3200" dirty="0"/>
+              <a:t> </a:t>
+            </a:r>
+          </a:p>
+          <a:p>
+            <a:pPr marL="514350" indent="-514350">
+              <a:buFont typeface="+mj-lt"/>
+              <a:buAutoNum type="arabicPeriod"/>
+            </a:pPr>
             <a:endParaRPr lang="en-US" sz="3200" dirty="0"/>
           </a:p>
         </p:txBody>
       </p:sp>
       <p:pic>
         <p:nvPicPr>
-          <p:cNvPr id="6146" name="Picture 2" descr="ผลการค้นหารูปภาพสำหรับ nodemcu">
-            <a:extLst>
-              <a:ext uri="{FF2B5EF4-FFF2-40B4-BE49-F238E27FC236}">
-                <a16:creationId xmlns:a16="http://schemas.microsoft.com/office/drawing/2014/main" id="{67ACA8DD-979E-4463-BDE6-7CC71880C5F1}"/>
+          <p:cNvPr id="9" name="Picture 8">
+            <a:extLst>
+              <a:ext uri="{FF2B5EF4-FFF2-40B4-BE49-F238E27FC236}">
+                <a16:creationId xmlns:a16="http://schemas.microsoft.com/office/drawing/2014/main" id="{49E048CF-4A47-4347-8E6D-B3627A9FE60D}"/>
               </a:ext>
             </a:extLst>
           </p:cNvPr>
           <p:cNvPicPr>
-            <a:picLocks noChangeAspect="1" noChangeArrowheads="1"/>
+            <a:picLocks noChangeAspect="1"/>
           </p:cNvPicPr>
           <p:nvPr/>
         </p:nvPicPr>
         <p:blipFill>
-          <a:blip r:embed="rId2">
-            <a:extLst>
-              <a:ext uri="{28A0092B-C50C-407E-A947-70E740481C1C}">
-                <a14:useLocalDpi xmlns:a14="http://schemas.microsoft.com/office/drawing/2010/main" val="0"/>
-              </a:ext>
-            </a:extLst>
-          </a:blip>
-          <a:srcRect/>
+          <a:blip r:embed="rId2"/>
           <a:stretch>
             <a:fillRect/>
           </a:stretch>
         </p:blipFill>
-        <p:spPr bwMode="auto">
-          <a:xfrm>
-            <a:off x="618490" y="485140"/>
-            <a:ext cx="3545840" cy="2659381"/>
+        <p:spPr>
+          <a:xfrm>
+            <a:off x="6105800" y="1859260"/>
+            <a:ext cx="2472397" cy="1657032"/>
           </a:xfrm>
           <a:prstGeom prst="rect">
             <a:avLst/>
           </a:prstGeom>
-          <a:noFill/>
-          <a:extLst>
-            <a:ext uri="{909E8E84-426E-40DD-AFC4-6F175D3DCCD1}">
-              <a14:hiddenFill xmlns:a14="http://schemas.microsoft.com/office/drawing/2010/main">
-                <a:solidFill>
-                  <a:srgbClr val="FFFFFF"/>
-                </a:solidFill>
-              </a14:hiddenFill>
-            </a:ext>
-          </a:extLst>
         </p:spPr>
       </p:pic>
       <p:pic>
         <p:nvPicPr>
-          <p:cNvPr id="6152" name="Picture 8" descr="ผลการค้นหารูปภาพสำหรับ แผ่นกระดาน 9 ช่อง">
-            <a:extLst>
-              <a:ext uri="{FF2B5EF4-FFF2-40B4-BE49-F238E27FC236}">
-                <a16:creationId xmlns:a16="http://schemas.microsoft.com/office/drawing/2014/main" id="{419980AB-4155-4056-A3E4-80D6F301D310}"/>
+          <p:cNvPr id="10" name="Picture 9">
+            <a:extLst>
+              <a:ext uri="{FF2B5EF4-FFF2-40B4-BE49-F238E27FC236}">
+                <a16:creationId xmlns:a16="http://schemas.microsoft.com/office/drawing/2014/main" id="{C95D3DCF-6F75-4EC6-9E43-F27187229327}"/>
               </a:ext>
             </a:extLst>
           </p:cNvPr>
           <p:cNvPicPr>
-            <a:picLocks noChangeAspect="1" noChangeArrowheads="1"/>
+            <a:picLocks noChangeAspect="1"/>
           </p:cNvPicPr>
           <p:nvPr/>
         </p:nvPicPr>
         <p:blipFill>
-          <a:blip r:embed="rId3">
-            <a:extLst>
-              <a:ext uri="{28A0092B-C50C-407E-A947-70E740481C1C}">
-                <a14:useLocalDpi xmlns:a14="http://schemas.microsoft.com/office/drawing/2010/main" val="0"/>
-              </a:ext>
-            </a:extLst>
-          </a:blip>
-          <a:srcRect/>
+          <a:blip r:embed="rId2"/>
           <a:stretch>
             <a:fillRect/>
           </a:stretch>
         </p:blipFill>
-        <p:spPr bwMode="auto">
-          <a:xfrm>
-            <a:off x="618490" y="3441064"/>
-            <a:ext cx="3545840" cy="1994535"/>
+        <p:spPr>
+          <a:xfrm>
+            <a:off x="5435240" y="4209324"/>
+            <a:ext cx="2472397" cy="1657032"/>
           </a:xfrm>
           <a:prstGeom prst="rect">
             <a:avLst/>
           </a:prstGeom>
-          <a:noFill/>
-          <a:extLst>
-            <a:ext uri="{909E8E84-426E-40DD-AFC4-6F175D3DCCD1}">
-              <a14:hiddenFill xmlns:a14="http://schemas.microsoft.com/office/drawing/2010/main">
-                <a:solidFill>
-                  <a:srgbClr val="FFFFFF"/>
-                </a:solidFill>
-              </a14:hiddenFill>
-            </a:ext>
-          </a:extLst>
         </p:spPr>
       </p:pic>
-      <p:sp>
-        <p:nvSpPr>
-          <p:cNvPr id="4" name="TextBox 3">
-            <a:extLst>
-              <a:ext uri="{FF2B5EF4-FFF2-40B4-BE49-F238E27FC236}">
-                <a16:creationId xmlns:a16="http://schemas.microsoft.com/office/drawing/2014/main" id="{D47C9AD7-9188-493F-BFF4-3415FF48BBC1}"/>
-              </a:ext>
-            </a:extLst>
-          </p:cNvPr>
-          <p:cNvSpPr txBox="1"/>
+      <p:pic>
+        <p:nvPicPr>
+          <p:cNvPr id="11" name="Picture 10">
+            <a:extLst>
+              <a:ext uri="{FF2B5EF4-FFF2-40B4-BE49-F238E27FC236}">
+                <a16:creationId xmlns:a16="http://schemas.microsoft.com/office/drawing/2014/main" id="{CD17F3F9-8938-4350-9A2E-B003B2335B42}"/>
+              </a:ext>
+            </a:extLst>
+          </p:cNvPr>
+          <p:cNvPicPr>
+            <a:picLocks noChangeAspect="1"/>
+          </p:cNvPicPr>
           <p:nvPr/>
-        </p:nvSpPr>
-        <p:spPr>
-          <a:xfrm>
-            <a:off x="4907280" y="3627120"/>
-            <a:ext cx="3413760" cy="584775"/>
+        </p:nvPicPr>
+        <p:blipFill>
+          <a:blip r:embed="rId3"/>
+          <a:stretch>
+            <a:fillRect/>
+          </a:stretch>
+        </p:blipFill>
+        <p:spPr>
+          <a:xfrm>
+            <a:off x="8435260" y="4152015"/>
+            <a:ext cx="2667000" cy="1771650"/>
           </a:xfrm>
           <a:prstGeom prst="rect">
             <a:avLst/>
           </a:prstGeom>
-          <a:noFill/>
-        </p:spPr>
-        <p:txBody>
-          <a:bodyPr wrap="square" rtlCol="0">
-            <a:spAutoFit/>
-          </a:bodyPr>
-          <a:lstStyle/>
-          <a:p>
-            <a:r>
-              <a:rPr lang="en-US" sz="3200" dirty="0"/>
-              <a:t>9 Square board</a:t>
-            </a:r>
-          </a:p>
-        </p:txBody>
-      </p:sp>
-      <p:sp>
-        <p:nvSpPr>
-          <p:cNvPr id="6" name="Slide Number Placeholder 5">
-            <a:extLst>
-              <a:ext uri="{FF2B5EF4-FFF2-40B4-BE49-F238E27FC236}">
-                <a16:creationId xmlns:a16="http://schemas.microsoft.com/office/drawing/2014/main" id="{BFD11A69-A68A-4231-BDE7-91BD0E52797E}"/>
+        </p:spPr>
+      </p:pic>
+      <p:sp>
+        <p:nvSpPr>
+          <p:cNvPr id="5" name="Slide Number Placeholder 4">
+            <a:extLst>
+              <a:ext uri="{FF2B5EF4-FFF2-40B4-BE49-F238E27FC236}">
+                <a16:creationId xmlns:a16="http://schemas.microsoft.com/office/drawing/2014/main" id="{6850F4E6-65C6-47C6-9E66-14EB00C72D70}"/>
               </a:ext>
             </a:extLst>
           </p:cNvPr>
@@ -4773,7 +4646,7 @@
         </p:nvSpPr>
         <p:spPr>
           <a:xfrm>
-            <a:off x="11035417" y="6215799"/>
+            <a:off x="11174565" y="6205860"/>
             <a:ext cx="811019" cy="503578"/>
           </a:xfrm>
         </p:spPr>
@@ -4785,14 +4658,14 @@
               <a:rPr lang="en-US" smtClean="0"/>
               <a:t>12</a:t>
             </a:fld>
-            <a:endParaRPr lang="en-US" dirty="0"/>
+            <a:endParaRPr lang="en-US"/>
           </a:p>
         </p:txBody>
       </p:sp>
     </p:spTree>
     <p:extLst>
       <p:ext uri="{BB962C8B-B14F-4D97-AF65-F5344CB8AC3E}">
-        <p14:creationId xmlns:p14="http://schemas.microsoft.com/office/powerpoint/2010/main" val="1024356162"/>
+        <p14:creationId xmlns:p14="http://schemas.microsoft.com/office/powerpoint/2010/main" val="3034094430"/>
       </p:ext>
     </p:extLst>
   </p:cSld>
@@ -4821,114 +4694,274 @@
       </p:grpSpPr>
       <p:sp>
         <p:nvSpPr>
-          <p:cNvPr id="2" name="Title 1">
-            <a:extLst>
-              <a:ext uri="{FF2B5EF4-FFF2-40B4-BE49-F238E27FC236}">
-                <a16:creationId xmlns:a16="http://schemas.microsoft.com/office/drawing/2014/main" id="{4DAE66D9-77E5-4047-86EC-54E6712E7920}"/>
-              </a:ext>
-            </a:extLst>
-          </p:cNvPr>
-          <p:cNvSpPr>
-            <a:spLocks noGrp="1"/>
-          </p:cNvSpPr>
-          <p:nvPr>
-            <p:ph type="title"/>
-          </p:nvPr>
-        </p:nvSpPr>
-        <p:spPr>
-          <a:xfrm>
-            <a:off x="885742" y="488288"/>
-            <a:ext cx="5405727" cy="662781"/>
+          <p:cNvPr id="3" name="Content Placeholder 2">
+            <a:extLst>
+              <a:ext uri="{FF2B5EF4-FFF2-40B4-BE49-F238E27FC236}">
+                <a16:creationId xmlns:a16="http://schemas.microsoft.com/office/drawing/2014/main" id="{E0E1A40D-ACFC-44D7-B6E7-8D0892BB5B5C}"/>
+              </a:ext>
+            </a:extLst>
+          </p:cNvPr>
+          <p:cNvSpPr>
+            <a:spLocks noGrp="1"/>
+          </p:cNvSpPr>
+          <p:nvPr>
+            <p:ph idx="1"/>
+          </p:nvPr>
+        </p:nvSpPr>
+        <p:spPr>
+          <a:xfrm>
+            <a:off x="425860" y="168965"/>
+            <a:ext cx="9291215" cy="3832308"/>
           </a:xfrm>
         </p:spPr>
         <p:txBody>
           <a:bodyPr>
-            <a:normAutofit/>
+            <a:normAutofit fontScale="92500" lnSpcReduction="20000"/>
           </a:bodyPr>
           <a:lstStyle/>
           <a:p>
-            <a:pPr algn="l"/>
-            <a:r>
-              <a:rPr lang="en-US" dirty="0"/>
-              <a:t>References</a:t>
-            </a:r>
-          </a:p>
-        </p:txBody>
-      </p:sp>
-      <p:sp>
-        <p:nvSpPr>
-          <p:cNvPr id="3" name="TextBox 2">
-            <a:extLst>
-              <a:ext uri="{FF2B5EF4-FFF2-40B4-BE49-F238E27FC236}">
-                <a16:creationId xmlns:a16="http://schemas.microsoft.com/office/drawing/2014/main" id="{E2B8F02E-248A-4449-9377-6F0CA3A3ED06}"/>
-              </a:ext>
-            </a:extLst>
-          </p:cNvPr>
-          <p:cNvSpPr txBox="1"/>
+            <a:pPr marL="457200" indent="-457200">
+              <a:buFont typeface="+mj-lt"/>
+              <a:buAutoNum type="arabicPeriod"/>
+            </a:pPr>
+            <a:endParaRPr lang="en-US" sz="2800" dirty="0"/>
+          </a:p>
+          <a:p>
+            <a:pPr marL="0" indent="0">
+              <a:buNone/>
+            </a:pPr>
+            <a:r>
+              <a:rPr lang="en-US" sz="2800" dirty="0"/>
+              <a:t>3. First player must repeat it and add his/hers. </a:t>
+            </a:r>
+          </a:p>
+          <a:p>
+            <a:pPr marL="0" indent="0">
+              <a:buNone/>
+            </a:pPr>
+            <a:endParaRPr lang="en-US" sz="2800" dirty="0"/>
+          </a:p>
+          <a:p>
+            <a:pPr marL="0" indent="0">
+              <a:buNone/>
+            </a:pPr>
+            <a:endParaRPr lang="en-US" sz="2800" dirty="0"/>
+          </a:p>
+          <a:p>
+            <a:pPr marL="0" indent="0">
+              <a:buNone/>
+            </a:pPr>
+            <a:endParaRPr lang="en-US" sz="2800" dirty="0"/>
+          </a:p>
+          <a:p>
+            <a:pPr marL="0" indent="0">
+              <a:buNone/>
+            </a:pPr>
+            <a:endParaRPr lang="en-US" sz="2800" dirty="0"/>
+          </a:p>
+          <a:p>
+            <a:pPr marL="0" indent="0">
+              <a:buNone/>
+            </a:pPr>
+            <a:r>
+              <a:rPr lang="en-US" sz="2800" dirty="0"/>
+              <a:t>4.Repeat until someone fail</a:t>
+            </a:r>
+          </a:p>
+          <a:p>
+            <a:pPr marL="0" indent="0">
+              <a:buNone/>
+            </a:pPr>
+            <a:endParaRPr lang="en-US" sz="2800" dirty="0"/>
+          </a:p>
+        </p:txBody>
+      </p:sp>
+      <p:pic>
+        <p:nvPicPr>
+          <p:cNvPr id="4" name="Picture 3">
+            <a:extLst>
+              <a:ext uri="{FF2B5EF4-FFF2-40B4-BE49-F238E27FC236}">
+                <a16:creationId xmlns:a16="http://schemas.microsoft.com/office/drawing/2014/main" id="{D407ED83-46EE-4B70-B739-085F18245288}"/>
+              </a:ext>
+            </a:extLst>
+          </p:cNvPr>
+          <p:cNvPicPr>
+            <a:picLocks noChangeAspect="1"/>
+          </p:cNvPicPr>
           <p:nvPr/>
-        </p:nvSpPr>
-        <p:spPr>
-          <a:xfrm>
-            <a:off x="885742" y="1918031"/>
-            <a:ext cx="11186160" cy="3108543"/>
+        </p:nvPicPr>
+        <p:blipFill>
+          <a:blip r:embed="rId2"/>
+          <a:stretch>
+            <a:fillRect/>
+          </a:stretch>
+        </p:blipFill>
+        <p:spPr>
+          <a:xfrm>
+            <a:off x="690520" y="1334044"/>
+            <a:ext cx="2472397" cy="1657032"/>
           </a:xfrm>
           <a:prstGeom prst="rect">
             <a:avLst/>
           </a:prstGeom>
-          <a:noFill/>
-        </p:spPr>
-        <p:txBody>
-          <a:bodyPr wrap="square" rtlCol="0">
-            <a:spAutoFit/>
-          </a:bodyPr>
-          <a:lstStyle/>
-          <a:p>
-            <a:r>
-              <a:rPr lang="en-US" sz="2800" dirty="0">
-                <a:hlinkClick r:id="rId2"/>
-              </a:rPr>
-              <a:t>https://i.ytimg.com/vi/NaKMg1bQ-TI/maxresdefault.jpg</a:t>
-            </a:r>
-            <a:endParaRPr lang="en-US" sz="2800" dirty="0"/>
-          </a:p>
-          <a:p>
-            <a:r>
-              <a:rPr lang="en-US" sz="2800" dirty="0">
-                <a:hlinkClick r:id="rId3"/>
-              </a:rPr>
-              <a:t>http://www.pngall.com/wp-content/uploads/2016/04/Server-PNG-Image.png</a:t>
-            </a:r>
-            <a:endParaRPr lang="en-US" sz="2800" dirty="0"/>
-          </a:p>
-          <a:p>
-            <a:r>
-              <a:rPr lang="en-US" sz="2800" dirty="0">
-                <a:hlinkClick r:id="rId4"/>
-              </a:rPr>
-              <a:t>http://www.ku.ac.th/english/images/webnew/logo.jpg</a:t>
-            </a:r>
-            <a:endParaRPr lang="en-US" sz="2800" dirty="0"/>
-          </a:p>
-          <a:p>
-            <a:r>
-              <a:rPr lang="en-US" sz="2800" dirty="0">
-                <a:hlinkClick r:id="rId5"/>
-              </a:rPr>
-              <a:t>https://img2.annthegran.com/StockDesign/XLarge/Dakota_Collectibles/sp0607.jpg</a:t>
-            </a:r>
-            <a:endParaRPr lang="en-US" sz="2800" dirty="0"/>
-          </a:p>
-          <a:p>
-            <a:endParaRPr lang="en-US" sz="2800" dirty="0"/>
-          </a:p>
-        </p:txBody>
-      </p:sp>
-      <p:sp>
-        <p:nvSpPr>
-          <p:cNvPr id="6" name="Slide Number Placeholder 5">
-            <a:extLst>
-              <a:ext uri="{FF2B5EF4-FFF2-40B4-BE49-F238E27FC236}">
-                <a16:creationId xmlns:a16="http://schemas.microsoft.com/office/drawing/2014/main" id="{051EF2C4-9EF8-466F-A03C-C7939E413EBB}"/>
+        </p:spPr>
+      </p:pic>
+      <p:pic>
+        <p:nvPicPr>
+          <p:cNvPr id="5" name="Picture 4">
+            <a:extLst>
+              <a:ext uri="{FF2B5EF4-FFF2-40B4-BE49-F238E27FC236}">
+                <a16:creationId xmlns:a16="http://schemas.microsoft.com/office/drawing/2014/main" id="{BA9F8043-C4C0-448F-8055-98DD3F1FD0BD}"/>
+              </a:ext>
+            </a:extLst>
+          </p:cNvPr>
+          <p:cNvPicPr>
+            <a:picLocks noChangeAspect="1"/>
+          </p:cNvPicPr>
+          <p:nvPr/>
+        </p:nvPicPr>
+        <p:blipFill>
+          <a:blip r:embed="rId3"/>
+          <a:stretch>
+            <a:fillRect/>
+          </a:stretch>
+        </p:blipFill>
+        <p:spPr>
+          <a:xfrm>
+            <a:off x="3690540" y="1276735"/>
+            <a:ext cx="2667000" cy="1771650"/>
+          </a:xfrm>
+          <a:prstGeom prst="rect">
+            <a:avLst/>
+          </a:prstGeom>
+        </p:spPr>
+      </p:pic>
+      <p:pic>
+        <p:nvPicPr>
+          <p:cNvPr id="7" name="Picture 6">
+            <a:extLst>
+              <a:ext uri="{FF2B5EF4-FFF2-40B4-BE49-F238E27FC236}">
+                <a16:creationId xmlns:a16="http://schemas.microsoft.com/office/drawing/2014/main" id="{38AA59FA-272A-4E6A-8650-DBB5426D0D04}"/>
+              </a:ext>
+            </a:extLst>
+          </p:cNvPr>
+          <p:cNvPicPr>
+            <a:picLocks noChangeAspect="1"/>
+          </p:cNvPicPr>
+          <p:nvPr/>
+        </p:nvPicPr>
+        <p:blipFill>
+          <a:blip r:embed="rId4"/>
+          <a:stretch>
+            <a:fillRect/>
+          </a:stretch>
+        </p:blipFill>
+        <p:spPr>
+          <a:xfrm>
+            <a:off x="6882543" y="1276735"/>
+            <a:ext cx="2647950" cy="1771650"/>
+          </a:xfrm>
+          <a:prstGeom prst="rect">
+            <a:avLst/>
+          </a:prstGeom>
+        </p:spPr>
+      </p:pic>
+      <p:pic>
+        <p:nvPicPr>
+          <p:cNvPr id="8" name="Picture 7">
+            <a:extLst>
+              <a:ext uri="{FF2B5EF4-FFF2-40B4-BE49-F238E27FC236}">
+                <a16:creationId xmlns:a16="http://schemas.microsoft.com/office/drawing/2014/main" id="{01634BDF-1288-48C6-B35F-525E953D75A7}"/>
+              </a:ext>
+            </a:extLst>
+          </p:cNvPr>
+          <p:cNvPicPr>
+            <a:picLocks noChangeAspect="1"/>
+          </p:cNvPicPr>
+          <p:nvPr/>
+        </p:nvPicPr>
+        <p:blipFill>
+          <a:blip r:embed="rId5"/>
+          <a:stretch>
+            <a:fillRect/>
+          </a:stretch>
+        </p:blipFill>
+        <p:spPr>
+          <a:xfrm>
+            <a:off x="6882543" y="3792046"/>
+            <a:ext cx="2657475" cy="1781175"/>
+          </a:xfrm>
+          <a:prstGeom prst="rect">
+            <a:avLst/>
+          </a:prstGeom>
+        </p:spPr>
+      </p:pic>
+      <p:pic>
+        <p:nvPicPr>
+          <p:cNvPr id="12" name="Picture 11">
+            <a:extLst>
+              <a:ext uri="{FF2B5EF4-FFF2-40B4-BE49-F238E27FC236}">
+                <a16:creationId xmlns:a16="http://schemas.microsoft.com/office/drawing/2014/main" id="{B040262F-6A6B-42FF-B816-22205AA18D18}"/>
+              </a:ext>
+            </a:extLst>
+          </p:cNvPr>
+          <p:cNvPicPr>
+            <a:picLocks noChangeAspect="1"/>
+          </p:cNvPicPr>
+          <p:nvPr/>
+        </p:nvPicPr>
+        <p:blipFill>
+          <a:blip r:embed="rId2"/>
+          <a:stretch>
+            <a:fillRect/>
+          </a:stretch>
+        </p:blipFill>
+        <p:spPr>
+          <a:xfrm>
+            <a:off x="558440" y="3858880"/>
+            <a:ext cx="2472397" cy="1657032"/>
+          </a:xfrm>
+          <a:prstGeom prst="rect">
+            <a:avLst/>
+          </a:prstGeom>
+        </p:spPr>
+      </p:pic>
+      <p:pic>
+        <p:nvPicPr>
+          <p:cNvPr id="13" name="Picture 12">
+            <a:extLst>
+              <a:ext uri="{FF2B5EF4-FFF2-40B4-BE49-F238E27FC236}">
+                <a16:creationId xmlns:a16="http://schemas.microsoft.com/office/drawing/2014/main" id="{E10F6B51-1079-4A9C-8A35-3588B9ED064F}"/>
+              </a:ext>
+            </a:extLst>
+          </p:cNvPr>
+          <p:cNvPicPr>
+            <a:picLocks noChangeAspect="1"/>
+          </p:cNvPicPr>
+          <p:nvPr/>
+        </p:nvPicPr>
+        <p:blipFill>
+          <a:blip r:embed="rId3"/>
+          <a:stretch>
+            <a:fillRect/>
+          </a:stretch>
+        </p:blipFill>
+        <p:spPr>
+          <a:xfrm>
+            <a:off x="3558460" y="3801571"/>
+            <a:ext cx="2667000" cy="1771650"/>
+          </a:xfrm>
+          <a:prstGeom prst="rect">
+            <a:avLst/>
+          </a:prstGeom>
+        </p:spPr>
+      </p:pic>
+      <p:sp>
+        <p:nvSpPr>
+          <p:cNvPr id="9" name="Slide Number Placeholder 8">
+            <a:extLst>
+              <a:ext uri="{FF2B5EF4-FFF2-40B4-BE49-F238E27FC236}">
+                <a16:creationId xmlns:a16="http://schemas.microsoft.com/office/drawing/2014/main" id="{8CBCA95E-F714-48CB-93FC-B203FDA29B60}"/>
               </a:ext>
             </a:extLst>
           </p:cNvPr>
@@ -4941,7 +4974,7 @@
         </p:nvSpPr>
         <p:spPr>
           <a:xfrm>
-            <a:off x="11104991" y="6215799"/>
+            <a:off x="11085112" y="6265495"/>
             <a:ext cx="811019" cy="503578"/>
           </a:xfrm>
         </p:spPr>
@@ -4960,7 +4993,7 @@
     </p:spTree>
     <p:extLst>
       <p:ext uri="{BB962C8B-B14F-4D97-AF65-F5344CB8AC3E}">
-        <p14:creationId xmlns:p14="http://schemas.microsoft.com/office/powerpoint/2010/main" val="3682509920"/>
+        <p14:creationId xmlns:p14="http://schemas.microsoft.com/office/powerpoint/2010/main" val="556646487"/>
       </p:ext>
     </p:extLst>
   </p:cSld>
@@ -4992,7 +5025,7 @@
           <p:cNvPr id="2" name="Title 1">
             <a:extLst>
               <a:ext uri="{FF2B5EF4-FFF2-40B4-BE49-F238E27FC236}">
-                <a16:creationId xmlns:a16="http://schemas.microsoft.com/office/drawing/2014/main" id="{CE4E6F24-B60D-406E-892C-59F53930C481}"/>
+                <a16:creationId xmlns:a16="http://schemas.microsoft.com/office/drawing/2014/main" id="{209BC085-5EAD-4930-84BE-9DB76C51FBA6}"/>
               </a:ext>
             </a:extLst>
           </p:cNvPr>
@@ -5005,8 +5038,502 @@
         </p:nvSpPr>
         <p:spPr>
           <a:xfrm>
-            <a:off x="1739813" y="2553806"/>
+            <a:off x="531515" y="173426"/>
             <a:ext cx="9291215" cy="1049235"/>
+          </a:xfrm>
+        </p:spPr>
+        <p:txBody>
+          <a:bodyPr/>
+          <a:lstStyle/>
+          <a:p>
+            <a:pPr algn="l"/>
+            <a:r>
+              <a:rPr lang="en-US" dirty="0"/>
+              <a:t>Equipment</a:t>
+            </a:r>
+          </a:p>
+        </p:txBody>
+      </p:sp>
+      <p:sp>
+        <p:nvSpPr>
+          <p:cNvPr id="4" name="TextBox 3">
+            <a:extLst>
+              <a:ext uri="{FF2B5EF4-FFF2-40B4-BE49-F238E27FC236}">
+                <a16:creationId xmlns:a16="http://schemas.microsoft.com/office/drawing/2014/main" id="{C99CC86C-F1DD-4A41-8B89-221A8D967738}"/>
+              </a:ext>
+            </a:extLst>
+          </p:cNvPr>
+          <p:cNvSpPr txBox="1"/>
+          <p:nvPr/>
+        </p:nvSpPr>
+        <p:spPr>
+          <a:xfrm>
+            <a:off x="3836710" y="1930400"/>
+            <a:ext cx="5986020" cy="1077218"/>
+          </a:xfrm>
+          <a:prstGeom prst="rect">
+            <a:avLst/>
+          </a:prstGeom>
+          <a:noFill/>
+        </p:spPr>
+        <p:txBody>
+          <a:bodyPr wrap="square" rtlCol="0">
+            <a:spAutoFit/>
+          </a:bodyPr>
+          <a:lstStyle/>
+          <a:p>
+            <a:r>
+              <a:rPr lang="en-US" sz="3200" dirty="0"/>
+              <a:t>Weight Sensor (Load Cell) 0-100 kg</a:t>
+            </a:r>
+          </a:p>
+        </p:txBody>
+      </p:sp>
+      <p:pic>
+        <p:nvPicPr>
+          <p:cNvPr id="1030" name="Picture 6" descr="Raspberry Pi Zero">
+            <a:extLst>
+              <a:ext uri="{FF2B5EF4-FFF2-40B4-BE49-F238E27FC236}">
+                <a16:creationId xmlns:a16="http://schemas.microsoft.com/office/drawing/2014/main" id="{3C6C1736-AF90-44CD-9F61-EB4B3C09A383}"/>
+              </a:ext>
+            </a:extLst>
+          </p:cNvPr>
+          <p:cNvPicPr>
+            <a:picLocks noChangeAspect="1" noChangeArrowheads="1"/>
+          </p:cNvPicPr>
+          <p:nvPr/>
+        </p:nvPicPr>
+        <p:blipFill>
+          <a:blip r:embed="rId2">
+            <a:extLst>
+              <a:ext uri="{28A0092B-C50C-407E-A947-70E740481C1C}">
+                <a14:useLocalDpi xmlns:a14="http://schemas.microsoft.com/office/drawing/2010/main" val="0"/>
+              </a:ext>
+            </a:extLst>
+          </a:blip>
+          <a:srcRect/>
+          <a:stretch>
+            <a:fillRect/>
+          </a:stretch>
+        </p:blipFill>
+        <p:spPr bwMode="auto">
+          <a:xfrm>
+            <a:off x="1185862" y="3522421"/>
+            <a:ext cx="2045970" cy="2045970"/>
+          </a:xfrm>
+          <a:prstGeom prst="rect">
+            <a:avLst/>
+          </a:prstGeom>
+          <a:noFill/>
+          <a:extLst>
+            <a:ext uri="{909E8E84-426E-40DD-AFC4-6F175D3DCCD1}">
+              <a14:hiddenFill xmlns:a14="http://schemas.microsoft.com/office/drawing/2010/main">
+                <a:solidFill>
+                  <a:srgbClr val="FFFFFF"/>
+                </a:solidFill>
+              </a14:hiddenFill>
+            </a:ext>
+          </a:extLst>
+        </p:spPr>
+      </p:pic>
+      <p:sp>
+        <p:nvSpPr>
+          <p:cNvPr id="9" name="TextBox 8">
+            <a:extLst>
+              <a:ext uri="{FF2B5EF4-FFF2-40B4-BE49-F238E27FC236}">
+                <a16:creationId xmlns:a16="http://schemas.microsoft.com/office/drawing/2014/main" id="{3880B3EA-CAD7-46F9-AA95-B56D00F8218E}"/>
+              </a:ext>
+            </a:extLst>
+          </p:cNvPr>
+          <p:cNvSpPr txBox="1"/>
+          <p:nvPr/>
+        </p:nvSpPr>
+        <p:spPr>
+          <a:xfrm>
+            <a:off x="4081805" y="4176074"/>
+            <a:ext cx="7111712" cy="584775"/>
+          </a:xfrm>
+          <a:prstGeom prst="rect">
+            <a:avLst/>
+          </a:prstGeom>
+          <a:noFill/>
+        </p:spPr>
+        <p:txBody>
+          <a:bodyPr wrap="square" rtlCol="0">
+            <a:spAutoFit/>
+          </a:bodyPr>
+          <a:lstStyle/>
+          <a:p>
+            <a:r>
+              <a:rPr lang="en-US" sz="3200" dirty="0"/>
+              <a:t>Raspberry Pi, Arduino</a:t>
+            </a:r>
+          </a:p>
+        </p:txBody>
+      </p:sp>
+      <p:pic>
+        <p:nvPicPr>
+          <p:cNvPr id="5124" name="Picture 4" descr="ผลการค้นหารูปภาพสำหรับ weight sensor 0 - 100">
+            <a:extLst>
+              <a:ext uri="{FF2B5EF4-FFF2-40B4-BE49-F238E27FC236}">
+                <a16:creationId xmlns:a16="http://schemas.microsoft.com/office/drawing/2014/main" id="{4DA7CDB2-B5BD-4ADA-BEF3-598F263C94A6}"/>
+              </a:ext>
+            </a:extLst>
+          </p:cNvPr>
+          <p:cNvPicPr>
+            <a:picLocks noChangeAspect="1" noChangeArrowheads="1"/>
+          </p:cNvPicPr>
+          <p:nvPr/>
+        </p:nvPicPr>
+        <p:blipFill>
+          <a:blip r:embed="rId3">
+            <a:extLst>
+              <a:ext uri="{28A0092B-C50C-407E-A947-70E740481C1C}">
+                <a14:useLocalDpi xmlns:a14="http://schemas.microsoft.com/office/drawing/2010/main" val="0"/>
+              </a:ext>
+            </a:extLst>
+          </a:blip>
+          <a:srcRect/>
+          <a:stretch>
+            <a:fillRect/>
+          </a:stretch>
+        </p:blipFill>
+        <p:spPr bwMode="auto">
+          <a:xfrm>
+            <a:off x="1081087" y="1039693"/>
+            <a:ext cx="2150745" cy="2150745"/>
+          </a:xfrm>
+          <a:prstGeom prst="rect">
+            <a:avLst/>
+          </a:prstGeom>
+          <a:noFill/>
+          <a:extLst>
+            <a:ext uri="{909E8E84-426E-40DD-AFC4-6F175D3DCCD1}">
+              <a14:hiddenFill xmlns:a14="http://schemas.microsoft.com/office/drawing/2010/main">
+                <a:solidFill>
+                  <a:srgbClr val="FFFFFF"/>
+                </a:solidFill>
+              </a14:hiddenFill>
+            </a:ext>
+          </a:extLst>
+        </p:spPr>
+      </p:pic>
+      <p:sp>
+        <p:nvSpPr>
+          <p:cNvPr id="6" name="Slide Number Placeholder 5">
+            <a:extLst>
+              <a:ext uri="{FF2B5EF4-FFF2-40B4-BE49-F238E27FC236}">
+                <a16:creationId xmlns:a16="http://schemas.microsoft.com/office/drawing/2014/main" id="{57F4482A-5935-4153-A757-EF3661531DDD}"/>
+              </a:ext>
+            </a:extLst>
+          </p:cNvPr>
+          <p:cNvSpPr>
+            <a:spLocks noGrp="1"/>
+          </p:cNvSpPr>
+          <p:nvPr>
+            <p:ph type="sldNum" sz="quarter" idx="12"/>
+          </p:nvPr>
+        </p:nvSpPr>
+        <p:spPr>
+          <a:xfrm>
+            <a:off x="11035416" y="6185981"/>
+            <a:ext cx="811019" cy="503578"/>
+          </a:xfrm>
+        </p:spPr>
+        <p:txBody>
+          <a:bodyPr/>
+          <a:lstStyle/>
+          <a:p>
+            <a:fld id="{1B89DD3E-DF22-4EA1-BEAF-D8BFA9CB354D}" type="slidenum">
+              <a:rPr lang="en-US" smtClean="0"/>
+              <a:t>14</a:t>
+            </a:fld>
+            <a:endParaRPr lang="en-US"/>
+          </a:p>
+        </p:txBody>
+      </p:sp>
+    </p:spTree>
+    <p:extLst>
+      <p:ext uri="{BB962C8B-B14F-4D97-AF65-F5344CB8AC3E}">
+        <p14:creationId xmlns:p14="http://schemas.microsoft.com/office/powerpoint/2010/main" val="1464393841"/>
+      </p:ext>
+    </p:extLst>
+  </p:cSld>
+  <p:clrMapOvr>
+    <a:masterClrMapping/>
+  </p:clrMapOvr>
+</p:sld>
+</file>
+
+<file path=ppt/slides/slide15.xml><?xml version="1.0" encoding="utf-8"?>
+<p:sld xmlns:a="http://schemas.openxmlformats.org/drawingml/2006/main" xmlns:r="http://schemas.openxmlformats.org/officeDocument/2006/relationships" xmlns:p="http://schemas.openxmlformats.org/presentationml/2006/main">
+  <p:cSld>
+    <p:spTree>
+      <p:nvGrpSpPr>
+        <p:cNvPr id="1" name=""/>
+        <p:cNvGrpSpPr/>
+        <p:nvPr/>
+      </p:nvGrpSpPr>
+      <p:grpSpPr>
+        <a:xfrm>
+          <a:off x="0" y="0"/>
+          <a:ext cx="0" cy="0"/>
+          <a:chOff x="0" y="0"/>
+          <a:chExt cx="0" cy="0"/>
+        </a:xfrm>
+      </p:grpSpPr>
+      <p:sp>
+        <p:nvSpPr>
+          <p:cNvPr id="3" name="Content Placeholder 2">
+            <a:extLst>
+              <a:ext uri="{FF2B5EF4-FFF2-40B4-BE49-F238E27FC236}">
+                <a16:creationId xmlns:a16="http://schemas.microsoft.com/office/drawing/2014/main" id="{4D8AC605-E274-4419-83C9-689389971576}"/>
+              </a:ext>
+            </a:extLst>
+          </p:cNvPr>
+          <p:cNvSpPr>
+            <a:spLocks noGrp="1"/>
+          </p:cNvSpPr>
+          <p:nvPr>
+            <p:ph idx="1"/>
+          </p:nvPr>
+        </p:nvSpPr>
+        <p:spPr>
+          <a:xfrm>
+            <a:off x="4907280" y="776977"/>
+            <a:ext cx="7430814" cy="920443"/>
+          </a:xfrm>
+        </p:spPr>
+        <p:txBody>
+          <a:bodyPr>
+            <a:noAutofit/>
+          </a:bodyPr>
+          <a:lstStyle/>
+          <a:p>
+            <a:pPr marL="0" indent="0">
+              <a:buNone/>
+            </a:pPr>
+            <a:r>
+              <a:rPr lang="en-US" sz="3200" dirty="0" err="1"/>
+              <a:t>NodeMcu</a:t>
+            </a:r>
+            <a:endParaRPr lang="en-US" sz="3200" dirty="0"/>
+          </a:p>
+        </p:txBody>
+      </p:sp>
+      <p:pic>
+        <p:nvPicPr>
+          <p:cNvPr id="6146" name="Picture 2" descr="ผลการค้นหารูปภาพสำหรับ nodemcu">
+            <a:extLst>
+              <a:ext uri="{FF2B5EF4-FFF2-40B4-BE49-F238E27FC236}">
+                <a16:creationId xmlns:a16="http://schemas.microsoft.com/office/drawing/2014/main" id="{67ACA8DD-979E-4463-BDE6-7CC71880C5F1}"/>
+              </a:ext>
+            </a:extLst>
+          </p:cNvPr>
+          <p:cNvPicPr>
+            <a:picLocks noChangeAspect="1" noChangeArrowheads="1"/>
+          </p:cNvPicPr>
+          <p:nvPr/>
+        </p:nvPicPr>
+        <p:blipFill>
+          <a:blip r:embed="rId2">
+            <a:extLst>
+              <a:ext uri="{28A0092B-C50C-407E-A947-70E740481C1C}">
+                <a14:useLocalDpi xmlns:a14="http://schemas.microsoft.com/office/drawing/2010/main" val="0"/>
+              </a:ext>
+            </a:extLst>
+          </a:blip>
+          <a:srcRect/>
+          <a:stretch>
+            <a:fillRect/>
+          </a:stretch>
+        </p:blipFill>
+        <p:spPr bwMode="auto">
+          <a:xfrm>
+            <a:off x="618490" y="485140"/>
+            <a:ext cx="3545840" cy="2659381"/>
+          </a:xfrm>
+          <a:prstGeom prst="rect">
+            <a:avLst/>
+          </a:prstGeom>
+          <a:noFill/>
+          <a:extLst>
+            <a:ext uri="{909E8E84-426E-40DD-AFC4-6F175D3DCCD1}">
+              <a14:hiddenFill xmlns:a14="http://schemas.microsoft.com/office/drawing/2010/main">
+                <a:solidFill>
+                  <a:srgbClr val="FFFFFF"/>
+                </a:solidFill>
+              </a14:hiddenFill>
+            </a:ext>
+          </a:extLst>
+        </p:spPr>
+      </p:pic>
+      <p:pic>
+        <p:nvPicPr>
+          <p:cNvPr id="6152" name="Picture 8" descr="ผลการค้นหารูปภาพสำหรับ แผ่นกระดาน 9 ช่อง">
+            <a:extLst>
+              <a:ext uri="{FF2B5EF4-FFF2-40B4-BE49-F238E27FC236}">
+                <a16:creationId xmlns:a16="http://schemas.microsoft.com/office/drawing/2014/main" id="{419980AB-4155-4056-A3E4-80D6F301D310}"/>
+              </a:ext>
+            </a:extLst>
+          </p:cNvPr>
+          <p:cNvPicPr>
+            <a:picLocks noChangeAspect="1" noChangeArrowheads="1"/>
+          </p:cNvPicPr>
+          <p:nvPr/>
+        </p:nvPicPr>
+        <p:blipFill>
+          <a:blip r:embed="rId3">
+            <a:extLst>
+              <a:ext uri="{28A0092B-C50C-407E-A947-70E740481C1C}">
+                <a14:useLocalDpi xmlns:a14="http://schemas.microsoft.com/office/drawing/2010/main" val="0"/>
+              </a:ext>
+            </a:extLst>
+          </a:blip>
+          <a:srcRect/>
+          <a:stretch>
+            <a:fillRect/>
+          </a:stretch>
+        </p:blipFill>
+        <p:spPr bwMode="auto">
+          <a:xfrm>
+            <a:off x="618490" y="3441064"/>
+            <a:ext cx="3545840" cy="1994535"/>
+          </a:xfrm>
+          <a:prstGeom prst="rect">
+            <a:avLst/>
+          </a:prstGeom>
+          <a:noFill/>
+          <a:extLst>
+            <a:ext uri="{909E8E84-426E-40DD-AFC4-6F175D3DCCD1}">
+              <a14:hiddenFill xmlns:a14="http://schemas.microsoft.com/office/drawing/2010/main">
+                <a:solidFill>
+                  <a:srgbClr val="FFFFFF"/>
+                </a:solidFill>
+              </a14:hiddenFill>
+            </a:ext>
+          </a:extLst>
+        </p:spPr>
+      </p:pic>
+      <p:sp>
+        <p:nvSpPr>
+          <p:cNvPr id="4" name="TextBox 3">
+            <a:extLst>
+              <a:ext uri="{FF2B5EF4-FFF2-40B4-BE49-F238E27FC236}">
+                <a16:creationId xmlns:a16="http://schemas.microsoft.com/office/drawing/2014/main" id="{D47C9AD7-9188-493F-BFF4-3415FF48BBC1}"/>
+              </a:ext>
+            </a:extLst>
+          </p:cNvPr>
+          <p:cNvSpPr txBox="1"/>
+          <p:nvPr/>
+        </p:nvSpPr>
+        <p:spPr>
+          <a:xfrm>
+            <a:off x="4907280" y="3627120"/>
+            <a:ext cx="3413760" cy="584775"/>
+          </a:xfrm>
+          <a:prstGeom prst="rect">
+            <a:avLst/>
+          </a:prstGeom>
+          <a:noFill/>
+        </p:spPr>
+        <p:txBody>
+          <a:bodyPr wrap="square" rtlCol="0">
+            <a:spAutoFit/>
+          </a:bodyPr>
+          <a:lstStyle/>
+          <a:p>
+            <a:r>
+              <a:rPr lang="en-US" sz="3200" dirty="0"/>
+              <a:t>9 Square board</a:t>
+            </a:r>
+          </a:p>
+        </p:txBody>
+      </p:sp>
+      <p:sp>
+        <p:nvSpPr>
+          <p:cNvPr id="6" name="Slide Number Placeholder 5">
+            <a:extLst>
+              <a:ext uri="{FF2B5EF4-FFF2-40B4-BE49-F238E27FC236}">
+                <a16:creationId xmlns:a16="http://schemas.microsoft.com/office/drawing/2014/main" id="{BFD11A69-A68A-4231-BDE7-91BD0E52797E}"/>
+              </a:ext>
+            </a:extLst>
+          </p:cNvPr>
+          <p:cNvSpPr>
+            <a:spLocks noGrp="1"/>
+          </p:cNvSpPr>
+          <p:nvPr>
+            <p:ph type="sldNum" sz="quarter" idx="12"/>
+          </p:nvPr>
+        </p:nvSpPr>
+        <p:spPr>
+          <a:xfrm>
+            <a:off x="11035417" y="6215799"/>
+            <a:ext cx="811019" cy="503578"/>
+          </a:xfrm>
+        </p:spPr>
+        <p:txBody>
+          <a:bodyPr/>
+          <a:lstStyle/>
+          <a:p>
+            <a:fld id="{1B89DD3E-DF22-4EA1-BEAF-D8BFA9CB354D}" type="slidenum">
+              <a:rPr lang="en-US" smtClean="0"/>
+              <a:t>15</a:t>
+            </a:fld>
+            <a:endParaRPr lang="en-US" dirty="0"/>
+          </a:p>
+        </p:txBody>
+      </p:sp>
+    </p:spTree>
+    <p:extLst>
+      <p:ext uri="{BB962C8B-B14F-4D97-AF65-F5344CB8AC3E}">
+        <p14:creationId xmlns:p14="http://schemas.microsoft.com/office/powerpoint/2010/main" val="1024356162"/>
+      </p:ext>
+    </p:extLst>
+  </p:cSld>
+  <p:clrMapOvr>
+    <a:masterClrMapping/>
+  </p:clrMapOvr>
+</p:sld>
+</file>
+
+<file path=ppt/slides/slide16.xml><?xml version="1.0" encoding="utf-8"?>
+<p:sld xmlns:a="http://schemas.openxmlformats.org/drawingml/2006/main" xmlns:r="http://schemas.openxmlformats.org/officeDocument/2006/relationships" xmlns:p="http://schemas.openxmlformats.org/presentationml/2006/main">
+  <p:cSld>
+    <p:spTree>
+      <p:nvGrpSpPr>
+        <p:cNvPr id="1" name=""/>
+        <p:cNvGrpSpPr/>
+        <p:nvPr/>
+      </p:nvGrpSpPr>
+      <p:grpSpPr>
+        <a:xfrm>
+          <a:off x="0" y="0"/>
+          <a:ext cx="0" cy="0"/>
+          <a:chOff x="0" y="0"/>
+          <a:chExt cx="0" cy="0"/>
+        </a:xfrm>
+      </p:grpSpPr>
+      <p:sp>
+        <p:nvSpPr>
+          <p:cNvPr id="2" name="Title 1">
+            <a:extLst>
+              <a:ext uri="{FF2B5EF4-FFF2-40B4-BE49-F238E27FC236}">
+                <a16:creationId xmlns:a16="http://schemas.microsoft.com/office/drawing/2014/main" id="{4DAE66D9-77E5-4047-86EC-54E6712E7920}"/>
+              </a:ext>
+            </a:extLst>
+          </p:cNvPr>
+          <p:cNvSpPr>
+            <a:spLocks noGrp="1"/>
+          </p:cNvSpPr>
+          <p:nvPr>
+            <p:ph type="title"/>
+          </p:nvPr>
+        </p:nvSpPr>
+        <p:spPr>
+          <a:xfrm>
+            <a:off x="885742" y="488288"/>
+            <a:ext cx="5405727" cy="662781"/>
           </a:xfrm>
         </p:spPr>
         <p:txBody>
@@ -5015,6 +5542,174 @@
           </a:bodyPr>
           <a:lstStyle/>
           <a:p>
+            <a:pPr algn="l"/>
+            <a:r>
+              <a:rPr lang="en-US" dirty="0"/>
+              <a:t>References</a:t>
+            </a:r>
+          </a:p>
+        </p:txBody>
+      </p:sp>
+      <p:sp>
+        <p:nvSpPr>
+          <p:cNvPr id="3" name="TextBox 2">
+            <a:extLst>
+              <a:ext uri="{FF2B5EF4-FFF2-40B4-BE49-F238E27FC236}">
+                <a16:creationId xmlns:a16="http://schemas.microsoft.com/office/drawing/2014/main" id="{E2B8F02E-248A-4449-9377-6F0CA3A3ED06}"/>
+              </a:ext>
+            </a:extLst>
+          </p:cNvPr>
+          <p:cNvSpPr txBox="1"/>
+          <p:nvPr/>
+        </p:nvSpPr>
+        <p:spPr>
+          <a:xfrm>
+            <a:off x="885742" y="1918031"/>
+            <a:ext cx="11186160" cy="3108543"/>
+          </a:xfrm>
+          <a:prstGeom prst="rect">
+            <a:avLst/>
+          </a:prstGeom>
+          <a:noFill/>
+        </p:spPr>
+        <p:txBody>
+          <a:bodyPr wrap="square" rtlCol="0">
+            <a:spAutoFit/>
+          </a:bodyPr>
+          <a:lstStyle/>
+          <a:p>
+            <a:r>
+              <a:rPr lang="en-US" sz="2800" dirty="0">
+                <a:hlinkClick r:id="rId2"/>
+              </a:rPr>
+              <a:t>https://i.ytimg.com/vi/NaKMg1bQ-TI/maxresdefault.jpg</a:t>
+            </a:r>
+            <a:endParaRPr lang="en-US" sz="2800" dirty="0"/>
+          </a:p>
+          <a:p>
+            <a:r>
+              <a:rPr lang="en-US" sz="2800" dirty="0">
+                <a:hlinkClick r:id="rId3"/>
+              </a:rPr>
+              <a:t>http://www.pngall.com/wp-content/uploads/2016/04/Server-PNG-Image.png</a:t>
+            </a:r>
+            <a:endParaRPr lang="en-US" sz="2800" dirty="0"/>
+          </a:p>
+          <a:p>
+            <a:r>
+              <a:rPr lang="en-US" sz="2800" dirty="0">
+                <a:hlinkClick r:id="rId4"/>
+              </a:rPr>
+              <a:t>http://www.ku.ac.th/english/images/webnew/logo.jpg</a:t>
+            </a:r>
+            <a:endParaRPr lang="en-US" sz="2800" dirty="0"/>
+          </a:p>
+          <a:p>
+            <a:r>
+              <a:rPr lang="en-US" sz="2800" dirty="0">
+                <a:hlinkClick r:id="rId5"/>
+              </a:rPr>
+              <a:t>https://img2.annthegran.com/StockDesign/XLarge/Dakota_Collectibles/sp0607.jpg</a:t>
+            </a:r>
+            <a:endParaRPr lang="en-US" sz="2800" dirty="0"/>
+          </a:p>
+          <a:p>
+            <a:endParaRPr lang="en-US" sz="2800" dirty="0"/>
+          </a:p>
+        </p:txBody>
+      </p:sp>
+      <p:sp>
+        <p:nvSpPr>
+          <p:cNvPr id="6" name="Slide Number Placeholder 5">
+            <a:extLst>
+              <a:ext uri="{FF2B5EF4-FFF2-40B4-BE49-F238E27FC236}">
+                <a16:creationId xmlns:a16="http://schemas.microsoft.com/office/drawing/2014/main" id="{051EF2C4-9EF8-466F-A03C-C7939E413EBB}"/>
+              </a:ext>
+            </a:extLst>
+          </p:cNvPr>
+          <p:cNvSpPr>
+            <a:spLocks noGrp="1"/>
+          </p:cNvSpPr>
+          <p:nvPr>
+            <p:ph type="sldNum" sz="quarter" idx="12"/>
+          </p:nvPr>
+        </p:nvSpPr>
+        <p:spPr>
+          <a:xfrm>
+            <a:off x="11104991" y="6215799"/>
+            <a:ext cx="811019" cy="503578"/>
+          </a:xfrm>
+        </p:spPr>
+        <p:txBody>
+          <a:bodyPr/>
+          <a:lstStyle/>
+          <a:p>
+            <a:fld id="{1B89DD3E-DF22-4EA1-BEAF-D8BFA9CB354D}" type="slidenum">
+              <a:rPr lang="en-US" smtClean="0"/>
+              <a:t>16</a:t>
+            </a:fld>
+            <a:endParaRPr lang="en-US" dirty="0"/>
+          </a:p>
+        </p:txBody>
+      </p:sp>
+    </p:spTree>
+    <p:extLst>
+      <p:ext uri="{BB962C8B-B14F-4D97-AF65-F5344CB8AC3E}">
+        <p14:creationId xmlns:p14="http://schemas.microsoft.com/office/powerpoint/2010/main" val="3682509920"/>
+      </p:ext>
+    </p:extLst>
+  </p:cSld>
+  <p:clrMapOvr>
+    <a:masterClrMapping/>
+  </p:clrMapOvr>
+</p:sld>
+</file>
+
+<file path=ppt/slides/slide17.xml><?xml version="1.0" encoding="utf-8"?>
+<p:sld xmlns:a="http://schemas.openxmlformats.org/drawingml/2006/main" xmlns:r="http://schemas.openxmlformats.org/officeDocument/2006/relationships" xmlns:p="http://schemas.openxmlformats.org/presentationml/2006/main">
+  <p:cSld>
+    <p:spTree>
+      <p:nvGrpSpPr>
+        <p:cNvPr id="1" name=""/>
+        <p:cNvGrpSpPr/>
+        <p:nvPr/>
+      </p:nvGrpSpPr>
+      <p:grpSpPr>
+        <a:xfrm>
+          <a:off x="0" y="0"/>
+          <a:ext cx="0" cy="0"/>
+          <a:chOff x="0" y="0"/>
+          <a:chExt cx="0" cy="0"/>
+        </a:xfrm>
+      </p:grpSpPr>
+      <p:sp>
+        <p:nvSpPr>
+          <p:cNvPr id="2" name="Title 1">
+            <a:extLst>
+              <a:ext uri="{FF2B5EF4-FFF2-40B4-BE49-F238E27FC236}">
+                <a16:creationId xmlns:a16="http://schemas.microsoft.com/office/drawing/2014/main" id="{CE4E6F24-B60D-406E-892C-59F53930C481}"/>
+              </a:ext>
+            </a:extLst>
+          </p:cNvPr>
+          <p:cNvSpPr>
+            <a:spLocks noGrp="1"/>
+          </p:cNvSpPr>
+          <p:nvPr>
+            <p:ph type="title"/>
+          </p:nvPr>
+        </p:nvSpPr>
+        <p:spPr>
+          <a:xfrm>
+            <a:off x="1739813" y="2553806"/>
+            <a:ext cx="9291215" cy="1049235"/>
+          </a:xfrm>
+        </p:spPr>
+        <p:txBody>
+          <a:bodyPr>
+            <a:normAutofit/>
+          </a:bodyPr>
+          <a:lstStyle/>
+          <a:p>
             <a:r>
               <a:rPr lang="en-US" sz="6000" dirty="0"/>
               <a:t>ANY QUESTION?</a:t>
@@ -5050,7 +5745,7 @@
           <a:p>
             <a:fld id="{1B89DD3E-DF22-4EA1-BEAF-D8BFA9CB354D}" type="slidenum">
               <a:rPr lang="en-US" smtClean="0"/>
-              <a:t>14</a:t>
+              <a:t>17</a:t>
             </a:fld>
             <a:endParaRPr lang="en-US" dirty="0"/>
           </a:p>
@@ -5091,7 +5786,7 @@
           <p:cNvPr id="2" name="Title 1">
             <a:extLst>
               <a:ext uri="{FF2B5EF4-FFF2-40B4-BE49-F238E27FC236}">
-                <a16:creationId xmlns:a16="http://schemas.microsoft.com/office/drawing/2014/main" id="{5E5F9815-875B-4DF0-83C6-59254293A44C}"/>
+                <a16:creationId xmlns:a16="http://schemas.microsoft.com/office/drawing/2014/main" id="{AC2A15FD-0F8D-4790-B7E8-6F442CA686C3}"/>
               </a:ext>
             </a:extLst>
           </p:cNvPr>
@@ -5104,7 +5799,7 @@
         </p:nvSpPr>
         <p:spPr>
           <a:xfrm>
-            <a:off x="427848" y="257867"/>
+            <a:off x="497422" y="237989"/>
             <a:ext cx="9291215" cy="1049235"/>
           </a:xfrm>
         </p:spPr>
@@ -5114,10 +5809,9 @@
           <a:p>
             <a:pPr algn="l"/>
             <a:r>
-              <a:rPr lang="en-US" dirty="0" err="1"/>
-              <a:t>MotiVation</a:t>
-            </a:r>
-            <a:endParaRPr lang="en-US" dirty="0"/>
+              <a:rPr lang="en-US" dirty="0"/>
+              <a:t>Outline</a:t>
+            </a:r>
           </a:p>
         </p:txBody>
       </p:sp>
@@ -5126,7 +5820,7 @@
           <p:cNvPr id="3" name="Content Placeholder 2">
             <a:extLst>
               <a:ext uri="{FF2B5EF4-FFF2-40B4-BE49-F238E27FC236}">
-                <a16:creationId xmlns:a16="http://schemas.microsoft.com/office/drawing/2014/main" id="{50594D56-E7B7-452E-BC61-F33A72A9D2A4}"/>
+                <a16:creationId xmlns:a16="http://schemas.microsoft.com/office/drawing/2014/main" id="{6D1D8488-959E-40DE-BE37-6901B8712F73}"/>
               </a:ext>
             </a:extLst>
           </p:cNvPr>
@@ -5139,8 +5833,8 @@
         </p:nvSpPr>
         <p:spPr>
           <a:xfrm>
-            <a:off x="1319499" y="1238720"/>
-            <a:ext cx="10339101" cy="3450613"/>
+            <a:off x="1143466" y="1469080"/>
+            <a:ext cx="9291215" cy="4106772"/>
           </a:xfrm>
         </p:spPr>
         <p:txBody>
@@ -5150,15 +5844,42 @@
           <a:lstStyle/>
           <a:p>
             <a:r>
-              <a:rPr lang="en-US" sz="4000" dirty="0"/>
-              <a:t>To improve the athlete’s performance</a:t>
-            </a:r>
-          </a:p>
-          <a:p>
-            <a:r>
-              <a:rPr lang="en-US" sz="4000" dirty="0"/>
-              <a:t>To improve the reaction skill of the testers</a:t>
-            </a:r>
+              <a:rPr lang="en-US" sz="3600" dirty="0"/>
+              <a:t>Objectives</a:t>
+            </a:r>
+          </a:p>
+          <a:p>
+            <a:r>
+              <a:rPr lang="en-US" sz="3600" dirty="0"/>
+              <a:t>9-Square-Table</a:t>
+            </a:r>
+          </a:p>
+          <a:p>
+            <a:r>
+              <a:rPr lang="en-US" sz="3600" dirty="0"/>
+              <a:t>Psychomotor Skill Management</a:t>
+            </a:r>
+          </a:p>
+          <a:p>
+            <a:r>
+              <a:rPr lang="en-US" sz="3600" dirty="0"/>
+              <a:t>Double Table</a:t>
+            </a:r>
+          </a:p>
+          <a:p>
+            <a:r>
+              <a:rPr lang="en-US" sz="3600" dirty="0"/>
+              <a:t>Equipment</a:t>
+            </a:r>
+          </a:p>
+          <a:p>
+            <a:endParaRPr lang="en-US" sz="3600" dirty="0"/>
+          </a:p>
+          <a:p>
+            <a:endParaRPr lang="en-US" sz="3600" dirty="0"/>
+          </a:p>
+          <a:p>
+            <a:endParaRPr lang="en-US" sz="3600" dirty="0"/>
           </a:p>
         </p:txBody>
       </p:sp>
@@ -5167,7 +5888,7 @@
           <p:cNvPr id="4" name="Slide Number Placeholder 3">
             <a:extLst>
               <a:ext uri="{FF2B5EF4-FFF2-40B4-BE49-F238E27FC236}">
-                <a16:creationId xmlns:a16="http://schemas.microsoft.com/office/drawing/2014/main" id="{3A129861-0419-4DB3-B1B0-CAB06965CDD9}"/>
+                <a16:creationId xmlns:a16="http://schemas.microsoft.com/office/drawing/2014/main" id="{196BD60E-CFF0-49AE-9FCA-044FDC724257}"/>
               </a:ext>
             </a:extLst>
           </p:cNvPr>
@@ -5180,7 +5901,7 @@
         </p:nvSpPr>
         <p:spPr>
           <a:xfrm>
-            <a:off x="11134808" y="6245616"/>
+            <a:off x="11035416" y="6215800"/>
             <a:ext cx="811019" cy="503578"/>
           </a:xfrm>
         </p:spPr>
@@ -5196,57 +5917,10 @@
           </a:p>
         </p:txBody>
       </p:sp>
-      <p:pic>
-        <p:nvPicPr>
-          <p:cNvPr id="1028" name="Picture 4" descr="รูปภาพที่เกี่ยวข้อง">
-            <a:extLst>
-              <a:ext uri="{FF2B5EF4-FFF2-40B4-BE49-F238E27FC236}">
-                <a16:creationId xmlns:a16="http://schemas.microsoft.com/office/drawing/2014/main" id="{8D3C7201-8526-468C-ABEC-CE8CF24DFF0F}"/>
-              </a:ext>
-            </a:extLst>
-          </p:cNvPr>
-          <p:cNvPicPr>
-            <a:picLocks noChangeAspect="1" noChangeArrowheads="1"/>
-          </p:cNvPicPr>
-          <p:nvPr/>
-        </p:nvPicPr>
-        <p:blipFill>
-          <a:blip r:embed="rId2">
-            <a:extLst>
-              <a:ext uri="{28A0092B-C50C-407E-A947-70E740481C1C}">
-                <a14:useLocalDpi xmlns:a14="http://schemas.microsoft.com/office/drawing/2010/main" val="0"/>
-              </a:ext>
-            </a:extLst>
-          </a:blip>
-          <a:srcRect/>
-          <a:stretch>
-            <a:fillRect/>
-          </a:stretch>
-        </p:blipFill>
-        <p:spPr bwMode="auto">
-          <a:xfrm>
-            <a:off x="3739415" y="3101710"/>
-            <a:ext cx="4451381" cy="2829807"/>
-          </a:xfrm>
-          <a:prstGeom prst="rect">
-            <a:avLst/>
-          </a:prstGeom>
-          <a:noFill/>
-          <a:extLst>
-            <a:ext uri="{909E8E84-426E-40DD-AFC4-6F175D3DCCD1}">
-              <a14:hiddenFill xmlns:a14="http://schemas.microsoft.com/office/drawing/2010/main">
-                <a:solidFill>
-                  <a:srgbClr val="FFFFFF"/>
-                </a:solidFill>
-              </a14:hiddenFill>
-            </a:ext>
-          </a:extLst>
-        </p:spPr>
-      </p:pic>
     </p:spTree>
     <p:extLst>
       <p:ext uri="{BB962C8B-B14F-4D97-AF65-F5344CB8AC3E}">
-        <p14:creationId xmlns:p14="http://schemas.microsoft.com/office/powerpoint/2010/main" val="1180618022"/>
+        <p14:creationId xmlns:p14="http://schemas.microsoft.com/office/powerpoint/2010/main" val="2210603129"/>
       </p:ext>
     </p:extLst>
   </p:cSld>
@@ -5275,10 +5949,10 @@
       </p:grpSpPr>
       <p:sp>
         <p:nvSpPr>
-          <p:cNvPr id="8" name="Title 7">
-            <a:extLst>
-              <a:ext uri="{FF2B5EF4-FFF2-40B4-BE49-F238E27FC236}">
-                <a16:creationId xmlns:a16="http://schemas.microsoft.com/office/drawing/2014/main" id="{239A2106-580A-4945-AD10-F32C2A509AC4}"/>
+          <p:cNvPr id="2" name="Title 1">
+            <a:extLst>
+              <a:ext uri="{FF2B5EF4-FFF2-40B4-BE49-F238E27FC236}">
+                <a16:creationId xmlns:a16="http://schemas.microsoft.com/office/drawing/2014/main" id="{5E5F9815-875B-4DF0-83C6-59254293A44C}"/>
               </a:ext>
             </a:extLst>
           </p:cNvPr>
@@ -5291,8 +5965,42 @@
         </p:nvSpPr>
         <p:spPr>
           <a:xfrm>
-            <a:off x="489633" y="565978"/>
-            <a:ext cx="3617377" cy="885133"/>
+            <a:off x="427848" y="257867"/>
+            <a:ext cx="9291215" cy="1049235"/>
+          </a:xfrm>
+        </p:spPr>
+        <p:txBody>
+          <a:bodyPr/>
+          <a:lstStyle/>
+          <a:p>
+            <a:pPr algn="l"/>
+            <a:r>
+              <a:rPr lang="en-US" dirty="0"/>
+              <a:t>Objectives</a:t>
+            </a:r>
+          </a:p>
+        </p:txBody>
+      </p:sp>
+      <p:sp>
+        <p:nvSpPr>
+          <p:cNvPr id="3" name="Content Placeholder 2">
+            <a:extLst>
+              <a:ext uri="{FF2B5EF4-FFF2-40B4-BE49-F238E27FC236}">
+                <a16:creationId xmlns:a16="http://schemas.microsoft.com/office/drawing/2014/main" id="{50594D56-E7B7-452E-BC61-F33A72A9D2A4}"/>
+              </a:ext>
+            </a:extLst>
+          </p:cNvPr>
+          <p:cNvSpPr>
+            <a:spLocks noGrp="1"/>
+          </p:cNvSpPr>
+          <p:nvPr>
+            <p:ph idx="1"/>
+          </p:nvPr>
+        </p:nvSpPr>
+        <p:spPr>
+          <a:xfrm>
+            <a:off x="1319499" y="1238720"/>
+            <a:ext cx="10339101" cy="3450613"/>
           </a:xfrm>
         </p:spPr>
         <p:txBody>
@@ -5302,64 +6010,58 @@
           <a:lstStyle/>
           <a:p>
             <a:r>
-              <a:rPr lang="en-US" dirty="0"/>
-              <a:t>9-Square-table</a:t>
-            </a:r>
-          </a:p>
-        </p:txBody>
-      </p:sp>
-      <p:sp>
-        <p:nvSpPr>
-          <p:cNvPr id="13" name="TextBox 12">
-            <a:extLst>
-              <a:ext uri="{FF2B5EF4-FFF2-40B4-BE49-F238E27FC236}">
-                <a16:creationId xmlns:a16="http://schemas.microsoft.com/office/drawing/2014/main" id="{8605603A-FF6C-44A1-BCA8-5EBE38C41204}"/>
-              </a:ext>
-            </a:extLst>
-          </p:cNvPr>
-          <p:cNvSpPr txBox="1"/>
-          <p:nvPr/>
-        </p:nvSpPr>
-        <p:spPr>
-          <a:xfrm>
-            <a:off x="989717" y="2001737"/>
-            <a:ext cx="9187512" cy="1015663"/>
-          </a:xfrm>
-          <a:prstGeom prst="rect">
-            <a:avLst/>
-          </a:prstGeom>
-          <a:noFill/>
-        </p:spPr>
-        <p:txBody>
-          <a:bodyPr wrap="square" rtlCol="0">
-            <a:spAutoFit/>
-          </a:bodyPr>
-          <a:lstStyle/>
-          <a:p>
-            <a:r>
-              <a:rPr lang="en-US" sz="3000" dirty="0"/>
-              <a:t>Inventor 	: Assoc. Prof. Charoen </a:t>
-            </a:r>
-            <a:r>
-              <a:rPr lang="en-US" sz="3000" dirty="0" err="1"/>
-              <a:t>Krabuanrat</a:t>
-            </a:r>
-            <a:endParaRPr lang="en-US" sz="3000" dirty="0"/>
-          </a:p>
-          <a:p>
-            <a:r>
-              <a:rPr lang="en-US" sz="3000" dirty="0"/>
-              <a:t>Goal 		:  Practice brain and body skills</a:t>
-            </a:r>
+              <a:rPr lang="en-US" sz="4000" dirty="0"/>
+              <a:t>To improve the athlete’s performance</a:t>
+            </a:r>
+          </a:p>
+          <a:p>
+            <a:r>
+              <a:rPr lang="en-US" sz="4000" dirty="0"/>
+              <a:t>To improve the reaction skill of the testers</a:t>
+            </a:r>
+          </a:p>
+        </p:txBody>
+      </p:sp>
+      <p:sp>
+        <p:nvSpPr>
+          <p:cNvPr id="4" name="Slide Number Placeholder 3">
+            <a:extLst>
+              <a:ext uri="{FF2B5EF4-FFF2-40B4-BE49-F238E27FC236}">
+                <a16:creationId xmlns:a16="http://schemas.microsoft.com/office/drawing/2014/main" id="{3A129861-0419-4DB3-B1B0-CAB06965CDD9}"/>
+              </a:ext>
+            </a:extLst>
+          </p:cNvPr>
+          <p:cNvSpPr>
+            <a:spLocks noGrp="1"/>
+          </p:cNvSpPr>
+          <p:nvPr>
+            <p:ph type="sldNum" sz="quarter" idx="12"/>
+          </p:nvPr>
+        </p:nvSpPr>
+        <p:spPr>
+          <a:xfrm>
+            <a:off x="11134808" y="6245616"/>
+            <a:ext cx="811019" cy="503578"/>
+          </a:xfrm>
+        </p:spPr>
+        <p:txBody>
+          <a:bodyPr/>
+          <a:lstStyle/>
+          <a:p>
+            <a:fld id="{1B89DD3E-DF22-4EA1-BEAF-D8BFA9CB354D}" type="slidenum">
+              <a:rPr lang="en-US" smtClean="0"/>
+              <a:t>3</a:t>
+            </a:fld>
+            <a:endParaRPr lang="en-US" dirty="0"/>
           </a:p>
         </p:txBody>
       </p:sp>
       <p:pic>
         <p:nvPicPr>
-          <p:cNvPr id="1039" name="Picture 15" descr="ผลการค้นหารูปภาพสำหรับ ตาราง 9 ช่อง วิจัย">
-            <a:extLst>
-              <a:ext uri="{FF2B5EF4-FFF2-40B4-BE49-F238E27FC236}">
-                <a16:creationId xmlns:a16="http://schemas.microsoft.com/office/drawing/2014/main" id="{2BDEB979-D052-4B1C-AE73-3FB4841CAE62}"/>
+          <p:cNvPr id="1028" name="Picture 4" descr="รูปภาพที่เกี่ยวข้อง">
+            <a:extLst>
+              <a:ext uri="{FF2B5EF4-FFF2-40B4-BE49-F238E27FC236}">
+                <a16:creationId xmlns:a16="http://schemas.microsoft.com/office/drawing/2014/main" id="{8D3C7201-8526-468C-ABEC-CE8CF24DFF0F}"/>
               </a:ext>
             </a:extLst>
           </p:cNvPr>
@@ -5383,8 +6085,8 @@
         </p:blipFill>
         <p:spPr bwMode="auto">
           <a:xfrm>
-            <a:off x="9229408" y="1370247"/>
-            <a:ext cx="2038031" cy="3558466"/>
+            <a:off x="3739415" y="3101710"/>
+            <a:ext cx="4451381" cy="2829807"/>
           </a:xfrm>
           <a:prstGeom prst="rect">
             <a:avLst/>
@@ -5401,44 +6103,10 @@
           </a:extLst>
         </p:spPr>
       </p:pic>
-      <p:sp>
-        <p:nvSpPr>
-          <p:cNvPr id="4" name="Slide Number Placeholder 3">
-            <a:extLst>
-              <a:ext uri="{FF2B5EF4-FFF2-40B4-BE49-F238E27FC236}">
-                <a16:creationId xmlns:a16="http://schemas.microsoft.com/office/drawing/2014/main" id="{9E43C41B-6AFD-4DBC-86B2-73E9BD4F10D3}"/>
-              </a:ext>
-            </a:extLst>
-          </p:cNvPr>
-          <p:cNvSpPr>
-            <a:spLocks noGrp="1"/>
-          </p:cNvSpPr>
-          <p:nvPr>
-            <p:ph type="sldNum" sz="quarter" idx="12"/>
-          </p:nvPr>
-        </p:nvSpPr>
-        <p:spPr>
-          <a:xfrm>
-            <a:off x="11187926" y="6205860"/>
-            <a:ext cx="811019" cy="503578"/>
-          </a:xfrm>
-        </p:spPr>
-        <p:txBody>
-          <a:bodyPr/>
-          <a:lstStyle/>
-          <a:p>
-            <a:fld id="{1B89DD3E-DF22-4EA1-BEAF-D8BFA9CB354D}" type="slidenum">
-              <a:rPr lang="en-US" smtClean="0"/>
-              <a:t>3</a:t>
-            </a:fld>
-            <a:endParaRPr lang="en-US" dirty="0"/>
-          </a:p>
-        </p:txBody>
-      </p:sp>
     </p:spTree>
     <p:extLst>
       <p:ext uri="{BB962C8B-B14F-4D97-AF65-F5344CB8AC3E}">
-        <p14:creationId xmlns:p14="http://schemas.microsoft.com/office/powerpoint/2010/main" val="3134887599"/>
+        <p14:creationId xmlns:p14="http://schemas.microsoft.com/office/powerpoint/2010/main" val="1180618022"/>
       </p:ext>
     </p:extLst>
   </p:cSld>
@@ -5470,6 +6138,393 @@
           <p:cNvPr id="2" name="Title 1">
             <a:extLst>
               <a:ext uri="{FF2B5EF4-FFF2-40B4-BE49-F238E27FC236}">
+                <a16:creationId xmlns:a16="http://schemas.microsoft.com/office/drawing/2014/main" id="{3094D50C-0A48-470E-BF60-AA899C8C5BB1}"/>
+              </a:ext>
+            </a:extLst>
+          </p:cNvPr>
+          <p:cNvSpPr>
+            <a:spLocks noGrp="1"/>
+          </p:cNvSpPr>
+          <p:nvPr>
+            <p:ph type="title"/>
+          </p:nvPr>
+        </p:nvSpPr>
+        <p:spPr>
+          <a:xfrm>
+            <a:off x="398032" y="198232"/>
+            <a:ext cx="9291215" cy="1049235"/>
+          </a:xfrm>
+        </p:spPr>
+        <p:txBody>
+          <a:bodyPr/>
+          <a:lstStyle/>
+          <a:p>
+            <a:pPr algn="l"/>
+            <a:r>
+              <a:rPr lang="en-US" dirty="0"/>
+              <a:t>Background</a:t>
+            </a:r>
+          </a:p>
+        </p:txBody>
+      </p:sp>
+      <p:sp>
+        <p:nvSpPr>
+          <p:cNvPr id="3" name="Content Placeholder 2">
+            <a:extLst>
+              <a:ext uri="{FF2B5EF4-FFF2-40B4-BE49-F238E27FC236}">
+                <a16:creationId xmlns:a16="http://schemas.microsoft.com/office/drawing/2014/main" id="{9FB7B373-BD7D-40F9-9246-A58319FD71BD}"/>
+              </a:ext>
+            </a:extLst>
+          </p:cNvPr>
+          <p:cNvSpPr>
+            <a:spLocks noGrp="1"/>
+          </p:cNvSpPr>
+          <p:nvPr>
+            <p:ph idx="1"/>
+          </p:nvPr>
+        </p:nvSpPr>
+        <p:spPr>
+          <a:xfrm>
+            <a:off x="1183223" y="1439262"/>
+            <a:ext cx="10028117" cy="3450613"/>
+          </a:xfrm>
+        </p:spPr>
+        <p:txBody>
+          <a:bodyPr>
+            <a:normAutofit/>
+          </a:bodyPr>
+          <a:lstStyle/>
+          <a:p>
+            <a:r>
+              <a:rPr lang="en-US" sz="3200" dirty="0"/>
+              <a:t>Some of the tester don’t’ know the result of the test</a:t>
+            </a:r>
+          </a:p>
+          <a:p>
+            <a:r>
+              <a:rPr lang="en-US" sz="3200" dirty="0"/>
+              <a:t>Testers don’t have his/her own result history</a:t>
+            </a:r>
+          </a:p>
+          <a:p>
+            <a:r>
+              <a:rPr lang="en-US" sz="3200" dirty="0"/>
+              <a:t>Testers don’t know their rank compared to the other</a:t>
+            </a:r>
+          </a:p>
+          <a:p>
+            <a:endParaRPr lang="en-US" sz="3200" dirty="0"/>
+          </a:p>
+        </p:txBody>
+      </p:sp>
+      <p:sp>
+        <p:nvSpPr>
+          <p:cNvPr id="4" name="Slide Number Placeholder 3">
+            <a:extLst>
+              <a:ext uri="{FF2B5EF4-FFF2-40B4-BE49-F238E27FC236}">
+                <a16:creationId xmlns:a16="http://schemas.microsoft.com/office/drawing/2014/main" id="{3FC2F23B-7113-4242-B92D-C2D70E669B7F}"/>
+              </a:ext>
+            </a:extLst>
+          </p:cNvPr>
+          <p:cNvSpPr>
+            <a:spLocks noGrp="1"/>
+          </p:cNvSpPr>
+          <p:nvPr>
+            <p:ph type="sldNum" sz="quarter" idx="12"/>
+          </p:nvPr>
+        </p:nvSpPr>
+        <p:spPr>
+          <a:xfrm>
+            <a:off x="11095052" y="6201482"/>
+            <a:ext cx="811019" cy="503578"/>
+          </a:xfrm>
+        </p:spPr>
+        <p:txBody>
+          <a:bodyPr/>
+          <a:lstStyle/>
+          <a:p>
+            <a:fld id="{1B89DD3E-DF22-4EA1-BEAF-D8BFA9CB354D}" type="slidenum">
+              <a:rPr lang="en-US" smtClean="0"/>
+              <a:t>4</a:t>
+            </a:fld>
+            <a:endParaRPr lang="en-US" dirty="0"/>
+          </a:p>
+        </p:txBody>
+      </p:sp>
+      <p:pic>
+        <p:nvPicPr>
+          <p:cNvPr id="3076" name="Picture 4" descr="ผลการค้นหารูปภาพสำหรับ don't know cartoon">
+            <a:extLst>
+              <a:ext uri="{FF2B5EF4-FFF2-40B4-BE49-F238E27FC236}">
+                <a16:creationId xmlns:a16="http://schemas.microsoft.com/office/drawing/2014/main" id="{43CAFE20-2E7A-4ACE-A4BF-1859F4D19168}"/>
+              </a:ext>
+            </a:extLst>
+          </p:cNvPr>
+          <p:cNvPicPr>
+            <a:picLocks noChangeAspect="1" noChangeArrowheads="1"/>
+          </p:cNvPicPr>
+          <p:nvPr/>
+        </p:nvPicPr>
+        <p:blipFill>
+          <a:blip r:embed="rId2">
+            <a:extLst>
+              <a:ext uri="{28A0092B-C50C-407E-A947-70E740481C1C}">
+                <a14:useLocalDpi xmlns:a14="http://schemas.microsoft.com/office/drawing/2010/main" val="0"/>
+              </a:ext>
+            </a:extLst>
+          </a:blip>
+          <a:srcRect/>
+          <a:stretch>
+            <a:fillRect/>
+          </a:stretch>
+        </p:blipFill>
+        <p:spPr bwMode="auto">
+          <a:xfrm>
+            <a:off x="5043639" y="3731966"/>
+            <a:ext cx="2458720" cy="2315817"/>
+          </a:xfrm>
+          <a:prstGeom prst="rect">
+            <a:avLst/>
+          </a:prstGeom>
+          <a:noFill/>
+          <a:extLst>
+            <a:ext uri="{909E8E84-426E-40DD-AFC4-6F175D3DCCD1}">
+              <a14:hiddenFill xmlns:a14="http://schemas.microsoft.com/office/drawing/2010/main">
+                <a:solidFill>
+                  <a:srgbClr val="FFFFFF"/>
+                </a:solidFill>
+              </a14:hiddenFill>
+            </a:ext>
+          </a:extLst>
+        </p:spPr>
+      </p:pic>
+    </p:spTree>
+    <p:extLst>
+      <p:ext uri="{BB962C8B-B14F-4D97-AF65-F5344CB8AC3E}">
+        <p14:creationId xmlns:p14="http://schemas.microsoft.com/office/powerpoint/2010/main" val="4131245347"/>
+      </p:ext>
+    </p:extLst>
+  </p:cSld>
+  <p:clrMapOvr>
+    <a:masterClrMapping/>
+  </p:clrMapOvr>
+</p:sld>
+</file>
+
+<file path=ppt/slides/slide5.xml><?xml version="1.0" encoding="utf-8"?>
+<p:sld xmlns:a="http://schemas.openxmlformats.org/drawingml/2006/main" xmlns:r="http://schemas.openxmlformats.org/officeDocument/2006/relationships" xmlns:p="http://schemas.openxmlformats.org/presentationml/2006/main">
+  <p:cSld>
+    <p:spTree>
+      <p:nvGrpSpPr>
+        <p:cNvPr id="1" name=""/>
+        <p:cNvGrpSpPr/>
+        <p:nvPr/>
+      </p:nvGrpSpPr>
+      <p:grpSpPr>
+        <a:xfrm>
+          <a:off x="0" y="0"/>
+          <a:ext cx="0" cy="0"/>
+          <a:chOff x="0" y="0"/>
+          <a:chExt cx="0" cy="0"/>
+        </a:xfrm>
+      </p:grpSpPr>
+      <p:sp>
+        <p:nvSpPr>
+          <p:cNvPr id="8" name="Title 7">
+            <a:extLst>
+              <a:ext uri="{FF2B5EF4-FFF2-40B4-BE49-F238E27FC236}">
+                <a16:creationId xmlns:a16="http://schemas.microsoft.com/office/drawing/2014/main" id="{239A2106-580A-4945-AD10-F32C2A509AC4}"/>
+              </a:ext>
+            </a:extLst>
+          </p:cNvPr>
+          <p:cNvSpPr>
+            <a:spLocks noGrp="1"/>
+          </p:cNvSpPr>
+          <p:nvPr>
+            <p:ph type="title"/>
+          </p:nvPr>
+        </p:nvSpPr>
+        <p:spPr>
+          <a:xfrm>
+            <a:off x="489633" y="565978"/>
+            <a:ext cx="3617377" cy="885133"/>
+          </a:xfrm>
+        </p:spPr>
+        <p:txBody>
+          <a:bodyPr>
+            <a:normAutofit/>
+          </a:bodyPr>
+          <a:lstStyle/>
+          <a:p>
+            <a:r>
+              <a:rPr lang="en-US" dirty="0"/>
+              <a:t>9-Square-table</a:t>
+            </a:r>
+          </a:p>
+        </p:txBody>
+      </p:sp>
+      <p:sp>
+        <p:nvSpPr>
+          <p:cNvPr id="13" name="TextBox 12">
+            <a:extLst>
+              <a:ext uri="{FF2B5EF4-FFF2-40B4-BE49-F238E27FC236}">
+                <a16:creationId xmlns:a16="http://schemas.microsoft.com/office/drawing/2014/main" id="{8605603A-FF6C-44A1-BCA8-5EBE38C41204}"/>
+              </a:ext>
+            </a:extLst>
+          </p:cNvPr>
+          <p:cNvSpPr txBox="1"/>
+          <p:nvPr/>
+        </p:nvSpPr>
+        <p:spPr>
+          <a:xfrm>
+            <a:off x="989717" y="2001737"/>
+            <a:ext cx="9187512" cy="1015663"/>
+          </a:xfrm>
+          <a:prstGeom prst="rect">
+            <a:avLst/>
+          </a:prstGeom>
+          <a:noFill/>
+        </p:spPr>
+        <p:txBody>
+          <a:bodyPr wrap="square" rtlCol="0">
+            <a:spAutoFit/>
+          </a:bodyPr>
+          <a:lstStyle/>
+          <a:p>
+            <a:r>
+              <a:rPr lang="en-US" sz="3000" dirty="0"/>
+              <a:t>Inventor 	: Assoc. Prof. Charoen </a:t>
+            </a:r>
+            <a:r>
+              <a:rPr lang="en-US" sz="3000" dirty="0" err="1"/>
+              <a:t>Krabuanrat</a:t>
+            </a:r>
+            <a:endParaRPr lang="en-US" sz="3000" dirty="0"/>
+          </a:p>
+          <a:p>
+            <a:r>
+              <a:rPr lang="en-US" sz="3000" dirty="0"/>
+              <a:t>Goal 		:  Practice brain and body skills</a:t>
+            </a:r>
+          </a:p>
+        </p:txBody>
+      </p:sp>
+      <p:pic>
+        <p:nvPicPr>
+          <p:cNvPr id="1039" name="Picture 15" descr="ผลการค้นหารูปภาพสำหรับ ตาราง 9 ช่อง วิจัย">
+            <a:extLst>
+              <a:ext uri="{FF2B5EF4-FFF2-40B4-BE49-F238E27FC236}">
+                <a16:creationId xmlns:a16="http://schemas.microsoft.com/office/drawing/2014/main" id="{2BDEB979-D052-4B1C-AE73-3FB4841CAE62}"/>
+              </a:ext>
+            </a:extLst>
+          </p:cNvPr>
+          <p:cNvPicPr>
+            <a:picLocks noChangeAspect="1" noChangeArrowheads="1"/>
+          </p:cNvPicPr>
+          <p:nvPr/>
+        </p:nvPicPr>
+        <p:blipFill>
+          <a:blip r:embed="rId2">
+            <a:extLst>
+              <a:ext uri="{28A0092B-C50C-407E-A947-70E740481C1C}">
+                <a14:useLocalDpi xmlns:a14="http://schemas.microsoft.com/office/drawing/2010/main" val="0"/>
+              </a:ext>
+            </a:extLst>
+          </a:blip>
+          <a:srcRect/>
+          <a:stretch>
+            <a:fillRect/>
+          </a:stretch>
+        </p:blipFill>
+        <p:spPr bwMode="auto">
+          <a:xfrm>
+            <a:off x="9229408" y="1370247"/>
+            <a:ext cx="2038031" cy="3558466"/>
+          </a:xfrm>
+          <a:prstGeom prst="rect">
+            <a:avLst/>
+          </a:prstGeom>
+          <a:noFill/>
+          <a:extLst>
+            <a:ext uri="{909E8E84-426E-40DD-AFC4-6F175D3DCCD1}">
+              <a14:hiddenFill xmlns:a14="http://schemas.microsoft.com/office/drawing/2010/main">
+                <a:solidFill>
+                  <a:srgbClr val="FFFFFF"/>
+                </a:solidFill>
+              </a14:hiddenFill>
+            </a:ext>
+          </a:extLst>
+        </p:spPr>
+      </p:pic>
+      <p:sp>
+        <p:nvSpPr>
+          <p:cNvPr id="4" name="Slide Number Placeholder 3">
+            <a:extLst>
+              <a:ext uri="{FF2B5EF4-FFF2-40B4-BE49-F238E27FC236}">
+                <a16:creationId xmlns:a16="http://schemas.microsoft.com/office/drawing/2014/main" id="{9E43C41B-6AFD-4DBC-86B2-73E9BD4F10D3}"/>
+              </a:ext>
+            </a:extLst>
+          </p:cNvPr>
+          <p:cNvSpPr>
+            <a:spLocks noGrp="1"/>
+          </p:cNvSpPr>
+          <p:nvPr>
+            <p:ph type="sldNum" sz="quarter" idx="12"/>
+          </p:nvPr>
+        </p:nvSpPr>
+        <p:spPr>
+          <a:xfrm>
+            <a:off x="11187926" y="6205860"/>
+            <a:ext cx="811019" cy="503578"/>
+          </a:xfrm>
+        </p:spPr>
+        <p:txBody>
+          <a:bodyPr/>
+          <a:lstStyle/>
+          <a:p>
+            <a:fld id="{1B89DD3E-DF22-4EA1-BEAF-D8BFA9CB354D}" type="slidenum">
+              <a:rPr lang="en-US" smtClean="0"/>
+              <a:t>5</a:t>
+            </a:fld>
+            <a:endParaRPr lang="en-US" dirty="0"/>
+          </a:p>
+        </p:txBody>
+      </p:sp>
+    </p:spTree>
+    <p:extLst>
+      <p:ext uri="{BB962C8B-B14F-4D97-AF65-F5344CB8AC3E}">
+        <p14:creationId xmlns:p14="http://schemas.microsoft.com/office/powerpoint/2010/main" val="3134887599"/>
+      </p:ext>
+    </p:extLst>
+  </p:cSld>
+  <p:clrMapOvr>
+    <a:masterClrMapping/>
+  </p:clrMapOvr>
+</p:sld>
+</file>
+
+<file path=ppt/slides/slide6.xml><?xml version="1.0" encoding="utf-8"?>
+<p:sld xmlns:a="http://schemas.openxmlformats.org/drawingml/2006/main" xmlns:r="http://schemas.openxmlformats.org/officeDocument/2006/relationships" xmlns:p="http://schemas.openxmlformats.org/presentationml/2006/main">
+  <p:cSld>
+    <p:spTree>
+      <p:nvGrpSpPr>
+        <p:cNvPr id="1" name=""/>
+        <p:cNvGrpSpPr/>
+        <p:nvPr/>
+      </p:nvGrpSpPr>
+      <p:grpSpPr>
+        <a:xfrm>
+          <a:off x="0" y="0"/>
+          <a:ext cx="0" cy="0"/>
+          <a:chOff x="0" y="0"/>
+          <a:chExt cx="0" cy="0"/>
+        </a:xfrm>
+      </p:grpSpPr>
+      <p:sp>
+        <p:nvSpPr>
+          <p:cNvPr id="2" name="Title 1">
+            <a:extLst>
+              <a:ext uri="{FF2B5EF4-FFF2-40B4-BE49-F238E27FC236}">
                 <a16:creationId xmlns:a16="http://schemas.microsoft.com/office/drawing/2014/main" id="{90C72B99-F632-4943-8947-50F4AC07CD1A}"/>
               </a:ext>
             </a:extLst>
@@ -6041,7 +7096,7 @@
           <a:p>
             <a:fld id="{1B89DD3E-DF22-4EA1-BEAF-D8BFA9CB354D}" type="slidenum">
               <a:rPr lang="en-US" smtClean="0"/>
-              <a:t>4</a:t>
+              <a:t>6</a:t>
             </a:fld>
             <a:endParaRPr lang="en-US" dirty="0"/>
           </a:p>
@@ -6179,398 +7234,6 @@
 </p:sld>
 </file>
 
-<file path=ppt/slides/slide5.xml><?xml version="1.0" encoding="utf-8"?>
-<p:sld xmlns:a="http://schemas.openxmlformats.org/drawingml/2006/main" xmlns:r="http://schemas.openxmlformats.org/officeDocument/2006/relationships" xmlns:p="http://schemas.openxmlformats.org/presentationml/2006/main">
-  <p:cSld>
-    <p:spTree>
-      <p:nvGrpSpPr>
-        <p:cNvPr id="1" name=""/>
-        <p:cNvGrpSpPr/>
-        <p:nvPr/>
-      </p:nvGrpSpPr>
-      <p:grpSpPr>
-        <a:xfrm>
-          <a:off x="0" y="0"/>
-          <a:ext cx="0" cy="0"/>
-          <a:chOff x="0" y="0"/>
-          <a:chExt cx="0" cy="0"/>
-        </a:xfrm>
-      </p:grpSpPr>
-      <p:sp>
-        <p:nvSpPr>
-          <p:cNvPr id="6" name="AutoShape 6" descr="ผลการค้นหารูปภาพสำหรับ iot devices sport">
-            <a:extLst>
-              <a:ext uri="{FF2B5EF4-FFF2-40B4-BE49-F238E27FC236}">
-                <a16:creationId xmlns:a16="http://schemas.microsoft.com/office/drawing/2014/main" id="{BAFA31CE-C4AB-4B37-99AC-EE6905FA2028}"/>
-              </a:ext>
-            </a:extLst>
-          </p:cNvPr>
-          <p:cNvSpPr>
-            <a:spLocks noChangeAspect="1" noChangeArrowheads="1"/>
-          </p:cNvSpPr>
-          <p:nvPr/>
-        </p:nvSpPr>
-        <p:spPr bwMode="auto">
-          <a:xfrm>
-            <a:off x="5943600" y="3276600"/>
-            <a:ext cx="304800" cy="304800"/>
-          </a:xfrm>
-          <a:prstGeom prst="rect">
-            <a:avLst/>
-          </a:prstGeom>
-          <a:noFill/>
-          <a:extLst>
-            <a:ext uri="{909E8E84-426E-40DD-AFC4-6F175D3DCCD1}">
-              <a14:hiddenFill xmlns:a14="http://schemas.microsoft.com/office/drawing/2010/main">
-                <a:solidFill>
-                  <a:srgbClr val="FFFFFF"/>
-                </a:solidFill>
-              </a14:hiddenFill>
-            </a:ext>
-          </a:extLst>
-        </p:spPr>
-        <p:txBody>
-          <a:bodyPr vert="horz" wrap="square" lIns="91440" tIns="45720" rIns="91440" bIns="45720" numCol="1" anchor="t" anchorCtr="0" compatLnSpc="1">
-            <a:prstTxWarp prst="textNoShape">
-              <a:avLst/>
-            </a:prstTxWarp>
-          </a:bodyPr>
-          <a:lstStyle/>
-          <a:p>
-            <a:endParaRPr lang="en-US"/>
-          </a:p>
-        </p:txBody>
-      </p:sp>
-      <p:sp>
-        <p:nvSpPr>
-          <p:cNvPr id="17" name="Title 1">
-            <a:extLst>
-              <a:ext uri="{FF2B5EF4-FFF2-40B4-BE49-F238E27FC236}">
-                <a16:creationId xmlns:a16="http://schemas.microsoft.com/office/drawing/2014/main" id="{70155A05-A3B7-4555-9908-3E1D6A8379CD}"/>
-              </a:ext>
-            </a:extLst>
-          </p:cNvPr>
-          <p:cNvSpPr>
-            <a:spLocks noGrp="1"/>
-          </p:cNvSpPr>
-          <p:nvPr>
-            <p:ph type="title"/>
-          </p:nvPr>
-        </p:nvSpPr>
-        <p:spPr>
-          <a:xfrm>
-            <a:off x="626631" y="257867"/>
-            <a:ext cx="9291215" cy="1049235"/>
-          </a:xfrm>
-        </p:spPr>
-        <p:txBody>
-          <a:bodyPr/>
-          <a:lstStyle/>
-          <a:p>
-            <a:pPr algn="l"/>
-            <a:r>
-              <a:rPr lang="en-US" dirty="0"/>
-              <a:t>Psychomotor Skill Management</a:t>
-            </a:r>
-          </a:p>
-        </p:txBody>
-      </p:sp>
-      <p:sp>
-        <p:nvSpPr>
-          <p:cNvPr id="13" name="TextBox 12">
-            <a:extLst>
-              <a:ext uri="{FF2B5EF4-FFF2-40B4-BE49-F238E27FC236}">
-                <a16:creationId xmlns:a16="http://schemas.microsoft.com/office/drawing/2014/main" id="{FA14DD01-4985-4A4A-8008-F1D1519AE7A9}"/>
-              </a:ext>
-            </a:extLst>
-          </p:cNvPr>
-          <p:cNvSpPr txBox="1"/>
-          <p:nvPr/>
-        </p:nvSpPr>
-        <p:spPr>
-          <a:xfrm>
-            <a:off x="1046922" y="1573714"/>
-            <a:ext cx="10606598" cy="3046988"/>
-          </a:xfrm>
-          <a:prstGeom prst="rect">
-            <a:avLst/>
-          </a:prstGeom>
-          <a:noFill/>
-        </p:spPr>
-        <p:txBody>
-          <a:bodyPr wrap="square" rtlCol="0">
-            <a:spAutoFit/>
-          </a:bodyPr>
-          <a:lstStyle/>
-          <a:p>
-            <a:pPr marL="457200" indent="-457200">
-              <a:buFont typeface="Arial" panose="020B0604020202020204" pitchFamily="34" charset="0"/>
-              <a:buChar char="•"/>
-            </a:pPr>
-            <a:r>
-              <a:rPr lang="en-US" sz="3200" dirty="0"/>
-              <a:t>Get data from tester and analysis the results</a:t>
-            </a:r>
-          </a:p>
-          <a:p>
-            <a:pPr marL="457200" indent="-457200">
-              <a:buFont typeface="Arial" panose="020B0604020202020204" pitchFamily="34" charset="0"/>
-              <a:buChar char="•"/>
-            </a:pPr>
-            <a:r>
-              <a:rPr lang="en-US" sz="3200" dirty="0"/>
-              <a:t>Examiner can change form of input to his/her own idea or create his/her new form</a:t>
-            </a:r>
-          </a:p>
-          <a:p>
-            <a:pPr marL="457200" indent="-457200">
-              <a:buFont typeface="Arial" panose="020B0604020202020204" pitchFamily="34" charset="0"/>
-              <a:buChar char="•"/>
-            </a:pPr>
-            <a:r>
-              <a:rPr lang="en-US" sz="3200" dirty="0"/>
-              <a:t>Monitoring the output in form of graph 					   and statistic detail</a:t>
-            </a:r>
-          </a:p>
-          <a:p>
-            <a:pPr marL="457200" indent="-457200">
-              <a:buFont typeface="Arial" panose="020B0604020202020204" pitchFamily="34" charset="0"/>
-              <a:buChar char="•"/>
-            </a:pPr>
-            <a:endParaRPr lang="en-US" sz="3200" dirty="0"/>
-          </a:p>
-        </p:txBody>
-      </p:sp>
-      <p:pic>
-        <p:nvPicPr>
-          <p:cNvPr id="15" name="Picture 14">
-            <a:extLst>
-              <a:ext uri="{FF2B5EF4-FFF2-40B4-BE49-F238E27FC236}">
-                <a16:creationId xmlns:a16="http://schemas.microsoft.com/office/drawing/2014/main" id="{A79F416A-6FC7-4F56-A59B-4F331C920B21}"/>
-              </a:ext>
-            </a:extLst>
-          </p:cNvPr>
-          <p:cNvPicPr>
-            <a:picLocks noChangeAspect="1"/>
-          </p:cNvPicPr>
-          <p:nvPr/>
-        </p:nvPicPr>
-        <p:blipFill>
-          <a:blip r:embed="rId2"/>
-          <a:stretch>
-            <a:fillRect/>
-          </a:stretch>
-        </p:blipFill>
-        <p:spPr>
-          <a:xfrm>
-            <a:off x="7875270" y="3706862"/>
-            <a:ext cx="3128010" cy="2360903"/>
-          </a:xfrm>
-          <a:prstGeom prst="rect">
-            <a:avLst/>
-          </a:prstGeom>
-        </p:spPr>
-      </p:pic>
-      <p:sp>
-        <p:nvSpPr>
-          <p:cNvPr id="4" name="Slide Number Placeholder 3">
-            <a:extLst>
-              <a:ext uri="{FF2B5EF4-FFF2-40B4-BE49-F238E27FC236}">
-                <a16:creationId xmlns:a16="http://schemas.microsoft.com/office/drawing/2014/main" id="{896FC0B0-BEFB-429A-BC07-30276D312C91}"/>
-              </a:ext>
-            </a:extLst>
-          </p:cNvPr>
-          <p:cNvSpPr>
-            <a:spLocks noGrp="1"/>
-          </p:cNvSpPr>
-          <p:nvPr>
-            <p:ph type="sldNum" sz="quarter" idx="12"/>
-          </p:nvPr>
-        </p:nvSpPr>
-        <p:spPr>
-          <a:xfrm>
-            <a:off x="11248010" y="6250434"/>
-            <a:ext cx="811019" cy="503578"/>
-          </a:xfrm>
-        </p:spPr>
-        <p:txBody>
-          <a:bodyPr/>
-          <a:lstStyle/>
-          <a:p>
-            <a:fld id="{1B89DD3E-DF22-4EA1-BEAF-D8BFA9CB354D}" type="slidenum">
-              <a:rPr lang="en-US" smtClean="0"/>
-              <a:t>5</a:t>
-            </a:fld>
-            <a:endParaRPr lang="en-US"/>
-          </a:p>
-        </p:txBody>
-      </p:sp>
-    </p:spTree>
-    <p:extLst>
-      <p:ext uri="{BB962C8B-B14F-4D97-AF65-F5344CB8AC3E}">
-        <p14:creationId xmlns:p14="http://schemas.microsoft.com/office/powerpoint/2010/main" val="2701704856"/>
-      </p:ext>
-    </p:extLst>
-  </p:cSld>
-  <p:clrMapOvr>
-    <a:masterClrMapping/>
-  </p:clrMapOvr>
-</p:sld>
-</file>
-
-<file path=ppt/slides/slide6.xml><?xml version="1.0" encoding="utf-8"?>
-<p:sld xmlns:a="http://schemas.openxmlformats.org/drawingml/2006/main" xmlns:r="http://schemas.openxmlformats.org/officeDocument/2006/relationships" xmlns:p="http://schemas.openxmlformats.org/presentationml/2006/main">
-  <p:cSld>
-    <p:spTree>
-      <p:nvGrpSpPr>
-        <p:cNvPr id="1" name=""/>
-        <p:cNvGrpSpPr/>
-        <p:nvPr/>
-      </p:nvGrpSpPr>
-      <p:grpSpPr>
-        <a:xfrm>
-          <a:off x="0" y="0"/>
-          <a:ext cx="0" cy="0"/>
-          <a:chOff x="0" y="0"/>
-          <a:chExt cx="0" cy="0"/>
-        </a:xfrm>
-      </p:grpSpPr>
-      <p:sp>
-        <p:nvSpPr>
-          <p:cNvPr id="6" name="Title 5">
-            <a:extLst>
-              <a:ext uri="{FF2B5EF4-FFF2-40B4-BE49-F238E27FC236}">
-                <a16:creationId xmlns:a16="http://schemas.microsoft.com/office/drawing/2014/main" id="{5263B5FE-4819-474C-AA04-1DAE3695671C}"/>
-              </a:ext>
-            </a:extLst>
-          </p:cNvPr>
-          <p:cNvSpPr>
-            <a:spLocks noGrp="1"/>
-          </p:cNvSpPr>
-          <p:nvPr>
-            <p:ph type="title"/>
-          </p:nvPr>
-        </p:nvSpPr>
-        <p:spPr>
-          <a:xfrm>
-            <a:off x="487484" y="198232"/>
-            <a:ext cx="9291215" cy="1049235"/>
-          </a:xfrm>
-        </p:spPr>
-        <p:txBody>
-          <a:bodyPr/>
-          <a:lstStyle/>
-          <a:p>
-            <a:pPr algn="l"/>
-            <a:r>
-              <a:rPr lang="en-US" dirty="0"/>
-              <a:t>System overview</a:t>
-            </a:r>
-          </a:p>
-        </p:txBody>
-      </p:sp>
-      <p:sp>
-        <p:nvSpPr>
-          <p:cNvPr id="10" name="Content Placeholder 9">
-            <a:extLst>
-              <a:ext uri="{FF2B5EF4-FFF2-40B4-BE49-F238E27FC236}">
-                <a16:creationId xmlns:a16="http://schemas.microsoft.com/office/drawing/2014/main" id="{EDB65660-EFBF-438C-AF3A-04D69A3F83A7}"/>
-              </a:ext>
-            </a:extLst>
-          </p:cNvPr>
-          <p:cNvSpPr>
-            <a:spLocks noGrp="1"/>
-          </p:cNvSpPr>
-          <p:nvPr>
-            <p:ph idx="1"/>
-          </p:nvPr>
-        </p:nvSpPr>
-        <p:spPr/>
-        <p:txBody>
-          <a:bodyPr/>
-          <a:lstStyle/>
-          <a:p>
-            <a:endParaRPr lang="en-US"/>
-          </a:p>
-        </p:txBody>
-      </p:sp>
-      <p:sp>
-        <p:nvSpPr>
-          <p:cNvPr id="4" name="Slide Number Placeholder 3">
-            <a:extLst>
-              <a:ext uri="{FF2B5EF4-FFF2-40B4-BE49-F238E27FC236}">
-                <a16:creationId xmlns:a16="http://schemas.microsoft.com/office/drawing/2014/main" id="{7B5678AD-2C33-4C0F-92D6-7AC253E8906F}"/>
-              </a:ext>
-            </a:extLst>
-          </p:cNvPr>
-          <p:cNvSpPr>
-            <a:spLocks noGrp="1"/>
-          </p:cNvSpPr>
-          <p:nvPr>
-            <p:ph type="sldNum" sz="quarter" idx="12"/>
-          </p:nvPr>
-        </p:nvSpPr>
-        <p:spPr>
-          <a:xfrm>
-            <a:off x="11075174" y="6329680"/>
-            <a:ext cx="811019" cy="503578"/>
-          </a:xfrm>
-        </p:spPr>
-        <p:txBody>
-          <a:bodyPr/>
-          <a:lstStyle/>
-          <a:p>
-            <a:fld id="{1B89DD3E-DF22-4EA1-BEAF-D8BFA9CB354D}" type="slidenum">
-              <a:rPr lang="en-US" smtClean="0"/>
-              <a:t>6</a:t>
-            </a:fld>
-            <a:endParaRPr lang="en-US" dirty="0"/>
-          </a:p>
-        </p:txBody>
-      </p:sp>
-      <p:pic>
-        <p:nvPicPr>
-          <p:cNvPr id="9" name="Picture 8">
-            <a:extLst>
-              <a:ext uri="{FF2B5EF4-FFF2-40B4-BE49-F238E27FC236}">
-                <a16:creationId xmlns:a16="http://schemas.microsoft.com/office/drawing/2014/main" id="{7EDDEBC0-ADD5-4011-A19B-E351748AF75E}"/>
-              </a:ext>
-            </a:extLst>
-          </p:cNvPr>
-          <p:cNvPicPr>
-            <a:picLocks noChangeAspect="1"/>
-          </p:cNvPicPr>
-          <p:nvPr/>
-        </p:nvPicPr>
-        <p:blipFill>
-          <a:blip r:embed="rId2"/>
-          <a:stretch>
-            <a:fillRect/>
-          </a:stretch>
-        </p:blipFill>
-        <p:spPr>
-          <a:xfrm>
-            <a:off x="0" y="1026160"/>
-            <a:ext cx="12192000" cy="4795519"/>
-          </a:xfrm>
-          <a:prstGeom prst="rect">
-            <a:avLst/>
-          </a:prstGeom>
-        </p:spPr>
-      </p:pic>
-    </p:spTree>
-    <p:extLst>
-      <p:ext uri="{BB962C8B-B14F-4D97-AF65-F5344CB8AC3E}">
-        <p14:creationId xmlns:p14="http://schemas.microsoft.com/office/powerpoint/2010/main" val="1592077870"/>
-      </p:ext>
-    </p:extLst>
-  </p:cSld>
-  <p:clrMapOvr>
-    <a:masterClrMapping/>
-  </p:clrMapOvr>
-</p:sld>
-</file>
-
 <file path=ppt/slides/slide7.xml><?xml version="1.0" encoding="utf-8"?>
 <p:sld xmlns:a="http://schemas.openxmlformats.org/drawingml/2006/main" xmlns:r="http://schemas.openxmlformats.org/officeDocument/2006/relationships" xmlns:p="http://schemas.openxmlformats.org/presentationml/2006/main">
   <p:cSld>
@@ -6590,138 +7253,22 @@
       </p:grpSpPr>
       <p:sp>
         <p:nvSpPr>
-          <p:cNvPr id="2" name="Title 1">
-            <a:extLst>
-              <a:ext uri="{FF2B5EF4-FFF2-40B4-BE49-F238E27FC236}">
-                <a16:creationId xmlns:a16="http://schemas.microsoft.com/office/drawing/2014/main" id="{63975D50-1660-40D8-9D5D-29AD9519BFC9}"/>
-              </a:ext>
-            </a:extLst>
-          </p:cNvPr>
-          <p:cNvSpPr>
-            <a:spLocks noGrp="1"/>
-          </p:cNvSpPr>
-          <p:nvPr>
-            <p:ph type="title"/>
-          </p:nvPr>
-        </p:nvSpPr>
-        <p:spPr>
-          <a:xfrm>
-            <a:off x="646509" y="277745"/>
-            <a:ext cx="9291215" cy="1049235"/>
-          </a:xfrm>
-        </p:spPr>
-        <p:txBody>
-          <a:bodyPr/>
-          <a:lstStyle/>
-          <a:p>
-            <a:pPr algn="l"/>
-            <a:r>
-              <a:rPr lang="en-US" dirty="0"/>
-              <a:t>Target</a:t>
-            </a:r>
-          </a:p>
-        </p:txBody>
-      </p:sp>
-      <p:sp>
-        <p:nvSpPr>
-          <p:cNvPr id="3" name="Content Placeholder 2">
-            <a:extLst>
-              <a:ext uri="{FF2B5EF4-FFF2-40B4-BE49-F238E27FC236}">
-                <a16:creationId xmlns:a16="http://schemas.microsoft.com/office/drawing/2014/main" id="{8EE835DD-37F0-4A90-8B2C-CC0134304909}"/>
-              </a:ext>
-            </a:extLst>
-          </p:cNvPr>
-          <p:cNvSpPr>
-            <a:spLocks noGrp="1"/>
-          </p:cNvSpPr>
-          <p:nvPr>
-            <p:ph idx="1"/>
-          </p:nvPr>
-        </p:nvSpPr>
-        <p:spPr>
-          <a:xfrm>
-            <a:off x="1054014" y="1498897"/>
-            <a:ext cx="9291215" cy="3450613"/>
-          </a:xfrm>
-        </p:spPr>
-        <p:txBody>
-          <a:bodyPr>
-            <a:normAutofit/>
-          </a:bodyPr>
-          <a:lstStyle/>
-          <a:p>
-            <a:r>
-              <a:rPr lang="en-US" sz="3000" dirty="0"/>
-              <a:t>Athlete of </a:t>
-            </a:r>
-            <a:r>
-              <a:rPr lang="en-US" sz="3000" dirty="0" err="1"/>
-              <a:t>Kasetsart</a:t>
-            </a:r>
-            <a:r>
-              <a:rPr lang="en-US" sz="3000" dirty="0"/>
-              <a:t> University</a:t>
-            </a:r>
-          </a:p>
-          <a:p>
-            <a:endParaRPr lang="en-US" sz="3000" dirty="0"/>
-          </a:p>
-          <a:p>
-            <a:r>
-              <a:rPr lang="en-US" sz="3000" dirty="0"/>
-              <a:t>Faculty of Education, </a:t>
-            </a:r>
-            <a:r>
-              <a:rPr lang="en-US" sz="3000" dirty="0" err="1"/>
-              <a:t>Kasetsart</a:t>
-            </a:r>
-            <a:r>
-              <a:rPr lang="en-US" sz="3000" dirty="0"/>
-              <a:t> University</a:t>
-            </a:r>
-          </a:p>
-          <a:p>
-            <a:endParaRPr lang="en-US" sz="3000" dirty="0"/>
-          </a:p>
-          <a:p>
-            <a:pPr marL="0" indent="0">
-              <a:buNone/>
-            </a:pPr>
-            <a:endParaRPr lang="en-US" sz="3000" dirty="0"/>
-          </a:p>
-        </p:txBody>
-      </p:sp>
-      <p:pic>
-        <p:nvPicPr>
-          <p:cNvPr id="4103" name="Picture 7" descr="ผลการค้นหารูปภาพสำหรับ Athlete">
-            <a:extLst>
-              <a:ext uri="{FF2B5EF4-FFF2-40B4-BE49-F238E27FC236}">
-                <a16:creationId xmlns:a16="http://schemas.microsoft.com/office/drawing/2014/main" id="{1C8811E2-361C-46F7-977D-06535B12643C}"/>
-              </a:ext>
-            </a:extLst>
-          </p:cNvPr>
-          <p:cNvPicPr>
-            <a:picLocks noChangeAspect="1" noChangeArrowheads="1"/>
-          </p:cNvPicPr>
+          <p:cNvPr id="6" name="AutoShape 6" descr="ผลการค้นหารูปภาพสำหรับ iot devices sport">
+            <a:extLst>
+              <a:ext uri="{FF2B5EF4-FFF2-40B4-BE49-F238E27FC236}">
+                <a16:creationId xmlns:a16="http://schemas.microsoft.com/office/drawing/2014/main" id="{BAFA31CE-C4AB-4B37-99AC-EE6905FA2028}"/>
+              </a:ext>
+            </a:extLst>
+          </p:cNvPr>
+          <p:cNvSpPr>
+            <a:spLocks noChangeAspect="1" noChangeArrowheads="1"/>
+          </p:cNvSpPr>
           <p:nvPr/>
-        </p:nvPicPr>
-        <p:blipFill>
-          <a:blip r:embed="rId2">
-            <a:extLst>
-              <a:ext uri="{28A0092B-C50C-407E-A947-70E740481C1C}">
-                <a14:useLocalDpi xmlns:a14="http://schemas.microsoft.com/office/drawing/2010/main" val="0"/>
-              </a:ext>
-            </a:extLst>
-          </a:blip>
-          <a:srcRect/>
-          <a:stretch>
-            <a:fillRect/>
-          </a:stretch>
-        </p:blipFill>
+        </p:nvSpPr>
         <p:spPr bwMode="auto">
           <a:xfrm>
-            <a:off x="8164791" y="3726608"/>
-            <a:ext cx="2651785" cy="2288111"/>
+            <a:off x="5943600" y="3276600"/>
+            <a:ext cx="304800" cy="304800"/>
           </a:xfrm>
           <a:prstGeom prst="rect">
             <a:avLst/>
@@ -6737,60 +7284,154 @@
             </a:ext>
           </a:extLst>
         </p:spPr>
-      </p:pic>
+        <p:txBody>
+          <a:bodyPr vert="horz" wrap="square" lIns="91440" tIns="45720" rIns="91440" bIns="45720" numCol="1" anchor="t" anchorCtr="0" compatLnSpc="1">
+            <a:prstTxWarp prst="textNoShape">
+              <a:avLst/>
+            </a:prstTxWarp>
+          </a:bodyPr>
+          <a:lstStyle/>
+          <a:p>
+            <a:endParaRPr lang="en-US"/>
+          </a:p>
+        </p:txBody>
+      </p:sp>
+      <p:sp>
+        <p:nvSpPr>
+          <p:cNvPr id="17" name="Title 1">
+            <a:extLst>
+              <a:ext uri="{FF2B5EF4-FFF2-40B4-BE49-F238E27FC236}">
+                <a16:creationId xmlns:a16="http://schemas.microsoft.com/office/drawing/2014/main" id="{70155A05-A3B7-4555-9908-3E1D6A8379CD}"/>
+              </a:ext>
+            </a:extLst>
+          </p:cNvPr>
+          <p:cNvSpPr>
+            <a:spLocks noGrp="1"/>
+          </p:cNvSpPr>
+          <p:nvPr>
+            <p:ph type="title"/>
+          </p:nvPr>
+        </p:nvSpPr>
+        <p:spPr>
+          <a:xfrm>
+            <a:off x="626631" y="257867"/>
+            <a:ext cx="9291215" cy="1049235"/>
+          </a:xfrm>
+        </p:spPr>
+        <p:txBody>
+          <a:bodyPr/>
+          <a:lstStyle/>
+          <a:p>
+            <a:pPr algn="l"/>
+            <a:r>
+              <a:rPr lang="en-US" dirty="0"/>
+              <a:t>Psychomotor Skill Management</a:t>
+            </a:r>
+          </a:p>
+        </p:txBody>
+      </p:sp>
+      <p:sp>
+        <p:nvSpPr>
+          <p:cNvPr id="13" name="TextBox 12">
+            <a:extLst>
+              <a:ext uri="{FF2B5EF4-FFF2-40B4-BE49-F238E27FC236}">
+                <a16:creationId xmlns:a16="http://schemas.microsoft.com/office/drawing/2014/main" id="{FA14DD01-4985-4A4A-8008-F1D1519AE7A9}"/>
+              </a:ext>
+            </a:extLst>
+          </p:cNvPr>
+          <p:cNvSpPr txBox="1"/>
+          <p:nvPr/>
+        </p:nvSpPr>
+        <p:spPr>
+          <a:xfrm>
+            <a:off x="1046922" y="1573714"/>
+            <a:ext cx="10606598" cy="3046988"/>
+          </a:xfrm>
+          <a:prstGeom prst="rect">
+            <a:avLst/>
+          </a:prstGeom>
+          <a:noFill/>
+        </p:spPr>
+        <p:txBody>
+          <a:bodyPr wrap="square" rtlCol="0">
+            <a:spAutoFit/>
+          </a:bodyPr>
+          <a:lstStyle/>
+          <a:p>
+            <a:pPr marL="457200" indent="-457200">
+              <a:buFont typeface="Arial" panose="020B0604020202020204" pitchFamily="34" charset="0"/>
+              <a:buChar char="•"/>
+            </a:pPr>
+            <a:r>
+              <a:rPr lang="en-US" sz="3200" dirty="0"/>
+              <a:t>Get data from tester and analysis the results</a:t>
+            </a:r>
+          </a:p>
+          <a:p>
+            <a:pPr marL="457200" indent="-457200">
+              <a:buFont typeface="Arial" panose="020B0604020202020204" pitchFamily="34" charset="0"/>
+              <a:buChar char="•"/>
+            </a:pPr>
+            <a:r>
+              <a:rPr lang="en-US" sz="3200" dirty="0"/>
+              <a:t>Examiner can change form of input to his/her own idea or create his/her new form</a:t>
+            </a:r>
+          </a:p>
+          <a:p>
+            <a:pPr marL="457200" indent="-457200">
+              <a:buFont typeface="Arial" panose="020B0604020202020204" pitchFamily="34" charset="0"/>
+              <a:buChar char="•"/>
+            </a:pPr>
+            <a:r>
+              <a:rPr lang="en-US" sz="3200" dirty="0"/>
+              <a:t>Monitoring the output in form of graph 					   and statistic detail</a:t>
+            </a:r>
+          </a:p>
+          <a:p>
+            <a:pPr marL="457200" indent="-457200">
+              <a:buFont typeface="Arial" panose="020B0604020202020204" pitchFamily="34" charset="0"/>
+              <a:buChar char="•"/>
+            </a:pPr>
+            <a:endParaRPr lang="en-US" sz="3200" dirty="0"/>
+          </a:p>
+        </p:txBody>
+      </p:sp>
       <p:pic>
         <p:nvPicPr>
-          <p:cNvPr id="4107" name="Picture 11" descr="ผลการค้นหารูปภาพสำหรับ kasetsart university">
-            <a:extLst>
-              <a:ext uri="{FF2B5EF4-FFF2-40B4-BE49-F238E27FC236}">
-                <a16:creationId xmlns:a16="http://schemas.microsoft.com/office/drawing/2014/main" id="{A4A405B0-11F2-4094-B629-EC7AF81DAFEE}"/>
+          <p:cNvPr id="15" name="Picture 14">
+            <a:extLst>
+              <a:ext uri="{FF2B5EF4-FFF2-40B4-BE49-F238E27FC236}">
+                <a16:creationId xmlns:a16="http://schemas.microsoft.com/office/drawing/2014/main" id="{A79F416A-6FC7-4F56-A59B-4F331C920B21}"/>
               </a:ext>
             </a:extLst>
           </p:cNvPr>
           <p:cNvPicPr>
-            <a:picLocks noChangeAspect="1" noChangeArrowheads="1"/>
+            <a:picLocks noChangeAspect="1"/>
           </p:cNvPicPr>
           <p:nvPr/>
         </p:nvPicPr>
         <p:blipFill>
-          <a:blip r:embed="rId3">
-            <a:extLst>
-              <a:ext uri="{28A0092B-C50C-407E-A947-70E740481C1C}">
-                <a14:useLocalDpi xmlns:a14="http://schemas.microsoft.com/office/drawing/2010/main" val="0"/>
-              </a:ext>
-            </a:extLst>
-          </a:blip>
-          <a:srcRect/>
+          <a:blip r:embed="rId2"/>
           <a:stretch>
             <a:fillRect/>
           </a:stretch>
         </p:blipFill>
-        <p:spPr bwMode="auto">
-          <a:xfrm>
-            <a:off x="1868169" y="4169252"/>
-            <a:ext cx="4708229" cy="1236655"/>
+        <p:spPr>
+          <a:xfrm>
+            <a:off x="7875270" y="3706862"/>
+            <a:ext cx="3128010" cy="2360903"/>
           </a:xfrm>
           <a:prstGeom prst="rect">
             <a:avLst/>
           </a:prstGeom>
-          <a:noFill/>
-          <a:extLst>
-            <a:ext uri="{909E8E84-426E-40DD-AFC4-6F175D3DCCD1}">
-              <a14:hiddenFill xmlns:a14="http://schemas.microsoft.com/office/drawing/2010/main">
-                <a:solidFill>
-                  <a:srgbClr val="FFFFFF"/>
-                </a:solidFill>
-              </a14:hiddenFill>
-            </a:ext>
-          </a:extLst>
         </p:spPr>
       </p:pic>
       <p:sp>
         <p:nvSpPr>
-          <p:cNvPr id="6" name="Slide Number Placeholder 5">
-            <a:extLst>
-              <a:ext uri="{FF2B5EF4-FFF2-40B4-BE49-F238E27FC236}">
-                <a16:creationId xmlns:a16="http://schemas.microsoft.com/office/drawing/2014/main" id="{E8849F9F-C59C-496C-AA61-98BF6F751F4F}"/>
+          <p:cNvPr id="4" name="Slide Number Placeholder 3">
+            <a:extLst>
+              <a:ext uri="{FF2B5EF4-FFF2-40B4-BE49-F238E27FC236}">
+                <a16:creationId xmlns:a16="http://schemas.microsoft.com/office/drawing/2014/main" id="{896FC0B0-BEFB-429A-BC07-30276D312C91}"/>
               </a:ext>
             </a:extLst>
           </p:cNvPr>
@@ -6803,7 +7444,7 @@
         </p:nvSpPr>
         <p:spPr>
           <a:xfrm>
-            <a:off x="11194443" y="6215799"/>
+            <a:off x="11248010" y="6250434"/>
             <a:ext cx="811019" cy="503578"/>
           </a:xfrm>
         </p:spPr>
@@ -6822,7 +7463,7 @@
     </p:spTree>
     <p:extLst>
       <p:ext uri="{BB962C8B-B14F-4D97-AF65-F5344CB8AC3E}">
-        <p14:creationId xmlns:p14="http://schemas.microsoft.com/office/powerpoint/2010/main" val="3979453104"/>
+        <p14:creationId xmlns:p14="http://schemas.microsoft.com/office/powerpoint/2010/main" val="2701704856"/>
       </p:ext>
     </p:extLst>
   </p:cSld>
@@ -6851,10 +7492,10 @@
       </p:grpSpPr>
       <p:sp>
         <p:nvSpPr>
-          <p:cNvPr id="2" name="Title 1">
-            <a:extLst>
-              <a:ext uri="{FF2B5EF4-FFF2-40B4-BE49-F238E27FC236}">
-                <a16:creationId xmlns:a16="http://schemas.microsoft.com/office/drawing/2014/main" id="{7C16E5F1-D8FF-4C0E-B6AF-860FD22452BA}"/>
+          <p:cNvPr id="6" name="Title 5">
+            <a:extLst>
+              <a:ext uri="{FF2B5EF4-FFF2-40B4-BE49-F238E27FC236}">
+                <a16:creationId xmlns:a16="http://schemas.microsoft.com/office/drawing/2014/main" id="{5263B5FE-4819-474C-AA04-1DAE3695671C}"/>
               </a:ext>
             </a:extLst>
           </p:cNvPr>
@@ -6867,7 +7508,7 @@
         </p:nvSpPr>
         <p:spPr>
           <a:xfrm>
-            <a:off x="835353" y="426832"/>
+            <a:off x="487484" y="198232"/>
             <a:ext cx="9291215" cy="1049235"/>
           </a:xfrm>
         </p:spPr>
@@ -6878,17 +7519,17 @@
             <a:pPr algn="l"/>
             <a:r>
               <a:rPr lang="en-US" dirty="0"/>
-              <a:t>Requirement</a:t>
-            </a:r>
-          </a:p>
-        </p:txBody>
-      </p:sp>
-      <p:sp>
-        <p:nvSpPr>
-          <p:cNvPr id="3" name="Content Placeholder 2">
-            <a:extLst>
-              <a:ext uri="{FF2B5EF4-FFF2-40B4-BE49-F238E27FC236}">
-                <a16:creationId xmlns:a16="http://schemas.microsoft.com/office/drawing/2014/main" id="{43C3BCCE-A20A-4DA4-9844-D04562533EFC}"/>
+              <a:t>System overview</a:t>
+            </a:r>
+          </a:p>
+        </p:txBody>
+      </p:sp>
+      <p:sp>
+        <p:nvSpPr>
+          <p:cNvPr id="10" name="Content Placeholder 9">
+            <a:extLst>
+              <a:ext uri="{FF2B5EF4-FFF2-40B4-BE49-F238E27FC236}">
+                <a16:creationId xmlns:a16="http://schemas.microsoft.com/office/drawing/2014/main" id="{EDB65660-EFBF-438C-AF3A-04D69A3F83A7}"/>
               </a:ext>
             </a:extLst>
           </p:cNvPr>
@@ -6899,58 +7540,21 @@
             <p:ph idx="1"/>
           </p:nvPr>
         </p:nvSpPr>
-        <p:spPr>
-          <a:xfrm>
-            <a:off x="835352" y="1476067"/>
-            <a:ext cx="10137447" cy="3880773"/>
-          </a:xfrm>
-        </p:spPr>
-        <p:txBody>
-          <a:bodyPr>
-            <a:noAutofit/>
-          </a:bodyPr>
-          <a:lstStyle/>
-          <a:p>
-            <a:r>
-              <a:rPr lang="en-US" sz="3000" dirty="0"/>
-              <a:t>The format pattern </a:t>
-            </a:r>
-            <a:r>
-              <a:rPr lang="en-US" sz="3000" b="1" u="sng" dirty="0"/>
-              <a:t>MUST</a:t>
-            </a:r>
-            <a:r>
-              <a:rPr lang="en-US" sz="3000" dirty="0"/>
-              <a:t> be accurate. </a:t>
-            </a:r>
-          </a:p>
-          <a:p>
-            <a:r>
-              <a:rPr lang="en-US" sz="3000" dirty="0"/>
-              <a:t>Can show output in form of (Step, Set) </a:t>
-            </a:r>
-            <a:endParaRPr lang="th-TH" sz="3000" dirty="0"/>
-          </a:p>
-          <a:p>
-            <a:r>
-              <a:rPr lang="en-US" sz="3000" dirty="0"/>
-              <a:t>Examiner can select form to play and can create the format pattern themselves</a:t>
-            </a:r>
-          </a:p>
-          <a:p>
-            <a:r>
-              <a:rPr lang="en-US" sz="3000" dirty="0"/>
-              <a:t>(Optional) Double Table</a:t>
-            </a:r>
-          </a:p>
-        </p:txBody>
-      </p:sp>
-      <p:sp>
-        <p:nvSpPr>
-          <p:cNvPr id="6" name="Slide Number Placeholder 5">
-            <a:extLst>
-              <a:ext uri="{FF2B5EF4-FFF2-40B4-BE49-F238E27FC236}">
-                <a16:creationId xmlns:a16="http://schemas.microsoft.com/office/drawing/2014/main" id="{5080EFFF-3D12-4114-B2D6-D4A51B46BAC8}"/>
+        <p:spPr/>
+        <p:txBody>
+          <a:bodyPr/>
+          <a:lstStyle/>
+          <a:p>
+            <a:endParaRPr lang="en-US"/>
+          </a:p>
+        </p:txBody>
+      </p:sp>
+      <p:sp>
+        <p:nvSpPr>
+          <p:cNvPr id="4" name="Slide Number Placeholder 3">
+            <a:extLst>
+              <a:ext uri="{FF2B5EF4-FFF2-40B4-BE49-F238E27FC236}">
+                <a16:creationId xmlns:a16="http://schemas.microsoft.com/office/drawing/2014/main" id="{7B5678AD-2C33-4C0F-92D6-7AC253E8906F}"/>
               </a:ext>
             </a:extLst>
           </p:cNvPr>
@@ -6963,7 +7567,7 @@
         </p:nvSpPr>
         <p:spPr>
           <a:xfrm>
-            <a:off x="11085112" y="6156164"/>
+            <a:off x="11075174" y="6329680"/>
             <a:ext cx="811019" cy="503578"/>
           </a:xfrm>
         </p:spPr>
@@ -6979,10 +7583,40 @@
           </a:p>
         </p:txBody>
       </p:sp>
+      <p:pic>
+        <p:nvPicPr>
+          <p:cNvPr id="9" name="Picture 8">
+            <a:extLst>
+              <a:ext uri="{FF2B5EF4-FFF2-40B4-BE49-F238E27FC236}">
+                <a16:creationId xmlns:a16="http://schemas.microsoft.com/office/drawing/2014/main" id="{7EDDEBC0-ADD5-4011-A19B-E351748AF75E}"/>
+              </a:ext>
+            </a:extLst>
+          </p:cNvPr>
+          <p:cNvPicPr>
+            <a:picLocks noChangeAspect="1"/>
+          </p:cNvPicPr>
+          <p:nvPr/>
+        </p:nvPicPr>
+        <p:blipFill>
+          <a:blip r:embed="rId2"/>
+          <a:stretch>
+            <a:fillRect/>
+          </a:stretch>
+        </p:blipFill>
+        <p:spPr>
+          <a:xfrm>
+            <a:off x="0" y="1026160"/>
+            <a:ext cx="12192000" cy="4795519"/>
+          </a:xfrm>
+          <a:prstGeom prst="rect">
+            <a:avLst/>
+          </a:prstGeom>
+        </p:spPr>
+      </p:pic>
     </p:spTree>
     <p:extLst>
       <p:ext uri="{BB962C8B-B14F-4D97-AF65-F5344CB8AC3E}">
-        <p14:creationId xmlns:p14="http://schemas.microsoft.com/office/powerpoint/2010/main" val="4146483930"/>
+        <p14:creationId xmlns:p14="http://schemas.microsoft.com/office/powerpoint/2010/main" val="1592077870"/>
       </p:ext>
     </p:extLst>
   </p:cSld>
@@ -7014,7 +7648,7 @@
           <p:cNvPr id="2" name="Title 1">
             <a:extLst>
               <a:ext uri="{FF2B5EF4-FFF2-40B4-BE49-F238E27FC236}">
-                <a16:creationId xmlns:a16="http://schemas.microsoft.com/office/drawing/2014/main" id="{3043CBB8-5137-4AFA-A98C-5A654F8E1972}"/>
+                <a16:creationId xmlns:a16="http://schemas.microsoft.com/office/drawing/2014/main" id="{177D68B6-09B0-4E27-9479-45AF89896561}"/>
               </a:ext>
             </a:extLst>
           </p:cNvPr>
@@ -7027,7 +7661,7 @@
         </p:nvSpPr>
         <p:spPr>
           <a:xfrm>
-            <a:off x="477545" y="168415"/>
+            <a:off x="338397" y="208172"/>
             <a:ext cx="9291215" cy="1049235"/>
           </a:xfrm>
         </p:spPr>
@@ -7038,100 +7672,76 @@
             <a:pPr algn="l"/>
             <a:r>
               <a:rPr lang="en-US" dirty="0"/>
-              <a:t>Double Table</a:t>
-            </a:r>
-          </a:p>
-        </p:txBody>
-      </p:sp>
-      <p:sp>
-        <p:nvSpPr>
-          <p:cNvPr id="8" name="TextBox 7">
-            <a:extLst>
-              <a:ext uri="{FF2B5EF4-FFF2-40B4-BE49-F238E27FC236}">
-                <a16:creationId xmlns:a16="http://schemas.microsoft.com/office/drawing/2014/main" id="{776CA7E7-C769-4160-9CCD-91586ADDF84A}"/>
-              </a:ext>
-            </a:extLst>
-          </p:cNvPr>
-          <p:cNvSpPr txBox="1"/>
-          <p:nvPr/>
-        </p:nvSpPr>
-        <p:spPr>
-          <a:xfrm>
-            <a:off x="1137920" y="1097280"/>
-            <a:ext cx="9215120" cy="4524315"/>
-          </a:xfrm>
-          <a:prstGeom prst="rect">
-            <a:avLst/>
-          </a:prstGeom>
-          <a:noFill/>
-        </p:spPr>
-        <p:txBody>
-          <a:bodyPr wrap="square" rtlCol="0">
-            <a:spAutoFit/>
-          </a:bodyPr>
-          <a:lstStyle/>
-          <a:p>
-            <a:pPr marL="514350" indent="-514350">
-              <a:buFont typeface="+mj-lt"/>
-              <a:buAutoNum type="arabicPeriod"/>
-            </a:pPr>
-            <a:r>
-              <a:rPr lang="en-US" sz="3200" dirty="0"/>
-              <a:t>Two player alternate play by the first player add his/her first step</a:t>
-            </a:r>
-          </a:p>
-          <a:p>
-            <a:pPr marL="514350" indent="-514350">
-              <a:buFont typeface="+mj-lt"/>
-              <a:buAutoNum type="arabicPeriod"/>
-            </a:pPr>
-            <a:endParaRPr lang="en-US" sz="3200" dirty="0"/>
-          </a:p>
-          <a:p>
-            <a:pPr marL="514350" indent="-514350">
-              <a:buFont typeface="+mj-lt"/>
-              <a:buAutoNum type="arabicPeriod"/>
-            </a:pPr>
-            <a:endParaRPr lang="en-US" sz="3200" dirty="0"/>
-          </a:p>
-          <a:p>
-            <a:pPr marL="514350" indent="-514350">
-              <a:buFont typeface="+mj-lt"/>
-              <a:buAutoNum type="arabicPeriod"/>
-            </a:pPr>
-            <a:endParaRPr lang="en-US" sz="3200" dirty="0"/>
-          </a:p>
-          <a:p>
-            <a:pPr marL="514350" indent="-514350">
-              <a:buFont typeface="+mj-lt"/>
-              <a:buAutoNum type="arabicPeriod"/>
-            </a:pPr>
-            <a:r>
-              <a:rPr lang="en-US" sz="3200" dirty="0"/>
-              <a:t>The second player must repeat it and add his/her own step</a:t>
-            </a:r>
-          </a:p>
-          <a:p>
-            <a:r>
-              <a:rPr lang="en-US" sz="3200" dirty="0"/>
-              <a:t> </a:t>
-            </a:r>
-          </a:p>
-          <a:p>
-            <a:pPr marL="514350" indent="-514350">
-              <a:buFont typeface="+mj-lt"/>
-              <a:buAutoNum type="arabicPeriod"/>
-            </a:pPr>
-            <a:endParaRPr lang="en-US" sz="3200" dirty="0"/>
+              <a:t>Mock up</a:t>
+            </a:r>
+          </a:p>
+        </p:txBody>
+      </p:sp>
+      <p:sp>
+        <p:nvSpPr>
+          <p:cNvPr id="3" name="Content Placeholder 2">
+            <a:extLst>
+              <a:ext uri="{FF2B5EF4-FFF2-40B4-BE49-F238E27FC236}">
+                <a16:creationId xmlns:a16="http://schemas.microsoft.com/office/drawing/2014/main" id="{1A232C20-1357-4289-A985-CC61FE3851B8}"/>
+              </a:ext>
+            </a:extLst>
+          </p:cNvPr>
+          <p:cNvSpPr>
+            <a:spLocks noGrp="1"/>
+          </p:cNvSpPr>
+          <p:nvPr>
+            <p:ph idx="1"/>
+          </p:nvPr>
+        </p:nvSpPr>
+        <p:spPr/>
+        <p:txBody>
+          <a:bodyPr/>
+          <a:lstStyle/>
+          <a:p>
+            <a:endParaRPr lang="en-US" dirty="0"/>
+          </a:p>
+        </p:txBody>
+      </p:sp>
+      <p:sp>
+        <p:nvSpPr>
+          <p:cNvPr id="4" name="Slide Number Placeholder 3">
+            <a:extLst>
+              <a:ext uri="{FF2B5EF4-FFF2-40B4-BE49-F238E27FC236}">
+                <a16:creationId xmlns:a16="http://schemas.microsoft.com/office/drawing/2014/main" id="{3C629109-386C-48EE-AFE3-91C4AE5D0973}"/>
+              </a:ext>
+            </a:extLst>
+          </p:cNvPr>
+          <p:cNvSpPr>
+            <a:spLocks noGrp="1"/>
+          </p:cNvSpPr>
+          <p:nvPr>
+            <p:ph type="sldNum" sz="quarter" idx="12"/>
+          </p:nvPr>
+        </p:nvSpPr>
+        <p:spPr>
+          <a:xfrm>
+            <a:off x="11045356" y="6205860"/>
+            <a:ext cx="811019" cy="503578"/>
+          </a:xfrm>
+        </p:spPr>
+        <p:txBody>
+          <a:bodyPr/>
+          <a:lstStyle/>
+          <a:p>
+            <a:fld id="{1B89DD3E-DF22-4EA1-BEAF-D8BFA9CB354D}" type="slidenum">
+              <a:rPr lang="en-US" smtClean="0"/>
+              <a:t>9</a:t>
+            </a:fld>
+            <a:endParaRPr lang="en-US" dirty="0"/>
           </a:p>
         </p:txBody>
       </p:sp>
       <p:pic>
         <p:nvPicPr>
-          <p:cNvPr id="9" name="Picture 8">
-            <a:extLst>
-              <a:ext uri="{FF2B5EF4-FFF2-40B4-BE49-F238E27FC236}">
-                <a16:creationId xmlns:a16="http://schemas.microsoft.com/office/drawing/2014/main" id="{49E048CF-4A47-4347-8E6D-B3627A9FE60D}"/>
+          <p:cNvPr id="11" name="Picture 10">
+            <a:extLst>
+              <a:ext uri="{FF2B5EF4-FFF2-40B4-BE49-F238E27FC236}">
+                <a16:creationId xmlns:a16="http://schemas.microsoft.com/office/drawing/2014/main" id="{FB25353B-D1BF-4967-9660-76F1A7642B5E}"/>
               </a:ext>
             </a:extLst>
           </p:cNvPr>
@@ -7148,112 +7758,18 @@
         </p:blipFill>
         <p:spPr>
           <a:xfrm>
-            <a:off x="6105800" y="1859260"/>
-            <a:ext cx="2472397" cy="1657032"/>
+            <a:off x="0" y="1013791"/>
+            <a:ext cx="12192000" cy="4452554"/>
           </a:xfrm>
           <a:prstGeom prst="rect">
             <a:avLst/>
           </a:prstGeom>
         </p:spPr>
       </p:pic>
-      <p:pic>
-        <p:nvPicPr>
-          <p:cNvPr id="10" name="Picture 9">
-            <a:extLst>
-              <a:ext uri="{FF2B5EF4-FFF2-40B4-BE49-F238E27FC236}">
-                <a16:creationId xmlns:a16="http://schemas.microsoft.com/office/drawing/2014/main" id="{C95D3DCF-6F75-4EC6-9E43-F27187229327}"/>
-              </a:ext>
-            </a:extLst>
-          </p:cNvPr>
-          <p:cNvPicPr>
-            <a:picLocks noChangeAspect="1"/>
-          </p:cNvPicPr>
-          <p:nvPr/>
-        </p:nvPicPr>
-        <p:blipFill>
-          <a:blip r:embed="rId2"/>
-          <a:stretch>
-            <a:fillRect/>
-          </a:stretch>
-        </p:blipFill>
-        <p:spPr>
-          <a:xfrm>
-            <a:off x="5435240" y="4209324"/>
-            <a:ext cx="2472397" cy="1657032"/>
-          </a:xfrm>
-          <a:prstGeom prst="rect">
-            <a:avLst/>
-          </a:prstGeom>
-        </p:spPr>
-      </p:pic>
-      <p:pic>
-        <p:nvPicPr>
-          <p:cNvPr id="11" name="Picture 10">
-            <a:extLst>
-              <a:ext uri="{FF2B5EF4-FFF2-40B4-BE49-F238E27FC236}">
-                <a16:creationId xmlns:a16="http://schemas.microsoft.com/office/drawing/2014/main" id="{CD17F3F9-8938-4350-9A2E-B003B2335B42}"/>
-              </a:ext>
-            </a:extLst>
-          </p:cNvPr>
-          <p:cNvPicPr>
-            <a:picLocks noChangeAspect="1"/>
-          </p:cNvPicPr>
-          <p:nvPr/>
-        </p:nvPicPr>
-        <p:blipFill>
-          <a:blip r:embed="rId3"/>
-          <a:stretch>
-            <a:fillRect/>
-          </a:stretch>
-        </p:blipFill>
-        <p:spPr>
-          <a:xfrm>
-            <a:off x="8435260" y="4152015"/>
-            <a:ext cx="2667000" cy="1771650"/>
-          </a:xfrm>
-          <a:prstGeom prst="rect">
-            <a:avLst/>
-          </a:prstGeom>
-        </p:spPr>
-      </p:pic>
-      <p:sp>
-        <p:nvSpPr>
-          <p:cNvPr id="5" name="Slide Number Placeholder 4">
-            <a:extLst>
-              <a:ext uri="{FF2B5EF4-FFF2-40B4-BE49-F238E27FC236}">
-                <a16:creationId xmlns:a16="http://schemas.microsoft.com/office/drawing/2014/main" id="{6850F4E6-65C6-47C6-9E66-14EB00C72D70}"/>
-              </a:ext>
-            </a:extLst>
-          </p:cNvPr>
-          <p:cNvSpPr>
-            <a:spLocks noGrp="1"/>
-          </p:cNvSpPr>
-          <p:nvPr>
-            <p:ph type="sldNum" sz="quarter" idx="12"/>
-          </p:nvPr>
-        </p:nvSpPr>
-        <p:spPr>
-          <a:xfrm>
-            <a:off x="11174565" y="6205860"/>
-            <a:ext cx="811019" cy="503578"/>
-          </a:xfrm>
-        </p:spPr>
-        <p:txBody>
-          <a:bodyPr/>
-          <a:lstStyle/>
-          <a:p>
-            <a:fld id="{1B89DD3E-DF22-4EA1-BEAF-D8BFA9CB354D}" type="slidenum">
-              <a:rPr lang="en-US" smtClean="0"/>
-              <a:t>9</a:t>
-            </a:fld>
-            <a:endParaRPr lang="en-US"/>
-          </a:p>
-        </p:txBody>
-      </p:sp>
     </p:spTree>
     <p:extLst>
       <p:ext uri="{BB962C8B-B14F-4D97-AF65-F5344CB8AC3E}">
-        <p14:creationId xmlns:p14="http://schemas.microsoft.com/office/powerpoint/2010/main" val="3034094430"/>
+        <p14:creationId xmlns:p14="http://schemas.microsoft.com/office/powerpoint/2010/main" val="1258547893"/>
       </p:ext>
     </p:extLst>
   </p:cSld>

--- a/Work/present_iWing v2.pptx
+++ b/Work/present_iWing v2.pptx
@@ -6586,10 +6586,10 @@
       </p:pic>
       <p:pic>
         <p:nvPicPr>
-          <p:cNvPr id="5" name="Picture 4">
-            <a:extLst>
-              <a:ext uri="{FF2B5EF4-FFF2-40B4-BE49-F238E27FC236}">
-                <a16:creationId xmlns:a16="http://schemas.microsoft.com/office/drawing/2014/main" id="{3A0365E0-E9B9-440A-BEC7-F1DE40837D34}"/>
+          <p:cNvPr id="6" name="Picture 5">
+            <a:extLst>
+              <a:ext uri="{FF2B5EF4-FFF2-40B4-BE49-F238E27FC236}">
+                <a16:creationId xmlns:a16="http://schemas.microsoft.com/office/drawing/2014/main" id="{A634D327-EB31-47EB-9E15-5FF61F40D961}"/>
               </a:ext>
             </a:extLst>
           </p:cNvPr>
@@ -6600,36 +6600,6 @@
         </p:nvPicPr>
         <p:blipFill>
           <a:blip r:embed="rId3"/>
-          <a:stretch>
-            <a:fillRect/>
-          </a:stretch>
-        </p:blipFill>
-        <p:spPr>
-          <a:xfrm>
-            <a:off x="4664323" y="1288354"/>
-            <a:ext cx="2696667" cy="1799771"/>
-          </a:xfrm>
-          <a:prstGeom prst="rect">
-            <a:avLst/>
-          </a:prstGeom>
-        </p:spPr>
-      </p:pic>
-      <p:pic>
-        <p:nvPicPr>
-          <p:cNvPr id="6" name="Picture 5">
-            <a:extLst>
-              <a:ext uri="{FF2B5EF4-FFF2-40B4-BE49-F238E27FC236}">
-                <a16:creationId xmlns:a16="http://schemas.microsoft.com/office/drawing/2014/main" id="{A634D327-EB31-47EB-9E15-5FF61F40D961}"/>
-              </a:ext>
-            </a:extLst>
-          </p:cNvPr>
-          <p:cNvPicPr>
-            <a:picLocks noChangeAspect="1"/>
-          </p:cNvPicPr>
-          <p:nvPr/>
-        </p:nvPicPr>
-        <p:blipFill>
-          <a:blip r:embed="rId4"/>
           <a:stretch>
             <a:fillRect/>
           </a:stretch>
@@ -6781,10 +6751,10 @@
       </p:cxnSp>
       <p:pic>
         <p:nvPicPr>
-          <p:cNvPr id="18" name="Picture 17">
-            <a:extLst>
-              <a:ext uri="{FF2B5EF4-FFF2-40B4-BE49-F238E27FC236}">
-                <a16:creationId xmlns:a16="http://schemas.microsoft.com/office/drawing/2014/main" id="{C87FF722-8217-4FAC-968E-93C9369B1312}"/>
+          <p:cNvPr id="19" name="Picture 18">
+            <a:extLst>
+              <a:ext uri="{FF2B5EF4-FFF2-40B4-BE49-F238E27FC236}">
+                <a16:creationId xmlns:a16="http://schemas.microsoft.com/office/drawing/2014/main" id="{453A283F-B679-4D33-ACC1-1F3B30AD8705}"/>
               </a:ext>
             </a:extLst>
           </p:cNvPr>
@@ -6794,37 +6764,7 @@
           <p:nvPr/>
         </p:nvPicPr>
         <p:blipFill>
-          <a:blip r:embed="rId5"/>
-          <a:stretch>
-            <a:fillRect/>
-          </a:stretch>
-        </p:blipFill>
-        <p:spPr>
-          <a:xfrm>
-            <a:off x="1387157" y="3579962"/>
-            <a:ext cx="2646363" cy="1772066"/>
-          </a:xfrm>
-          <a:prstGeom prst="rect">
-            <a:avLst/>
-          </a:prstGeom>
-        </p:spPr>
-      </p:pic>
-      <p:pic>
-        <p:nvPicPr>
-          <p:cNvPr id="19" name="Picture 18">
-            <a:extLst>
-              <a:ext uri="{FF2B5EF4-FFF2-40B4-BE49-F238E27FC236}">
-                <a16:creationId xmlns:a16="http://schemas.microsoft.com/office/drawing/2014/main" id="{453A283F-B679-4D33-ACC1-1F3B30AD8705}"/>
-              </a:ext>
-            </a:extLst>
-          </p:cNvPr>
-          <p:cNvPicPr>
-            <a:picLocks noChangeAspect="1"/>
-          </p:cNvPicPr>
-          <p:nvPr/>
-        </p:nvPicPr>
-        <p:blipFill>
-          <a:blip r:embed="rId6"/>
+          <a:blip r:embed="rId4"/>
           <a:stretch>
             <a:fillRect/>
           </a:stretch>
@@ -7221,6 +7161,66 @@
           </a:fontRef>
         </p:style>
       </p:cxnSp>
+      <p:pic>
+        <p:nvPicPr>
+          <p:cNvPr id="3" name="Picture 2">
+            <a:extLst>
+              <a:ext uri="{FF2B5EF4-FFF2-40B4-BE49-F238E27FC236}">
+                <a16:creationId xmlns:a16="http://schemas.microsoft.com/office/drawing/2014/main" id="{A0BC6AE6-4701-44DF-A675-BAD580770B3F}"/>
+              </a:ext>
+            </a:extLst>
+          </p:cNvPr>
+          <p:cNvPicPr>
+            <a:picLocks noChangeAspect="1"/>
+          </p:cNvPicPr>
+          <p:nvPr/>
+        </p:nvPicPr>
+        <p:blipFill>
+          <a:blip r:embed="rId5"/>
+          <a:stretch>
+            <a:fillRect/>
+          </a:stretch>
+        </p:blipFill>
+        <p:spPr>
+          <a:xfrm>
+            <a:off x="4597825" y="1329896"/>
+            <a:ext cx="2705100" cy="1809750"/>
+          </a:xfrm>
+          <a:prstGeom prst="rect">
+            <a:avLst/>
+          </a:prstGeom>
+        </p:spPr>
+      </p:pic>
+      <p:pic>
+        <p:nvPicPr>
+          <p:cNvPr id="12" name="Picture 11">
+            <a:extLst>
+              <a:ext uri="{FF2B5EF4-FFF2-40B4-BE49-F238E27FC236}">
+                <a16:creationId xmlns:a16="http://schemas.microsoft.com/office/drawing/2014/main" id="{1FCF2038-5255-487D-983E-6702462F4F44}"/>
+              </a:ext>
+            </a:extLst>
+          </p:cNvPr>
+          <p:cNvPicPr>
+            <a:picLocks noChangeAspect="1"/>
+          </p:cNvPicPr>
+          <p:nvPr/>
+        </p:nvPicPr>
+        <p:blipFill>
+          <a:blip r:embed="rId6"/>
+          <a:stretch>
+            <a:fillRect/>
+          </a:stretch>
+        </p:blipFill>
+        <p:spPr>
+          <a:xfrm>
+            <a:off x="1371404" y="3470594"/>
+            <a:ext cx="2695575" cy="1809750"/>
+          </a:xfrm>
+          <a:prstGeom prst="rect">
+            <a:avLst/>
+          </a:prstGeom>
+        </p:spPr>
+      </p:pic>
     </p:spTree>
     <p:extLst>
       <p:ext uri="{BB962C8B-B14F-4D97-AF65-F5344CB8AC3E}">
@@ -7585,10 +7585,10 @@
       </p:sp>
       <p:pic>
         <p:nvPicPr>
-          <p:cNvPr id="9" name="Picture 8">
-            <a:extLst>
-              <a:ext uri="{FF2B5EF4-FFF2-40B4-BE49-F238E27FC236}">
-                <a16:creationId xmlns:a16="http://schemas.microsoft.com/office/drawing/2014/main" id="{7EDDEBC0-ADD5-4011-A19B-E351748AF75E}"/>
+          <p:cNvPr id="2" name="Picture 1">
+            <a:extLst>
+              <a:ext uri="{FF2B5EF4-FFF2-40B4-BE49-F238E27FC236}">
+                <a16:creationId xmlns:a16="http://schemas.microsoft.com/office/drawing/2014/main" id="{83076C7A-CAC5-4A78-937B-407F3A23EE63}"/>
               </a:ext>
             </a:extLst>
           </p:cNvPr>
@@ -7605,8 +7605,8 @@
         </p:blipFill>
         <p:spPr>
           <a:xfrm>
-            <a:off x="0" y="1026160"/>
-            <a:ext cx="12192000" cy="4795519"/>
+            <a:off x="0" y="1247468"/>
+            <a:ext cx="12192000" cy="4442132"/>
           </a:xfrm>
           <a:prstGeom prst="rect">
             <a:avLst/>
